--- a/draft-gandhi-spring-stamp-srpm-05.pptx
+++ b/draft-gandhi-spring-stamp-srpm-05.pptx
@@ -255,7 +255,7 @@
           <a:p>
             <a:fld id="{E8FA3DB5-7722-3F4F-947D-12B203669AD7}" type="datetimeFigureOut">
               <a:rPr lang="en-US" smtClean="0"/>
-              <a:t>1/25/21</a:t>
+              <a:t>1/26/21</a:t>
             </a:fld>
             <a:endParaRPr lang="en-US"/>
           </a:p>
@@ -5314,7 +5314,7 @@
                 <a:latin typeface="Calibri" panose="020F0502020204030204" pitchFamily="34" charset="0"/>
                 <a:cs typeface="Calibri" panose="020F0502020204030204" pitchFamily="34" charset="0"/>
               </a:rPr>
-              <a:t>Connection loss (aka liveness heart-beat failure detection)</a:t>
+              <a:t>Connectivity loss (aka liveness heart-beat failure detection)</a:t>
             </a:r>
           </a:p>
           <a:p>
@@ -6101,7 +6101,7 @@
             </a:pPr>
             <a:r>
               <a:rPr lang="en-US" sz="1400" dirty="0"/>
-              <a:t>Delay and Synthetic Loss Measurement </a:t>
+              <a:t>Delay and Loss Measurement </a:t>
             </a:r>
           </a:p>
           <a:p>
@@ -6111,7 +6111,7 @@
             </a:pPr>
             <a:r>
               <a:rPr lang="en-US" sz="1400" dirty="0"/>
-              <a:t>Links and End-to-end P2P/P2MP SR Paths</a:t>
+              <a:t>Links and end-to-end P2P/P2MP SR paths</a:t>
             </a:r>
           </a:p>
           <a:p>
@@ -6802,7 +6802,7 @@
           <a:p>
             <a:r>
               <a:rPr lang="en-US" sz="1200" dirty="0"/>
-              <a:t>TTL is set 1. RA not set.</a:t>
+              <a:t>TTL is set 1.</a:t>
             </a:r>
           </a:p>
           <a:p>
@@ -7702,7 +7702,7 @@
           <a:p>
             <a:r>
               <a:rPr lang="en-US" sz="1200" dirty="0"/>
-              <a:t>Color only SR Policy:</a:t>
+              <a:t>Color only SR-MPLS Policy:</a:t>
             </a:r>
           </a:p>
           <a:p>
@@ -7722,7 +7722,7 @@
           <a:p>
             <a:r>
               <a:rPr lang="en-US" sz="1200" dirty="0"/>
-              <a:t>P2MP SR Policy</a:t>
+              <a:t>P2MP SR-MPLS Policy</a:t>
             </a:r>
           </a:p>
           <a:p>
@@ -8287,7 +8287,7 @@
                   <a:srgbClr val="0070C0"/>
                 </a:solidFill>
               </a:rPr>
-              <a:t>Use Control Code from the received test packet if set.</a:t>
+              <a:t>Link - Use Control Code from the received test packet if set.</a:t>
             </a:r>
           </a:p>
           <a:p>
@@ -8297,7 +8297,7 @@
                   <a:srgbClr val="0070C0"/>
                 </a:solidFill>
               </a:rPr>
-              <a:t>Use Segment List from Return Path TLV if present in received test packet.</a:t>
+              <a:t>SR path - Use Segment List from Return Path TLV if present in received test packet.</a:t>
             </a:r>
           </a:p>
         </p:txBody>
@@ -8538,7 +8538,7 @@
                 <a:latin typeface="Courier" pitchFamily="2" charset="0"/>
                 <a:cs typeface="Courier New" panose="02070309020205020404" pitchFamily="49" charset="0"/>
               </a:rPr>
-              <a:t>                Figure: Session-Reflector Test Packet</a:t>
+              <a:t>               Figure 4: Session-Reflector Test Packet</a:t>
             </a:r>
             <a:endParaRPr lang="en-US" sz="1000" dirty="0">
               <a:latin typeface="Courier" pitchFamily="2" charset="0"/>
@@ -8652,7 +8652,7 @@
         </p:nvSpPr>
         <p:spPr>
           <a:xfrm>
-            <a:off x="419100" y="912201"/>
+            <a:off x="457200" y="941875"/>
             <a:ext cx="8305800" cy="3259750"/>
           </a:xfrm>
         </p:spPr>
@@ -8669,7 +8669,7 @@
               </a:spcBef>
             </a:pPr>
             <a:r>
-              <a:rPr lang="en-US" sz="1800" dirty="0"/>
+              <a:rPr lang="en-US" sz="1600" dirty="0"/>
               <a:t>SR Path can have ECMP between the ingress and transit nodes, between transit nodes and between transit and egress nodes.</a:t>
             </a:r>
           </a:p>
@@ -8683,7 +8683,7 @@
               </a:spcBef>
             </a:pPr>
             <a:r>
-              <a:rPr lang="en-US" sz="1800" dirty="0"/>
+              <a:rPr lang="en-US" sz="1600" dirty="0"/>
               <a:t>Sending test packets that can take advantage of the hashing function in forwarding plane.</a:t>
             </a:r>
           </a:p>
@@ -8697,7 +8697,7 @@
               </a:spcBef>
             </a:pPr>
             <a:r>
-              <a:rPr lang="en-US" sz="1800" dirty="0"/>
+              <a:rPr lang="en-US" sz="1600" dirty="0"/>
               <a:t>Existing forwarding mechanisms are applicable to test packets. Examples are:</a:t>
             </a:r>
           </a:p>
@@ -8711,7 +8711,7 @@
               </a:spcBef>
             </a:pPr>
             <a:r>
-              <a:rPr lang="en-US" sz="1800" dirty="0"/>
+              <a:rPr lang="en-US" sz="1600" dirty="0"/>
               <a:t>For IPv4</a:t>
             </a:r>
           </a:p>
@@ -8725,7 +8725,7 @@
               </a:spcBef>
             </a:pPr>
             <a:r>
-              <a:rPr lang="en-US" sz="1800" dirty="0"/>
+              <a:rPr lang="en-US" sz="1600" dirty="0"/>
               <a:t>Sweeping destination address in IPv4 header (e.g. 127/8)</a:t>
             </a:r>
           </a:p>
@@ -8739,7 +8739,7 @@
               </a:spcBef>
             </a:pPr>
             <a:r>
-              <a:rPr lang="en-US" sz="1800" dirty="0">
+              <a:rPr lang="en-US" sz="1600" dirty="0">
                 <a:solidFill>
                   <a:srgbClr val="0070C0"/>
                 </a:solidFill>
@@ -8757,7 +8757,7 @@
               </a:spcBef>
             </a:pPr>
             <a:r>
-              <a:rPr lang="en-US" sz="1800" dirty="0"/>
+              <a:rPr lang="en-US" sz="1600" dirty="0"/>
               <a:t>For IPv6</a:t>
             </a:r>
           </a:p>
@@ -8771,7 +8771,7 @@
               </a:spcBef>
             </a:pPr>
             <a:r>
-              <a:rPr lang="en-US" sz="1800" dirty="0"/>
+              <a:rPr lang="en-US" sz="1600" dirty="0"/>
               <a:t>Sweeping flow label in IPv6 header</a:t>
             </a:r>
           </a:p>
@@ -8968,8 +8968,8 @@
               </a:spcBef>
             </a:pPr>
             <a:r>
-              <a:rPr lang="en-US" sz="2000" dirty="0"/>
-              <a:t>One-way Measurement Mode</a:t>
+              <a:rPr lang="en-US" sz="1800" dirty="0"/>
+              <a:t>One-way Delay Measurement Mode</a:t>
             </a:r>
           </a:p>
           <a:p>
@@ -8982,8 +8982,8 @@
               </a:spcBef>
             </a:pPr>
             <a:r>
-              <a:rPr lang="en-US" sz="2000" dirty="0"/>
-              <a:t>Test packet reply sent “out of band” on IP/UDP path by default</a:t>
+              <a:rPr lang="en-US" sz="1800" dirty="0"/>
+              <a:t>Existing default behavior</a:t>
             </a:r>
           </a:p>
           <a:p>
@@ -8996,8 +8996,8 @@
               </a:spcBef>
             </a:pPr>
             <a:r>
-              <a:rPr lang="en-US" sz="2000" dirty="0"/>
-              <a:t>Two-way Measurement Mode</a:t>
+              <a:rPr lang="en-US" sz="1800" dirty="0"/>
+              <a:t>Two-way Delay Measurement Mode</a:t>
             </a:r>
           </a:p>
           <a:p>
@@ -9010,7 +9010,7 @@
               </a:spcBef>
             </a:pPr>
             <a:r>
-              <a:rPr lang="en-US" sz="2000" dirty="0"/>
+              <a:rPr lang="en-US" sz="1800" dirty="0"/>
               <a:t>Test packet reply sent “in-band” on reverse path</a:t>
             </a:r>
           </a:p>
@@ -9024,12 +9024,12 @@
               </a:spcBef>
             </a:pPr>
             <a:r>
-              <a:rPr lang="en-US" sz="2000" dirty="0">
+              <a:rPr lang="en-US" sz="1800" dirty="0">
                 <a:solidFill>
                   <a:srgbClr val="0070C0"/>
                 </a:solidFill>
               </a:rPr>
-              <a:t>Use Control Code from the received test packet</a:t>
+              <a:t>Link - Use Control Code from the received test packet</a:t>
             </a:r>
           </a:p>
           <a:p>
@@ -9042,12 +9042,12 @@
               </a:spcBef>
             </a:pPr>
             <a:r>
-              <a:rPr lang="en-US" sz="2000" dirty="0">
+              <a:rPr lang="en-US" sz="1800" dirty="0">
                 <a:solidFill>
                   <a:srgbClr val="0070C0"/>
                 </a:solidFill>
               </a:rPr>
-              <a:t>Use Return Path TLV for STAMP from the received test packet</a:t>
+              <a:t>SR path - Use Return Path TLV for STAMP from the received test packet</a:t>
             </a:r>
           </a:p>
           <a:p>
@@ -9060,7 +9060,7 @@
               </a:spcBef>
             </a:pPr>
             <a:r>
-              <a:rPr lang="en-US" sz="2000" dirty="0"/>
+              <a:rPr lang="en-US" sz="1800" dirty="0"/>
               <a:t>Loopback Measurement Mode</a:t>
             </a:r>
           </a:p>
@@ -9074,10 +9074,10 @@
               </a:spcBef>
             </a:pPr>
             <a:r>
-              <a:rPr lang="en-US" sz="2000" dirty="0"/>
-              <a:t>  Test packet carries the return path in the header</a:t>
-            </a:r>
-            <a:endParaRPr lang="en-US" sz="2000" b="1" dirty="0"/>
+              <a:rPr lang="en-US" sz="1800" dirty="0"/>
+              <a:t>  Session-sender test packet carries the return path in the header</a:t>
+            </a:r>
+            <a:endParaRPr lang="en-US" sz="1800" b="1" dirty="0"/>
           </a:p>
           <a:p>
             <a:pPr>
@@ -9088,7 +9088,7 @@
                 <a:spcPts val="600"/>
               </a:spcBef>
             </a:pPr>
-            <a:endParaRPr lang="en-US" sz="2000" dirty="0"/>
+            <a:endParaRPr lang="en-US" sz="1800" dirty="0"/>
           </a:p>
         </p:txBody>
       </p:sp>

--- a/draft-gandhi-spring-stamp-srpm-05.pptx
+++ b/draft-gandhi-spring-stamp-srpm-05.pptx
@@ -5,10 +5,10 @@
     <p:sldMasterId id="2147483648" r:id="rId1"/>
   </p:sldMasterIdLst>
   <p:notesMasterIdLst>
-    <p:notesMasterId r:id="rId14"/>
+    <p:notesMasterId r:id="rId15"/>
   </p:notesMasterIdLst>
   <p:handoutMasterIdLst>
-    <p:handoutMasterId r:id="rId15"/>
+    <p:handoutMasterId r:id="rId16"/>
   </p:handoutMasterIdLst>
   <p:sldIdLst>
     <p:sldId id="1661" r:id="rId2"/>
@@ -17,12 +17,13 @@
     <p:sldId id="1652" r:id="rId5"/>
     <p:sldId id="1657" r:id="rId6"/>
     <p:sldId id="1673" r:id="rId7"/>
-    <p:sldId id="320" r:id="rId8"/>
-    <p:sldId id="1658" r:id="rId9"/>
-    <p:sldId id="1667" r:id="rId10"/>
-    <p:sldId id="1674" r:id="rId11"/>
-    <p:sldId id="1670" r:id="rId12"/>
-    <p:sldId id="1654" r:id="rId13"/>
+    <p:sldId id="1675" r:id="rId8"/>
+    <p:sldId id="320" r:id="rId9"/>
+    <p:sldId id="1658" r:id="rId10"/>
+    <p:sldId id="1667" r:id="rId11"/>
+    <p:sldId id="1674" r:id="rId12"/>
+    <p:sldId id="1670" r:id="rId13"/>
+    <p:sldId id="1654" r:id="rId14"/>
   </p:sldIdLst>
   <p:sldSz cx="9144000" cy="5143500" type="screen16x9"/>
   <p:notesSz cx="6858000" cy="9144000"/>
@@ -255,7 +256,7 @@
           <a:p>
             <a:fld id="{E8FA3DB5-7722-3F4F-947D-12B203669AD7}" type="datetimeFigureOut">
               <a:rPr lang="en-US" smtClean="0"/>
-              <a:t>1/26/21</a:t>
+              <a:t>1/28/21</a:t>
             </a:fld>
             <a:endParaRPr lang="en-US"/>
           </a:p>
@@ -1123,7 +1124,7 @@
               <a:pPr>
                 <a:defRPr/>
               </a:pPr>
-              <a:t>8</a:t>
+              <a:t>9</a:t>
             </a:fld>
             <a:endParaRPr lang="en-US" altLang="zh-CN"/>
           </a:p>
@@ -1213,7 +1214,7 @@
               <a:pPr>
                 <a:defRPr/>
               </a:pPr>
-              <a:t>9</a:t>
+              <a:t>10</a:t>
             </a:fld>
             <a:endParaRPr lang="en-US" altLang="zh-CN"/>
           </a:p>
@@ -1303,7 +1304,7 @@
               <a:pPr>
                 <a:defRPr/>
               </a:pPr>
-              <a:t>10</a:t>
+              <a:t>11</a:t>
             </a:fld>
             <a:endParaRPr lang="en-US" altLang="zh-CN"/>
           </a:p>
@@ -1393,7 +1394,7 @@
               <a:pPr>
                 <a:defRPr/>
               </a:pPr>
-              <a:t>11</a:t>
+              <a:t>12</a:t>
             </a:fld>
             <a:endParaRPr lang="en-US" altLang="zh-CN"/>
           </a:p>
@@ -1483,7 +1484,7 @@
               <a:pPr>
                 <a:defRPr/>
               </a:pPr>
-              <a:t>12</a:t>
+              <a:t>13</a:t>
             </a:fld>
             <a:endParaRPr lang="en-US" altLang="zh-CN"/>
           </a:p>
@@ -5106,8 +5107,8 @@
         </p:nvSpPr>
         <p:spPr>
           <a:xfrm>
-            <a:off x="489857" y="80962"/>
-            <a:ext cx="8153400" cy="857250"/>
+            <a:off x="457200" y="0"/>
+            <a:ext cx="8229600" cy="857250"/>
           </a:xfrm>
         </p:spPr>
         <p:txBody>
@@ -5122,7 +5123,7 @@
                 <a:latin typeface="Calibri Light" panose="020F0302020204030204" pitchFamily="34" charset="0"/>
                 <a:cs typeface="Calibri Light" panose="020F0302020204030204" pitchFamily="34" charset="0"/>
               </a:rPr>
-              <a:t>Example PM Metrics</a:t>
+              <a:t>Performance Measurement Modes</a:t>
             </a:r>
           </a:p>
         </p:txBody>
@@ -5174,8 +5175,8 @@
         </p:nvSpPr>
         <p:spPr>
           <a:xfrm>
-            <a:off x="533400" y="1009650"/>
-            <a:ext cx="8077200" cy="3124200"/>
+            <a:off x="457200" y="1009650"/>
+            <a:ext cx="8319052" cy="3390900"/>
           </a:xfrm>
         </p:spPr>
         <p:txBody>
@@ -5191,11 +5192,8 @@
               </a:spcBef>
             </a:pPr>
             <a:r>
-              <a:rPr lang="en-US" sz="2000" dirty="0">
-                <a:latin typeface="Calibri" panose="020F0502020204030204" pitchFamily="34" charset="0"/>
-                <a:cs typeface="Calibri" panose="020F0502020204030204" pitchFamily="34" charset="0"/>
-              </a:rPr>
-              <a:t>Compute following example delay metrics:</a:t>
+              <a:rPr lang="en-US" sz="1800" dirty="0"/>
+              <a:t>One-way Delay Measurement Mode</a:t>
             </a:r>
           </a:p>
           <a:p>
@@ -5208,11 +5206,22 @@
               </a:spcBef>
             </a:pPr>
             <a:r>
-              <a:rPr lang="en-US" sz="2000" dirty="0">
-                <a:latin typeface="Calibri" panose="020F0502020204030204" pitchFamily="34" charset="0"/>
-                <a:cs typeface="Calibri" panose="020F0502020204030204" pitchFamily="34" charset="0"/>
-              </a:rPr>
-              <a:t>Minimum delay</a:t>
+              <a:rPr lang="en-US" sz="1800" dirty="0"/>
+              <a:t>Existing default behavior</a:t>
+            </a:r>
+          </a:p>
+          <a:p>
+            <a:pPr>
+              <a:lnSpc>
+                <a:spcPts val="2360"/>
+              </a:lnSpc>
+              <a:spcBef>
+                <a:spcPts val="600"/>
+              </a:spcBef>
+            </a:pPr>
+            <a:r>
+              <a:rPr lang="en-US" sz="1800" dirty="0"/>
+              <a:t>Two-way Delay Measurement Mode</a:t>
             </a:r>
           </a:p>
           <a:p>
@@ -5225,11 +5234,58 @@
               </a:spcBef>
             </a:pPr>
             <a:r>
-              <a:rPr lang="en-US" sz="2000" dirty="0">
-                <a:latin typeface="Calibri" panose="020F0502020204030204" pitchFamily="34" charset="0"/>
-                <a:cs typeface="Calibri" panose="020F0502020204030204" pitchFamily="34" charset="0"/>
-              </a:rPr>
-              <a:t>Maximum delay</a:t>
+              <a:rPr lang="en-US" sz="1800" dirty="0"/>
+              <a:t>STAMP test packet reply sent “in-band” on reverse path</a:t>
+            </a:r>
+          </a:p>
+          <a:p>
+            <a:pPr lvl="2">
+              <a:lnSpc>
+                <a:spcPts val="2360"/>
+              </a:lnSpc>
+              <a:spcBef>
+                <a:spcPts val="600"/>
+              </a:spcBef>
+            </a:pPr>
+            <a:r>
+              <a:rPr lang="en-US" sz="1800" dirty="0">
+                <a:solidFill>
+                  <a:srgbClr val="0070C0"/>
+                </a:solidFill>
+              </a:rPr>
+              <a:t>Link - Use Control Code from the received test packet</a:t>
+            </a:r>
+          </a:p>
+          <a:p>
+            <a:pPr lvl="2">
+              <a:lnSpc>
+                <a:spcPts val="2360"/>
+              </a:lnSpc>
+              <a:spcBef>
+                <a:spcPts val="600"/>
+              </a:spcBef>
+            </a:pPr>
+            <a:r>
+              <a:rPr lang="en-US" sz="1800" dirty="0">
+                <a:solidFill>
+                  <a:srgbClr val="0070C0"/>
+                </a:solidFill>
+              </a:rPr>
+              <a:t>SR path - Use Return Path TLV from the received test packet</a:t>
+            </a:r>
+          </a:p>
+          <a:p>
+            <a:pPr>
+              <a:lnSpc>
+                <a:spcPts val="2360"/>
+              </a:lnSpc>
+              <a:spcBef>
+                <a:spcPts val="600"/>
+              </a:spcBef>
+            </a:pPr>
+            <a:r>
+              <a:rPr lang="en-US" sz="1800" dirty="0"/>
+              <a:t>Loopback Measurement Mode</a:t>
             </a:r>
           </a:p>
           <a:p>
@@ -5242,29 +5298,10 @@
               </a:spcBef>
             </a:pPr>
             <a:r>
-              <a:rPr lang="en-US" sz="2000" dirty="0">
-                <a:latin typeface="Calibri" panose="020F0502020204030204" pitchFamily="34" charset="0"/>
-                <a:cs typeface="Calibri" panose="020F0502020204030204" pitchFamily="34" charset="0"/>
-              </a:rPr>
-              <a:t>Average delay</a:t>
-            </a:r>
-          </a:p>
-          <a:p>
-            <a:pPr lvl="1">
-              <a:lnSpc>
-                <a:spcPts val="2360"/>
-              </a:lnSpc>
-              <a:spcBef>
-                <a:spcPts val="600"/>
-              </a:spcBef>
-            </a:pPr>
-            <a:r>
-              <a:rPr lang="en-US" sz="2000" dirty="0">
-                <a:latin typeface="Calibri" panose="020F0502020204030204" pitchFamily="34" charset="0"/>
-                <a:cs typeface="Calibri" panose="020F0502020204030204" pitchFamily="34" charset="0"/>
-              </a:rPr>
-              <a:t>Delay variance</a:t>
-            </a:r>
+              <a:rPr lang="en-US" sz="1800" dirty="0"/>
+              <a:t>  STAMP Session-Sender test packet carries the return path in the header</a:t>
+            </a:r>
+            <a:endParaRPr lang="en-US" sz="1800" b="1" dirty="0"/>
           </a:p>
           <a:p>
             <a:pPr>
@@ -5275,61 +5312,7 @@
                 <a:spcPts val="600"/>
               </a:spcBef>
             </a:pPr>
-            <a:r>
-              <a:rPr lang="en-US" sz="2000" dirty="0">
-                <a:latin typeface="Calibri" panose="020F0502020204030204" pitchFamily="34" charset="0"/>
-                <a:cs typeface="Calibri" panose="020F0502020204030204" pitchFamily="34" charset="0"/>
-              </a:rPr>
-              <a:t>Compute following example loss metrics:</a:t>
-            </a:r>
-          </a:p>
-          <a:p>
-            <a:pPr lvl="1">
-              <a:lnSpc>
-                <a:spcPts val="2360"/>
-              </a:lnSpc>
-              <a:spcBef>
-                <a:spcPts val="600"/>
-              </a:spcBef>
-            </a:pPr>
-            <a:r>
-              <a:rPr lang="en-US" sz="2000" dirty="0">
-                <a:latin typeface="Calibri" panose="020F0502020204030204" pitchFamily="34" charset="0"/>
-                <a:cs typeface="Calibri" panose="020F0502020204030204" pitchFamily="34" charset="0"/>
-              </a:rPr>
-              <a:t>Synthetic packet loss (aka indirect-mode packet loss)</a:t>
-            </a:r>
-          </a:p>
-          <a:p>
-            <a:pPr lvl="1">
-              <a:lnSpc>
-                <a:spcPts val="2360"/>
-              </a:lnSpc>
-              <a:spcBef>
-                <a:spcPts val="600"/>
-              </a:spcBef>
-            </a:pPr>
-            <a:r>
-              <a:rPr lang="en-US" sz="2000" dirty="0">
-                <a:latin typeface="Calibri" panose="020F0502020204030204" pitchFamily="34" charset="0"/>
-                <a:cs typeface="Calibri" panose="020F0502020204030204" pitchFamily="34" charset="0"/>
-              </a:rPr>
-              <a:t>Connectivity loss (aka liveness heart-beat failure detection)</a:t>
-            </a:r>
-          </a:p>
-          <a:p>
-            <a:pPr>
-              <a:lnSpc>
-                <a:spcPts val="2360"/>
-              </a:lnSpc>
-              <a:spcBef>
-                <a:spcPts val="600"/>
-              </a:spcBef>
-            </a:pPr>
-            <a:endParaRPr lang="en-US" sz="2000" dirty="0">
-              <a:latin typeface="Arial" panose="020B0604020202020204" pitchFamily="34" charset="0"/>
-              <a:cs typeface="Arial" panose="020B0604020202020204" pitchFamily="34" charset="0"/>
-            </a:endParaRPr>
+            <a:endParaRPr lang="en-US" sz="1800" dirty="0"/>
           </a:p>
         </p:txBody>
       </p:sp>
@@ -5376,7 +5359,7 @@
     </p:spTree>
     <p:extLst>
       <p:ext uri="{BB962C8B-B14F-4D97-AF65-F5344CB8AC3E}">
-        <p14:creationId xmlns:p14="http://schemas.microsoft.com/office/powerpoint/2010/main" val="2422956264"/>
+        <p14:creationId xmlns:p14="http://schemas.microsoft.com/office/powerpoint/2010/main" val="421663941"/>
       </p:ext>
     </p:extLst>
   </p:cSld>
@@ -5415,8 +5398,8 @@
         </p:nvSpPr>
         <p:spPr>
           <a:xfrm>
-            <a:off x="457200" y="0"/>
-            <a:ext cx="8229600" cy="857250"/>
+            <a:off x="489857" y="80962"/>
+            <a:ext cx="8153400" cy="857250"/>
           </a:xfrm>
         </p:spPr>
         <p:txBody>
@@ -5431,6 +5414,315 @@
                 <a:latin typeface="Calibri Light" panose="020F0302020204030204" pitchFamily="34" charset="0"/>
                 <a:cs typeface="Calibri Light" panose="020F0302020204030204" pitchFamily="34" charset="0"/>
               </a:rPr>
+              <a:t>Example PM Metrics</a:t>
+            </a:r>
+          </a:p>
+        </p:txBody>
+      </p:sp>
+      <p:sp>
+        <p:nvSpPr>
+          <p:cNvPr id="4" name="Footer Placeholder 3"/>
+          <p:cNvSpPr>
+            <a:spLocks noGrp="1"/>
+          </p:cNvSpPr>
+          <p:nvPr>
+            <p:ph type="ftr" sz="quarter" idx="11"/>
+          </p:nvPr>
+        </p:nvSpPr>
+        <p:spPr>
+          <a:xfrm>
+            <a:off x="3124200" y="4800151"/>
+            <a:ext cx="2895600" cy="357188"/>
+          </a:xfrm>
+        </p:spPr>
+        <p:txBody>
+          <a:bodyPr/>
+          <a:lstStyle/>
+          <a:p>
+            <a:r>
+              <a:rPr lang="en-CA" dirty="0"/>
+              <a:t>110</a:t>
+            </a:r>
+            <a:r>
+              <a:rPr lang="en-CA" baseline="30000" dirty="0"/>
+              <a:t>th</a:t>
+            </a:r>
+            <a:r>
+              <a:rPr lang="en-CA" dirty="0"/>
+              <a:t> IETF Online</a:t>
+            </a:r>
+          </a:p>
+        </p:txBody>
+      </p:sp>
+      <p:sp>
+        <p:nvSpPr>
+          <p:cNvPr id="6" name="Content Placeholder 2"/>
+          <p:cNvSpPr>
+            <a:spLocks noGrp="1"/>
+          </p:cNvSpPr>
+          <p:nvPr>
+            <p:ph idx="1"/>
+          </p:nvPr>
+        </p:nvSpPr>
+        <p:spPr>
+          <a:xfrm>
+            <a:off x="533400" y="1009650"/>
+            <a:ext cx="8077200" cy="3124200"/>
+          </a:xfrm>
+        </p:spPr>
+        <p:txBody>
+          <a:bodyPr/>
+          <a:lstStyle/>
+          <a:p>
+            <a:pPr>
+              <a:lnSpc>
+                <a:spcPts val="2360"/>
+              </a:lnSpc>
+              <a:spcBef>
+                <a:spcPts val="600"/>
+              </a:spcBef>
+            </a:pPr>
+            <a:r>
+              <a:rPr lang="en-US" sz="2000" dirty="0">
+                <a:latin typeface="Calibri" panose="020F0502020204030204" pitchFamily="34" charset="0"/>
+                <a:cs typeface="Calibri" panose="020F0502020204030204" pitchFamily="34" charset="0"/>
+              </a:rPr>
+              <a:t>Compute following example delay metrics:</a:t>
+            </a:r>
+          </a:p>
+          <a:p>
+            <a:pPr lvl="1">
+              <a:lnSpc>
+                <a:spcPts val="2360"/>
+              </a:lnSpc>
+              <a:spcBef>
+                <a:spcPts val="600"/>
+              </a:spcBef>
+            </a:pPr>
+            <a:r>
+              <a:rPr lang="en-US" sz="2000" dirty="0">
+                <a:latin typeface="Calibri" panose="020F0502020204030204" pitchFamily="34" charset="0"/>
+                <a:cs typeface="Calibri" panose="020F0502020204030204" pitchFamily="34" charset="0"/>
+              </a:rPr>
+              <a:t>Minimum delay</a:t>
+            </a:r>
+          </a:p>
+          <a:p>
+            <a:pPr lvl="1">
+              <a:lnSpc>
+                <a:spcPts val="2360"/>
+              </a:lnSpc>
+              <a:spcBef>
+                <a:spcPts val="600"/>
+              </a:spcBef>
+            </a:pPr>
+            <a:r>
+              <a:rPr lang="en-US" sz="2000" dirty="0">
+                <a:latin typeface="Calibri" panose="020F0502020204030204" pitchFamily="34" charset="0"/>
+                <a:cs typeface="Calibri" panose="020F0502020204030204" pitchFamily="34" charset="0"/>
+              </a:rPr>
+              <a:t>Maximum delay</a:t>
+            </a:r>
+          </a:p>
+          <a:p>
+            <a:pPr lvl="1">
+              <a:lnSpc>
+                <a:spcPts val="2360"/>
+              </a:lnSpc>
+              <a:spcBef>
+                <a:spcPts val="600"/>
+              </a:spcBef>
+            </a:pPr>
+            <a:r>
+              <a:rPr lang="en-US" sz="2000" dirty="0">
+                <a:latin typeface="Calibri" panose="020F0502020204030204" pitchFamily="34" charset="0"/>
+                <a:cs typeface="Calibri" panose="020F0502020204030204" pitchFamily="34" charset="0"/>
+              </a:rPr>
+              <a:t>Average delay</a:t>
+            </a:r>
+          </a:p>
+          <a:p>
+            <a:pPr lvl="1">
+              <a:lnSpc>
+                <a:spcPts val="2360"/>
+              </a:lnSpc>
+              <a:spcBef>
+                <a:spcPts val="600"/>
+              </a:spcBef>
+            </a:pPr>
+            <a:r>
+              <a:rPr lang="en-US" sz="2000" dirty="0">
+                <a:latin typeface="Calibri" panose="020F0502020204030204" pitchFamily="34" charset="0"/>
+                <a:cs typeface="Calibri" panose="020F0502020204030204" pitchFamily="34" charset="0"/>
+              </a:rPr>
+              <a:t>Delay variance</a:t>
+            </a:r>
+          </a:p>
+          <a:p>
+            <a:pPr>
+              <a:lnSpc>
+                <a:spcPts val="2360"/>
+              </a:lnSpc>
+              <a:spcBef>
+                <a:spcPts val="600"/>
+              </a:spcBef>
+            </a:pPr>
+            <a:r>
+              <a:rPr lang="en-US" sz="2000" dirty="0">
+                <a:latin typeface="Calibri" panose="020F0502020204030204" pitchFamily="34" charset="0"/>
+                <a:cs typeface="Calibri" panose="020F0502020204030204" pitchFamily="34" charset="0"/>
+              </a:rPr>
+              <a:t>Compute following example loss metrics:</a:t>
+            </a:r>
+          </a:p>
+          <a:p>
+            <a:pPr lvl="1">
+              <a:lnSpc>
+                <a:spcPts val="2360"/>
+              </a:lnSpc>
+              <a:spcBef>
+                <a:spcPts val="600"/>
+              </a:spcBef>
+            </a:pPr>
+            <a:r>
+              <a:rPr lang="en-US" sz="2000" dirty="0">
+                <a:latin typeface="Calibri" panose="020F0502020204030204" pitchFamily="34" charset="0"/>
+                <a:cs typeface="Calibri" panose="020F0502020204030204" pitchFamily="34" charset="0"/>
+              </a:rPr>
+              <a:t>Synthetic packet loss (aka indirect-mode packet loss)</a:t>
+            </a:r>
+          </a:p>
+          <a:p>
+            <a:pPr lvl="1">
+              <a:lnSpc>
+                <a:spcPts val="2360"/>
+              </a:lnSpc>
+              <a:spcBef>
+                <a:spcPts val="600"/>
+              </a:spcBef>
+            </a:pPr>
+            <a:r>
+              <a:rPr lang="en-US" sz="2000" dirty="0">
+                <a:latin typeface="Calibri" panose="020F0502020204030204" pitchFamily="34" charset="0"/>
+                <a:cs typeface="Calibri" panose="020F0502020204030204" pitchFamily="34" charset="0"/>
+              </a:rPr>
+              <a:t>Connectivity loss (aka liveness heart-beat failure detection)</a:t>
+            </a:r>
+          </a:p>
+          <a:p>
+            <a:pPr>
+              <a:lnSpc>
+                <a:spcPts val="2360"/>
+              </a:lnSpc>
+              <a:spcBef>
+                <a:spcPts val="600"/>
+              </a:spcBef>
+            </a:pPr>
+            <a:endParaRPr lang="en-US" sz="2000" dirty="0">
+              <a:latin typeface="Arial" panose="020B0604020202020204" pitchFamily="34" charset="0"/>
+              <a:cs typeface="Arial" panose="020B0604020202020204" pitchFamily="34" charset="0"/>
+            </a:endParaRPr>
+          </a:p>
+        </p:txBody>
+      </p:sp>
+      <p:sp>
+        <p:nvSpPr>
+          <p:cNvPr id="5" name="Slide Number Placeholder 4">
+            <a:extLst>
+              <a:ext uri="{FF2B5EF4-FFF2-40B4-BE49-F238E27FC236}">
+                <a16:creationId xmlns:a16="http://schemas.microsoft.com/office/drawing/2014/main" id="{DB7171B5-76A8-7648-8775-D1C8FBA7C22C}"/>
+              </a:ext>
+            </a:extLst>
+          </p:cNvPr>
+          <p:cNvSpPr>
+            <a:spLocks noGrp="1"/>
+          </p:cNvSpPr>
+          <p:nvPr>
+            <p:ph type="sldNum" sz="quarter" idx="12"/>
+          </p:nvPr>
+        </p:nvSpPr>
+        <p:spPr>
+          <a:xfrm>
+            <a:off x="6553200" y="4705350"/>
+            <a:ext cx="2133600" cy="357188"/>
+          </a:xfrm>
+        </p:spPr>
+        <p:txBody>
+          <a:bodyPr/>
+          <a:lstStyle/>
+          <a:p>
+            <a:pPr>
+              <a:defRPr/>
+            </a:pPr>
+            <a:fld id="{BD6E0F59-1DD8-40FC-9C92-B6295CBA6CCA}" type="slidenum">
+              <a:rPr lang="en-US" altLang="zh-CN" smtClean="0"/>
+              <a:pPr>
+                <a:defRPr/>
+              </a:pPr>
+              <a:t>11</a:t>
+            </a:fld>
+            <a:endParaRPr lang="en-US" altLang="zh-CN" dirty="0"/>
+          </a:p>
+        </p:txBody>
+      </p:sp>
+    </p:spTree>
+    <p:extLst>
+      <p:ext uri="{BB962C8B-B14F-4D97-AF65-F5344CB8AC3E}">
+        <p14:creationId xmlns:p14="http://schemas.microsoft.com/office/powerpoint/2010/main" val="2422956264"/>
+      </p:ext>
+    </p:extLst>
+  </p:cSld>
+  <p:clrMapOvr>
+    <a:masterClrMapping/>
+  </p:clrMapOvr>
+</p:sld>
+</file>
+
+<file path=ppt/slides/slide12.xml><?xml version="1.0" encoding="utf-8"?>
+<p:sld xmlns:a="http://schemas.openxmlformats.org/drawingml/2006/main" xmlns:r="http://schemas.openxmlformats.org/officeDocument/2006/relationships" xmlns:p="http://schemas.openxmlformats.org/presentationml/2006/main">
+  <p:cSld>
+    <p:spTree>
+      <p:nvGrpSpPr>
+        <p:cNvPr id="1" name=""/>
+        <p:cNvGrpSpPr/>
+        <p:nvPr/>
+      </p:nvGrpSpPr>
+      <p:grpSpPr>
+        <a:xfrm>
+          <a:off x="0" y="0"/>
+          <a:ext cx="0" cy="0"/>
+          <a:chOff x="0" y="0"/>
+          <a:chExt cx="0" cy="0"/>
+        </a:xfrm>
+      </p:grpSpPr>
+      <p:sp>
+        <p:nvSpPr>
+          <p:cNvPr id="2" name="Title 1"/>
+          <p:cNvSpPr>
+            <a:spLocks noGrp="1"/>
+          </p:cNvSpPr>
+          <p:nvPr>
+            <p:ph type="title"/>
+          </p:nvPr>
+        </p:nvSpPr>
+        <p:spPr>
+          <a:xfrm>
+            <a:off x="457200" y="0"/>
+            <a:ext cx="8229600" cy="857250"/>
+          </a:xfrm>
+        </p:spPr>
+        <p:txBody>
+          <a:bodyPr/>
+          <a:lstStyle/>
+          <a:p>
+            <a:r>
+              <a:rPr lang="en-US" sz="3600" dirty="0">
+                <a:solidFill>
+                  <a:srgbClr val="0070C0"/>
+                </a:solidFill>
+                <a:latin typeface="Calibri Light" panose="020F0302020204030204" pitchFamily="34" charset="0"/>
+                <a:cs typeface="Calibri Light" panose="020F0302020204030204" pitchFamily="34" charset="0"/>
+              </a:rPr>
               <a:t>Next Steps</a:t>
             </a:r>
           </a:p>
@@ -5548,7 +5840,7 @@
               <a:pPr>
                 <a:defRPr/>
               </a:pPr>
-              <a:t>11</a:t>
+              <a:t>12</a:t>
             </a:fld>
             <a:endParaRPr lang="en-US" altLang="zh-CN"/>
           </a:p>
@@ -5567,7 +5859,7 @@
 </p:sld>
 </file>
 
-<file path=ppt/slides/slide12.xml><?xml version="1.0" encoding="utf-8"?>
+<file path=ppt/slides/slide13.xml><?xml version="1.0" encoding="utf-8"?>
 <p:sld xmlns:a="http://schemas.openxmlformats.org/drawingml/2006/main" xmlns:r="http://schemas.openxmlformats.org/officeDocument/2006/relationships" xmlns:p="http://schemas.openxmlformats.org/presentationml/2006/main">
   <p:cSld>
     <p:spTree>
@@ -5831,7 +6123,7 @@
               <a:pPr>
                 <a:defRPr/>
               </a:pPr>
-              <a:t>12</a:t>
+              <a:t>13</a:t>
             </a:fld>
             <a:endParaRPr lang="en-US" altLang="zh-CN" dirty="0"/>
           </a:p>
@@ -6087,6 +6379,12 @@
           <a:lstStyle/>
           <a:p>
             <a:pPr marL="0" indent="0">
+              <a:spcBef>
+                <a:spcPts val="0"/>
+              </a:spcBef>
+              <a:spcAft>
+                <a:spcPts val="300"/>
+              </a:spcAft>
               <a:buNone/>
             </a:pPr>
             <a:r>
@@ -6096,6 +6394,12 @@
           </a:p>
           <a:p>
             <a:pPr lvl="1">
+              <a:spcBef>
+                <a:spcPts val="0"/>
+              </a:spcBef>
+              <a:spcAft>
+                <a:spcPts val="300"/>
+              </a:spcAft>
               <a:buFont typeface="Wingdings" charset="2"/>
               <a:buChar char="§"/>
             </a:pPr>
@@ -6106,6 +6410,12 @@
           </a:p>
           <a:p>
             <a:pPr lvl="2">
+              <a:spcBef>
+                <a:spcPts val="0"/>
+              </a:spcBef>
+              <a:spcAft>
+                <a:spcPts val="300"/>
+              </a:spcAft>
               <a:buFont typeface="Wingdings" pitchFamily="2" charset="2"/>
               <a:buChar char="ü"/>
             </a:pPr>
@@ -6116,16 +6426,28 @@
           </a:p>
           <a:p>
             <a:pPr lvl="3">
+              <a:spcBef>
+                <a:spcPts val="0"/>
+              </a:spcBef>
+              <a:spcAft>
+                <a:spcPts val="300"/>
+              </a:spcAft>
               <a:buFont typeface="Wingdings" pitchFamily="2" charset="2"/>
               <a:buChar char="ü"/>
             </a:pPr>
             <a:r>
               <a:rPr lang="en-US" sz="1400" dirty="0"/>
-              <a:t>Links include physical, virtual, LAG (bundle), LAG member, numbered/unnumbered links</a:t>
+              <a:t>Links include physical, virtual, LAG, LAG member links</a:t>
             </a:r>
           </a:p>
           <a:p>
             <a:pPr lvl="2">
+              <a:spcBef>
+                <a:spcPts val="0"/>
+              </a:spcBef>
+              <a:spcAft>
+                <a:spcPts val="300"/>
+              </a:spcAft>
               <a:buFont typeface="Wingdings" charset="2"/>
               <a:buChar char="ü"/>
             </a:pPr>
@@ -6136,6 +6458,12 @@
           </a:p>
           <a:p>
             <a:pPr lvl="1">
+              <a:spcBef>
+                <a:spcPts val="0"/>
+              </a:spcBef>
+              <a:spcAft>
+                <a:spcPts val="300"/>
+              </a:spcAft>
               <a:buFont typeface="Wingdings" charset="2"/>
               <a:buChar char="§"/>
             </a:pPr>
@@ -6146,6 +6474,12 @@
           </a:p>
           <a:p>
             <a:pPr marL="0" indent="0">
+              <a:spcBef>
+                <a:spcPts val="0"/>
+              </a:spcBef>
+              <a:spcAft>
+                <a:spcPts val="300"/>
+              </a:spcAft>
               <a:buNone/>
             </a:pPr>
             <a:r>
@@ -6155,16 +6489,28 @@
           </a:p>
           <a:p>
             <a:pPr lvl="1">
+              <a:spcBef>
+                <a:spcPts val="0"/>
+              </a:spcBef>
+              <a:spcAft>
+                <a:spcPts val="300"/>
+              </a:spcAft>
               <a:buFont typeface="Wingdings" charset="2"/>
               <a:buChar char="§"/>
             </a:pPr>
             <a:r>
               <a:rPr lang="en-US" sz="1400" dirty="0"/>
-              <a:t>Avoid per session provisioning on Session-Reflector</a:t>
+              <a:t>Avoid per session provisioning on STAMP Session-Reflector</a:t>
             </a:r>
           </a:p>
           <a:p>
             <a:pPr lvl="1">
+              <a:spcBef>
+                <a:spcPts val="0"/>
+              </a:spcBef>
+              <a:spcAft>
+                <a:spcPts val="300"/>
+              </a:spcAft>
               <a:buFont typeface="Wingdings" charset="2"/>
               <a:buChar char="§"/>
             </a:pPr>
@@ -6175,6 +6521,12 @@
           </a:p>
           <a:p>
             <a:pPr lvl="1">
+              <a:spcBef>
+                <a:spcPts val="0"/>
+              </a:spcBef>
+              <a:spcAft>
+                <a:spcPts val="300"/>
+              </a:spcAft>
               <a:buFont typeface="Wingdings" charset="2"/>
               <a:buChar char="§"/>
             </a:pPr>
@@ -6185,6 +6537,12 @@
           </a:p>
           <a:p>
             <a:pPr lvl="2">
+              <a:spcBef>
+                <a:spcPts val="0"/>
+              </a:spcBef>
+              <a:spcAft>
+                <a:spcPts val="300"/>
+              </a:spcAft>
               <a:buFont typeface="Wingdings" charset="2"/>
               <a:buChar char="§"/>
             </a:pPr>
@@ -6195,6 +6553,12 @@
           </a:p>
           <a:p>
             <a:pPr marL="0" lvl="1" indent="0">
+              <a:spcBef>
+                <a:spcPts val="0"/>
+              </a:spcBef>
+              <a:spcAft>
+                <a:spcPts val="300"/>
+              </a:spcAft>
               <a:buNone/>
             </a:pPr>
             <a:r>
@@ -6204,6 +6568,12 @@
           </a:p>
           <a:p>
             <a:pPr lvl="1">
+              <a:spcBef>
+                <a:spcPts val="0"/>
+              </a:spcBef>
+              <a:spcAft>
+                <a:spcPts val="300"/>
+              </a:spcAft>
               <a:buFont typeface="Wingdings" pitchFamily="2" charset="2"/>
               <a:buChar char="§"/>
             </a:pPr>
@@ -6222,6 +6592,12 @@
           </a:p>
           <a:p>
             <a:pPr lvl="1">
+              <a:spcBef>
+                <a:spcPts val="0"/>
+              </a:spcBef>
+              <a:spcAft>
+                <a:spcPts val="300"/>
+              </a:spcAft>
               <a:buFont typeface="Wingdings" charset="2"/>
               <a:buChar char="§"/>
             </a:pPr>
@@ -6236,6 +6612,12 @@
           </a:p>
           <a:p>
             <a:pPr lvl="1">
+              <a:spcBef>
+                <a:spcPts val="0"/>
+              </a:spcBef>
+              <a:spcAft>
+                <a:spcPts val="300"/>
+              </a:spcAft>
               <a:buFont typeface="Wingdings" pitchFamily="2" charset="2"/>
               <a:buChar char="§"/>
             </a:pPr>
@@ -6566,10 +6948,16 @@
           </a:p>
           <a:p>
             <a:r>
+              <a:rPr lang="en-CA" sz="1200">
+                <a:latin typeface="Courier" pitchFamily="2" charset="0"/>
+              </a:rPr>
+              <a:t>      Timestamp </a:t>
+            </a:r>
+            <a:r>
               <a:rPr lang="en-CA" sz="1200" dirty="0">
                 <a:latin typeface="Courier" pitchFamily="2" charset="0"/>
               </a:rPr>
-              <a:t>      Timestamp Format       /            \</a:t>
+              <a:t>Format       /            \</a:t>
             </a:r>
             <a:endParaRPr lang="en-CA" sz="1200" i="1" dirty="0">
               <a:latin typeface="Courier" pitchFamily="2" charset="0"/>
@@ -6628,7 +7016,7 @@
               <a:rPr lang="en-CA" sz="1200" dirty="0">
                 <a:latin typeface="Courier" pitchFamily="2" charset="0"/>
               </a:rPr>
-              <a:t>                     |       |  SR path   |       |</a:t>
+              <a:t>                     |       |            |       |</a:t>
             </a:r>
           </a:p>
           <a:p>
@@ -6636,7 +7024,7 @@
               <a:rPr lang="en-CA" sz="1200" dirty="0">
                 <a:latin typeface="Courier" pitchFamily="2" charset="0"/>
               </a:rPr>
-              <a:t>                     +-------+  Or link   +-------+</a:t>
+              <a:t>                     +-------+            +-------+</a:t>
             </a:r>
           </a:p>
           <a:p>
@@ -6646,10 +7034,16 @@
           </a:p>
           <a:p>
             <a:r>
+              <a:rPr lang="en-CA" sz="1200">
+                <a:latin typeface="Courier" pitchFamily="2" charset="0"/>
+              </a:rPr>
+              <a:t>                STAMP Session-Sender   STAMP </a:t>
+            </a:r>
+            <a:r>
               <a:rPr lang="en-CA" sz="1200" dirty="0">
                 <a:latin typeface="Courier" pitchFamily="2" charset="0"/>
               </a:rPr>
-              <a:t>                  Session-Sender       Session-Reflector</a:t>
+              <a:t>Session-Reflector</a:t>
             </a:r>
           </a:p>
         </p:txBody>
@@ -6774,15 +7168,7 @@
           <a:p>
             <a:r>
               <a:rPr lang="en-US" sz="1200" dirty="0"/>
-              <a:t>For </a:t>
-            </a:r>
-            <a:r>
-              <a:rPr lang="en-US" sz="1200" b="1" dirty="0"/>
-              <a:t>links</a:t>
-            </a:r>
-            <a:r>
-              <a:rPr lang="en-US" sz="1200" dirty="0"/>
-              <a:t>, the STAMP session-sender test packet is routed over the links using local and remote link addresses.</a:t>
+              <a:t>For links, the STAMP Session-Sender test packets are transmitted over the links using local and remote link addresses.</a:t>
             </a:r>
           </a:p>
           <a:p>
@@ -6796,7 +7182,7 @@
             </a:r>
             <a:r>
               <a:rPr lang="en-US" sz="1200" dirty="0"/>
-              <a:t> is used for STAMP test packets</a:t>
+              <a:t> is used for STAMP test packets (also port 862)</a:t>
             </a:r>
           </a:p>
           <a:p>
@@ -6808,7 +7194,7 @@
           <a:p>
             <a:r>
               <a:rPr lang="en-US" sz="1200" dirty="0"/>
-              <a:t>Applicable to physical, virtual, LAG, LAG member, numbered/unnumbered links</a:t>
+              <a:t>Applicable to physical, virtual, LAG, LAG member links</a:t>
             </a:r>
           </a:p>
         </p:txBody>
@@ -6821,7 +7207,7 @@
         </p:nvSpPr>
         <p:spPr>
           <a:xfrm>
-            <a:off x="2243137" y="1885950"/>
+            <a:off x="2243137" y="1952152"/>
             <a:ext cx="4657725" cy="2446824"/>
           </a:xfrm>
           <a:prstGeom prst="rect">
@@ -7002,7 +7388,7 @@
                 <a:ea typeface="Courier" charset="0"/>
                 <a:cs typeface="Courier" charset="0"/>
               </a:rPr>
-              <a:t>.  Destination Port = User-configured Port                      .</a:t>
+              <a:t>.  Destination Port = User-configured Port &amp; 862                .</a:t>
             </a:r>
           </a:p>
           <a:p>
@@ -7166,7 +7552,7 @@
     </p:spTree>
     <p:extLst>
       <p:ext uri="{BB962C8B-B14F-4D97-AF65-F5344CB8AC3E}">
-        <p14:creationId xmlns:p14="http://schemas.microsoft.com/office/powerpoint/2010/main" val="407687400"/>
+        <p14:creationId xmlns:p14="http://schemas.microsoft.com/office/powerpoint/2010/main" val="2481930979"/>
       </p:ext>
     </p:extLst>
   </p:cSld>
@@ -7215,6 +7601,16 @@
           <a:p>
             <a:pPr algn="l"/>
             <a:r>
+              <a:rPr lang="en-US" sz="2400">
+                <a:solidFill>
+                  <a:srgbClr val="0070C0"/>
+                </a:solidFill>
+                <a:latin typeface="Calibri Light" panose="020F0302020204030204" pitchFamily="34" charset="0"/>
+                <a:cs typeface="Calibri Light" panose="020F0302020204030204" pitchFamily="34" charset="0"/>
+              </a:rPr>
+              <a:t>STAMP </a:t>
+            </a:r>
+            <a:r>
               <a:rPr lang="en-US" sz="2400" dirty="0">
                 <a:solidFill>
                   <a:srgbClr val="0070C0"/>
@@ -7435,7 +7831,7 @@
                 <a:ea typeface="Courier" charset="0"/>
                 <a:cs typeface="Courier" charset="0"/>
               </a:rPr>
-              <a:t> Figure 2: Example session-sender test packet for SR-MPLS Policy</a:t>
+              <a:t> Figure 2: Example Session-Sender test packet for SR-MPLS Policy</a:t>
             </a:r>
           </a:p>
         </p:txBody>
@@ -7627,15 +8023,7 @@
             </a:pPr>
             <a:r>
               <a:rPr lang="en-US" sz="1200" dirty="0"/>
-              <a:t>For </a:t>
-            </a:r>
-            <a:r>
-              <a:rPr lang="en-US" sz="1200" b="1" dirty="0"/>
-              <a:t>end-to-end</a:t>
-            </a:r>
-            <a:r>
-              <a:rPr lang="en-US" sz="1200" dirty="0"/>
-              <a:t> SR Policy, the STAMP session-sender test packet is sent on the SR Policy with:</a:t>
+              <a:t>For end-to-end SR Policy, the STAMP Session-Sender test packets are  transmitted on the SR Policy with:</a:t>
             </a:r>
           </a:p>
           <a:p>
@@ -7684,7 +8072,7 @@
             </a:r>
             <a:r>
               <a:rPr lang="en-US" sz="1200" dirty="0"/>
-              <a:t> is used for STAMP test packets</a:t>
+              <a:t> is used for STAMP test packets (also port 862)</a:t>
             </a:r>
           </a:p>
           <a:p>
@@ -7696,12 +8084,6 @@
           <a:p>
             <a:r>
               <a:rPr lang="en-US" sz="1200" dirty="0"/>
-              <a:t>RA not set.</a:t>
-            </a:r>
-          </a:p>
-          <a:p>
-            <a:r>
-              <a:rPr lang="en-US" sz="1200" dirty="0"/>
               <a:t>Color only SR-MPLS Policy:</a:t>
             </a:r>
           </a:p>
@@ -7717,26 +8099,6 @@
             <a:r>
               <a:rPr lang="en-US" sz="1200" dirty="0"/>
               <a:t>TTL is set 1.</a:t>
-            </a:r>
-          </a:p>
-          <a:p>
-            <a:r>
-              <a:rPr lang="en-US" sz="1200" dirty="0"/>
-              <a:t>P2MP SR-MPLS Policy</a:t>
-            </a:r>
-          </a:p>
-          <a:p>
-            <a:pPr lvl="1"/>
-            <a:r>
-              <a:rPr lang="en-US" sz="1200" dirty="0"/>
-              <a:t>Destination Address in 127/8 range</a:t>
-            </a:r>
-          </a:p>
-          <a:p>
-            <a:pPr lvl="1"/>
-            <a:r>
-              <a:rPr lang="en-US" sz="1200" dirty="0"/>
-              <a:t>TTL is set 1</a:t>
             </a:r>
           </a:p>
           <a:p>
@@ -8087,7 +8449,7 @@
                 <a:ea typeface="Courier" charset="0"/>
                 <a:cs typeface="Courier" charset="0"/>
               </a:rPr>
-              <a:t>.  Destination Port = User-configured Port                      .</a:t>
+              <a:t>.  Destination Port = User-configured Port &amp; 862                .</a:t>
             </a:r>
           </a:p>
           <a:p>
@@ -8187,7 +8549,7 @@
                 <a:ea typeface="Courier" charset="0"/>
                 <a:cs typeface="Courier" charset="0"/>
               </a:rPr>
-              <a:t>  Figure 3: Example session-sender test packet for SRv6 Policy</a:t>
+              <a:t>  Figure 3: Example Session-Sender test packet for SRv6 Policy</a:t>
             </a:r>
           </a:p>
         </p:txBody>
@@ -8234,8 +8596,8 @@
         </p:nvSpPr>
         <p:spPr>
           <a:xfrm>
-            <a:off x="457200" y="0"/>
-            <a:ext cx="8229600" cy="857250"/>
+            <a:off x="114300" y="104643"/>
+            <a:ext cx="8915400" cy="845539"/>
           </a:xfrm>
         </p:spPr>
         <p:txBody>
@@ -8243,78 +8605,31 @@
           <a:lstStyle/>
           <a:p>
             <a:r>
-              <a:rPr lang="en-US" sz="3200" dirty="0">
+              <a:rPr lang="en-US" sz="2800" dirty="0">
                 <a:solidFill>
                   <a:srgbClr val="0070C0"/>
                 </a:solidFill>
                 <a:latin typeface="Calibri Light" panose="020F0302020204030204" pitchFamily="34" charset="0"/>
                 <a:cs typeface="Calibri Light" panose="020F0302020204030204" pitchFamily="34" charset="0"/>
               </a:rPr>
-              <a:t>  Session-Reflector Test Packet</a:t>
-            </a:r>
-          </a:p>
-        </p:txBody>
-      </p:sp>
-      <p:sp>
-        <p:nvSpPr>
-          <p:cNvPr id="3" name="Content Placeholder 2"/>
+              <a:t>STAMP Session-Sender Test Packet for P2MP SR-MPLS Policy</a:t>
+            </a:r>
+          </a:p>
+        </p:txBody>
+      </p:sp>
+      <p:sp>
+        <p:nvSpPr>
+          <p:cNvPr id="4" name="Footer Placeholder 3"/>
           <p:cNvSpPr>
             <a:spLocks noGrp="1"/>
           </p:cNvSpPr>
           <p:nvPr>
-            <p:ph idx="1"/>
+            <p:ph type="ftr" sz="quarter" idx="11"/>
           </p:nvPr>
         </p:nvSpPr>
         <p:spPr>
           <a:xfrm>
-            <a:off x="304800" y="742950"/>
-            <a:ext cx="8686800" cy="982431"/>
-          </a:xfrm>
-        </p:spPr>
-        <p:txBody>
-          <a:bodyPr/>
-          <a:lstStyle/>
-          <a:p>
-            <a:r>
-              <a:rPr lang="en-US" sz="1600" dirty="0"/>
-              <a:t>The test packet reply is sent using the IP/UDP information from the received test packet. </a:t>
-            </a:r>
-          </a:p>
-          <a:p>
-            <a:r>
-              <a:rPr lang="en-US" sz="1600" dirty="0">
-                <a:solidFill>
-                  <a:srgbClr val="0070C0"/>
-                </a:solidFill>
-              </a:rPr>
-              <a:t>Link - Use Control Code from the received test packet if set.</a:t>
-            </a:r>
-          </a:p>
-          <a:p>
-            <a:r>
-              <a:rPr lang="en-US" sz="1600" dirty="0">
-                <a:solidFill>
-                  <a:srgbClr val="0070C0"/>
-                </a:solidFill>
-              </a:rPr>
-              <a:t>SR path - Use Segment List from Return Path TLV if present in received test packet.</a:t>
-            </a:r>
-          </a:p>
-        </p:txBody>
-      </p:sp>
-      <p:sp>
-        <p:nvSpPr>
-          <p:cNvPr id="4" name="Footer Placeholder 3"/>
-          <p:cNvSpPr>
-            <a:spLocks noGrp="1"/>
-          </p:cNvSpPr>
-          <p:nvPr>
-            <p:ph type="ftr" sz="quarter" idx="11"/>
-          </p:nvPr>
-        </p:nvSpPr>
-        <p:spPr>
-          <a:xfrm>
-            <a:off x="3124200" y="4786312"/>
+            <a:off x="3124200" y="4796631"/>
             <a:ext cx="2895600" cy="357188"/>
           </a:xfrm>
         </p:spPr>
@@ -8345,8 +8660,8 @@
         </p:nvSpPr>
         <p:spPr>
           <a:xfrm>
-            <a:off x="1828800" y="1821597"/>
-            <a:ext cx="5257800" cy="2708434"/>
+            <a:off x="4734697" y="1725364"/>
+            <a:ext cx="4104503" cy="1692771"/>
           </a:xfrm>
           <a:prstGeom prst="rect">
             <a:avLst/>
@@ -8365,192 +8680,376 @@
           <a:lstStyle/>
           <a:p>
             <a:r>
-              <a:rPr lang="en-CA" sz="1000" dirty="0">
-                <a:latin typeface="Courier" pitchFamily="2" charset="0"/>
-                <a:cs typeface="Courier New" panose="02070309020205020404" pitchFamily="49" charset="0"/>
-              </a:rPr>
-              <a:t>+---------------------------------------------------------------+</a:t>
-            </a:r>
-          </a:p>
-          <a:p>
-            <a:r>
-              <a:rPr lang="en-CA" sz="1000" dirty="0">
-                <a:latin typeface="Courier" pitchFamily="2" charset="0"/>
-                <a:cs typeface="Courier New" panose="02070309020205020404" pitchFamily="49" charset="0"/>
-              </a:rPr>
-              <a:t>| IP Header                                                     |</a:t>
-            </a:r>
-          </a:p>
-          <a:p>
-            <a:r>
-              <a:rPr lang="en-CA" sz="1000" dirty="0">
-                <a:latin typeface="Courier" pitchFamily="2" charset="0"/>
-                <a:cs typeface="Courier New" panose="02070309020205020404" pitchFamily="49" charset="0"/>
-              </a:rPr>
-              <a:t>.  Source IP Address = Session-Reflector IPv4 or IPv6 Address   .</a:t>
-            </a:r>
-          </a:p>
-          <a:p>
-            <a:r>
-              <a:rPr lang="en-CA" sz="1000" dirty="0">
-                <a:latin typeface="Courier" pitchFamily="2" charset="0"/>
-                <a:cs typeface="Courier New" panose="02070309020205020404" pitchFamily="49" charset="0"/>
-              </a:rPr>
-              <a:t>.  Destination IP Address = Source IP Address from Test Packet  .</a:t>
-            </a:r>
-          </a:p>
-          <a:p>
-            <a:r>
-              <a:rPr lang="en-CA" sz="1000" dirty="0">
-                <a:latin typeface="Courier" pitchFamily="2" charset="0"/>
-                <a:cs typeface="Courier New" panose="02070309020205020404" pitchFamily="49" charset="0"/>
-              </a:rPr>
-              <a:t>.  Protocol = UDP                                               .</a:t>
-            </a:r>
-          </a:p>
-          <a:p>
-            <a:r>
-              <a:rPr lang="en-CA" sz="1000" dirty="0">
-                <a:latin typeface="Courier" pitchFamily="2" charset="0"/>
-                <a:cs typeface="Courier New" panose="02070309020205020404" pitchFamily="49" charset="0"/>
-              </a:rPr>
-              <a:t>.                                                               .</a:t>
-            </a:r>
-          </a:p>
-          <a:p>
-            <a:r>
-              <a:rPr lang="en-CA" sz="1000" dirty="0">
-                <a:latin typeface="Courier" pitchFamily="2" charset="0"/>
-                <a:cs typeface="Courier New" panose="02070309020205020404" pitchFamily="49" charset="0"/>
-              </a:rPr>
-              <a:t>+---------------------------------------------------------------+</a:t>
-            </a:r>
-          </a:p>
-          <a:p>
-            <a:r>
-              <a:rPr lang="en-CA" sz="1000" dirty="0">
-                <a:latin typeface="Courier" pitchFamily="2" charset="0"/>
-                <a:cs typeface="Courier New" panose="02070309020205020404" pitchFamily="49" charset="0"/>
-              </a:rPr>
-              <a:t>| UDP Header                                                    |</a:t>
-            </a:r>
-          </a:p>
-          <a:p>
-            <a:r>
-              <a:rPr lang="en-CA" sz="1000" dirty="0">
-                <a:latin typeface="Courier" pitchFamily="2" charset="0"/>
-                <a:cs typeface="Courier New" panose="02070309020205020404" pitchFamily="49" charset="0"/>
-              </a:rPr>
-              <a:t>.  Source Port = As chosen by Session-Reflector                 .</a:t>
-            </a:r>
-          </a:p>
-          <a:p>
-            <a:r>
-              <a:rPr lang="en-CA" sz="1000" dirty="0">
-                <a:latin typeface="Courier" pitchFamily="2" charset="0"/>
-                <a:cs typeface="Courier New" panose="02070309020205020404" pitchFamily="49" charset="0"/>
-              </a:rPr>
-              <a:t>.  Destination Port = Source Port from Test Packet              .</a:t>
-            </a:r>
-          </a:p>
-          <a:p>
-            <a:r>
-              <a:rPr lang="en-CA" sz="1000" dirty="0">
-                <a:latin typeface="Courier" pitchFamily="2" charset="0"/>
-                <a:cs typeface="Courier New" panose="02070309020205020404" pitchFamily="49" charset="0"/>
-              </a:rPr>
-              <a:t>.                                                               .</a:t>
-            </a:r>
-          </a:p>
-          <a:p>
-            <a:r>
-              <a:rPr lang="en-CA" sz="1000" dirty="0">
-                <a:latin typeface="Courier" pitchFamily="2" charset="0"/>
-                <a:cs typeface="Courier New" panose="02070309020205020404" pitchFamily="49" charset="0"/>
-              </a:rPr>
-              <a:t>+---------------------------------------------------------------+</a:t>
-            </a:r>
-          </a:p>
-          <a:p>
-            <a:r>
-              <a:rPr lang="en-US" sz="1000" dirty="0">
-                <a:latin typeface="Courier" pitchFamily="2" charset="0"/>
+              <a:rPr lang="en-US" sz="800" dirty="0">
+                <a:latin typeface="Courier" charset="0"/>
                 <a:ea typeface="Courier" charset="0"/>
                 <a:cs typeface="Courier" charset="0"/>
               </a:rPr>
-              <a:t>| Payload = </a:t>
-            </a:r>
-            <a:r>
-              <a:rPr lang="en-CA" sz="1000" dirty="0">
-                <a:latin typeface="Courier" pitchFamily="2" charset="0"/>
-              </a:rPr>
-              <a:t>Test Packet specified in Section 4.3 of RFC 8762</a:t>
-            </a:r>
-            <a:r>
-              <a:rPr lang="en-US" sz="1000" dirty="0">
-                <a:latin typeface="Courier" pitchFamily="2" charset="0"/>
-              </a:rPr>
-              <a:t>    </a:t>
-            </a:r>
-            <a:r>
-              <a:rPr lang="en-US" sz="1000" dirty="0">
-                <a:latin typeface="Courier" pitchFamily="2" charset="0"/>
+              <a:t>0 1 2 3 4 5 6 7 8 9 0 1 2 3 4 5 6 7 8 9 0 1 2 3 4 5 6 7 8 9 0 1</a:t>
+            </a:r>
+          </a:p>
+          <a:p>
+            <a:r>
+              <a:rPr lang="en-US" sz="800" dirty="0">
+                <a:latin typeface="Courier" charset="0"/>
                 <a:ea typeface="Courier" charset="0"/>
                 <a:cs typeface="Courier" charset="0"/>
               </a:rPr>
-              <a:t>|</a:t>
-            </a:r>
-            <a:endParaRPr lang="en-CA" sz="1000" dirty="0">
-              <a:latin typeface="Courier" pitchFamily="2" charset="0"/>
-              <a:cs typeface="Courier New" panose="02070309020205020404" pitchFamily="49" charset="0"/>
-            </a:endParaRPr>
-          </a:p>
-          <a:p>
-            <a:r>
-              <a:rPr lang="en-CA" sz="1000" dirty="0">
-                <a:latin typeface="Courier" pitchFamily="2" charset="0"/>
-                <a:cs typeface="Courier New" panose="02070309020205020404" pitchFamily="49" charset="0"/>
+              <a:t>+-+-+-+-+-+-+-+-+-+-+-+-+-+-+-+-+-+-+-+-+-+-+-+-+-+-+-+-+-+-+-+-+</a:t>
+            </a:r>
+          </a:p>
+          <a:p>
+            <a:r>
+              <a:rPr lang="en-US" sz="800" dirty="0">
+                <a:latin typeface="Courier" charset="0"/>
+                <a:ea typeface="Courier" charset="0"/>
+                <a:cs typeface="Courier" charset="0"/>
+              </a:rPr>
+              <a:t>|              Tree-SID                 | TC  |S|      TTL      |</a:t>
+            </a:r>
+          </a:p>
+          <a:p>
+            <a:r>
+              <a:rPr lang="en-US" sz="800" dirty="0">
+                <a:latin typeface="Courier" charset="0"/>
+                <a:ea typeface="Courier" charset="0"/>
+                <a:cs typeface="Courier" charset="0"/>
+              </a:rPr>
+              <a:t>+-+-+-+-+-+-+-+-+-+-+-+-+-+-+-+-+-+-+-+-+-+-+-+-+-+-+-+-+-+-+-+-+</a:t>
+            </a:r>
+          </a:p>
+          <a:p>
+            <a:r>
+              <a:rPr lang="en-US" sz="800" dirty="0">
+                <a:latin typeface="Courier" charset="0"/>
+                <a:ea typeface="Courier" charset="0"/>
+                <a:cs typeface="Courier" charset="0"/>
               </a:rPr>
               <a:t>.                                                               .</a:t>
             </a:r>
           </a:p>
           <a:p>
             <a:r>
-              <a:rPr lang="en-CA" sz="1000" dirty="0">
-                <a:latin typeface="Courier" pitchFamily="2" charset="0"/>
-                <a:cs typeface="Courier New" panose="02070309020205020404" pitchFamily="49" charset="0"/>
+              <a:rPr lang="en-US" sz="800" dirty="0">
+                <a:latin typeface="Courier" charset="0"/>
+                <a:ea typeface="Courier" charset="0"/>
+                <a:cs typeface="Courier" charset="0"/>
+              </a:rPr>
+              <a:t>.                                                               .</a:t>
+            </a:r>
+          </a:p>
+          <a:p>
+            <a:r>
+              <a:rPr lang="en-US" sz="800" dirty="0">
+                <a:latin typeface="Courier" charset="0"/>
+                <a:ea typeface="Courier" charset="0"/>
+                <a:cs typeface="Courier" charset="0"/>
+              </a:rPr>
+              <a:t>.                                                               .</a:t>
+            </a:r>
+          </a:p>
+          <a:p>
+            <a:r>
+              <a:rPr lang="en-US" sz="800" dirty="0">
+                <a:latin typeface="Courier" charset="0"/>
+                <a:ea typeface="Courier" charset="0"/>
+                <a:cs typeface="Courier" charset="0"/>
+              </a:rPr>
+              <a:t>+-+-+-+-+-+-+-+-+-+-+-+-+-+-+-+-+-+-+-+-+-+-+-+-+-+-+-+-+-+-+-+-+</a:t>
+            </a:r>
+          </a:p>
+          <a:p>
+            <a:r>
+              <a:rPr lang="en-US" sz="800" dirty="0">
+                <a:latin typeface="Courier" charset="0"/>
+                <a:ea typeface="Courier" charset="0"/>
+                <a:cs typeface="Courier" charset="0"/>
+              </a:rPr>
+              <a:t>|  Test Packet including IP/UDP Header from Figure 1            |</a:t>
+            </a:r>
+          </a:p>
+          <a:p>
+            <a:r>
+              <a:rPr lang="en-US" sz="800" dirty="0">
+                <a:latin typeface="Courier" charset="0"/>
+                <a:ea typeface="Courier" charset="0"/>
+                <a:cs typeface="Courier" charset="0"/>
+              </a:rPr>
+              <a:t>.                                                               .</a:t>
+            </a:r>
+          </a:p>
+          <a:p>
+            <a:r>
+              <a:rPr lang="en-US" sz="800" dirty="0">
+                <a:latin typeface="Courier" charset="0"/>
+                <a:ea typeface="Courier" charset="0"/>
+                <a:cs typeface="Courier" charset="0"/>
               </a:rPr>
               <a:t>+---------------------------------------------------------------+</a:t>
             </a:r>
           </a:p>
           <a:p>
             <a:r>
-              <a:rPr lang="en-CA" sz="1000" dirty="0">
-                <a:latin typeface="Courier" pitchFamily="2" charset="0"/>
-                <a:cs typeface="Courier New" panose="02070309020205020404" pitchFamily="49" charset="0"/>
+              <a:rPr lang="en-US" sz="800" dirty="0">
+                <a:latin typeface="Courier" charset="0"/>
+                <a:ea typeface="Courier" charset="0"/>
+                <a:cs typeface="Courier" charset="0"/>
               </a:rPr>
               <a:t> </a:t>
             </a:r>
           </a:p>
           <a:p>
             <a:r>
-              <a:rPr lang="en-CA" sz="1000" dirty="0">
-                <a:latin typeface="Courier" pitchFamily="2" charset="0"/>
-                <a:cs typeface="Courier New" panose="02070309020205020404" pitchFamily="49" charset="0"/>
-              </a:rPr>
-              <a:t>               Figure 4: Session-Reflector Test Packet</a:t>
-            </a:r>
-            <a:endParaRPr lang="en-US" sz="1000" dirty="0">
-              <a:latin typeface="Courier" pitchFamily="2" charset="0"/>
-              <a:ea typeface="Courier" charset="0"/>
-              <a:cs typeface="Courier New" panose="02070309020205020404" pitchFamily="49" charset="0"/>
-            </a:endParaRPr>
-          </a:p>
-        </p:txBody>
-      </p:sp>
-      <p:sp>
-        <p:nvSpPr>
-          <p:cNvPr id="6" name="Slide Number Placeholder 5"/>
+              <a:rPr lang="en-US" sz="800" dirty="0">
+                <a:latin typeface="Courier" charset="0"/>
+                <a:ea typeface="Courier" charset="0"/>
+                <a:cs typeface="Courier" charset="0"/>
+              </a:rPr>
+              <a:t> Figure 4: Example Session-Sender test packet for SR-MPLS Policy</a:t>
+            </a:r>
+          </a:p>
+        </p:txBody>
+      </p:sp>
+      <p:sp>
+        <p:nvSpPr>
+          <p:cNvPr id="6" name="Content Placeholder 2"/>
+          <p:cNvSpPr txBox="1">
+            <a:spLocks/>
+          </p:cNvSpPr>
+          <p:nvPr/>
+        </p:nvSpPr>
+        <p:spPr bwMode="auto">
+          <a:xfrm>
+            <a:off x="304800" y="1047750"/>
+            <a:ext cx="4429897" cy="3429000"/>
+          </a:xfrm>
+          <a:prstGeom prst="rect">
+            <a:avLst/>
+          </a:prstGeom>
+          <a:noFill/>
+          <a:ln w="9525">
+            <a:noFill/>
+            <a:miter lim="800000"/>
+            <a:headEnd/>
+            <a:tailEnd/>
+          </a:ln>
+        </p:spPr>
+        <p:txBody>
+          <a:bodyPr vert="horz" wrap="square" lIns="91440" tIns="45720" rIns="91440" bIns="45720" numCol="1" anchor="t" anchorCtr="0" compatLnSpc="1">
+            <a:prstTxWarp prst="textNoShape">
+              <a:avLst/>
+            </a:prstTxWarp>
+          </a:bodyPr>
+          <a:lstStyle>
+            <a:lvl1pPr marL="342900" indent="-342900" algn="l" rtl="0" eaLnBrk="0" fontAlgn="base" hangingPunct="0">
+              <a:spcBef>
+                <a:spcPct val="20000"/>
+              </a:spcBef>
+              <a:spcAft>
+                <a:spcPct val="0"/>
+              </a:spcAft>
+              <a:buChar char="•"/>
+              <a:defRPr sz="3200">
+                <a:solidFill>
+                  <a:schemeClr val="tx1"/>
+                </a:solidFill>
+                <a:latin typeface="Calibri" charset="0"/>
+                <a:ea typeface="Calibri" charset="0"/>
+                <a:cs typeface="Calibri" charset="0"/>
+              </a:defRPr>
+            </a:lvl1pPr>
+            <a:lvl2pPr marL="742950" indent="-285750" algn="l" rtl="0" eaLnBrk="0" fontAlgn="base" hangingPunct="0">
+              <a:spcBef>
+                <a:spcPct val="20000"/>
+              </a:spcBef>
+              <a:spcAft>
+                <a:spcPct val="0"/>
+              </a:spcAft>
+              <a:buChar char="–"/>
+              <a:defRPr sz="2800">
+                <a:solidFill>
+                  <a:schemeClr val="tx1"/>
+                </a:solidFill>
+                <a:latin typeface="Calibri" charset="0"/>
+                <a:ea typeface="Calibri" charset="0"/>
+                <a:cs typeface="Calibri" charset="0"/>
+              </a:defRPr>
+            </a:lvl2pPr>
+            <a:lvl3pPr marL="1143000" indent="-228600" algn="l" rtl="0" eaLnBrk="0" fontAlgn="base" hangingPunct="0">
+              <a:spcBef>
+                <a:spcPct val="20000"/>
+              </a:spcBef>
+              <a:spcAft>
+                <a:spcPct val="0"/>
+              </a:spcAft>
+              <a:buChar char="•"/>
+              <a:defRPr sz="2400">
+                <a:solidFill>
+                  <a:schemeClr val="tx1"/>
+                </a:solidFill>
+                <a:latin typeface="Calibri" charset="0"/>
+                <a:ea typeface="Calibri" charset="0"/>
+                <a:cs typeface="Calibri" charset="0"/>
+              </a:defRPr>
+            </a:lvl3pPr>
+            <a:lvl4pPr marL="1600200" indent="-228600" algn="l" rtl="0" eaLnBrk="0" fontAlgn="base" hangingPunct="0">
+              <a:spcBef>
+                <a:spcPct val="20000"/>
+              </a:spcBef>
+              <a:spcAft>
+                <a:spcPct val="0"/>
+              </a:spcAft>
+              <a:buChar char="–"/>
+              <a:defRPr sz="2000">
+                <a:solidFill>
+                  <a:schemeClr val="tx1"/>
+                </a:solidFill>
+                <a:latin typeface="Calibri" charset="0"/>
+                <a:ea typeface="Calibri" charset="0"/>
+                <a:cs typeface="Calibri" charset="0"/>
+              </a:defRPr>
+            </a:lvl4pPr>
+            <a:lvl5pPr marL="2057400" indent="-228600" algn="l" rtl="0" eaLnBrk="0" fontAlgn="base" hangingPunct="0">
+              <a:spcBef>
+                <a:spcPct val="20000"/>
+              </a:spcBef>
+              <a:spcAft>
+                <a:spcPct val="0"/>
+              </a:spcAft>
+              <a:buChar char="»"/>
+              <a:defRPr sz="2000">
+                <a:solidFill>
+                  <a:schemeClr val="tx1"/>
+                </a:solidFill>
+                <a:latin typeface="Calibri" charset="0"/>
+                <a:ea typeface="Calibri" charset="0"/>
+                <a:cs typeface="Calibri" charset="0"/>
+              </a:defRPr>
+            </a:lvl5pPr>
+            <a:lvl6pPr marL="2514600" indent="-228600" algn="l" rtl="0" fontAlgn="base">
+              <a:spcBef>
+                <a:spcPct val="20000"/>
+              </a:spcBef>
+              <a:spcAft>
+                <a:spcPct val="0"/>
+              </a:spcAft>
+              <a:buChar char="»"/>
+              <a:defRPr sz="2000">
+                <a:solidFill>
+                  <a:schemeClr val="tx1"/>
+                </a:solidFill>
+                <a:latin typeface="+mn-lt"/>
+                <a:ea typeface="+mn-ea"/>
+              </a:defRPr>
+            </a:lvl6pPr>
+            <a:lvl7pPr marL="2971800" indent="-228600" algn="l" rtl="0" fontAlgn="base">
+              <a:spcBef>
+                <a:spcPct val="20000"/>
+              </a:spcBef>
+              <a:spcAft>
+                <a:spcPct val="0"/>
+              </a:spcAft>
+              <a:buChar char="»"/>
+              <a:defRPr sz="2000">
+                <a:solidFill>
+                  <a:schemeClr val="tx1"/>
+                </a:solidFill>
+                <a:latin typeface="+mn-lt"/>
+                <a:ea typeface="+mn-ea"/>
+              </a:defRPr>
+            </a:lvl7pPr>
+            <a:lvl8pPr marL="3429000" indent="-228600" algn="l" rtl="0" fontAlgn="base">
+              <a:spcBef>
+                <a:spcPct val="20000"/>
+              </a:spcBef>
+              <a:spcAft>
+                <a:spcPct val="0"/>
+              </a:spcAft>
+              <a:buChar char="»"/>
+              <a:defRPr sz="2000">
+                <a:solidFill>
+                  <a:schemeClr val="tx1"/>
+                </a:solidFill>
+                <a:latin typeface="+mn-lt"/>
+                <a:ea typeface="+mn-ea"/>
+              </a:defRPr>
+            </a:lvl8pPr>
+            <a:lvl9pPr marL="3886200" indent="-228600" algn="l" rtl="0" fontAlgn="base">
+              <a:spcBef>
+                <a:spcPct val="20000"/>
+              </a:spcBef>
+              <a:spcAft>
+                <a:spcPct val="0"/>
+              </a:spcAft>
+              <a:buChar char="»"/>
+              <a:defRPr sz="2000">
+                <a:solidFill>
+                  <a:schemeClr val="tx1"/>
+                </a:solidFill>
+                <a:latin typeface="+mn-lt"/>
+                <a:ea typeface="+mn-ea"/>
+              </a:defRPr>
+            </a:lvl9pPr>
+          </a:lstStyle>
+          <a:p>
+            <a:pPr marL="0" indent="0">
+              <a:spcBef>
+                <a:spcPts val="600"/>
+              </a:spcBef>
+              <a:buNone/>
+            </a:pPr>
+            <a:r>
+              <a:rPr lang="en-US" sz="1800" dirty="0"/>
+              <a:t>For end-to-end P2MP SR-MPLS Policy, the STAMP Session-Sender test packet is sent with:</a:t>
+            </a:r>
+          </a:p>
+          <a:p>
+            <a:pPr lvl="1">
+              <a:spcBef>
+                <a:spcPts val="600"/>
+              </a:spcBef>
+            </a:pPr>
+            <a:r>
+              <a:rPr lang="en-US" sz="1800" dirty="0"/>
+              <a:t>Tree-SID of the SR-MPLS Policy</a:t>
+            </a:r>
+          </a:p>
+          <a:p>
+            <a:pPr>
+              <a:spcBef>
+                <a:spcPts val="600"/>
+              </a:spcBef>
+            </a:pPr>
+            <a:r>
+              <a:rPr lang="en-US" sz="1800" dirty="0"/>
+              <a:t>IPv4 destination address set from 127/8 range</a:t>
+            </a:r>
+          </a:p>
+          <a:p>
+            <a:pPr>
+              <a:spcBef>
+                <a:spcPts val="600"/>
+              </a:spcBef>
+            </a:pPr>
+            <a:r>
+              <a:rPr lang="en-US" sz="1800" dirty="0"/>
+              <a:t>TTL is set 1</a:t>
+            </a:r>
+          </a:p>
+          <a:p>
+            <a:pPr marL="0" indent="0">
+              <a:spcBef>
+                <a:spcPts val="600"/>
+              </a:spcBef>
+              <a:buNone/>
+            </a:pPr>
+            <a:endParaRPr lang="en-US" sz="1800" dirty="0"/>
+          </a:p>
+        </p:txBody>
+      </p:sp>
+      <p:sp>
+        <p:nvSpPr>
+          <p:cNvPr id="3" name="Slide Number Placeholder 2"/>
           <p:cNvSpPr>
             <a:spLocks noGrp="1"/>
           </p:cNvSpPr>
@@ -8580,7 +9079,7 @@
     </p:spTree>
     <p:extLst>
       <p:ext uri="{BB962C8B-B14F-4D97-AF65-F5344CB8AC3E}">
-        <p14:creationId xmlns:p14="http://schemas.microsoft.com/office/powerpoint/2010/main" val="1694318788"/>
+        <p14:creationId xmlns:p14="http://schemas.microsoft.com/office/powerpoint/2010/main" val="686235019"/>
       </p:ext>
     </p:extLst>
   </p:cSld>
@@ -8628,6 +9127,16 @@
           <a:lstStyle/>
           <a:p>
             <a:r>
+              <a:rPr lang="en-US" sz="3200">
+                <a:solidFill>
+                  <a:srgbClr val="0070C0"/>
+                </a:solidFill>
+                <a:latin typeface="Calibri Light" panose="020F0302020204030204" pitchFamily="34" charset="0"/>
+                <a:cs typeface="Calibri Light" panose="020F0302020204030204" pitchFamily="34" charset="0"/>
+              </a:rPr>
+              <a:t>  STAMP </a:t>
+            </a:r>
+            <a:r>
               <a:rPr lang="en-US" sz="3200" dirty="0">
                 <a:solidFill>
                   <a:srgbClr val="0070C0"/>
@@ -8635,7 +9144,7 @@
                 <a:latin typeface="Calibri Light" panose="020F0302020204030204" pitchFamily="34" charset="0"/>
                 <a:cs typeface="Calibri Light" panose="020F0302020204030204" pitchFamily="34" charset="0"/>
               </a:rPr>
-              <a:t>ECMP Support for SR Path</a:t>
+              <a:t>Session-Reflector Test Packet</a:t>
             </a:r>
           </a:p>
         </p:txBody>
@@ -8652,127 +9161,37 @@
         </p:nvSpPr>
         <p:spPr>
           <a:xfrm>
-            <a:off x="457200" y="941875"/>
-            <a:ext cx="8305800" cy="3259750"/>
+            <a:off x="304800" y="742950"/>
+            <a:ext cx="8686800" cy="982431"/>
           </a:xfrm>
         </p:spPr>
         <p:txBody>
           <a:bodyPr/>
           <a:lstStyle/>
           <a:p>
-            <a:pPr>
-              <a:lnSpc>
-                <a:spcPts val="2280"/>
-              </a:lnSpc>
-              <a:spcBef>
-                <a:spcPts val="0"/>
-              </a:spcBef>
-            </a:pPr>
             <a:r>
               <a:rPr lang="en-US" sz="1600" dirty="0"/>
-              <a:t>SR Path can have ECMP between the ingress and transit nodes, between transit nodes and between transit and egress nodes.</a:t>
-            </a:r>
-          </a:p>
-          <a:p>
-            <a:pPr>
-              <a:lnSpc>
-                <a:spcPts val="2280"/>
-              </a:lnSpc>
-              <a:spcBef>
-                <a:spcPts val="0"/>
-              </a:spcBef>
-            </a:pPr>
-            <a:r>
-              <a:rPr lang="en-US" sz="1600" dirty="0"/>
-              <a:t>Sending test packets that can take advantage of the hashing function in forwarding plane.</a:t>
-            </a:r>
-          </a:p>
-          <a:p>
-            <a:pPr>
-              <a:lnSpc>
-                <a:spcPts val="2280"/>
-              </a:lnSpc>
-              <a:spcBef>
-                <a:spcPts val="0"/>
-              </a:spcBef>
-            </a:pPr>
-            <a:r>
-              <a:rPr lang="en-US" sz="1600" dirty="0"/>
-              <a:t>Existing forwarding mechanisms are applicable to test packets. Examples are:</a:t>
-            </a:r>
-          </a:p>
-          <a:p>
-            <a:pPr lvl="1">
-              <a:lnSpc>
-                <a:spcPts val="2280"/>
-              </a:lnSpc>
-              <a:spcBef>
-                <a:spcPts val="0"/>
-              </a:spcBef>
-            </a:pPr>
-            <a:r>
-              <a:rPr lang="en-US" sz="1600" dirty="0"/>
-              <a:t>For IPv4</a:t>
-            </a:r>
-          </a:p>
-          <a:p>
-            <a:pPr lvl="2">
-              <a:lnSpc>
-                <a:spcPts val="2280"/>
-              </a:lnSpc>
-              <a:spcBef>
-                <a:spcPts val="0"/>
-              </a:spcBef>
-            </a:pPr>
-            <a:r>
-              <a:rPr lang="en-US" sz="1600" dirty="0"/>
-              <a:t>Sweeping destination address in IPv4 header (e.g. 127/8)</a:t>
-            </a:r>
-          </a:p>
-          <a:p>
-            <a:pPr lvl="2">
-              <a:lnSpc>
-                <a:spcPts val="2280"/>
-              </a:lnSpc>
-              <a:spcBef>
-                <a:spcPts val="0"/>
-              </a:spcBef>
-            </a:pPr>
+              <a:t>The STAMP reply test packet is sent using the IP/UDP information from the received test packet. </a:t>
+            </a:r>
+          </a:p>
+          <a:p>
             <a:r>
               <a:rPr lang="en-US" sz="1600" dirty="0">
                 <a:solidFill>
                   <a:srgbClr val="0070C0"/>
                 </a:solidFill>
               </a:rPr>
-              <a:t>Identify intended actual destination node in “Destination Node Address TLV”</a:t>
-            </a:r>
-          </a:p>
-          <a:p>
-            <a:pPr lvl="1">
-              <a:lnSpc>
-                <a:spcPts val="2280"/>
-              </a:lnSpc>
-              <a:spcBef>
-                <a:spcPts val="0"/>
-              </a:spcBef>
-            </a:pPr>
-            <a:r>
-              <a:rPr lang="en-US" sz="1600" dirty="0"/>
-              <a:t>For IPv6</a:t>
-            </a:r>
-          </a:p>
-          <a:p>
-            <a:pPr lvl="2">
-              <a:lnSpc>
-                <a:spcPts val="2280"/>
-              </a:lnSpc>
-              <a:spcBef>
-                <a:spcPts val="0"/>
-              </a:spcBef>
-            </a:pPr>
-            <a:r>
-              <a:rPr lang="en-US" sz="1600" dirty="0"/>
-              <a:t>Sweeping flow label in IPv6 header</a:t>
+              <a:t>Link - Use Control Code from the received test packet if set.</a:t>
+            </a:r>
+          </a:p>
+          <a:p>
+            <a:r>
+              <a:rPr lang="en-US" sz="1600" dirty="0">
+                <a:solidFill>
+                  <a:srgbClr val="0070C0"/>
+                </a:solidFill>
+              </a:rPr>
+              <a:t>SR path - Use Segment List from Return Path TLV if present in the received test packet.</a:t>
             </a:r>
           </a:p>
         </p:txBody>
@@ -8789,7 +9208,7 @@
         </p:nvSpPr>
         <p:spPr>
           <a:xfrm>
-            <a:off x="3124200" y="4781550"/>
+            <a:off x="3124200" y="4786312"/>
             <a:ext cx="2895600" cy="357188"/>
           </a:xfrm>
         </p:spPr>
@@ -8814,7 +9233,218 @@
       </p:sp>
       <p:sp>
         <p:nvSpPr>
-          <p:cNvPr id="5" name="Slide Number Placeholder 4"/>
+          <p:cNvPr id="5" name="Rectangle 4"/>
+          <p:cNvSpPr/>
+          <p:nvPr/>
+        </p:nvSpPr>
+        <p:spPr>
+          <a:xfrm>
+            <a:off x="1828800" y="1821597"/>
+            <a:ext cx="5257800" cy="2708434"/>
+          </a:xfrm>
+          <a:prstGeom prst="rect">
+            <a:avLst/>
+          </a:prstGeom>
+          <a:solidFill>
+            <a:schemeClr val="accent6">
+              <a:lumMod val="20000"/>
+              <a:lumOff val="80000"/>
+            </a:schemeClr>
+          </a:solidFill>
+        </p:spPr>
+        <p:txBody>
+          <a:bodyPr wrap="square">
+            <a:spAutoFit/>
+          </a:bodyPr>
+          <a:lstStyle/>
+          <a:p>
+            <a:r>
+              <a:rPr lang="en-CA" sz="1000" dirty="0">
+                <a:latin typeface="Courier" pitchFamily="2" charset="0"/>
+                <a:cs typeface="Courier New" panose="02070309020205020404" pitchFamily="49" charset="0"/>
+              </a:rPr>
+              <a:t>+---------------------------------------------------------------+</a:t>
+            </a:r>
+          </a:p>
+          <a:p>
+            <a:r>
+              <a:rPr lang="en-CA" sz="1000" dirty="0">
+                <a:latin typeface="Courier" pitchFamily="2" charset="0"/>
+                <a:cs typeface="Courier New" panose="02070309020205020404" pitchFamily="49" charset="0"/>
+              </a:rPr>
+              <a:t>| IP Header                                                     |</a:t>
+            </a:r>
+          </a:p>
+          <a:p>
+            <a:r>
+              <a:rPr lang="en-CA" sz="1000" dirty="0">
+                <a:latin typeface="Courier" pitchFamily="2" charset="0"/>
+                <a:cs typeface="Courier New" panose="02070309020205020404" pitchFamily="49" charset="0"/>
+              </a:rPr>
+              <a:t>.  Source IP Address = Session-Reflector IPv4 or IPv6 Address   .</a:t>
+            </a:r>
+          </a:p>
+          <a:p>
+            <a:r>
+              <a:rPr lang="en-CA" sz="1000" dirty="0">
+                <a:latin typeface="Courier" pitchFamily="2" charset="0"/>
+                <a:cs typeface="Courier New" panose="02070309020205020404" pitchFamily="49" charset="0"/>
+              </a:rPr>
+              <a:t>.  Destination IP Address = Source IP Address from Test Packet  .</a:t>
+            </a:r>
+          </a:p>
+          <a:p>
+            <a:r>
+              <a:rPr lang="en-CA" sz="1000" dirty="0">
+                <a:latin typeface="Courier" pitchFamily="2" charset="0"/>
+                <a:cs typeface="Courier New" panose="02070309020205020404" pitchFamily="49" charset="0"/>
+              </a:rPr>
+              <a:t>.  Protocol = UDP                                               .</a:t>
+            </a:r>
+          </a:p>
+          <a:p>
+            <a:r>
+              <a:rPr lang="en-CA" sz="1000" dirty="0">
+                <a:latin typeface="Courier" pitchFamily="2" charset="0"/>
+                <a:cs typeface="Courier New" panose="02070309020205020404" pitchFamily="49" charset="0"/>
+              </a:rPr>
+              <a:t>.                                                               .</a:t>
+            </a:r>
+          </a:p>
+          <a:p>
+            <a:r>
+              <a:rPr lang="en-CA" sz="1000" dirty="0">
+                <a:latin typeface="Courier" pitchFamily="2" charset="0"/>
+                <a:cs typeface="Courier New" panose="02070309020205020404" pitchFamily="49" charset="0"/>
+              </a:rPr>
+              <a:t>+---------------------------------------------------------------+</a:t>
+            </a:r>
+          </a:p>
+          <a:p>
+            <a:r>
+              <a:rPr lang="en-CA" sz="1000" dirty="0">
+                <a:latin typeface="Courier" pitchFamily="2" charset="0"/>
+                <a:cs typeface="Courier New" panose="02070309020205020404" pitchFamily="49" charset="0"/>
+              </a:rPr>
+              <a:t>| UDP Header                                                    |</a:t>
+            </a:r>
+          </a:p>
+          <a:p>
+            <a:r>
+              <a:rPr lang="en-CA" sz="1000" dirty="0">
+                <a:latin typeface="Courier" pitchFamily="2" charset="0"/>
+                <a:cs typeface="Courier New" panose="02070309020205020404" pitchFamily="49" charset="0"/>
+              </a:rPr>
+              <a:t>.  Source Port = As chosen by Session-Reflector                 .</a:t>
+            </a:r>
+          </a:p>
+          <a:p>
+            <a:r>
+              <a:rPr lang="en-CA" sz="1000" dirty="0">
+                <a:latin typeface="Courier" pitchFamily="2" charset="0"/>
+                <a:cs typeface="Courier New" panose="02070309020205020404" pitchFamily="49" charset="0"/>
+              </a:rPr>
+              <a:t>.  Destination Port = Source Port from Test Packet              .</a:t>
+            </a:r>
+          </a:p>
+          <a:p>
+            <a:r>
+              <a:rPr lang="en-CA" sz="1000" dirty="0">
+                <a:latin typeface="Courier" pitchFamily="2" charset="0"/>
+                <a:cs typeface="Courier New" panose="02070309020205020404" pitchFamily="49" charset="0"/>
+              </a:rPr>
+              <a:t>.                                                               .</a:t>
+            </a:r>
+          </a:p>
+          <a:p>
+            <a:r>
+              <a:rPr lang="en-CA" sz="1000" dirty="0">
+                <a:latin typeface="Courier" pitchFamily="2" charset="0"/>
+                <a:cs typeface="Courier New" panose="02070309020205020404" pitchFamily="49" charset="0"/>
+              </a:rPr>
+              <a:t>+---------------------------------------------------------------+</a:t>
+            </a:r>
+          </a:p>
+          <a:p>
+            <a:r>
+              <a:rPr lang="en-US" sz="1000" dirty="0">
+                <a:latin typeface="Courier" pitchFamily="2" charset="0"/>
+                <a:ea typeface="Courier" charset="0"/>
+                <a:cs typeface="Courier" charset="0"/>
+              </a:rPr>
+              <a:t>| Payload = </a:t>
+            </a:r>
+            <a:r>
+              <a:rPr lang="en-CA" sz="1000" dirty="0">
+                <a:latin typeface="Courier" pitchFamily="2" charset="0"/>
+              </a:rPr>
+              <a:t>Test Packet specified in Section 4.3 of RFC 8762</a:t>
+            </a:r>
+            <a:r>
+              <a:rPr lang="en-US" sz="1000" dirty="0">
+                <a:latin typeface="Courier" pitchFamily="2" charset="0"/>
+              </a:rPr>
+              <a:t>    </a:t>
+            </a:r>
+            <a:r>
+              <a:rPr lang="en-US" sz="1000" dirty="0">
+                <a:latin typeface="Courier" pitchFamily="2" charset="0"/>
+                <a:ea typeface="Courier" charset="0"/>
+                <a:cs typeface="Courier" charset="0"/>
+              </a:rPr>
+              <a:t>|</a:t>
+            </a:r>
+            <a:endParaRPr lang="en-CA" sz="1000" dirty="0">
+              <a:latin typeface="Courier" pitchFamily="2" charset="0"/>
+              <a:cs typeface="Courier New" panose="02070309020205020404" pitchFamily="49" charset="0"/>
+            </a:endParaRPr>
+          </a:p>
+          <a:p>
+            <a:r>
+              <a:rPr lang="en-CA" sz="1000" dirty="0">
+                <a:latin typeface="Courier" pitchFamily="2" charset="0"/>
+                <a:cs typeface="Courier New" panose="02070309020205020404" pitchFamily="49" charset="0"/>
+              </a:rPr>
+              <a:t>.                                                               .</a:t>
+            </a:r>
+          </a:p>
+          <a:p>
+            <a:r>
+              <a:rPr lang="en-CA" sz="1000" dirty="0">
+                <a:latin typeface="Courier" pitchFamily="2" charset="0"/>
+                <a:cs typeface="Courier New" panose="02070309020205020404" pitchFamily="49" charset="0"/>
+              </a:rPr>
+              <a:t>+---------------------------------------------------------------+</a:t>
+            </a:r>
+          </a:p>
+          <a:p>
+            <a:r>
+              <a:rPr lang="en-CA" sz="1000" dirty="0">
+                <a:latin typeface="Courier" pitchFamily="2" charset="0"/>
+                <a:cs typeface="Courier New" panose="02070309020205020404" pitchFamily="49" charset="0"/>
+              </a:rPr>
+              <a:t> </a:t>
+            </a:r>
+          </a:p>
+          <a:p>
+            <a:r>
+              <a:rPr lang="en-CA" sz="1000" dirty="0">
+                <a:latin typeface="Courier" pitchFamily="2" charset="0"/>
+                <a:cs typeface="Courier New" panose="02070309020205020404" pitchFamily="49" charset="0"/>
+              </a:rPr>
+              <a:t>               Figure 5: STAMP Session-Reflector Test Packet</a:t>
+            </a:r>
+            <a:endParaRPr lang="en-US" sz="1000" dirty="0">
+              <a:latin typeface="Courier" pitchFamily="2" charset="0"/>
+              <a:ea typeface="Courier" charset="0"/>
+              <a:cs typeface="Courier New" panose="02070309020205020404" pitchFamily="49" charset="0"/>
+            </a:endParaRPr>
+          </a:p>
+        </p:txBody>
+      </p:sp>
+      <p:sp>
+        <p:nvSpPr>
+          <p:cNvPr id="6" name="Slide Number Placeholder 5"/>
           <p:cNvSpPr>
             <a:spLocks noGrp="1"/>
           </p:cNvSpPr>
@@ -8844,7 +9474,7 @@
     </p:spTree>
     <p:extLst>
       <p:ext uri="{BB962C8B-B14F-4D97-AF65-F5344CB8AC3E}">
-        <p14:creationId xmlns:p14="http://schemas.microsoft.com/office/powerpoint/2010/main" val="1470821304"/>
+        <p14:creationId xmlns:p14="http://schemas.microsoft.com/office/powerpoint/2010/main" val="1694318788"/>
       </p:ext>
     </p:extLst>
   </p:cSld>
@@ -8892,31 +9522,168 @@
           <a:lstStyle/>
           <a:p>
             <a:r>
-              <a:rPr lang="en-US" sz="3600" dirty="0">
+              <a:rPr lang="en-US" sz="3200" dirty="0">
                 <a:solidFill>
                   <a:srgbClr val="0070C0"/>
                 </a:solidFill>
                 <a:latin typeface="Calibri Light" panose="020F0302020204030204" pitchFamily="34" charset="0"/>
                 <a:cs typeface="Calibri Light" panose="020F0302020204030204" pitchFamily="34" charset="0"/>
               </a:rPr>
-              <a:t>Performance Measurement Modes</a:t>
-            </a:r>
-          </a:p>
-        </p:txBody>
-      </p:sp>
-      <p:sp>
-        <p:nvSpPr>
-          <p:cNvPr id="4" name="Footer Placeholder 3"/>
+              <a:t>ECMP Support for SR Path</a:t>
+            </a:r>
+          </a:p>
+        </p:txBody>
+      </p:sp>
+      <p:sp>
+        <p:nvSpPr>
+          <p:cNvPr id="3" name="Content Placeholder 2"/>
           <p:cNvSpPr>
             <a:spLocks noGrp="1"/>
           </p:cNvSpPr>
           <p:nvPr>
-            <p:ph type="ftr" sz="quarter" idx="11"/>
+            <p:ph idx="1"/>
           </p:nvPr>
         </p:nvSpPr>
         <p:spPr>
           <a:xfrm>
-            <a:off x="3124200" y="4800151"/>
+            <a:off x="457200" y="941875"/>
+            <a:ext cx="8305800" cy="3259750"/>
+          </a:xfrm>
+        </p:spPr>
+        <p:txBody>
+          <a:bodyPr/>
+          <a:lstStyle/>
+          <a:p>
+            <a:pPr>
+              <a:lnSpc>
+                <a:spcPts val="2280"/>
+              </a:lnSpc>
+              <a:spcBef>
+                <a:spcPts val="0"/>
+              </a:spcBef>
+            </a:pPr>
+            <a:r>
+              <a:rPr lang="en-US" sz="1600" dirty="0"/>
+              <a:t>SR Path can have ECMP between the ingress and transit nodes, between transit nodes and between transit and egress nodes.</a:t>
+            </a:r>
+          </a:p>
+          <a:p>
+            <a:pPr>
+              <a:lnSpc>
+                <a:spcPts val="2280"/>
+              </a:lnSpc>
+              <a:spcBef>
+                <a:spcPts val="0"/>
+              </a:spcBef>
+            </a:pPr>
+            <a:r>
+              <a:rPr lang="en-US" sz="1600" dirty="0"/>
+              <a:t>Sending STAMP test packets that can take advantage of the hashing function in forwarding plane.</a:t>
+            </a:r>
+          </a:p>
+          <a:p>
+            <a:pPr>
+              <a:lnSpc>
+                <a:spcPts val="2280"/>
+              </a:lnSpc>
+              <a:spcBef>
+                <a:spcPts val="0"/>
+              </a:spcBef>
+            </a:pPr>
+            <a:r>
+              <a:rPr lang="en-US" sz="1600" dirty="0"/>
+              <a:t>Existing forwarding mechanisms are applicable to test packets. Examples are:</a:t>
+            </a:r>
+          </a:p>
+          <a:p>
+            <a:pPr lvl="1">
+              <a:lnSpc>
+                <a:spcPts val="2280"/>
+              </a:lnSpc>
+              <a:spcBef>
+                <a:spcPts val="0"/>
+              </a:spcBef>
+            </a:pPr>
+            <a:r>
+              <a:rPr lang="en-US" sz="1600" dirty="0"/>
+              <a:t>For IPv4</a:t>
+            </a:r>
+          </a:p>
+          <a:p>
+            <a:pPr lvl="2">
+              <a:lnSpc>
+                <a:spcPts val="2280"/>
+              </a:lnSpc>
+              <a:spcBef>
+                <a:spcPts val="0"/>
+              </a:spcBef>
+            </a:pPr>
+            <a:r>
+              <a:rPr lang="en-US" sz="1600" dirty="0"/>
+              <a:t>Sweeping destination address in IPv4 header (e.g. 127/8)</a:t>
+            </a:r>
+          </a:p>
+          <a:p>
+            <a:pPr lvl="2">
+              <a:lnSpc>
+                <a:spcPts val="2280"/>
+              </a:lnSpc>
+              <a:spcBef>
+                <a:spcPts val="0"/>
+              </a:spcBef>
+            </a:pPr>
+            <a:r>
+              <a:rPr lang="en-US" sz="1600" dirty="0">
+                <a:solidFill>
+                  <a:srgbClr val="0070C0"/>
+                </a:solidFill>
+              </a:rPr>
+              <a:t>Identify intended actual destination node in “Destination Node Address TLV”</a:t>
+            </a:r>
+          </a:p>
+          <a:p>
+            <a:pPr lvl="1">
+              <a:lnSpc>
+                <a:spcPts val="2280"/>
+              </a:lnSpc>
+              <a:spcBef>
+                <a:spcPts val="0"/>
+              </a:spcBef>
+            </a:pPr>
+            <a:r>
+              <a:rPr lang="en-US" sz="1600" dirty="0"/>
+              <a:t>For IPv6</a:t>
+            </a:r>
+          </a:p>
+          <a:p>
+            <a:pPr lvl="2">
+              <a:lnSpc>
+                <a:spcPts val="2280"/>
+              </a:lnSpc>
+              <a:spcBef>
+                <a:spcPts val="0"/>
+              </a:spcBef>
+            </a:pPr>
+            <a:r>
+              <a:rPr lang="en-US" sz="1600" dirty="0"/>
+              <a:t>Sweeping flow label in IPv6 header</a:t>
+            </a:r>
+          </a:p>
+        </p:txBody>
+      </p:sp>
+      <p:sp>
+        <p:nvSpPr>
+          <p:cNvPr id="4" name="Footer Placeholder 3"/>
+          <p:cNvSpPr>
+            <a:spLocks noGrp="1"/>
+          </p:cNvSpPr>
+          <p:nvPr>
+            <p:ph type="ftr" sz="quarter" idx="11"/>
+          </p:nvPr>
+        </p:nvSpPr>
+        <p:spPr>
+          <a:xfrm>
+            <a:off x="3124200" y="4781550"/>
             <a:ext cx="2895600" cy="357188"/>
           </a:xfrm>
         </p:spPr>
@@ -8941,179 +9708,15 @@
       </p:sp>
       <p:sp>
         <p:nvSpPr>
-          <p:cNvPr id="6" name="Content Placeholder 2"/>
+          <p:cNvPr id="5" name="Slide Number Placeholder 4"/>
           <p:cNvSpPr>
             <a:spLocks noGrp="1"/>
           </p:cNvSpPr>
           <p:nvPr>
-            <p:ph idx="1"/>
-          </p:nvPr>
-        </p:nvSpPr>
-        <p:spPr>
-          <a:xfrm>
-            <a:off x="457200" y="1009650"/>
-            <a:ext cx="8319052" cy="3390900"/>
-          </a:xfrm>
-        </p:spPr>
-        <p:txBody>
-          <a:bodyPr/>
-          <a:lstStyle/>
-          <a:p>
-            <a:pPr>
-              <a:lnSpc>
-                <a:spcPts val="2360"/>
-              </a:lnSpc>
-              <a:spcBef>
-                <a:spcPts val="600"/>
-              </a:spcBef>
-            </a:pPr>
-            <a:r>
-              <a:rPr lang="en-US" sz="1800" dirty="0"/>
-              <a:t>One-way Delay Measurement Mode</a:t>
-            </a:r>
-          </a:p>
-          <a:p>
-            <a:pPr lvl="1">
-              <a:lnSpc>
-                <a:spcPts val="2360"/>
-              </a:lnSpc>
-              <a:spcBef>
-                <a:spcPts val="600"/>
-              </a:spcBef>
-            </a:pPr>
-            <a:r>
-              <a:rPr lang="en-US" sz="1800" dirty="0"/>
-              <a:t>Existing default behavior</a:t>
-            </a:r>
-          </a:p>
-          <a:p>
-            <a:pPr>
-              <a:lnSpc>
-                <a:spcPts val="2360"/>
-              </a:lnSpc>
-              <a:spcBef>
-                <a:spcPts val="600"/>
-              </a:spcBef>
-            </a:pPr>
-            <a:r>
-              <a:rPr lang="en-US" sz="1800" dirty="0"/>
-              <a:t>Two-way Delay Measurement Mode</a:t>
-            </a:r>
-          </a:p>
-          <a:p>
-            <a:pPr lvl="1">
-              <a:lnSpc>
-                <a:spcPts val="2360"/>
-              </a:lnSpc>
-              <a:spcBef>
-                <a:spcPts val="600"/>
-              </a:spcBef>
-            </a:pPr>
-            <a:r>
-              <a:rPr lang="en-US" sz="1800" dirty="0"/>
-              <a:t>Test packet reply sent “in-band” on reverse path</a:t>
-            </a:r>
-          </a:p>
-          <a:p>
-            <a:pPr lvl="2">
-              <a:lnSpc>
-                <a:spcPts val="2360"/>
-              </a:lnSpc>
-              <a:spcBef>
-                <a:spcPts val="600"/>
-              </a:spcBef>
-            </a:pPr>
-            <a:r>
-              <a:rPr lang="en-US" sz="1800" dirty="0">
-                <a:solidFill>
-                  <a:srgbClr val="0070C0"/>
-                </a:solidFill>
-              </a:rPr>
-              <a:t>Link - Use Control Code from the received test packet</a:t>
-            </a:r>
-          </a:p>
-          <a:p>
-            <a:pPr lvl="2">
-              <a:lnSpc>
-                <a:spcPts val="2360"/>
-              </a:lnSpc>
-              <a:spcBef>
-                <a:spcPts val="600"/>
-              </a:spcBef>
-            </a:pPr>
-            <a:r>
-              <a:rPr lang="en-US" sz="1800" dirty="0">
-                <a:solidFill>
-                  <a:srgbClr val="0070C0"/>
-                </a:solidFill>
-              </a:rPr>
-              <a:t>SR path - Use Return Path TLV for STAMP from the received test packet</a:t>
-            </a:r>
-          </a:p>
-          <a:p>
-            <a:pPr>
-              <a:lnSpc>
-                <a:spcPts val="2360"/>
-              </a:lnSpc>
-              <a:spcBef>
-                <a:spcPts val="600"/>
-              </a:spcBef>
-            </a:pPr>
-            <a:r>
-              <a:rPr lang="en-US" sz="1800" dirty="0"/>
-              <a:t>Loopback Measurement Mode</a:t>
-            </a:r>
-          </a:p>
-          <a:p>
-            <a:pPr lvl="1">
-              <a:lnSpc>
-                <a:spcPts val="2360"/>
-              </a:lnSpc>
-              <a:spcBef>
-                <a:spcPts val="600"/>
-              </a:spcBef>
-            </a:pPr>
-            <a:r>
-              <a:rPr lang="en-US" sz="1800" dirty="0"/>
-              <a:t>  Session-sender test packet carries the return path in the header</a:t>
-            </a:r>
-            <a:endParaRPr lang="en-US" sz="1800" b="1" dirty="0"/>
-          </a:p>
-          <a:p>
-            <a:pPr>
-              <a:lnSpc>
-                <a:spcPts val="2360"/>
-              </a:lnSpc>
-              <a:spcBef>
-                <a:spcPts val="600"/>
-              </a:spcBef>
-            </a:pPr>
-            <a:endParaRPr lang="en-US" sz="1800" dirty="0"/>
-          </a:p>
-        </p:txBody>
-      </p:sp>
-      <p:sp>
-        <p:nvSpPr>
-          <p:cNvPr id="5" name="Slide Number Placeholder 4">
-            <a:extLst>
-              <a:ext uri="{FF2B5EF4-FFF2-40B4-BE49-F238E27FC236}">
-                <a16:creationId xmlns:a16="http://schemas.microsoft.com/office/drawing/2014/main" id="{DB7171B5-76A8-7648-8775-D1C8FBA7C22C}"/>
-              </a:ext>
-            </a:extLst>
-          </p:cNvPr>
-          <p:cNvSpPr>
-            <a:spLocks noGrp="1"/>
-          </p:cNvSpPr>
-          <p:nvPr>
             <p:ph type="sldNum" sz="quarter" idx="12"/>
           </p:nvPr>
         </p:nvSpPr>
-        <p:spPr>
-          <a:xfrm>
-            <a:off x="6553200" y="4705350"/>
-            <a:ext cx="2133600" cy="357188"/>
-          </a:xfrm>
-        </p:spPr>
+        <p:spPr/>
         <p:txBody>
           <a:bodyPr/>
           <a:lstStyle/>
@@ -9128,14 +9731,14 @@
               </a:pPr>
               <a:t>9</a:t>
             </a:fld>
-            <a:endParaRPr lang="en-US" altLang="zh-CN" dirty="0"/>
+            <a:endParaRPr lang="en-US" altLang="zh-CN"/>
           </a:p>
         </p:txBody>
       </p:sp>
     </p:spTree>
     <p:extLst>
       <p:ext uri="{BB962C8B-B14F-4D97-AF65-F5344CB8AC3E}">
-        <p14:creationId xmlns:p14="http://schemas.microsoft.com/office/powerpoint/2010/main" val="421663941"/>
+        <p14:creationId xmlns:p14="http://schemas.microsoft.com/office/powerpoint/2010/main" val="1470821304"/>
       </p:ext>
     </p:extLst>
   </p:cSld>

--- a/draft-gandhi-spring-stamp-srpm-05.pptx
+++ b/draft-gandhi-spring-stamp-srpm-05.pptx
@@ -5467,7 +5467,7 @@
         <p:spPr>
           <a:xfrm>
             <a:off x="533400" y="1009650"/>
-            <a:ext cx="8077200" cy="3124200"/>
+            <a:ext cx="8077200" cy="3467100"/>
           </a:xfrm>
         </p:spPr>
         <p:txBody>
@@ -5589,7 +5589,24 @@
                 <a:latin typeface="Calibri" panose="020F0502020204030204" pitchFamily="34" charset="0"/>
                 <a:cs typeface="Calibri" panose="020F0502020204030204" pitchFamily="34" charset="0"/>
               </a:rPr>
-              <a:t>Synthetic packet loss (aka indirect-mode packet loss)</a:t>
+              <a:t>Test packet loss (aka synthetic packet loss)</a:t>
+            </a:r>
+          </a:p>
+          <a:p>
+            <a:pPr lvl="1">
+              <a:lnSpc>
+                <a:spcPts val="2360"/>
+              </a:lnSpc>
+              <a:spcBef>
+                <a:spcPts val="600"/>
+              </a:spcBef>
+            </a:pPr>
+            <a:r>
+              <a:rPr lang="en-US" sz="2000" dirty="0">
+                <a:latin typeface="Calibri" panose="020F0502020204030204" pitchFamily="34" charset="0"/>
+                <a:cs typeface="Calibri" panose="020F0502020204030204" pitchFamily="34" charset="0"/>
+              </a:rPr>
+              <a:t>Data packet loss (aka direct measurement)</a:t>
             </a:r>
           </a:p>
           <a:p>
@@ -6770,6 +6787,16 @@
           <a:lstStyle/>
           <a:p>
             <a:r>
+              <a:rPr lang="en-US" sz="3600">
+                <a:solidFill>
+                  <a:srgbClr val="0070C0"/>
+                </a:solidFill>
+                <a:latin typeface="Calibri Light" panose="020F0302020204030204" pitchFamily="34" charset="0"/>
+                <a:cs typeface="Calibri Light" panose="020F0302020204030204" pitchFamily="34" charset="0"/>
+              </a:rPr>
+              <a:t>Example STAMP Reference </a:t>
+            </a:r>
+            <a:r>
               <a:rPr lang="en-US" sz="3600" dirty="0">
                 <a:solidFill>
                   <a:srgbClr val="0070C0"/>
@@ -6777,7 +6804,7 @@
                 <a:latin typeface="Calibri Light" panose="020F0302020204030204" pitchFamily="34" charset="0"/>
                 <a:cs typeface="Calibri Light" panose="020F0302020204030204" pitchFamily="34" charset="0"/>
               </a:rPr>
-              <a:t>Example Provisioning Model</a:t>
+              <a:t>Model</a:t>
             </a:r>
           </a:p>
         </p:txBody>
@@ -6948,16 +6975,10 @@
           </a:p>
           <a:p>
             <a:r>
-              <a:rPr lang="en-CA" sz="1200">
-                <a:latin typeface="Courier" pitchFamily="2" charset="0"/>
-              </a:rPr>
-              <a:t>      Timestamp </a:t>
-            </a:r>
-            <a:r>
               <a:rPr lang="en-CA" sz="1200" dirty="0">
                 <a:latin typeface="Courier" pitchFamily="2" charset="0"/>
               </a:rPr>
-              <a:t>Format       /            \</a:t>
+              <a:t>      Timestamp Format       /            \</a:t>
             </a:r>
             <a:endParaRPr lang="en-CA" sz="1200" i="1" dirty="0">
               <a:latin typeface="Courier" pitchFamily="2" charset="0"/>
@@ -6968,7 +6989,7 @@
               <a:rPr lang="en-CA" sz="1200" dirty="0">
                 <a:latin typeface="Courier" pitchFamily="2" charset="0"/>
               </a:rPr>
-              <a:t>  Synthetic Loss Type       /              \</a:t>
+              <a:t>  Packet Loss Type          /              \</a:t>
             </a:r>
           </a:p>
           <a:p>
@@ -7034,16 +7055,10 @@
           </a:p>
           <a:p>
             <a:r>
-              <a:rPr lang="en-CA" sz="1200">
-                <a:latin typeface="Courier" pitchFamily="2" charset="0"/>
-              </a:rPr>
-              <a:t>                STAMP Session-Sender   STAMP </a:t>
-            </a:r>
-            <a:r>
               <a:rPr lang="en-CA" sz="1200" dirty="0">
                 <a:latin typeface="Courier" pitchFamily="2" charset="0"/>
               </a:rPr>
-              <a:t>Session-Reflector</a:t>
+              <a:t>                STAMP Session-Sender   STAMP Session-Reflector</a:t>
             </a:r>
           </a:p>
         </p:txBody>
@@ -7168,7 +7183,7 @@
           <a:p>
             <a:r>
               <a:rPr lang="en-US" sz="1200" dirty="0"/>
-              <a:t>For links, the STAMP Session-Sender test packets are transmitted over the links using local and remote link addresses.</a:t>
+              <a:t>For links, the STAMP Session-Sender test packets are transmitted over the links using local and remote link addresses</a:t>
             </a:r>
           </a:p>
           <a:p>
@@ -7188,7 +7203,7 @@
           <a:p>
             <a:r>
               <a:rPr lang="en-US" sz="1200" dirty="0"/>
-              <a:t>TTL is set 1.</a:t>
+              <a:t>TTL is set 1</a:t>
             </a:r>
           </a:p>
           <a:p>
@@ -7846,8 +7861,8 @@
         </p:nvSpPr>
         <p:spPr bwMode="auto">
           <a:xfrm>
-            <a:off x="228600" y="1047750"/>
-            <a:ext cx="4648200" cy="3743066"/>
+            <a:off x="304800" y="1047750"/>
+            <a:ext cx="4478154" cy="3743066"/>
           </a:xfrm>
           <a:prstGeom prst="rect">
             <a:avLst/>
@@ -8098,7 +8113,7 @@
             <a:pPr lvl="1"/>
             <a:r>
               <a:rPr lang="en-US" sz="1200" dirty="0"/>
-              <a:t>TTL is set 1.</a:t>
+              <a:t>TTL is set 1</a:t>
             </a:r>
           </a:p>
           <a:p>
@@ -8660,7 +8675,7 @@
         </p:nvSpPr>
         <p:spPr>
           <a:xfrm>
-            <a:off x="4734697" y="1725364"/>
+            <a:off x="4572000" y="2571750"/>
             <a:ext cx="4104503" cy="1692771"/>
           </a:xfrm>
           <a:prstGeom prst="rect">
@@ -8820,8 +8835,8 @@
         </p:nvSpPr>
         <p:spPr bwMode="auto">
           <a:xfrm>
-            <a:off x="304800" y="1047750"/>
-            <a:ext cx="4429897" cy="3429000"/>
+            <a:off x="304800" y="1123950"/>
+            <a:ext cx="4429897" cy="2743200"/>
           </a:xfrm>
           <a:prstGeom prst="rect">
             <a:avLst/>
@@ -8999,7 +9014,7 @@
               <a:buNone/>
             </a:pPr>
             <a:r>
-              <a:rPr lang="en-US" sz="1800" dirty="0"/>
+              <a:rPr lang="en-US" sz="1600" dirty="0"/>
               <a:t>For end-to-end P2MP SR-MPLS Policy, the STAMP Session-Sender test packet is sent with:</a:t>
             </a:r>
           </a:p>
@@ -9010,7 +9025,7 @@
               </a:spcBef>
             </a:pPr>
             <a:r>
-              <a:rPr lang="en-US" sz="1800" dirty="0"/>
+              <a:rPr lang="en-US" sz="1600" dirty="0"/>
               <a:t>Tree-SID of the SR-MPLS Policy</a:t>
             </a:r>
           </a:p>
@@ -9021,7 +9036,7 @@
               </a:spcBef>
             </a:pPr>
             <a:r>
-              <a:rPr lang="en-US" sz="1800" dirty="0"/>
+              <a:rPr lang="en-US" sz="1600" dirty="0"/>
               <a:t>IPv4 destination address set from 127/8 range</a:t>
             </a:r>
           </a:p>
@@ -9032,7 +9047,7 @@
               </a:spcBef>
             </a:pPr>
             <a:r>
-              <a:rPr lang="en-US" sz="1800" dirty="0"/>
+              <a:rPr lang="en-US" sz="1600" dirty="0"/>
               <a:t>TTL is set 1</a:t>
             </a:r>
           </a:p>
@@ -9043,7 +9058,7 @@
               </a:spcBef>
               <a:buNone/>
             </a:pPr>
-            <a:endParaRPr lang="en-US" sz="1800" dirty="0"/>
+            <a:endParaRPr lang="en-US" sz="1600" dirty="0"/>
           </a:p>
         </p:txBody>
       </p:sp>

--- a/draft-gandhi-spring-stamp-srpm-05.pptx
+++ b/draft-gandhi-spring-stamp-srpm-05.pptx
@@ -5483,7 +5483,7 @@
               </a:spcBef>
             </a:pPr>
             <a:r>
-              <a:rPr lang="en-US" sz="2000" dirty="0">
+              <a:rPr lang="en-US" sz="1800" dirty="0">
                 <a:latin typeface="Calibri" panose="020F0502020204030204" pitchFamily="34" charset="0"/>
                 <a:cs typeface="Calibri" panose="020F0502020204030204" pitchFamily="34" charset="0"/>
               </a:rPr>
@@ -5500,7 +5500,7 @@
               </a:spcBef>
             </a:pPr>
             <a:r>
-              <a:rPr lang="en-US" sz="2000" dirty="0">
+              <a:rPr lang="en-US" sz="1800" dirty="0">
                 <a:latin typeface="Calibri" panose="020F0502020204030204" pitchFamily="34" charset="0"/>
                 <a:cs typeface="Calibri" panose="020F0502020204030204" pitchFamily="34" charset="0"/>
               </a:rPr>
@@ -5517,7 +5517,7 @@
               </a:spcBef>
             </a:pPr>
             <a:r>
-              <a:rPr lang="en-US" sz="2000" dirty="0">
+              <a:rPr lang="en-US" sz="1800" dirty="0">
                 <a:latin typeface="Calibri" panose="020F0502020204030204" pitchFamily="34" charset="0"/>
                 <a:cs typeface="Calibri" panose="020F0502020204030204" pitchFamily="34" charset="0"/>
               </a:rPr>
@@ -5534,7 +5534,7 @@
               </a:spcBef>
             </a:pPr>
             <a:r>
-              <a:rPr lang="en-US" sz="2000" dirty="0">
+              <a:rPr lang="en-US" sz="1800" dirty="0">
                 <a:latin typeface="Calibri" panose="020F0502020204030204" pitchFamily="34" charset="0"/>
                 <a:cs typeface="Calibri" panose="020F0502020204030204" pitchFamily="34" charset="0"/>
               </a:rPr>
@@ -5551,7 +5551,7 @@
               </a:spcBef>
             </a:pPr>
             <a:r>
-              <a:rPr lang="en-US" sz="2000" dirty="0">
+              <a:rPr lang="en-US" sz="1800" dirty="0">
                 <a:latin typeface="Calibri" panose="020F0502020204030204" pitchFamily="34" charset="0"/>
                 <a:cs typeface="Calibri" panose="020F0502020204030204" pitchFamily="34" charset="0"/>
               </a:rPr>
@@ -5568,7 +5568,7 @@
               </a:spcBef>
             </a:pPr>
             <a:r>
-              <a:rPr lang="en-US" sz="2000" dirty="0">
+              <a:rPr lang="en-US" sz="1800" dirty="0">
                 <a:latin typeface="Calibri" panose="020F0502020204030204" pitchFamily="34" charset="0"/>
                 <a:cs typeface="Calibri" panose="020F0502020204030204" pitchFamily="34" charset="0"/>
               </a:rPr>
@@ -5585,7 +5585,7 @@
               </a:spcBef>
             </a:pPr>
             <a:r>
-              <a:rPr lang="en-US" sz="2000" dirty="0">
+              <a:rPr lang="en-US" sz="1800" dirty="0">
                 <a:latin typeface="Calibri" panose="020F0502020204030204" pitchFamily="34" charset="0"/>
                 <a:cs typeface="Calibri" panose="020F0502020204030204" pitchFamily="34" charset="0"/>
               </a:rPr>
@@ -5602,7 +5602,7 @@
               </a:spcBef>
             </a:pPr>
             <a:r>
-              <a:rPr lang="en-US" sz="2000" dirty="0">
+              <a:rPr lang="en-US" sz="1800" dirty="0">
                 <a:latin typeface="Calibri" panose="020F0502020204030204" pitchFamily="34" charset="0"/>
                 <a:cs typeface="Calibri" panose="020F0502020204030204" pitchFamily="34" charset="0"/>
               </a:rPr>
@@ -5619,7 +5619,7 @@
               </a:spcBef>
             </a:pPr>
             <a:r>
-              <a:rPr lang="en-US" sz="2000" dirty="0">
+              <a:rPr lang="en-US" sz="1800" dirty="0">
                 <a:latin typeface="Calibri" panose="020F0502020204030204" pitchFamily="34" charset="0"/>
                 <a:cs typeface="Calibri" panose="020F0502020204030204" pitchFamily="34" charset="0"/>
               </a:rPr>
@@ -5635,7 +5635,7 @@
                 <a:spcPts val="600"/>
               </a:spcBef>
             </a:pPr>
-            <a:endParaRPr lang="en-US" sz="2000" dirty="0">
+            <a:endParaRPr lang="en-US" sz="1800" dirty="0">
               <a:latin typeface="Arial" panose="020B0604020202020204" pitchFamily="34" charset="0"/>
               <a:cs typeface="Arial" panose="020B0604020202020204" pitchFamily="34" charset="0"/>
             </a:endParaRPr>
@@ -6388,7 +6388,7 @@
         <p:spPr>
           <a:xfrm>
             <a:off x="457200" y="857251"/>
-            <a:ext cx="8229600" cy="3695700"/>
+            <a:ext cx="8229600" cy="3826668"/>
           </a:xfrm>
         </p:spPr>
         <p:txBody>
@@ -6405,7 +6405,7 @@
               <a:buNone/>
             </a:pPr>
             <a:r>
-              <a:rPr lang="en-US" sz="1400" dirty="0"/>
+              <a:rPr lang="en-US" sz="1200" dirty="0"/>
               <a:t>Requirements:</a:t>
             </a:r>
           </a:p>
@@ -6421,7 +6421,7 @@
               <a:buChar char="§"/>
             </a:pPr>
             <a:r>
-              <a:rPr lang="en-US" sz="1400" dirty="0"/>
+              <a:rPr lang="en-US" sz="1200" dirty="0"/>
               <a:t>Delay and Loss Measurement </a:t>
             </a:r>
           </a:p>
@@ -6437,7 +6437,7 @@
               <a:buChar char="ü"/>
             </a:pPr>
             <a:r>
-              <a:rPr lang="en-US" sz="1400" dirty="0"/>
+              <a:rPr lang="en-US" sz="1200" dirty="0"/>
               <a:t>Links and end-to-end P2P/P2MP SR paths</a:t>
             </a:r>
           </a:p>
@@ -6453,7 +6453,7 @@
               <a:buChar char="ü"/>
             </a:pPr>
             <a:r>
-              <a:rPr lang="en-US" sz="1400" dirty="0"/>
+              <a:rPr lang="en-US" sz="1200" dirty="0"/>
               <a:t>Links include physical, virtual, LAG, LAG member links</a:t>
             </a:r>
           </a:p>
@@ -6469,7 +6469,7 @@
               <a:buChar char="ü"/>
             </a:pPr>
             <a:r>
-              <a:rPr lang="en-US" sz="1400" dirty="0"/>
+              <a:rPr lang="en-US" sz="1200" dirty="0"/>
               <a:t>Applicable to SR-MPLS/SRv6 data planes</a:t>
             </a:r>
           </a:p>
@@ -6485,7 +6485,7 @@
               <a:buChar char="§"/>
             </a:pPr>
             <a:r>
-              <a:rPr lang="en-US" sz="1400" dirty="0"/>
+              <a:rPr lang="en-US" sz="1200" dirty="0"/>
               <a:t>Handle ECMP for SR paths</a:t>
             </a:r>
           </a:p>
@@ -6500,8 +6500,87 @@
               <a:buNone/>
             </a:pPr>
             <a:r>
-              <a:rPr lang="en-US" sz="1400" dirty="0"/>
+              <a:rPr lang="en-US" sz="1200" dirty="0"/>
               <a:t>Goals:</a:t>
+            </a:r>
+          </a:p>
+          <a:p>
+            <a:pPr lvl="1">
+              <a:buFont typeface="Wingdings" charset="2"/>
+              <a:buChar char="§"/>
+            </a:pPr>
+            <a:r>
+              <a:rPr lang="en-US" sz="1200" dirty="0"/>
+              <a:t>Avoid provisioning sessions on Session-Reflector for stateless mode</a:t>
+            </a:r>
+          </a:p>
+          <a:p>
+            <a:pPr lvl="1">
+              <a:buFont typeface="Wingdings" charset="2"/>
+              <a:buChar char="§"/>
+            </a:pPr>
+            <a:r>
+              <a:rPr lang="en-US" sz="1200" dirty="0"/>
+              <a:t>Avoid control-channel signaling for dynamic parameters</a:t>
+            </a:r>
+          </a:p>
+          <a:p>
+            <a:pPr lvl="1">
+              <a:buFont typeface="Wingdings" charset="2"/>
+              <a:buChar char="§"/>
+            </a:pPr>
+            <a:r>
+              <a:rPr lang="en-US" sz="1200" dirty="0"/>
+              <a:t>Very high scale for number of sessions and faster detection interval</a:t>
+            </a:r>
+          </a:p>
+          <a:p>
+            <a:pPr lvl="2">
+              <a:buFont typeface="Wingdings" charset="2"/>
+              <a:buChar char="§"/>
+            </a:pPr>
+            <a:r>
+              <a:rPr lang="en-US" sz="1200" dirty="0"/>
+              <a:t>Support hardware implementation </a:t>
+            </a:r>
+          </a:p>
+          <a:p>
+            <a:pPr marL="0" lvl="1" indent="0">
+              <a:spcBef>
+                <a:spcPts val="0"/>
+              </a:spcBef>
+              <a:spcAft>
+                <a:spcPts val="300"/>
+              </a:spcAft>
+              <a:buNone/>
+            </a:pPr>
+            <a:r>
+              <a:rPr lang="en-US" sz="1200" dirty="0"/>
+              <a:t>Scope:</a:t>
+            </a:r>
+          </a:p>
+          <a:p>
+            <a:pPr lvl="1">
+              <a:spcBef>
+                <a:spcPts val="0"/>
+              </a:spcBef>
+              <a:spcAft>
+                <a:spcPts val="300"/>
+              </a:spcAft>
+              <a:buFont typeface="Wingdings" pitchFamily="2" charset="2"/>
+              <a:buChar char="§"/>
+            </a:pPr>
+            <a:r>
+              <a:rPr lang="en-US" sz="1200" dirty="0"/>
+              <a:t>STAMP [</a:t>
+            </a:r>
+            <a:r>
+              <a:rPr lang="en-CA" sz="1200" dirty="0"/>
+              <a:t>RFC 8762</a:t>
+            </a:r>
+            <a:r>
+              <a:rPr lang="en-US" sz="1200" dirty="0"/>
+              <a:t>]</a:t>
             </a:r>
           </a:p>
           <a:p>
@@ -6516,71 +6595,12 @@
               <a:buChar char="§"/>
             </a:pPr>
             <a:r>
-              <a:rPr lang="en-US" sz="1400" dirty="0"/>
-              <a:t>Avoid per session provisioning on STAMP Session-Reflector</a:t>
-            </a:r>
-          </a:p>
-          <a:p>
-            <a:pPr lvl="1">
-              <a:spcBef>
-                <a:spcPts val="0"/>
-              </a:spcBef>
-              <a:spcAft>
-                <a:spcPts val="300"/>
-              </a:spcAft>
-              <a:buFont typeface="Wingdings" charset="2"/>
-              <a:buChar char="§"/>
-            </a:pPr>
-            <a:r>
-              <a:rPr lang="en-US" sz="1400" dirty="0"/>
-              <a:t>Avoid control-channel signaling for sessions</a:t>
-            </a:r>
-          </a:p>
-          <a:p>
-            <a:pPr lvl="1">
-              <a:spcBef>
-                <a:spcPts val="0"/>
-              </a:spcBef>
-              <a:spcAft>
-                <a:spcPts val="300"/>
-              </a:spcAft>
-              <a:buFont typeface="Wingdings" charset="2"/>
-              <a:buChar char="§"/>
-            </a:pPr>
-            <a:r>
-              <a:rPr lang="en-US" sz="1400" dirty="0"/>
-              <a:t>Very high scale for number of sessions and faster detection interval</a:t>
-            </a:r>
-          </a:p>
-          <a:p>
-            <a:pPr lvl="2">
-              <a:spcBef>
-                <a:spcPts val="0"/>
-              </a:spcBef>
-              <a:spcAft>
-                <a:spcPts val="300"/>
-              </a:spcAft>
-              <a:buFont typeface="Wingdings" charset="2"/>
-              <a:buChar char="§"/>
-            </a:pPr>
-            <a:r>
-              <a:rPr lang="en-US" sz="1400" dirty="0"/>
-              <a:t>Support hardware implementation </a:t>
-            </a:r>
-          </a:p>
-          <a:p>
-            <a:pPr marL="0" lvl="1" indent="0">
-              <a:spcBef>
-                <a:spcPts val="0"/>
-              </a:spcBef>
-              <a:spcAft>
-                <a:spcPts val="300"/>
-              </a:spcAft>
-              <a:buNone/>
-            </a:pPr>
-            <a:r>
-              <a:rPr lang="en-US" sz="1400" dirty="0"/>
-              <a:t>Scope:</a:t>
+              <a:rPr lang="en-US" sz="1200" dirty="0"/>
+              <a:t>STAMP Extensions [</a:t>
+            </a:r>
+            <a:r>
+              <a:rPr lang="en-CA" sz="1200" dirty="0"/>
+              <a:t>RFC8972]</a:t>
             </a:r>
           </a:p>
           <a:p>
@@ -6595,74 +6615,30 @@
               <a:buChar char="§"/>
             </a:pPr>
             <a:r>
-              <a:rPr lang="en-US" sz="1400" dirty="0"/>
-              <a:t>STAMP [</a:t>
-            </a:r>
-            <a:r>
-              <a:rPr lang="en-CA" sz="1400" dirty="0"/>
-              <a:t>RFC 8762</a:t>
-            </a:r>
-            <a:r>
-              <a:rPr lang="en-US" sz="1400" dirty="0"/>
-              <a:t>]</a:t>
-            </a:r>
-          </a:p>
-          <a:p>
-            <a:pPr lvl="1">
-              <a:spcBef>
-                <a:spcPts val="0"/>
-              </a:spcBef>
-              <a:spcAft>
-                <a:spcPts val="300"/>
-              </a:spcAft>
-              <a:buFont typeface="Wingdings" charset="2"/>
-              <a:buChar char="§"/>
-            </a:pPr>
-            <a:r>
-              <a:rPr lang="en-US" sz="1400" dirty="0"/>
-              <a:t>STAMP Extensions [</a:t>
-            </a:r>
-            <a:r>
-              <a:rPr lang="en-CA" sz="1400" dirty="0"/>
-              <a:t>RFC8972]</a:t>
-            </a:r>
-          </a:p>
-          <a:p>
-            <a:pPr lvl="1">
-              <a:spcBef>
-                <a:spcPts val="0"/>
-              </a:spcBef>
-              <a:spcAft>
-                <a:spcPts val="300"/>
-              </a:spcAft>
-              <a:buFont typeface="Wingdings" pitchFamily="2" charset="2"/>
-              <a:buChar char="§"/>
-            </a:pPr>
-            <a:r>
-              <a:rPr lang="en-US" sz="1400" dirty="0"/>
+              <a:rPr lang="en-US" sz="1200" dirty="0"/>
               <a:t>draft-</a:t>
             </a:r>
             <a:r>
-              <a:rPr lang="en-US" sz="1400" dirty="0" err="1"/>
+              <a:rPr lang="en-US" sz="1200" dirty="0" err="1"/>
               <a:t>gandhi</a:t>
             </a:r>
             <a:r>
-              <a:rPr lang="en-US" sz="1400" dirty="0"/>
+              <a:rPr lang="en-US" sz="1200" dirty="0"/>
               <a:t>-</a:t>
             </a:r>
             <a:r>
-              <a:rPr lang="en-US" sz="1400" dirty="0" err="1"/>
+              <a:rPr lang="en-US" sz="1200" dirty="0" err="1"/>
               <a:t>ippm</a:t>
             </a:r>
             <a:r>
-              <a:rPr lang="en-US" sz="1400" dirty="0"/>
+              <a:rPr lang="en-US" sz="1200" dirty="0"/>
               <a:t>-stamp-</a:t>
             </a:r>
             <a:r>
-              <a:rPr lang="en-US" sz="1400" dirty="0" err="1"/>
+              <a:rPr lang="en-US" sz="1200" dirty="0" err="1"/>
               <a:t>srpm</a:t>
             </a:r>
-            <a:endParaRPr lang="en-US" sz="1400" dirty="0"/>
+            <a:endParaRPr lang="en-US" sz="1200" dirty="0"/>
           </a:p>
         </p:txBody>
       </p:sp>
@@ -8037,7 +8013,7 @@
               <a:buNone/>
             </a:pPr>
             <a:r>
-              <a:rPr lang="en-US" sz="1200" dirty="0"/>
+              <a:rPr lang="en-US" sz="1400" dirty="0"/>
               <a:t>For end-to-end SR Policy, the STAMP Session-Sender test packets are  transmitted on the SR Policy with:</a:t>
             </a:r>
           </a:p>
@@ -8047,7 +8023,7 @@
               <a:buAutoNum type="arabicPeriod"/>
             </a:pPr>
             <a:r>
-              <a:rPr lang="en-US" sz="1200" dirty="0"/>
+              <a:rPr lang="en-US" sz="1400" dirty="0"/>
               <a:t>MPLS label stack of SR-MPLS Policy</a:t>
             </a:r>
           </a:p>
@@ -8057,62 +8033,62 @@
               <a:buAutoNum type="arabicPeriod"/>
             </a:pPr>
             <a:r>
-              <a:rPr lang="en-US" sz="1200" dirty="0"/>
+              <a:rPr lang="en-US" sz="1400" dirty="0"/>
               <a:t>SRv6 SRH [</a:t>
             </a:r>
             <a:r>
-              <a:rPr lang="en-CA" sz="1200" dirty="0"/>
+              <a:rPr lang="en-CA" sz="1400" dirty="0"/>
               <a:t>RFC 8754</a:t>
             </a:r>
             <a:r>
-              <a:rPr lang="en-US" sz="1200" dirty="0"/>
+              <a:rPr lang="en-US" sz="1400" dirty="0"/>
               <a:t>] with Segment List of SRv6 Policy</a:t>
             </a:r>
           </a:p>
           <a:p>
             <a:pPr lvl="2"/>
             <a:r>
-              <a:rPr lang="en-US" sz="1200" dirty="0"/>
+              <a:rPr lang="en-US" sz="1400" dirty="0"/>
               <a:t>Using upper layer processing in SRv6 network programming</a:t>
             </a:r>
           </a:p>
           <a:p>
             <a:r>
-              <a:rPr lang="en-US" sz="1200" dirty="0"/>
+              <a:rPr lang="en-US" sz="1400" dirty="0"/>
               <a:t>User-configured destination UDP </a:t>
             </a:r>
             <a:r>
-              <a:rPr lang="en-US" sz="1200" b="1" dirty="0"/>
+              <a:rPr lang="en-US" sz="1400" b="1" dirty="0"/>
               <a:t>port1</a:t>
             </a:r>
             <a:r>
-              <a:rPr lang="en-US" sz="1200" dirty="0"/>
+              <a:rPr lang="en-US" sz="1400" dirty="0"/>
               <a:t> is used for STAMP test packets (also port 862)</a:t>
             </a:r>
           </a:p>
           <a:p>
             <a:r>
-              <a:rPr lang="en-US" sz="1200" dirty="0"/>
+              <a:rPr lang="en-US" sz="1400" dirty="0"/>
               <a:t>TTL is set 255</a:t>
             </a:r>
           </a:p>
           <a:p>
             <a:r>
-              <a:rPr lang="en-US" sz="1200" dirty="0"/>
+              <a:rPr lang="en-US" sz="1400" dirty="0"/>
               <a:t>Color only SR-MPLS Policy:</a:t>
             </a:r>
           </a:p>
           <a:p>
             <a:pPr lvl="1"/>
             <a:r>
-              <a:rPr lang="en-US" sz="1200" dirty="0"/>
+              <a:rPr lang="en-US" sz="1400" dirty="0"/>
               <a:t>Destination Address in 127/8 address</a:t>
             </a:r>
           </a:p>
           <a:p>
             <a:pPr lvl="1"/>
             <a:r>
-              <a:rPr lang="en-US" sz="1200" dirty="0"/>
+              <a:rPr lang="en-US" sz="1400" dirty="0"/>
               <a:t>TTL is set 1</a:t>
             </a:r>
           </a:p>
@@ -8121,7 +8097,7 @@
               <a:buFont typeface="+mj-lt"/>
               <a:buAutoNum type="arabicPeriod"/>
             </a:pPr>
-            <a:endParaRPr lang="en-US" sz="1200" dirty="0"/>
+            <a:endParaRPr lang="en-US" sz="1400" dirty="0"/>
           </a:p>
         </p:txBody>
       </p:sp>
@@ -9196,7 +9172,7 @@
                   <a:srgbClr val="0070C0"/>
                 </a:solidFill>
               </a:rPr>
-              <a:t>Link - Use Control Code from the received test packet if set.</a:t>
+              <a:t>Link - Use Control Code from the received test packet.</a:t>
             </a:r>
           </a:p>
           <a:p>
@@ -9206,7 +9182,7 @@
                   <a:srgbClr val="0070C0"/>
                 </a:solidFill>
               </a:rPr>
-              <a:t>SR path - Use Segment List from Return Path TLV if present in the received test packet.</a:t>
+              <a:t>SR path - Use Segment List in Return Path TLV from the received test packet.</a:t>
             </a:r>
           </a:p>
         </p:txBody>

--- a/draft-gandhi-spring-stamp-srpm-05.pptx
+++ b/draft-gandhi-spring-stamp-srpm-05.pptx
@@ -256,7 +256,7 @@
           <a:p>
             <a:fld id="{E8FA3DB5-7722-3F4F-947D-12B203669AD7}" type="datetimeFigureOut">
               <a:rPr lang="en-US" smtClean="0"/>
-              <a:t>1/28/21</a:t>
+              <a:t>1/29/21</a:t>
             </a:fld>
             <a:endParaRPr lang="en-US"/>
           </a:p>

--- a/draft-gandhi-spring-stamp-srpm-05.pptx
+++ b/draft-gandhi-spring-stamp-srpm-05.pptx
@@ -256,7 +256,7 @@
           <a:p>
             <a:fld id="{E8FA3DB5-7722-3F4F-947D-12B203669AD7}" type="datetimeFigureOut">
               <a:rPr lang="en-US" smtClean="0"/>
-              <a:t>1/29/21</a:t>
+              <a:t>2/2/21</a:t>
             </a:fld>
             <a:endParaRPr lang="en-US"/>
           </a:p>
@@ -6511,7 +6511,7 @@
             </a:pPr>
             <a:r>
               <a:rPr lang="en-US" sz="1200" dirty="0"/>
-              <a:t>Avoid provisioning sessions on Session-Reflector for stateless mode</a:t>
+              <a:t>Avoid provisioning test sessions on Session-Reflector for stateless mode</a:t>
             </a:r>
           </a:p>
           <a:p>
@@ -6521,7 +6521,7 @@
             </a:pPr>
             <a:r>
               <a:rPr lang="en-US" sz="1200" dirty="0"/>
-              <a:t>Avoid control-channel signaling for dynamic parameters</a:t>
+              <a:t>Avoid control protocol for signaling dynamic parameters</a:t>
             </a:r>
           </a:p>
           <a:p>
@@ -6531,7 +6531,7 @@
             </a:pPr>
             <a:r>
               <a:rPr lang="en-US" sz="1200" dirty="0"/>
-              <a:t>Very high scale for number of sessions and faster detection interval</a:t>
+              <a:t>Very high scale for number of test sessions and faster detection interval</a:t>
             </a:r>
           </a:p>
           <a:p>
@@ -6600,7 +6600,7 @@
             </a:r>
             <a:r>
               <a:rPr lang="en-CA" sz="1200" dirty="0"/>
-              <a:t>RFC8972]</a:t>
+              <a:t>RFC 8972]</a:t>
             </a:r>
           </a:p>
           <a:p>
@@ -7165,15 +7165,7 @@
           <a:p>
             <a:r>
               <a:rPr lang="en-US" sz="1200" dirty="0"/>
-              <a:t>User-configured destination UDP </a:t>
-            </a:r>
-            <a:r>
-              <a:rPr lang="en-US" sz="1200" b="1" dirty="0"/>
-              <a:t>port1</a:t>
-            </a:r>
-            <a:r>
-              <a:rPr lang="en-US" sz="1200" dirty="0"/>
-              <a:t> is used for STAMP test packets (also port 862)</a:t>
+              <a:t>User-configured destination UDP port is used for STAMP test packets (also port 862)</a:t>
             </a:r>
           </a:p>
           <a:p>
@@ -7592,16 +7584,6 @@
           <a:p>
             <a:pPr algn="l"/>
             <a:r>
-              <a:rPr lang="en-US" sz="2400">
-                <a:solidFill>
-                  <a:srgbClr val="0070C0"/>
-                </a:solidFill>
-                <a:latin typeface="Calibri Light" panose="020F0302020204030204" pitchFamily="34" charset="0"/>
-                <a:cs typeface="Calibri Light" panose="020F0302020204030204" pitchFamily="34" charset="0"/>
-              </a:rPr>
-              <a:t>STAMP </a:t>
-            </a:r>
-            <a:r>
               <a:rPr lang="en-US" sz="2400" dirty="0">
                 <a:solidFill>
                   <a:srgbClr val="0070C0"/>
@@ -7609,7 +7591,7 @@
                 <a:latin typeface="Calibri Light" panose="020F0302020204030204" pitchFamily="34" charset="0"/>
                 <a:cs typeface="Calibri Light" panose="020F0302020204030204" pitchFamily="34" charset="0"/>
               </a:rPr>
-              <a:t>Session-Sender Test Packet for SR-MPLS and SRv6 Policy</a:t>
+              <a:t>STAMP Session-Sender Test Packet for SR-MPLS and SRv6 Policy</a:t>
             </a:r>
           </a:p>
         </p:txBody>
@@ -8055,15 +8037,7 @@
           <a:p>
             <a:r>
               <a:rPr lang="en-US" sz="1400" dirty="0"/>
-              <a:t>User-configured destination UDP </a:t>
-            </a:r>
-            <a:r>
-              <a:rPr lang="en-US" sz="1400" b="1" dirty="0"/>
-              <a:t>port1</a:t>
-            </a:r>
-            <a:r>
-              <a:rPr lang="en-US" sz="1400" dirty="0"/>
-              <a:t> is used for STAMP test packets (also port 862)</a:t>
+              <a:t>User-configured destination UDP port is used for STAMP test packets (also port 862)</a:t>
             </a:r>
           </a:p>
           <a:p>
@@ -8349,23 +8323,7 @@
                 <a:ea typeface="Courier" charset="0"/>
                 <a:cs typeface="Courier" charset="0"/>
               </a:rPr>
-              <a:t>.  Destination IP Address = </a:t>
-            </a:r>
-            <a:r>
-              <a:rPr lang="en-US" sz="750" b="1" dirty="0">
-                <a:latin typeface="Courier" pitchFamily="2" charset="0"/>
-                <a:ea typeface="Courier" charset="0"/>
-                <a:cs typeface="Courier" charset="0"/>
-              </a:rPr>
-              <a:t>Session-Reflector</a:t>
-            </a:r>
-            <a:r>
-              <a:rPr lang="en-US" sz="750" dirty="0">
-                <a:latin typeface="Courier" pitchFamily="2" charset="0"/>
-                <a:ea typeface="Courier" charset="0"/>
-                <a:cs typeface="Courier" charset="0"/>
-              </a:rPr>
-              <a:t> IPv6 Address      .</a:t>
+              <a:t>.  Destination IP Address = Session-Reflector IPv6 Address      .</a:t>
             </a:r>
           </a:p>
           <a:p>
@@ -9118,16 +9076,6 @@
           <a:lstStyle/>
           <a:p>
             <a:r>
-              <a:rPr lang="en-US" sz="3200">
-                <a:solidFill>
-                  <a:srgbClr val="0070C0"/>
-                </a:solidFill>
-                <a:latin typeface="Calibri Light" panose="020F0302020204030204" pitchFamily="34" charset="0"/>
-                <a:cs typeface="Calibri Light" panose="020F0302020204030204" pitchFamily="34" charset="0"/>
-              </a:rPr>
-              <a:t>  STAMP </a:t>
-            </a:r>
-            <a:r>
               <a:rPr lang="en-US" sz="3200" dirty="0">
                 <a:solidFill>
                   <a:srgbClr val="0070C0"/>
@@ -9135,7 +9083,7 @@
                 <a:latin typeface="Calibri Light" panose="020F0302020204030204" pitchFamily="34" charset="0"/>
                 <a:cs typeface="Calibri Light" panose="020F0302020204030204" pitchFamily="34" charset="0"/>
               </a:rPr>
-              <a:t>Session-Reflector Test Packet</a:t>
+              <a:t>  STAMP Session-Reflector Test Packet</a:t>
             </a:r>
           </a:p>
         </p:txBody>

--- a/draft-gandhi-spring-stamp-srpm-05.pptx
+++ b/draft-gandhi-spring-stamp-srpm-05.pptx
@@ -256,7 +256,7 @@
           <a:p>
             <a:fld id="{E8FA3DB5-7722-3F4F-947D-12B203669AD7}" type="datetimeFigureOut">
               <a:rPr lang="en-US" smtClean="0"/>
-              <a:t>2/2/21</a:t>
+              <a:t>2/3/21</a:t>
             </a:fld>
             <a:endParaRPr lang="en-US"/>
           </a:p>
@@ -5476,14 +5476,14 @@
           <a:p>
             <a:pPr>
               <a:lnSpc>
-                <a:spcPts val="2360"/>
+                <a:spcPts val="2060"/>
               </a:lnSpc>
               <a:spcBef>
                 <a:spcPts val="600"/>
               </a:spcBef>
             </a:pPr>
             <a:r>
-              <a:rPr lang="en-US" sz="1800" dirty="0">
+              <a:rPr lang="en-US" sz="1600" dirty="0">
                 <a:latin typeface="Calibri" panose="020F0502020204030204" pitchFamily="34" charset="0"/>
                 <a:cs typeface="Calibri" panose="020F0502020204030204" pitchFamily="34" charset="0"/>
               </a:rPr>
@@ -5493,14 +5493,14 @@
           <a:p>
             <a:pPr lvl="1">
               <a:lnSpc>
-                <a:spcPts val="2360"/>
+                <a:spcPts val="2060"/>
               </a:lnSpc>
               <a:spcBef>
                 <a:spcPts val="600"/>
               </a:spcBef>
             </a:pPr>
             <a:r>
-              <a:rPr lang="en-US" sz="1800" dirty="0">
+              <a:rPr lang="en-US" sz="1600" dirty="0">
                 <a:latin typeface="Calibri" panose="020F0502020204030204" pitchFamily="34" charset="0"/>
                 <a:cs typeface="Calibri" panose="020F0502020204030204" pitchFamily="34" charset="0"/>
               </a:rPr>
@@ -5510,14 +5510,14 @@
           <a:p>
             <a:pPr lvl="1">
               <a:lnSpc>
-                <a:spcPts val="2360"/>
+                <a:spcPts val="2060"/>
               </a:lnSpc>
               <a:spcBef>
                 <a:spcPts val="600"/>
               </a:spcBef>
             </a:pPr>
             <a:r>
-              <a:rPr lang="en-US" sz="1800" dirty="0">
+              <a:rPr lang="en-US" sz="1600" dirty="0">
                 <a:latin typeface="Calibri" panose="020F0502020204030204" pitchFamily="34" charset="0"/>
                 <a:cs typeface="Calibri" panose="020F0502020204030204" pitchFamily="34" charset="0"/>
               </a:rPr>
@@ -5527,14 +5527,14 @@
           <a:p>
             <a:pPr lvl="1">
               <a:lnSpc>
-                <a:spcPts val="2360"/>
+                <a:spcPts val="2060"/>
               </a:lnSpc>
               <a:spcBef>
                 <a:spcPts val="600"/>
               </a:spcBef>
             </a:pPr>
             <a:r>
-              <a:rPr lang="en-US" sz="1800" dirty="0">
+              <a:rPr lang="en-US" sz="1600" dirty="0">
                 <a:latin typeface="Calibri" panose="020F0502020204030204" pitchFamily="34" charset="0"/>
                 <a:cs typeface="Calibri" panose="020F0502020204030204" pitchFamily="34" charset="0"/>
               </a:rPr>
@@ -5544,14 +5544,14 @@
           <a:p>
             <a:pPr lvl="1">
               <a:lnSpc>
-                <a:spcPts val="2360"/>
+                <a:spcPts val="2060"/>
               </a:lnSpc>
               <a:spcBef>
                 <a:spcPts val="600"/>
               </a:spcBef>
             </a:pPr>
             <a:r>
-              <a:rPr lang="en-US" sz="1800" dirty="0">
+              <a:rPr lang="en-US" sz="1600" dirty="0">
                 <a:latin typeface="Calibri" panose="020F0502020204030204" pitchFamily="34" charset="0"/>
                 <a:cs typeface="Calibri" panose="020F0502020204030204" pitchFamily="34" charset="0"/>
               </a:rPr>
@@ -5561,14 +5561,14 @@
           <a:p>
             <a:pPr>
               <a:lnSpc>
-                <a:spcPts val="2360"/>
+                <a:spcPts val="2060"/>
               </a:lnSpc>
               <a:spcBef>
                 <a:spcPts val="600"/>
               </a:spcBef>
             </a:pPr>
             <a:r>
-              <a:rPr lang="en-US" sz="1800" dirty="0">
+              <a:rPr lang="en-US" sz="1600" dirty="0">
                 <a:latin typeface="Calibri" panose="020F0502020204030204" pitchFamily="34" charset="0"/>
                 <a:cs typeface="Calibri" panose="020F0502020204030204" pitchFamily="34" charset="0"/>
               </a:rPr>
@@ -5578,14 +5578,14 @@
           <a:p>
             <a:pPr lvl="1">
               <a:lnSpc>
-                <a:spcPts val="2360"/>
+                <a:spcPts val="2060"/>
               </a:lnSpc>
               <a:spcBef>
                 <a:spcPts val="600"/>
               </a:spcBef>
             </a:pPr>
             <a:r>
-              <a:rPr lang="en-US" sz="1800" dirty="0">
+              <a:rPr lang="en-US" sz="1600" dirty="0">
                 <a:latin typeface="Calibri" panose="020F0502020204030204" pitchFamily="34" charset="0"/>
                 <a:cs typeface="Calibri" panose="020F0502020204030204" pitchFamily="34" charset="0"/>
               </a:rPr>
@@ -5595,14 +5595,14 @@
           <a:p>
             <a:pPr lvl="1">
               <a:lnSpc>
-                <a:spcPts val="2360"/>
+                <a:spcPts val="2060"/>
               </a:lnSpc>
               <a:spcBef>
                 <a:spcPts val="600"/>
               </a:spcBef>
             </a:pPr>
             <a:r>
-              <a:rPr lang="en-US" sz="1800" dirty="0">
+              <a:rPr lang="en-US" sz="1600" dirty="0">
                 <a:latin typeface="Calibri" panose="020F0502020204030204" pitchFamily="34" charset="0"/>
                 <a:cs typeface="Calibri" panose="020F0502020204030204" pitchFamily="34" charset="0"/>
               </a:rPr>
@@ -5612,14 +5612,14 @@
           <a:p>
             <a:pPr lvl="1">
               <a:lnSpc>
-                <a:spcPts val="2360"/>
+                <a:spcPts val="2060"/>
               </a:lnSpc>
               <a:spcBef>
                 <a:spcPts val="600"/>
               </a:spcBef>
             </a:pPr>
             <a:r>
-              <a:rPr lang="en-US" sz="1800" dirty="0">
+              <a:rPr lang="en-US" sz="1600" dirty="0">
                 <a:latin typeface="Calibri" panose="020F0502020204030204" pitchFamily="34" charset="0"/>
                 <a:cs typeface="Calibri" panose="020F0502020204030204" pitchFamily="34" charset="0"/>
               </a:rPr>
@@ -5629,13 +5629,13 @@
           <a:p>
             <a:pPr>
               <a:lnSpc>
-                <a:spcPts val="2360"/>
+                <a:spcPts val="2060"/>
               </a:lnSpc>
               <a:spcBef>
                 <a:spcPts val="600"/>
               </a:spcBef>
             </a:pPr>
-            <a:endParaRPr lang="en-US" sz="1800" dirty="0">
+            <a:endParaRPr lang="en-US" sz="1600" dirty="0">
               <a:latin typeface="Arial" panose="020B0604020202020204" pitchFamily="34" charset="0"/>
               <a:cs typeface="Arial" panose="020B0604020202020204" pitchFamily="34" charset="0"/>
             </a:endParaRPr>
@@ -6422,7 +6422,7 @@
             </a:pPr>
             <a:r>
               <a:rPr lang="en-US" sz="1200" dirty="0"/>
-              <a:t>Delay and Loss Measurement </a:t>
+              <a:t>Performance Delay and Loss Measurement </a:t>
             </a:r>
           </a:p>
           <a:p>
@@ -6511,7 +6511,7 @@
             </a:pPr>
             <a:r>
               <a:rPr lang="en-US" sz="1200" dirty="0"/>
-              <a:t>Avoid provisioning test sessions on Session-Reflector for stateless mode</a:t>
+              <a:t>Avoid provisioning test sessions on Session-Reflector - Stateless mode</a:t>
             </a:r>
           </a:p>
           <a:p>
@@ -6946,7 +6946,7 @@
               <a:rPr lang="en-CA" sz="1200" dirty="0">
                 <a:latin typeface="Courier" pitchFamily="2" charset="0"/>
               </a:rPr>
-              <a:t>  Delay Measurement Mode      /          \     Synthetic Loss Type</a:t>
+              <a:t>  Delay Measurement Mode      /          \     Packet Loss Type</a:t>
             </a:r>
           </a:p>
           <a:p>
@@ -7165,13 +7165,13 @@
           <a:p>
             <a:r>
               <a:rPr lang="en-US" sz="1200" dirty="0"/>
-              <a:t>User-configured destination UDP port is used for STAMP test packets (also port 862)</a:t>
+              <a:t>User-configured destination UDP port is used for STAMP test packets (or port 862)</a:t>
             </a:r>
           </a:p>
           <a:p>
             <a:r>
               <a:rPr lang="en-US" sz="1200" dirty="0"/>
-              <a:t>TTL is set 1</a:t>
+              <a:t>TTL is set to 1</a:t>
             </a:r>
           </a:p>
           <a:p>
@@ -7371,7 +7371,7 @@
                 <a:ea typeface="Courier" charset="0"/>
                 <a:cs typeface="Courier" charset="0"/>
               </a:rPr>
-              <a:t>.  Destination Port = User-configured Port &amp; 862                .</a:t>
+              <a:t>.  Destination Port = User-configured Port | 862                .</a:t>
             </a:r>
           </a:p>
           <a:p>
@@ -8031,19 +8031,19 @@
             <a:pPr lvl="2"/>
             <a:r>
               <a:rPr lang="en-US" sz="1400" dirty="0"/>
-              <a:t>Using upper layer processing in SRv6 network programming</a:t>
+              <a:t>Using upper-layer processing defined in SRv6 network programming</a:t>
             </a:r>
           </a:p>
           <a:p>
             <a:r>
               <a:rPr lang="en-US" sz="1400" dirty="0"/>
-              <a:t>User-configured destination UDP port is used for STAMP test packets (also port 862)</a:t>
+              <a:t>User-configured destination UDP port is used for STAMP test packets (or port 862)</a:t>
             </a:r>
           </a:p>
           <a:p>
             <a:r>
               <a:rPr lang="en-US" sz="1400" dirty="0"/>
-              <a:t>TTL is set 255</a:t>
+              <a:t>TTL is set to 255</a:t>
             </a:r>
           </a:p>
           <a:p>
@@ -8398,7 +8398,7 @@
                 <a:ea typeface="Courier" charset="0"/>
                 <a:cs typeface="Courier" charset="0"/>
               </a:rPr>
-              <a:t>.  Destination Port = User-configured Port &amp; 862                .</a:t>
+              <a:t>.  Destination Port = User-configured Port | 862                .</a:t>
             </a:r>
           </a:p>
           <a:p>
@@ -8971,7 +8971,7 @@
             </a:pPr>
             <a:r>
               <a:rPr lang="en-US" sz="1600" dirty="0"/>
-              <a:t>IPv4 destination address set from 127/8 range</a:t>
+              <a:t>IPv4 destination address selected from 127/8 range</a:t>
             </a:r>
           </a:p>
           <a:p>
@@ -8982,7 +8982,7 @@
             </a:pPr>
             <a:r>
               <a:rPr lang="en-US" sz="1600" dirty="0"/>
-              <a:t>TTL is set 1</a:t>
+              <a:t>TTL is set to 1</a:t>
             </a:r>
           </a:p>
           <a:p>
@@ -9179,7 +9179,7 @@
         <p:spPr>
           <a:xfrm>
             <a:off x="1828800" y="1821597"/>
-            <a:ext cx="5257800" cy="2708434"/>
+            <a:ext cx="5257800" cy="2862322"/>
           </a:xfrm>
           <a:prstGeom prst="rect">
             <a:avLst/>
@@ -9229,7 +9229,7 @@
                 <a:latin typeface="Courier" pitchFamily="2" charset="0"/>
                 <a:cs typeface="Courier New" panose="02070309020205020404" pitchFamily="49" charset="0"/>
               </a:rPr>
-              <a:t>.  Destination IP Address = Source IP Address from Test Packet  .</a:t>
+              <a:t>.  Destination IP Address =                                     .</a:t>
             </a:r>
           </a:p>
           <a:p>
@@ -9238,7 +9238,7 @@
                 <a:latin typeface="Courier" pitchFamily="2" charset="0"/>
                 <a:cs typeface="Courier New" panose="02070309020205020404" pitchFamily="49" charset="0"/>
               </a:rPr>
-              <a:t>.  Protocol = UDP                                               .</a:t>
+              <a:t>.             Source IP Address from Received Test Packet       .</a:t>
             </a:r>
           </a:p>
           <a:p>
@@ -9247,7 +9247,7 @@
                 <a:latin typeface="Courier" pitchFamily="2" charset="0"/>
                 <a:cs typeface="Courier New" panose="02070309020205020404" pitchFamily="49" charset="0"/>
               </a:rPr>
-              <a:t>.                                                               .</a:t>
+              <a:t>.  Protocol = UDP                                               .</a:t>
             </a:r>
           </a:p>
           <a:p>
@@ -9256,7 +9256,7 @@
                 <a:latin typeface="Courier" pitchFamily="2" charset="0"/>
                 <a:cs typeface="Courier New" panose="02070309020205020404" pitchFamily="49" charset="0"/>
               </a:rPr>
-              <a:t>+---------------------------------------------------------------+</a:t>
+              <a:t>.                                                               .</a:t>
             </a:r>
           </a:p>
           <a:p>
@@ -9265,7 +9265,7 @@
                 <a:latin typeface="Courier" pitchFamily="2" charset="0"/>
                 <a:cs typeface="Courier New" panose="02070309020205020404" pitchFamily="49" charset="0"/>
               </a:rPr>
-              <a:t>| UDP Header                                                    |</a:t>
+              <a:t>+---------------------------------------------------------------+</a:t>
             </a:r>
           </a:p>
           <a:p>
@@ -9274,7 +9274,7 @@
                 <a:latin typeface="Courier" pitchFamily="2" charset="0"/>
                 <a:cs typeface="Courier New" panose="02070309020205020404" pitchFamily="49" charset="0"/>
               </a:rPr>
-              <a:t>.  Source Port = As chosen by Session-Reflector                 .</a:t>
+              <a:t>| UDP Header                                                    |</a:t>
             </a:r>
           </a:p>
           <a:p>
@@ -9283,7 +9283,16 @@
                 <a:latin typeface="Courier" pitchFamily="2" charset="0"/>
                 <a:cs typeface="Courier New" panose="02070309020205020404" pitchFamily="49" charset="0"/>
               </a:rPr>
-              <a:t>.  Destination Port = Source Port from Test Packet              .</a:t>
+              <a:t>.  Source Port = As chosen by Session-Reflector                 .</a:t>
+            </a:r>
+          </a:p>
+          <a:p>
+            <a:r>
+              <a:rPr lang="en-CA" sz="1000" dirty="0">
+                <a:latin typeface="Courier" pitchFamily="2" charset="0"/>
+                <a:cs typeface="Courier New" panose="02070309020205020404" pitchFamily="49" charset="0"/>
+              </a:rPr>
+              <a:t>.  Destination Port = Source Port from Received Test Packet     .</a:t>
             </a:r>
           </a:p>
           <a:p>
@@ -9371,7 +9380,7 @@
                 <a:latin typeface="Courier" pitchFamily="2" charset="0"/>
                 <a:cs typeface="Courier New" panose="02070309020205020404" pitchFamily="49" charset="0"/>
               </a:rPr>
-              <a:t>               Figure 5: STAMP Session-Reflector Test Packet</a:t>
+              <a:t>             Figure 5: STAMP Session-Reflector Test Packet</a:t>
             </a:r>
             <a:endParaRPr lang="en-US" sz="1000" dirty="0">
               <a:latin typeface="Courier" pitchFamily="2" charset="0"/>

--- a/draft-gandhi-spring-stamp-srpm-05.pptx
+++ b/draft-gandhi-spring-stamp-srpm-05.pptx
@@ -256,7 +256,7 @@
           <a:p>
             <a:fld id="{E8FA3DB5-7722-3F4F-947D-12B203669AD7}" type="datetimeFigureOut">
               <a:rPr lang="en-US" smtClean="0"/>
-              <a:t>2/3/21</a:t>
+              <a:t>2/4/21</a:t>
             </a:fld>
             <a:endParaRPr lang="en-US"/>
           </a:p>
@@ -5192,7 +5192,7 @@
               </a:spcBef>
             </a:pPr>
             <a:r>
-              <a:rPr lang="en-US" sz="1800" dirty="0"/>
+              <a:rPr lang="en-US" sz="1600" dirty="0"/>
               <a:t>One-way Delay Measurement Mode</a:t>
             </a:r>
           </a:p>
@@ -5206,8 +5206,8 @@
               </a:spcBef>
             </a:pPr>
             <a:r>
-              <a:rPr lang="en-US" sz="1800" dirty="0"/>
-              <a:t>Existing default behavior</a:t>
+              <a:rPr lang="en-US" sz="1600" dirty="0"/>
+              <a:t>Existing (default) behavior</a:t>
             </a:r>
           </a:p>
           <a:p>
@@ -5220,7 +5220,7 @@
               </a:spcBef>
             </a:pPr>
             <a:r>
-              <a:rPr lang="en-US" sz="1800" dirty="0"/>
+              <a:rPr lang="en-US" sz="1600" dirty="0"/>
               <a:t>Two-way Delay Measurement Mode</a:t>
             </a:r>
           </a:p>
@@ -5234,44 +5234,30 @@
               </a:spcBef>
             </a:pPr>
             <a:r>
-              <a:rPr lang="en-US" sz="1800" dirty="0"/>
+              <a:rPr lang="en-US" sz="1600" dirty="0"/>
               <a:t>STAMP test packet reply sent “in-band” on reverse path</a:t>
             </a:r>
           </a:p>
           <a:p>
-            <a:pPr lvl="2">
-              <a:lnSpc>
-                <a:spcPts val="2360"/>
-              </a:lnSpc>
-              <a:spcBef>
-                <a:spcPts val="600"/>
-              </a:spcBef>
-            </a:pPr>
-            <a:r>
-              <a:rPr lang="en-US" sz="1800" dirty="0">
+            <a:pPr lvl="1"/>
+            <a:r>
+              <a:rPr lang="en-US" sz="1600" dirty="0">
                 <a:solidFill>
                   <a:srgbClr val="0070C0"/>
                 </a:solidFill>
               </a:rPr>
-              <a:t>Link - Use Control Code from the received test packet</a:t>
-            </a:r>
-          </a:p>
-          <a:p>
-            <a:pPr lvl="2">
-              <a:lnSpc>
-                <a:spcPts val="2360"/>
-              </a:lnSpc>
-              <a:spcBef>
-                <a:spcPts val="600"/>
-              </a:spcBef>
-            </a:pPr>
-            <a:r>
-              <a:rPr lang="en-US" sz="1800" dirty="0">
+              <a:t>Link: Use Control Code Sub-TLV in the Return Path TLV from the received test packet.</a:t>
+            </a:r>
+          </a:p>
+          <a:p>
+            <a:pPr lvl="1"/>
+            <a:r>
+              <a:rPr lang="en-US" sz="1600" dirty="0">
                 <a:solidFill>
                   <a:srgbClr val="0070C0"/>
                 </a:solidFill>
               </a:rPr>
-              <a:t>SR path - Use Return Path TLV from the received test packet</a:t>
+              <a:t>E2E SR path: Use Segment List Sub-TLV in the Return Path TLV from the received test packet.</a:t>
             </a:r>
           </a:p>
           <a:p>
@@ -5284,7 +5270,7 @@
               </a:spcBef>
             </a:pPr>
             <a:r>
-              <a:rPr lang="en-US" sz="1800" dirty="0"/>
+              <a:rPr lang="en-US" sz="1600" dirty="0"/>
               <a:t>Loopback Measurement Mode</a:t>
             </a:r>
           </a:p>
@@ -5298,10 +5284,10 @@
               </a:spcBef>
             </a:pPr>
             <a:r>
-              <a:rPr lang="en-US" sz="1800" dirty="0"/>
-              <a:t>  STAMP Session-Sender test packet carries the return path in the header</a:t>
-            </a:r>
-            <a:endParaRPr lang="en-US" sz="1800" b="1" dirty="0"/>
+              <a:rPr lang="en-US" sz="1600" dirty="0"/>
+              <a:t>  STAMP Session-Sender test packet carries the return path in the packet header</a:t>
+            </a:r>
+            <a:endParaRPr lang="en-US" sz="1600" b="1" dirty="0"/>
           </a:p>
           <a:p>
             <a:pPr>
@@ -5312,7 +5298,7 @@
                 <a:spcPts val="600"/>
               </a:spcBef>
             </a:pPr>
-            <a:endParaRPr lang="en-US" sz="1800" dirty="0"/>
+            <a:endParaRPr lang="en-US" sz="1600" dirty="0"/>
           </a:p>
         </p:txBody>
       </p:sp>
@@ -5623,7 +5609,7 @@
                 <a:latin typeface="Calibri" panose="020F0502020204030204" pitchFamily="34" charset="0"/>
                 <a:cs typeface="Calibri" panose="020F0502020204030204" pitchFamily="34" charset="0"/>
               </a:rPr>
-              <a:t>Connectivity loss (aka liveness heart-beat failure detection)</a:t>
+              <a:t>Connectivity loss (aka session state up or down)</a:t>
             </a:r>
           </a:p>
           <a:p>
@@ -8769,7 +8755,7 @@
         </p:nvSpPr>
         <p:spPr bwMode="auto">
           <a:xfrm>
-            <a:off x="304800" y="1123950"/>
+            <a:off x="304800" y="950726"/>
             <a:ext cx="4429897" cy="2743200"/>
           </a:xfrm>
           <a:prstGeom prst="rect">
@@ -8964,7 +8950,7 @@
             </a:r>
           </a:p>
           <a:p>
-            <a:pPr>
+            <a:pPr lvl="1">
               <a:spcBef>
                 <a:spcPts val="600"/>
               </a:spcBef>
@@ -8975,7 +8961,7 @@
             </a:r>
           </a:p>
           <a:p>
-            <a:pPr>
+            <a:pPr lvl="1">
               <a:spcBef>
                 <a:spcPts val="600"/>
               </a:spcBef>
@@ -9101,7 +9087,7 @@
         <p:spPr>
           <a:xfrm>
             <a:off x="304800" y="742950"/>
-            <a:ext cx="8686800" cy="982431"/>
+            <a:ext cx="8686800" cy="976254"/>
           </a:xfrm>
         </p:spPr>
         <p:txBody>
@@ -9120,7 +9106,7 @@
                   <a:srgbClr val="0070C0"/>
                 </a:solidFill>
               </a:rPr>
-              <a:t>Link - Use Control Code from the received test packet.</a:t>
+              <a:t>Link: Use Control Code Sub-TLV in the Return Path TLV from the received test packet.</a:t>
             </a:r>
           </a:p>
           <a:p>
@@ -9130,8 +9116,18 @@
                   <a:srgbClr val="0070C0"/>
                 </a:solidFill>
               </a:rPr>
-              <a:t>SR path - Use Segment List in Return Path TLV from the received test packet.</a:t>
-            </a:r>
+              <a:t>E2E SR path: Use Segment List Sub-TLV in the Return Path TLV from the received test packet.</a:t>
+            </a:r>
+          </a:p>
+          <a:p>
+            <a:pPr marL="0" indent="0">
+              <a:buNone/>
+            </a:pPr>
+            <a:endParaRPr lang="en-US" sz="1600" dirty="0">
+              <a:solidFill>
+                <a:srgbClr val="0070C0"/>
+              </a:solidFill>
+            </a:endParaRPr>
           </a:p>
         </p:txBody>
       </p:sp>

--- a/draft-gandhi-spring-stamp-srpm-05.pptx
+++ b/draft-gandhi-spring-stamp-srpm-05.pptx
@@ -19,8 +19,8 @@
     <p:sldId id="1673" r:id="rId7"/>
     <p:sldId id="1675" r:id="rId8"/>
     <p:sldId id="320" r:id="rId9"/>
-    <p:sldId id="1658" r:id="rId10"/>
-    <p:sldId id="1667" r:id="rId11"/>
+    <p:sldId id="1667" r:id="rId10"/>
+    <p:sldId id="1658" r:id="rId11"/>
     <p:sldId id="1674" r:id="rId12"/>
     <p:sldId id="1670" r:id="rId13"/>
     <p:sldId id="1654" r:id="rId14"/>
@@ -1133,7 +1133,7 @@
     </p:spTree>
     <p:extLst>
       <p:ext uri="{BB962C8B-B14F-4D97-AF65-F5344CB8AC3E}">
-        <p14:creationId xmlns:p14="http://schemas.microsoft.com/office/powerpoint/2010/main" val="3887132760"/>
+        <p14:creationId xmlns:p14="http://schemas.microsoft.com/office/powerpoint/2010/main" val="2056051401"/>
       </p:ext>
     </p:extLst>
   </p:cSld>
@@ -1223,7 +1223,7 @@
     </p:spTree>
     <p:extLst>
       <p:ext uri="{BB962C8B-B14F-4D97-AF65-F5344CB8AC3E}">
-        <p14:creationId xmlns:p14="http://schemas.microsoft.com/office/powerpoint/2010/main" val="2056051401"/>
+        <p14:creationId xmlns:p14="http://schemas.microsoft.com/office/powerpoint/2010/main" val="3887132760"/>
       </p:ext>
     </p:extLst>
   </p:cSld>
@@ -5116,214 +5116,201 @@
           <a:lstStyle/>
           <a:p>
             <a:r>
-              <a:rPr lang="en-US" sz="3600" dirty="0">
+              <a:rPr lang="en-US" sz="3200" dirty="0">
                 <a:solidFill>
                   <a:srgbClr val="0070C0"/>
                 </a:solidFill>
                 <a:latin typeface="Calibri Light" panose="020F0302020204030204" pitchFamily="34" charset="0"/>
                 <a:cs typeface="Calibri Light" panose="020F0302020204030204" pitchFamily="34" charset="0"/>
               </a:rPr>
-              <a:t>Performance Measurement Modes</a:t>
-            </a:r>
-          </a:p>
-        </p:txBody>
-      </p:sp>
-      <p:sp>
-        <p:nvSpPr>
-          <p:cNvPr id="4" name="Footer Placeholder 3"/>
+              <a:t>ECMP Support for SR Path</a:t>
+            </a:r>
+          </a:p>
+        </p:txBody>
+      </p:sp>
+      <p:sp>
+        <p:nvSpPr>
+          <p:cNvPr id="3" name="Content Placeholder 2"/>
           <p:cNvSpPr>
             <a:spLocks noGrp="1"/>
           </p:cNvSpPr>
           <p:nvPr>
-            <p:ph type="ftr" sz="quarter" idx="11"/>
+            <p:ph idx="1"/>
           </p:nvPr>
         </p:nvSpPr>
         <p:spPr>
           <a:xfrm>
-            <a:off x="3124200" y="4800151"/>
-            <a:ext cx="2895600" cy="357188"/>
+            <a:off x="457200" y="941875"/>
+            <a:ext cx="8305800" cy="3259750"/>
           </a:xfrm>
         </p:spPr>
         <p:txBody>
           <a:bodyPr/>
           <a:lstStyle/>
           <a:p>
-            <a:r>
-              <a:rPr lang="en-CA" dirty="0"/>
-              <a:t>110</a:t>
-            </a:r>
-            <a:r>
-              <a:rPr lang="en-CA" baseline="30000" dirty="0"/>
-              <a:t>th</a:t>
-            </a:r>
-            <a:r>
-              <a:rPr lang="en-CA" dirty="0"/>
-              <a:t> IETF Online</a:t>
-            </a:r>
-          </a:p>
-        </p:txBody>
-      </p:sp>
-      <p:sp>
-        <p:nvSpPr>
-          <p:cNvPr id="6" name="Content Placeholder 2"/>
-          <p:cNvSpPr>
-            <a:spLocks noGrp="1"/>
-          </p:cNvSpPr>
-          <p:nvPr>
-            <p:ph idx="1"/>
-          </p:nvPr>
-        </p:nvSpPr>
-        <p:spPr>
-          <a:xfrm>
-            <a:off x="457200" y="1009650"/>
-            <a:ext cx="8319052" cy="3390900"/>
-          </a:xfrm>
-        </p:spPr>
-        <p:txBody>
-          <a:bodyPr/>
-          <a:lstStyle/>
-          <a:p>
             <a:pPr>
               <a:lnSpc>
-                <a:spcPts val="2360"/>
+                <a:spcPts val="2280"/>
               </a:lnSpc>
               <a:spcBef>
-                <a:spcPts val="600"/>
+                <a:spcPts val="0"/>
               </a:spcBef>
             </a:pPr>
             <a:r>
               <a:rPr lang="en-US" sz="1600" dirty="0"/>
-              <a:t>One-way Delay Measurement Mode</a:t>
+              <a:t>SR Path can have ECMP between the ingress and transit nodes, between transit nodes and between transit and egress nodes.</a:t>
+            </a:r>
+          </a:p>
+          <a:p>
+            <a:pPr>
+              <a:lnSpc>
+                <a:spcPts val="2280"/>
+              </a:lnSpc>
+              <a:spcBef>
+                <a:spcPts val="0"/>
+              </a:spcBef>
+            </a:pPr>
+            <a:r>
+              <a:rPr lang="en-US" sz="1600" dirty="0"/>
+              <a:t>Sending STAMP test packets that can take advantage of the hashing function in forwarding plane.</a:t>
+            </a:r>
+          </a:p>
+          <a:p>
+            <a:pPr>
+              <a:lnSpc>
+                <a:spcPts val="2280"/>
+              </a:lnSpc>
+              <a:spcBef>
+                <a:spcPts val="0"/>
+              </a:spcBef>
+            </a:pPr>
+            <a:r>
+              <a:rPr lang="en-US" sz="1600" dirty="0"/>
+              <a:t>Existing forwarding mechanisms are applicable to test packets. Examples are:</a:t>
             </a:r>
           </a:p>
           <a:p>
             <a:pPr lvl="1">
               <a:lnSpc>
-                <a:spcPts val="2360"/>
+                <a:spcPts val="2280"/>
               </a:lnSpc>
               <a:spcBef>
-                <a:spcPts val="600"/>
+                <a:spcPts val="0"/>
               </a:spcBef>
             </a:pPr>
             <a:r>
               <a:rPr lang="en-US" sz="1600" dirty="0"/>
-              <a:t>Existing (default) behavior</a:t>
-            </a:r>
-          </a:p>
-          <a:p>
-            <a:pPr>
+              <a:t>For IPv4</a:t>
+            </a:r>
+          </a:p>
+          <a:p>
+            <a:pPr lvl="2">
               <a:lnSpc>
-                <a:spcPts val="2360"/>
+                <a:spcPts val="2280"/>
               </a:lnSpc>
               <a:spcBef>
-                <a:spcPts val="600"/>
+                <a:spcPts val="0"/>
               </a:spcBef>
             </a:pPr>
             <a:r>
               <a:rPr lang="en-US" sz="1600" dirty="0"/>
-              <a:t>Two-way Delay Measurement Mode</a:t>
-            </a:r>
-          </a:p>
-          <a:p>
-            <a:pPr lvl="1">
+              <a:t>Sweeping destination address in IPv4 header (e.g. 127/8)</a:t>
+            </a:r>
+          </a:p>
+          <a:p>
+            <a:pPr lvl="2">
               <a:lnSpc>
-                <a:spcPts val="2360"/>
+                <a:spcPts val="2280"/>
               </a:lnSpc>
               <a:spcBef>
-                <a:spcPts val="600"/>
+                <a:spcPts val="0"/>
               </a:spcBef>
             </a:pPr>
-            <a:r>
-              <a:rPr lang="en-US" sz="1600" dirty="0"/>
-              <a:t>STAMP test packet reply sent “in-band” on reverse path</a:t>
-            </a:r>
-          </a:p>
-          <a:p>
-            <a:pPr lvl="1"/>
             <a:r>
               <a:rPr lang="en-US" sz="1600" dirty="0">
                 <a:solidFill>
                   <a:srgbClr val="0070C0"/>
                 </a:solidFill>
               </a:rPr>
-              <a:t>Link: Use Control Code Sub-TLV in the Return Path TLV from the received test packet.</a:t>
-            </a:r>
-          </a:p>
-          <a:p>
-            <a:pPr lvl="1"/>
-            <a:r>
-              <a:rPr lang="en-US" sz="1600" dirty="0">
-                <a:solidFill>
-                  <a:srgbClr val="0070C0"/>
-                </a:solidFill>
-              </a:rPr>
-              <a:t>E2E SR path: Use Segment List Sub-TLV in the Return Path TLV from the received test packet.</a:t>
-            </a:r>
-          </a:p>
-          <a:p>
-            <a:pPr>
+              <a:t>Identify intended actual destination node in “Destination Node Address TLV”</a:t>
+            </a:r>
+          </a:p>
+          <a:p>
+            <a:pPr lvl="1">
               <a:lnSpc>
-                <a:spcPts val="2360"/>
+                <a:spcPts val="2280"/>
               </a:lnSpc>
               <a:spcBef>
-                <a:spcPts val="600"/>
+                <a:spcPts val="0"/>
               </a:spcBef>
             </a:pPr>
             <a:r>
               <a:rPr lang="en-US" sz="1600" dirty="0"/>
-              <a:t>Loopback Measurement Mode</a:t>
-            </a:r>
-          </a:p>
-          <a:p>
-            <a:pPr lvl="1">
+              <a:t>For IPv6</a:t>
+            </a:r>
+          </a:p>
+          <a:p>
+            <a:pPr lvl="2">
               <a:lnSpc>
-                <a:spcPts val="2360"/>
+                <a:spcPts val="2280"/>
               </a:lnSpc>
               <a:spcBef>
-                <a:spcPts val="600"/>
+                <a:spcPts val="0"/>
               </a:spcBef>
             </a:pPr>
             <a:r>
               <a:rPr lang="en-US" sz="1600" dirty="0"/>
-              <a:t>  STAMP Session-Sender test packet carries the return path in the packet header</a:t>
-            </a:r>
-            <a:endParaRPr lang="en-US" sz="1600" b="1" dirty="0"/>
-          </a:p>
-          <a:p>
-            <a:pPr>
-              <a:lnSpc>
-                <a:spcPts val="2360"/>
-              </a:lnSpc>
-              <a:spcBef>
-                <a:spcPts val="600"/>
-              </a:spcBef>
-            </a:pPr>
-            <a:endParaRPr lang="en-US" sz="1600" dirty="0"/>
-          </a:p>
-        </p:txBody>
-      </p:sp>
-      <p:sp>
-        <p:nvSpPr>
-          <p:cNvPr id="5" name="Slide Number Placeholder 4">
-            <a:extLst>
-              <a:ext uri="{FF2B5EF4-FFF2-40B4-BE49-F238E27FC236}">
-                <a16:creationId xmlns:a16="http://schemas.microsoft.com/office/drawing/2014/main" id="{DB7171B5-76A8-7648-8775-D1C8FBA7C22C}"/>
-              </a:ext>
-            </a:extLst>
-          </p:cNvPr>
+              <a:t>Sweeping flow label in IPv6 header</a:t>
+            </a:r>
+          </a:p>
+        </p:txBody>
+      </p:sp>
+      <p:sp>
+        <p:nvSpPr>
+          <p:cNvPr id="4" name="Footer Placeholder 3"/>
           <p:cNvSpPr>
             <a:spLocks noGrp="1"/>
           </p:cNvSpPr>
           <p:nvPr>
-            <p:ph type="sldNum" sz="quarter" idx="12"/>
+            <p:ph type="ftr" sz="quarter" idx="11"/>
           </p:nvPr>
         </p:nvSpPr>
         <p:spPr>
           <a:xfrm>
-            <a:off x="6553200" y="4705350"/>
-            <a:ext cx="2133600" cy="357188"/>
+            <a:off x="3124200" y="4781550"/>
+            <a:ext cx="2895600" cy="357188"/>
           </a:xfrm>
         </p:spPr>
+        <p:txBody>
+          <a:bodyPr/>
+          <a:lstStyle/>
+          <a:p>
+            <a:r>
+              <a:rPr lang="en-CA" dirty="0"/>
+              <a:t>110</a:t>
+            </a:r>
+            <a:r>
+              <a:rPr lang="en-CA" baseline="30000" dirty="0"/>
+              <a:t>th</a:t>
+            </a:r>
+            <a:r>
+              <a:rPr lang="en-CA" dirty="0"/>
+              <a:t> IETF Online</a:t>
+            </a:r>
+          </a:p>
+        </p:txBody>
+      </p:sp>
+      <p:sp>
+        <p:nvSpPr>
+          <p:cNvPr id="5" name="Slide Number Placeholder 4"/>
+          <p:cNvSpPr>
+            <a:spLocks noGrp="1"/>
+          </p:cNvSpPr>
+          <p:nvPr>
+            <p:ph type="sldNum" sz="quarter" idx="12"/>
+          </p:nvPr>
+        </p:nvSpPr>
+        <p:spPr/>
         <p:txBody>
           <a:bodyPr/>
           <a:lstStyle/>
@@ -5338,14 +5325,14 @@
               </a:pPr>
               <a:t>10</a:t>
             </a:fld>
-            <a:endParaRPr lang="en-US" altLang="zh-CN" dirty="0"/>
+            <a:endParaRPr lang="en-US" altLang="zh-CN"/>
           </a:p>
         </p:txBody>
       </p:sp>
     </p:spTree>
     <p:extLst>
       <p:ext uri="{BB962C8B-B14F-4D97-AF65-F5344CB8AC3E}">
-        <p14:creationId xmlns:p14="http://schemas.microsoft.com/office/powerpoint/2010/main" val="421663941"/>
+        <p14:creationId xmlns:p14="http://schemas.microsoft.com/office/powerpoint/2010/main" val="1470821304"/>
       </p:ext>
     </p:extLst>
   </p:cSld>
@@ -5575,7 +5562,7 @@
                 <a:latin typeface="Calibri" panose="020F0502020204030204" pitchFamily="34" charset="0"/>
                 <a:cs typeface="Calibri" panose="020F0502020204030204" pitchFamily="34" charset="0"/>
               </a:rPr>
-              <a:t>Test packet loss (aka synthetic packet loss)</a:t>
+              <a:t>Test packet loss (i.e. synthetic packet loss)</a:t>
             </a:r>
           </a:p>
           <a:p>
@@ -5592,7 +5579,7 @@
                 <a:latin typeface="Calibri" panose="020F0502020204030204" pitchFamily="34" charset="0"/>
                 <a:cs typeface="Calibri" panose="020F0502020204030204" pitchFamily="34" charset="0"/>
               </a:rPr>
-              <a:t>Data packet loss (aka direct measurement)</a:t>
+              <a:t>Data packet loss (i.e. direct measurement)</a:t>
             </a:r>
           </a:p>
           <a:p>
@@ -5609,7 +5596,7 @@
                 <a:latin typeface="Calibri" panose="020F0502020204030204" pitchFamily="34" charset="0"/>
                 <a:cs typeface="Calibri" panose="020F0502020204030204" pitchFamily="34" charset="0"/>
               </a:rPr>
-              <a:t>Connectivity loss (aka session state up or down)</a:t>
+              <a:t>Connectivity loss (i.e. session state up or down)</a:t>
             </a:r>
           </a:p>
           <a:p>
@@ -9086,8 +9073,8 @@
         </p:nvSpPr>
         <p:spPr>
           <a:xfrm>
-            <a:off x="304800" y="742950"/>
-            <a:ext cx="8686800" cy="976254"/>
+            <a:off x="304800" y="857250"/>
+            <a:ext cx="8686800" cy="607159"/>
           </a:xfrm>
         </p:spPr>
         <p:txBody>
@@ -9097,26 +9084,6 @@
             <a:r>
               <a:rPr lang="en-US" sz="1600" dirty="0"/>
               <a:t>The STAMP reply test packet is sent using the IP/UDP information from the received test packet. </a:t>
-            </a:r>
-          </a:p>
-          <a:p>
-            <a:r>
-              <a:rPr lang="en-US" sz="1600" dirty="0">
-                <a:solidFill>
-                  <a:srgbClr val="0070C0"/>
-                </a:solidFill>
-              </a:rPr>
-              <a:t>Link: Use Control Code Sub-TLV in the Return Path TLV from the received test packet.</a:t>
-            </a:r>
-          </a:p>
-          <a:p>
-            <a:r>
-              <a:rPr lang="en-US" sz="1600" dirty="0">
-                <a:solidFill>
-                  <a:srgbClr val="0070C0"/>
-                </a:solidFill>
-              </a:rPr>
-              <a:t>E2E SR path: Use Segment List Sub-TLV in the Return Path TLV from the received test packet.</a:t>
             </a:r>
           </a:p>
           <a:p>
@@ -9174,7 +9141,7 @@
         </p:nvSpPr>
         <p:spPr>
           <a:xfrm>
-            <a:off x="1828800" y="1821597"/>
+            <a:off x="1828800" y="1454068"/>
             <a:ext cx="5257800" cy="2862322"/>
           </a:xfrm>
           <a:prstGeom prst="rect">
@@ -9466,201 +9433,214 @@
           <a:lstStyle/>
           <a:p>
             <a:r>
-              <a:rPr lang="en-US" sz="3200" dirty="0">
+              <a:rPr lang="en-US" sz="3600" dirty="0">
                 <a:solidFill>
                   <a:srgbClr val="0070C0"/>
                 </a:solidFill>
                 <a:latin typeface="Calibri Light" panose="020F0302020204030204" pitchFamily="34" charset="0"/>
                 <a:cs typeface="Calibri Light" panose="020F0302020204030204" pitchFamily="34" charset="0"/>
               </a:rPr>
-              <a:t>ECMP Support for SR Path</a:t>
-            </a:r>
-          </a:p>
-        </p:txBody>
-      </p:sp>
-      <p:sp>
-        <p:nvSpPr>
-          <p:cNvPr id="3" name="Content Placeholder 2"/>
+              <a:t>Performance Measurement Modes</a:t>
+            </a:r>
+          </a:p>
+        </p:txBody>
+      </p:sp>
+      <p:sp>
+        <p:nvSpPr>
+          <p:cNvPr id="4" name="Footer Placeholder 3"/>
           <p:cNvSpPr>
             <a:spLocks noGrp="1"/>
           </p:cNvSpPr>
           <p:nvPr>
-            <p:ph idx="1"/>
+            <p:ph type="ftr" sz="quarter" idx="11"/>
           </p:nvPr>
         </p:nvSpPr>
         <p:spPr>
           <a:xfrm>
-            <a:off x="457200" y="941875"/>
-            <a:ext cx="8305800" cy="3259750"/>
+            <a:off x="3124200" y="4800151"/>
+            <a:ext cx="2895600" cy="357188"/>
           </a:xfrm>
         </p:spPr>
         <p:txBody>
           <a:bodyPr/>
           <a:lstStyle/>
           <a:p>
+            <a:r>
+              <a:rPr lang="en-CA" dirty="0"/>
+              <a:t>110</a:t>
+            </a:r>
+            <a:r>
+              <a:rPr lang="en-CA" baseline="30000" dirty="0"/>
+              <a:t>th</a:t>
+            </a:r>
+            <a:r>
+              <a:rPr lang="en-CA" dirty="0"/>
+              <a:t> IETF Online</a:t>
+            </a:r>
+          </a:p>
+        </p:txBody>
+      </p:sp>
+      <p:sp>
+        <p:nvSpPr>
+          <p:cNvPr id="6" name="Content Placeholder 2"/>
+          <p:cNvSpPr>
+            <a:spLocks noGrp="1"/>
+          </p:cNvSpPr>
+          <p:nvPr>
+            <p:ph idx="1"/>
+          </p:nvPr>
+        </p:nvSpPr>
+        <p:spPr>
+          <a:xfrm>
+            <a:off x="457200" y="1009650"/>
+            <a:ext cx="8319052" cy="3390900"/>
+          </a:xfrm>
+        </p:spPr>
+        <p:txBody>
+          <a:bodyPr/>
+          <a:lstStyle/>
+          <a:p>
             <a:pPr>
               <a:lnSpc>
-                <a:spcPts val="2280"/>
+                <a:spcPts val="2360"/>
               </a:lnSpc>
               <a:spcBef>
-                <a:spcPts val="0"/>
+                <a:spcPts val="600"/>
               </a:spcBef>
             </a:pPr>
             <a:r>
               <a:rPr lang="en-US" sz="1600" dirty="0"/>
-              <a:t>SR Path can have ECMP between the ingress and transit nodes, between transit nodes and between transit and egress nodes.</a:t>
+              <a:t>One-way Delay Measurement Mode</a:t>
+            </a:r>
+          </a:p>
+          <a:p>
+            <a:pPr lvl="1">
+              <a:lnSpc>
+                <a:spcPts val="2360"/>
+              </a:lnSpc>
+              <a:spcBef>
+                <a:spcPts val="600"/>
+              </a:spcBef>
+            </a:pPr>
+            <a:r>
+              <a:rPr lang="en-US" sz="1600" dirty="0"/>
+              <a:t>Existing (default) behavior</a:t>
             </a:r>
           </a:p>
           <a:p>
             <a:pPr>
               <a:lnSpc>
-                <a:spcPts val="2280"/>
+                <a:spcPts val="2360"/>
               </a:lnSpc>
               <a:spcBef>
-                <a:spcPts val="0"/>
+                <a:spcPts val="600"/>
               </a:spcBef>
             </a:pPr>
             <a:r>
               <a:rPr lang="en-US" sz="1600" dirty="0"/>
-              <a:t>Sending STAMP test packets that can take advantage of the hashing function in forwarding plane.</a:t>
-            </a:r>
-          </a:p>
-          <a:p>
-            <a:pPr>
+              <a:t>Two-way Delay Measurement Mode</a:t>
+            </a:r>
+          </a:p>
+          <a:p>
+            <a:pPr lvl="1">
               <a:lnSpc>
-                <a:spcPts val="2280"/>
+                <a:spcPts val="2360"/>
               </a:lnSpc>
               <a:spcBef>
-                <a:spcPts val="0"/>
+                <a:spcPts val="600"/>
               </a:spcBef>
             </a:pPr>
             <a:r>
               <a:rPr lang="en-US" sz="1600" dirty="0"/>
-              <a:t>Existing forwarding mechanisms are applicable to test packets. Examples are:</a:t>
-            </a:r>
-          </a:p>
-          <a:p>
-            <a:pPr lvl="1">
-              <a:lnSpc>
-                <a:spcPts val="2280"/>
-              </a:lnSpc>
-              <a:spcBef>
-                <a:spcPts val="0"/>
-              </a:spcBef>
-            </a:pPr>
-            <a:r>
-              <a:rPr lang="en-US" sz="1600" dirty="0"/>
-              <a:t>For IPv4</a:t>
-            </a:r>
-          </a:p>
-          <a:p>
-            <a:pPr lvl="2">
-              <a:lnSpc>
-                <a:spcPts val="2280"/>
-              </a:lnSpc>
-              <a:spcBef>
-                <a:spcPts val="0"/>
-              </a:spcBef>
-            </a:pPr>
-            <a:r>
-              <a:rPr lang="en-US" sz="1600" dirty="0"/>
-              <a:t>Sweeping destination address in IPv4 header (e.g. 127/8)</a:t>
-            </a:r>
-          </a:p>
-          <a:p>
-            <a:pPr lvl="2">
-              <a:lnSpc>
-                <a:spcPts val="2280"/>
-              </a:lnSpc>
-              <a:spcBef>
-                <a:spcPts val="0"/>
-              </a:spcBef>
-            </a:pPr>
+              <a:t>STAMP Session-Reflector test packet sent “in-band” on reverse path</a:t>
+            </a:r>
+          </a:p>
+          <a:p>
+            <a:pPr lvl="1"/>
             <a:r>
               <a:rPr lang="en-US" sz="1600" dirty="0">
                 <a:solidFill>
                   <a:srgbClr val="0070C0"/>
                 </a:solidFill>
               </a:rPr>
-              <a:t>Identify intended actual destination node in “Destination Node Address TLV”</a:t>
+              <a:t>Link: Use Control Code Sub-TLV in the Return Path TLV from the received test packet.</a:t>
+            </a:r>
+          </a:p>
+          <a:p>
+            <a:pPr lvl="1"/>
+            <a:r>
+              <a:rPr lang="en-US" sz="1600" dirty="0">
+                <a:solidFill>
+                  <a:srgbClr val="0070C0"/>
+                </a:solidFill>
+              </a:rPr>
+              <a:t>E2E SR path: Use Segment List Sub-TLV in the Return Path TLV from the received test packet.</a:t>
+            </a:r>
+          </a:p>
+          <a:p>
+            <a:pPr>
+              <a:lnSpc>
+                <a:spcPts val="2360"/>
+              </a:lnSpc>
+              <a:spcBef>
+                <a:spcPts val="600"/>
+              </a:spcBef>
+            </a:pPr>
+            <a:r>
+              <a:rPr lang="en-US" sz="1600" dirty="0"/>
+              <a:t>Loopback Measurement Mode</a:t>
             </a:r>
           </a:p>
           <a:p>
             <a:pPr lvl="1">
               <a:lnSpc>
-                <a:spcPts val="2280"/>
+                <a:spcPts val="2360"/>
               </a:lnSpc>
               <a:spcBef>
-                <a:spcPts val="0"/>
+                <a:spcPts val="600"/>
               </a:spcBef>
             </a:pPr>
             <a:r>
               <a:rPr lang="en-US" sz="1600" dirty="0"/>
-              <a:t>For IPv6</a:t>
-            </a:r>
-          </a:p>
-          <a:p>
-            <a:pPr lvl="2">
+              <a:t>  STAMP Session-Sender test packet carries the return path in the packet header</a:t>
+            </a:r>
+            <a:endParaRPr lang="en-US" sz="1600" b="1" dirty="0"/>
+          </a:p>
+          <a:p>
+            <a:pPr>
               <a:lnSpc>
-                <a:spcPts val="2280"/>
+                <a:spcPts val="2360"/>
               </a:lnSpc>
               <a:spcBef>
-                <a:spcPts val="0"/>
+                <a:spcPts val="600"/>
               </a:spcBef>
             </a:pPr>
-            <a:r>
-              <a:rPr lang="en-US" sz="1600" dirty="0"/>
-              <a:t>Sweeping flow label in IPv6 header</a:t>
-            </a:r>
-          </a:p>
-        </p:txBody>
-      </p:sp>
-      <p:sp>
-        <p:nvSpPr>
-          <p:cNvPr id="4" name="Footer Placeholder 3"/>
+            <a:endParaRPr lang="en-US" sz="1600" dirty="0"/>
+          </a:p>
+        </p:txBody>
+      </p:sp>
+      <p:sp>
+        <p:nvSpPr>
+          <p:cNvPr id="5" name="Slide Number Placeholder 4">
+            <a:extLst>
+              <a:ext uri="{FF2B5EF4-FFF2-40B4-BE49-F238E27FC236}">
+                <a16:creationId xmlns:a16="http://schemas.microsoft.com/office/drawing/2014/main" id="{DB7171B5-76A8-7648-8775-D1C8FBA7C22C}"/>
+              </a:ext>
+            </a:extLst>
+          </p:cNvPr>
           <p:cNvSpPr>
             <a:spLocks noGrp="1"/>
           </p:cNvSpPr>
           <p:nvPr>
-            <p:ph type="ftr" sz="quarter" idx="11"/>
+            <p:ph type="sldNum" sz="quarter" idx="12"/>
           </p:nvPr>
         </p:nvSpPr>
         <p:spPr>
           <a:xfrm>
-            <a:off x="3124200" y="4781550"/>
-            <a:ext cx="2895600" cy="357188"/>
+            <a:off x="6553200" y="4705350"/>
+            <a:ext cx="2133600" cy="357188"/>
           </a:xfrm>
         </p:spPr>
-        <p:txBody>
-          <a:bodyPr/>
-          <a:lstStyle/>
-          <a:p>
-            <a:r>
-              <a:rPr lang="en-CA" dirty="0"/>
-              <a:t>110</a:t>
-            </a:r>
-            <a:r>
-              <a:rPr lang="en-CA" baseline="30000" dirty="0"/>
-              <a:t>th</a:t>
-            </a:r>
-            <a:r>
-              <a:rPr lang="en-CA" dirty="0"/>
-              <a:t> IETF Online</a:t>
-            </a:r>
-          </a:p>
-        </p:txBody>
-      </p:sp>
-      <p:sp>
-        <p:nvSpPr>
-          <p:cNvPr id="5" name="Slide Number Placeholder 4"/>
-          <p:cNvSpPr>
-            <a:spLocks noGrp="1"/>
-          </p:cNvSpPr>
-          <p:nvPr>
-            <p:ph type="sldNum" sz="quarter" idx="12"/>
-          </p:nvPr>
-        </p:nvSpPr>
-        <p:spPr/>
         <p:txBody>
           <a:bodyPr/>
           <a:lstStyle/>
@@ -9675,14 +9655,14 @@
               </a:pPr>
               <a:t>9</a:t>
             </a:fld>
-            <a:endParaRPr lang="en-US" altLang="zh-CN"/>
+            <a:endParaRPr lang="en-US" altLang="zh-CN" dirty="0"/>
           </a:p>
         </p:txBody>
       </p:sp>
     </p:spTree>
     <p:extLst>
       <p:ext uri="{BB962C8B-B14F-4D97-AF65-F5344CB8AC3E}">
-        <p14:creationId xmlns:p14="http://schemas.microsoft.com/office/powerpoint/2010/main" val="1470821304"/>
+        <p14:creationId xmlns:p14="http://schemas.microsoft.com/office/powerpoint/2010/main" val="421663941"/>
       </p:ext>
     </p:extLst>
   </p:cSld>

--- a/draft-gandhi-spring-stamp-srpm-05.pptx
+++ b/draft-gandhi-spring-stamp-srpm-05.pptx
@@ -256,7 +256,7 @@
           <a:p>
             <a:fld id="{E8FA3DB5-7722-3F4F-947D-12B203669AD7}" type="datetimeFigureOut">
               <a:rPr lang="en-US" smtClean="0"/>
-              <a:t>2/4/21</a:t>
+              <a:t>2/5/21</a:t>
             </a:fld>
             <a:endParaRPr lang="en-US"/>
           </a:p>
@@ -5596,7 +5596,7 @@
                 <a:latin typeface="Calibri" panose="020F0502020204030204" pitchFamily="34" charset="0"/>
                 <a:cs typeface="Calibri" panose="020F0502020204030204" pitchFamily="34" charset="0"/>
               </a:rPr>
-              <a:t>Connectivity loss (i.e. session state up or down)</a:t>
+              <a:t>Session state succeeded/failed</a:t>
             </a:r>
           </a:p>
           <a:p>
@@ -7163,8 +7163,8 @@
         </p:nvSpPr>
         <p:spPr>
           <a:xfrm>
-            <a:off x="2243137" y="1952152"/>
-            <a:ext cx="4657725" cy="2446824"/>
+            <a:off x="1752600" y="1940731"/>
+            <a:ext cx="5224463" cy="2708434"/>
           </a:xfrm>
           <a:prstGeom prst="rect">
             <a:avLst/>
@@ -7188,7 +7188,7 @@
               </a:spcAft>
             </a:pPr>
             <a:r>
-              <a:rPr lang="en-US" sz="900" dirty="0">
+              <a:rPr lang="en-US" sz="1000" dirty="0">
                 <a:latin typeface="Courier" pitchFamily="2" charset="0"/>
                 <a:ea typeface="Courier" charset="0"/>
                 <a:cs typeface="Courier" charset="0"/>
@@ -7203,7 +7203,7 @@
               </a:spcAft>
             </a:pPr>
             <a:r>
-              <a:rPr lang="en-US" sz="900" dirty="0">
+              <a:rPr lang="en-US" sz="1000" dirty="0">
                 <a:latin typeface="Courier" pitchFamily="2" charset="0"/>
                 <a:ea typeface="Courier" charset="0"/>
                 <a:cs typeface="Courier" charset="0"/>
@@ -7218,7 +7218,7 @@
               </a:spcAft>
             </a:pPr>
             <a:r>
-              <a:rPr lang="en-US" sz="900" dirty="0">
+              <a:rPr lang="en-US" sz="1000" dirty="0">
                 <a:latin typeface="Courier" pitchFamily="2" charset="0"/>
                 <a:ea typeface="Courier" charset="0"/>
                 <a:cs typeface="Courier" charset="0"/>
@@ -7233,7 +7233,7 @@
               </a:spcAft>
             </a:pPr>
             <a:r>
-              <a:rPr lang="en-US" sz="900" dirty="0">
+              <a:rPr lang="en-US" sz="1000" dirty="0">
                 <a:latin typeface="Courier" pitchFamily="2" charset="0"/>
                 <a:ea typeface="Courier" charset="0"/>
                 <a:cs typeface="Courier" charset="0"/>
@@ -7241,7 +7241,7 @@
               <a:t>.  Destination IP Address = Session-Reflector IPv4 or IPv6 </a:t>
             </a:r>
             <a:r>
-              <a:rPr lang="en-US" sz="900" dirty="0" err="1">
+              <a:rPr lang="en-US" sz="1000" dirty="0" err="1">
                 <a:latin typeface="Courier" pitchFamily="2" charset="0"/>
                 <a:ea typeface="Courier" charset="0"/>
                 <a:cs typeface="Courier" charset="0"/>
@@ -7249,7 +7249,7 @@
               <a:t>Addr</a:t>
             </a:r>
             <a:r>
-              <a:rPr lang="en-US" sz="900" dirty="0">
+              <a:rPr lang="en-US" sz="1000" dirty="0">
                 <a:latin typeface="Courier" pitchFamily="2" charset="0"/>
                 <a:ea typeface="Courier" charset="0"/>
                 <a:cs typeface="Courier" charset="0"/>
@@ -7264,7 +7264,7 @@
               </a:spcAft>
             </a:pPr>
             <a:r>
-              <a:rPr lang="en-US" sz="900" dirty="0">
+              <a:rPr lang="en-US" sz="1000" dirty="0">
                 <a:latin typeface="Courier" pitchFamily="2" charset="0"/>
                 <a:ea typeface="Courier" charset="0"/>
                 <a:cs typeface="Courier" charset="0"/>
@@ -7279,7 +7279,7 @@
               </a:spcAft>
             </a:pPr>
             <a:r>
-              <a:rPr lang="en-US" sz="900" dirty="0">
+              <a:rPr lang="en-US" sz="1000" dirty="0">
                 <a:latin typeface="Courier" pitchFamily="2" charset="0"/>
                 <a:ea typeface="Courier" charset="0"/>
                 <a:cs typeface="Courier" charset="0"/>
@@ -7294,7 +7294,7 @@
               </a:spcAft>
             </a:pPr>
             <a:r>
-              <a:rPr lang="en-US" sz="900" dirty="0">
+              <a:rPr lang="en-US" sz="1000" dirty="0">
                 <a:latin typeface="Courier" pitchFamily="2" charset="0"/>
                 <a:ea typeface="Courier" charset="0"/>
                 <a:cs typeface="Courier" charset="0"/>
@@ -7309,7 +7309,7 @@
               </a:spcAft>
             </a:pPr>
             <a:r>
-              <a:rPr lang="en-US" sz="900" dirty="0">
+              <a:rPr lang="en-US" sz="1000" dirty="0">
                 <a:latin typeface="Courier" pitchFamily="2" charset="0"/>
                 <a:ea typeface="Courier" charset="0"/>
                 <a:cs typeface="Courier" charset="0"/>
@@ -7324,7 +7324,7 @@
               </a:spcAft>
             </a:pPr>
             <a:r>
-              <a:rPr lang="en-US" sz="900" dirty="0">
+              <a:rPr lang="en-US" sz="1000" dirty="0">
                 <a:latin typeface="Courier" pitchFamily="2" charset="0"/>
                 <a:ea typeface="Courier" charset="0"/>
                 <a:cs typeface="Courier" charset="0"/>
@@ -7339,7 +7339,7 @@
               </a:spcAft>
             </a:pPr>
             <a:r>
-              <a:rPr lang="en-US" sz="900" dirty="0">
+              <a:rPr lang="en-US" sz="1000" dirty="0">
                 <a:latin typeface="Courier" pitchFamily="2" charset="0"/>
                 <a:ea typeface="Courier" charset="0"/>
                 <a:cs typeface="Courier" charset="0"/>
@@ -7354,7 +7354,7 @@
               </a:spcAft>
             </a:pPr>
             <a:r>
-              <a:rPr lang="en-US" sz="900" dirty="0">
+              <a:rPr lang="en-US" sz="1000" dirty="0">
                 <a:latin typeface="Courier" pitchFamily="2" charset="0"/>
                 <a:ea typeface="Courier" charset="0"/>
                 <a:cs typeface="Courier" charset="0"/>
@@ -7369,7 +7369,7 @@
               </a:spcAft>
             </a:pPr>
             <a:r>
-              <a:rPr lang="en-US" sz="900" dirty="0">
+              <a:rPr lang="en-US" sz="1000" dirty="0">
                 <a:latin typeface="Courier" pitchFamily="2" charset="0"/>
                 <a:ea typeface="Courier" charset="0"/>
                 <a:cs typeface="Courier" charset="0"/>
@@ -7384,7 +7384,7 @@
               </a:spcAft>
             </a:pPr>
             <a:r>
-              <a:rPr lang="en-US" sz="900" dirty="0">
+              <a:rPr lang="en-US" sz="1000" dirty="0">
                 <a:latin typeface="Courier" pitchFamily="2" charset="0"/>
                 <a:ea typeface="Courier" charset="0"/>
                 <a:cs typeface="Courier" charset="0"/>
@@ -7392,19 +7392,19 @@
               <a:t>| Payload = </a:t>
             </a:r>
             <a:r>
-              <a:rPr lang="en-CA" sz="900" dirty="0">
+              <a:rPr lang="en-CA" sz="1000" dirty="0">
                 <a:latin typeface="Courier" pitchFamily="2" charset="0"/>
               </a:rPr>
               <a:t>Test Packet specified in Section 4.2 of RFC 8762</a:t>
             </a:r>
             <a:r>
-              <a:rPr lang="en-US" sz="900" dirty="0">
+              <a:rPr lang="en-US" sz="1000" dirty="0">
                 <a:latin typeface="Courier" pitchFamily="2" charset="0"/>
               </a:rPr>
               <a:t>    </a:t>
             </a:r>
             <a:r>
-              <a:rPr lang="en-US" sz="900" dirty="0">
+              <a:rPr lang="en-US" sz="1000" dirty="0">
                 <a:latin typeface="Courier" pitchFamily="2" charset="0"/>
                 <a:ea typeface="Courier" charset="0"/>
                 <a:cs typeface="Courier" charset="0"/>
@@ -7419,7 +7419,7 @@
               </a:spcAft>
             </a:pPr>
             <a:r>
-              <a:rPr lang="en-US" sz="900" dirty="0">
+              <a:rPr lang="en-US" sz="1000" dirty="0">
                 <a:latin typeface="Courier" pitchFamily="2" charset="0"/>
                 <a:ea typeface="Courier" charset="0"/>
                 <a:cs typeface="Courier" charset="0"/>
@@ -7434,7 +7434,7 @@
               </a:spcAft>
             </a:pPr>
             <a:r>
-              <a:rPr lang="en-US" sz="900" dirty="0">
+              <a:rPr lang="en-US" sz="1000" dirty="0">
                 <a:latin typeface="Courier" pitchFamily="2" charset="0"/>
                 <a:ea typeface="Courier" charset="0"/>
                 <a:cs typeface="Courier" charset="0"/>
@@ -7448,7 +7448,7 @@
                 <a:spcPts val="0"/>
               </a:spcAft>
             </a:pPr>
-            <a:endParaRPr lang="en-US" sz="900" dirty="0">
+            <a:endParaRPr lang="en-US" sz="1000" dirty="0">
               <a:latin typeface="Courier" pitchFamily="2" charset="0"/>
               <a:ea typeface="Courier" charset="0"/>
               <a:cs typeface="Courier" charset="0"/>
@@ -7461,14 +7461,14 @@
               </a:spcAft>
             </a:pPr>
             <a:r>
-              <a:rPr lang="en-CA" sz="900" dirty="0">
+              <a:rPr lang="en-CA" sz="1000" dirty="0">
                 <a:latin typeface="Courier" pitchFamily="2" charset="0"/>
                 <a:ea typeface="Courier" charset="0"/>
                 <a:cs typeface="Courier" charset="0"/>
               </a:rPr>
               <a:t>          Figure 1: Session-Sender Test Packet for links</a:t>
             </a:r>
-            <a:endParaRPr lang="en-US" sz="900" dirty="0">
+            <a:endParaRPr lang="en-US" sz="1000" dirty="0">
               <a:latin typeface="Courier" pitchFamily="2" charset="0"/>
               <a:ea typeface="Courier" charset="0"/>
               <a:cs typeface="Courier" charset="0"/>
@@ -8582,8 +8582,8 @@
         </p:nvSpPr>
         <p:spPr>
           <a:xfrm>
-            <a:off x="4572000" y="2571750"/>
-            <a:ext cx="4104503" cy="1692771"/>
+            <a:off x="3733801" y="2600597"/>
+            <a:ext cx="4724400" cy="1892826"/>
           </a:xfrm>
           <a:prstGeom prst="rect">
             <a:avLst/>
@@ -8602,7 +8602,7 @@
           <a:lstStyle/>
           <a:p>
             <a:r>
-              <a:rPr lang="en-US" sz="800" dirty="0">
+              <a:rPr lang="en-US" sz="900" dirty="0">
                 <a:latin typeface="Courier" charset="0"/>
                 <a:ea typeface="Courier" charset="0"/>
                 <a:cs typeface="Courier" charset="0"/>
@@ -8612,7 +8612,7 @@
           </a:p>
           <a:p>
             <a:r>
-              <a:rPr lang="en-US" sz="800" dirty="0">
+              <a:rPr lang="en-US" sz="900" dirty="0">
                 <a:latin typeface="Courier" charset="0"/>
                 <a:ea typeface="Courier" charset="0"/>
                 <a:cs typeface="Courier" charset="0"/>
@@ -8622,7 +8622,7 @@
           </a:p>
           <a:p>
             <a:r>
-              <a:rPr lang="en-US" sz="800" dirty="0">
+              <a:rPr lang="en-US" sz="900" dirty="0">
                 <a:latin typeface="Courier" charset="0"/>
                 <a:ea typeface="Courier" charset="0"/>
                 <a:cs typeface="Courier" charset="0"/>
@@ -8632,7 +8632,7 @@
           </a:p>
           <a:p>
             <a:r>
-              <a:rPr lang="en-US" sz="800" dirty="0">
+              <a:rPr lang="en-US" sz="900" dirty="0">
                 <a:latin typeface="Courier" charset="0"/>
                 <a:ea typeface="Courier" charset="0"/>
                 <a:cs typeface="Courier" charset="0"/>
@@ -8642,7 +8642,7 @@
           </a:p>
           <a:p>
             <a:r>
-              <a:rPr lang="en-US" sz="800" dirty="0">
+              <a:rPr lang="en-US" sz="900" dirty="0">
                 <a:latin typeface="Courier" charset="0"/>
                 <a:ea typeface="Courier" charset="0"/>
                 <a:cs typeface="Courier" charset="0"/>
@@ -8652,7 +8652,7 @@
           </a:p>
           <a:p>
             <a:r>
-              <a:rPr lang="en-US" sz="800" dirty="0">
+              <a:rPr lang="en-US" sz="900" dirty="0">
                 <a:latin typeface="Courier" charset="0"/>
                 <a:ea typeface="Courier" charset="0"/>
                 <a:cs typeface="Courier" charset="0"/>
@@ -8662,7 +8662,7 @@
           </a:p>
           <a:p>
             <a:r>
-              <a:rPr lang="en-US" sz="800" dirty="0">
+              <a:rPr lang="en-US" sz="900" dirty="0">
                 <a:latin typeface="Courier" charset="0"/>
                 <a:ea typeface="Courier" charset="0"/>
                 <a:cs typeface="Courier" charset="0"/>
@@ -8672,7 +8672,7 @@
           </a:p>
           <a:p>
             <a:r>
-              <a:rPr lang="en-US" sz="800" dirty="0">
+              <a:rPr lang="en-US" sz="900" dirty="0">
                 <a:latin typeface="Courier" charset="0"/>
                 <a:ea typeface="Courier" charset="0"/>
                 <a:cs typeface="Courier" charset="0"/>
@@ -8682,7 +8682,7 @@
           </a:p>
           <a:p>
             <a:r>
-              <a:rPr lang="en-US" sz="800" dirty="0">
+              <a:rPr lang="en-US" sz="900" dirty="0">
                 <a:latin typeface="Courier" charset="0"/>
                 <a:ea typeface="Courier" charset="0"/>
                 <a:cs typeface="Courier" charset="0"/>
@@ -8692,7 +8692,7 @@
           </a:p>
           <a:p>
             <a:r>
-              <a:rPr lang="en-US" sz="800" dirty="0">
+              <a:rPr lang="en-US" sz="900" dirty="0">
                 <a:latin typeface="Courier" charset="0"/>
                 <a:ea typeface="Courier" charset="0"/>
                 <a:cs typeface="Courier" charset="0"/>
@@ -8702,7 +8702,7 @@
           </a:p>
           <a:p>
             <a:r>
-              <a:rPr lang="en-US" sz="800" dirty="0">
+              <a:rPr lang="en-US" sz="900" dirty="0">
                 <a:latin typeface="Courier" charset="0"/>
                 <a:ea typeface="Courier" charset="0"/>
                 <a:cs typeface="Courier" charset="0"/>
@@ -8712,7 +8712,7 @@
           </a:p>
           <a:p>
             <a:r>
-              <a:rPr lang="en-US" sz="800" dirty="0">
+              <a:rPr lang="en-US" sz="900" dirty="0">
                 <a:latin typeface="Courier" charset="0"/>
                 <a:ea typeface="Courier" charset="0"/>
                 <a:cs typeface="Courier" charset="0"/>
@@ -8722,7 +8722,7 @@
           </a:p>
           <a:p>
             <a:r>
-              <a:rPr lang="en-US" sz="800" dirty="0">
+              <a:rPr lang="en-US" sz="900" dirty="0">
                 <a:latin typeface="Courier" charset="0"/>
                 <a:ea typeface="Courier" charset="0"/>
                 <a:cs typeface="Courier" charset="0"/>

--- a/draft-gandhi-spring-stamp-srpm-05.pptx
+++ b/draft-gandhi-spring-stamp-srpm-05.pptx
@@ -9343,7 +9343,7 @@
                 <a:latin typeface="Courier" pitchFamily="2" charset="0"/>
                 <a:cs typeface="Courier New" panose="02070309020205020404" pitchFamily="49" charset="0"/>
               </a:rPr>
-              <a:t>             Figure 5: STAMP Session-Reflector Test Packet</a:t>
+              <a:t>            Figure 5: STAMP Session-Reflector Test Packet</a:t>
             </a:r>
             <a:endParaRPr lang="en-US" sz="1000" dirty="0">
               <a:latin typeface="Courier" pitchFamily="2" charset="0"/>

--- a/draft-gandhi-spring-stamp-srpm-05.pptx
+++ b/draft-gandhi-spring-stamp-srpm-05.pptx
@@ -256,7 +256,7 @@
           <a:p>
             <a:fld id="{E8FA3DB5-7722-3F4F-947D-12B203669AD7}" type="datetimeFigureOut">
               <a:rPr lang="en-US" smtClean="0"/>
-              <a:t>2/5/21</a:t>
+              <a:t>2/9/21</a:t>
             </a:fld>
             <a:endParaRPr lang="en-US"/>
           </a:p>
@@ -7007,7 +7007,7 @@
               <a:rPr lang="en-CA" sz="1200" dirty="0">
                 <a:latin typeface="Courier" pitchFamily="2" charset="0"/>
               </a:rPr>
-              <a:t>                STAMP Session-Sender   STAMP Session-Reflector</a:t>
+              <a:t>               STAMP Session-Sender   STAMP Session-Reflector</a:t>
             </a:r>
           </a:p>
         </p:txBody>
@@ -7144,7 +7144,7 @@
           <a:p>
             <a:r>
               <a:rPr lang="en-US" sz="1200" dirty="0"/>
-              <a:t>TTL is set to 1</a:t>
+              <a:t>IPv4 TTL /IPv6 Hop-limit is set to 1</a:t>
             </a:r>
           </a:p>
           <a:p>
@@ -8016,7 +8016,7 @@
           <a:p>
             <a:r>
               <a:rPr lang="en-US" sz="1400" dirty="0"/>
-              <a:t>TTL is set to 255</a:t>
+              <a:t>IPv4 TTL/IPv6 Hop-limit is set to 255</a:t>
             </a:r>
           </a:p>
           <a:p>
@@ -8036,7 +8036,7 @@
             <a:pPr lvl="1"/>
             <a:r>
               <a:rPr lang="en-US" sz="1400" dirty="0"/>
-              <a:t>TTL is set 1</a:t>
+              <a:t>IPv4 TTL is set to 1</a:t>
             </a:r>
           </a:p>
           <a:p>
@@ -8955,7 +8955,7 @@
             </a:pPr>
             <a:r>
               <a:rPr lang="en-US" sz="1600" dirty="0"/>
-              <a:t>TTL is set to 1</a:t>
+              <a:t>IPv4 TTL is set to 1</a:t>
             </a:r>
           </a:p>
           <a:p>

--- a/draft-gandhi-spring-stamp-srpm-05.pptx
+++ b/draft-gandhi-spring-stamp-srpm-05.pptx
@@ -6484,7 +6484,7 @@
             </a:pPr>
             <a:r>
               <a:rPr lang="en-US" sz="1200" dirty="0"/>
-              <a:t>Avoid provisioning test sessions on Session-Reflector - Stateless mode</a:t>
+              <a:t>Avoid provisioning and maintaining test sessions on Session-Reflector - Stateless mode</a:t>
             </a:r>
           </a:p>
           <a:p>
@@ -6503,8 +6503,12 @@
               <a:buChar char="§"/>
             </a:pPr>
             <a:r>
+              <a:rPr lang="en-US" sz="1200"/>
+              <a:t>High </a:t>
+            </a:r>
+            <a:r>
               <a:rPr lang="en-US" sz="1200" dirty="0"/>
-              <a:t>Very high scale for number of test sessions and faster detection interval</a:t>
+              <a:t>scale for number of test sessions and faster detection interval</a:t>
             </a:r>
           </a:p>
           <a:p>

--- a/draft-gandhi-spring-stamp-srpm-05.pptx
+++ b/draft-gandhi-spring-stamp-srpm-05.pptx
@@ -5,25 +5,26 @@
     <p:sldMasterId id="2147483648" r:id="rId1"/>
   </p:sldMasterIdLst>
   <p:notesMasterIdLst>
-    <p:notesMasterId r:id="rId15"/>
+    <p:notesMasterId r:id="rId16"/>
   </p:notesMasterIdLst>
   <p:handoutMasterIdLst>
-    <p:handoutMasterId r:id="rId16"/>
+    <p:handoutMasterId r:id="rId17"/>
   </p:handoutMasterIdLst>
   <p:sldIdLst>
     <p:sldId id="1661" r:id="rId2"/>
     <p:sldId id="1662" r:id="rId3"/>
     <p:sldId id="1663" r:id="rId4"/>
-    <p:sldId id="1652" r:id="rId5"/>
-    <p:sldId id="1657" r:id="rId6"/>
-    <p:sldId id="1673" r:id="rId7"/>
-    <p:sldId id="1675" r:id="rId8"/>
-    <p:sldId id="320" r:id="rId9"/>
-    <p:sldId id="1667" r:id="rId10"/>
-    <p:sldId id="1658" r:id="rId11"/>
-    <p:sldId id="1674" r:id="rId12"/>
-    <p:sldId id="1670" r:id="rId13"/>
-    <p:sldId id="1654" r:id="rId14"/>
+    <p:sldId id="1676" r:id="rId5"/>
+    <p:sldId id="1652" r:id="rId6"/>
+    <p:sldId id="1657" r:id="rId7"/>
+    <p:sldId id="1673" r:id="rId8"/>
+    <p:sldId id="1675" r:id="rId9"/>
+    <p:sldId id="320" r:id="rId10"/>
+    <p:sldId id="1667" r:id="rId11"/>
+    <p:sldId id="1658" r:id="rId12"/>
+    <p:sldId id="1674" r:id="rId13"/>
+    <p:sldId id="1670" r:id="rId14"/>
+    <p:sldId id="1654" r:id="rId15"/>
   </p:sldIdLst>
   <p:sldSz cx="9144000" cy="5143500" type="screen16x9"/>
   <p:notesSz cx="6858000" cy="9144000"/>
@@ -1097,7 +1098,7 @@
           <a:bodyPr/>
           <a:lstStyle/>
           <a:p>
-            <a:endParaRPr lang="en-US" dirty="0"/>
+            <a:endParaRPr lang="en-CA" dirty="0"/>
           </a:p>
         </p:txBody>
       </p:sp>
@@ -1124,7 +1125,7 @@
               <a:pPr>
                 <a:defRPr/>
               </a:pPr>
-              <a:t>9</a:t>
+              <a:t>4</a:t>
             </a:fld>
             <a:endParaRPr lang="en-US" altLang="zh-CN"/>
           </a:p>
@@ -1133,7 +1134,7 @@
     </p:spTree>
     <p:extLst>
       <p:ext uri="{BB962C8B-B14F-4D97-AF65-F5344CB8AC3E}">
-        <p14:creationId xmlns:p14="http://schemas.microsoft.com/office/powerpoint/2010/main" val="2056051401"/>
+        <p14:creationId xmlns:p14="http://schemas.microsoft.com/office/powerpoint/2010/main" val="3561167479"/>
       </p:ext>
     </p:extLst>
   </p:cSld>
@@ -1223,7 +1224,7 @@
     </p:spTree>
     <p:extLst>
       <p:ext uri="{BB962C8B-B14F-4D97-AF65-F5344CB8AC3E}">
-        <p14:creationId xmlns:p14="http://schemas.microsoft.com/office/powerpoint/2010/main" val="3887132760"/>
+        <p14:creationId xmlns:p14="http://schemas.microsoft.com/office/powerpoint/2010/main" val="2056051401"/>
       </p:ext>
     </p:extLst>
   </p:cSld>
@@ -1313,7 +1314,7 @@
     </p:spTree>
     <p:extLst>
       <p:ext uri="{BB962C8B-B14F-4D97-AF65-F5344CB8AC3E}">
-        <p14:creationId xmlns:p14="http://schemas.microsoft.com/office/powerpoint/2010/main" val="2316887433"/>
+        <p14:creationId xmlns:p14="http://schemas.microsoft.com/office/powerpoint/2010/main" val="3887132760"/>
       </p:ext>
     </p:extLst>
   </p:cSld>
@@ -1367,7 +1368,7 @@
           <a:bodyPr/>
           <a:lstStyle/>
           <a:p>
-            <a:endParaRPr lang="en-CA" dirty="0"/>
+            <a:endParaRPr lang="en-US" dirty="0"/>
           </a:p>
         </p:txBody>
       </p:sp>
@@ -1403,7 +1404,7 @@
     </p:spTree>
     <p:extLst>
       <p:ext uri="{BB962C8B-B14F-4D97-AF65-F5344CB8AC3E}">
-        <p14:creationId xmlns:p14="http://schemas.microsoft.com/office/powerpoint/2010/main" val="903991211"/>
+        <p14:creationId xmlns:p14="http://schemas.microsoft.com/office/powerpoint/2010/main" val="2316887433"/>
       </p:ext>
     </p:extLst>
   </p:cSld>
@@ -1457,7 +1458,7 @@
           <a:bodyPr/>
           <a:lstStyle/>
           <a:p>
-            <a:endParaRPr lang="en-US" dirty="0"/>
+            <a:endParaRPr lang="en-CA" dirty="0"/>
           </a:p>
         </p:txBody>
       </p:sp>
@@ -1485,6 +1486,96 @@
                 <a:defRPr/>
               </a:pPr>
               <a:t>13</a:t>
+            </a:fld>
+            <a:endParaRPr lang="en-US" altLang="zh-CN"/>
+          </a:p>
+        </p:txBody>
+      </p:sp>
+    </p:spTree>
+    <p:extLst>
+      <p:ext uri="{BB962C8B-B14F-4D97-AF65-F5344CB8AC3E}">
+        <p14:creationId xmlns:p14="http://schemas.microsoft.com/office/powerpoint/2010/main" val="903991211"/>
+      </p:ext>
+    </p:extLst>
+  </p:cSld>
+  <p:clrMapOvr>
+    <a:masterClrMapping/>
+  </p:clrMapOvr>
+</p:notes>
+</file>
+
+<file path=ppt/notesSlides/notesSlide9.xml><?xml version="1.0" encoding="utf-8"?>
+<p:notes xmlns:a="http://schemas.openxmlformats.org/drawingml/2006/main" xmlns:r="http://schemas.openxmlformats.org/officeDocument/2006/relationships" xmlns:p="http://schemas.openxmlformats.org/presentationml/2006/main">
+  <p:cSld>
+    <p:spTree>
+      <p:nvGrpSpPr>
+        <p:cNvPr id="1" name=""/>
+        <p:cNvGrpSpPr/>
+        <p:nvPr/>
+      </p:nvGrpSpPr>
+      <p:grpSpPr>
+        <a:xfrm>
+          <a:off x="0" y="0"/>
+          <a:ext cx="0" cy="0"/>
+          <a:chOff x="0" y="0"/>
+          <a:chExt cx="0" cy="0"/>
+        </a:xfrm>
+      </p:grpSpPr>
+      <p:sp>
+        <p:nvSpPr>
+          <p:cNvPr id="2" name="Slide Image Placeholder 1"/>
+          <p:cNvSpPr>
+            <a:spLocks noGrp="1" noRot="1" noChangeAspect="1"/>
+          </p:cNvSpPr>
+          <p:nvPr>
+            <p:ph type="sldImg"/>
+          </p:nvPr>
+        </p:nvSpPr>
+        <p:spPr/>
+      </p:sp>
+      <p:sp>
+        <p:nvSpPr>
+          <p:cNvPr id="3" name="Notes Placeholder 2"/>
+          <p:cNvSpPr>
+            <a:spLocks noGrp="1"/>
+          </p:cNvSpPr>
+          <p:nvPr>
+            <p:ph type="body" idx="1"/>
+          </p:nvPr>
+        </p:nvSpPr>
+        <p:spPr/>
+        <p:txBody>
+          <a:bodyPr/>
+          <a:lstStyle/>
+          <a:p>
+            <a:endParaRPr lang="en-US" dirty="0"/>
+          </a:p>
+        </p:txBody>
+      </p:sp>
+      <p:sp>
+        <p:nvSpPr>
+          <p:cNvPr id="4" name="Slide Number Placeholder 3"/>
+          <p:cNvSpPr>
+            <a:spLocks noGrp="1"/>
+          </p:cNvSpPr>
+          <p:nvPr>
+            <p:ph type="sldNum" sz="quarter" idx="10"/>
+          </p:nvPr>
+        </p:nvSpPr>
+        <p:spPr/>
+        <p:txBody>
+          <a:bodyPr/>
+          <a:lstStyle/>
+          <a:p>
+            <a:pPr>
+              <a:defRPr/>
+            </a:pPr>
+            <a:fld id="{100938BD-FD70-4535-B0C2-13FC38CDF1BE}" type="slidenum">
+              <a:rPr lang="en-US" altLang="zh-CN" smtClean="0"/>
+              <a:pPr>
+                <a:defRPr/>
+              </a:pPr>
+              <a:t>14</a:t>
             </a:fld>
             <a:endParaRPr lang="en-US" altLang="zh-CN"/>
           </a:p>
@@ -5116,201 +5207,214 @@
           <a:lstStyle/>
           <a:p>
             <a:r>
-              <a:rPr lang="en-US" sz="3200" dirty="0">
+              <a:rPr lang="en-US" sz="3600" dirty="0">
                 <a:solidFill>
                   <a:srgbClr val="0070C0"/>
                 </a:solidFill>
                 <a:latin typeface="Calibri Light" panose="020F0302020204030204" pitchFamily="34" charset="0"/>
                 <a:cs typeface="Calibri Light" panose="020F0302020204030204" pitchFamily="34" charset="0"/>
               </a:rPr>
-              <a:t>ECMP Support for SR Path</a:t>
-            </a:r>
-          </a:p>
-        </p:txBody>
-      </p:sp>
-      <p:sp>
-        <p:nvSpPr>
-          <p:cNvPr id="3" name="Content Placeholder 2"/>
+              <a:t>Performance Measurement Modes</a:t>
+            </a:r>
+          </a:p>
+        </p:txBody>
+      </p:sp>
+      <p:sp>
+        <p:nvSpPr>
+          <p:cNvPr id="4" name="Footer Placeholder 3"/>
           <p:cNvSpPr>
             <a:spLocks noGrp="1"/>
           </p:cNvSpPr>
           <p:nvPr>
-            <p:ph idx="1"/>
+            <p:ph type="ftr" sz="quarter" idx="11"/>
           </p:nvPr>
         </p:nvSpPr>
         <p:spPr>
           <a:xfrm>
-            <a:off x="457200" y="941875"/>
-            <a:ext cx="8305800" cy="3259750"/>
+            <a:off x="3124200" y="4800151"/>
+            <a:ext cx="2895600" cy="357188"/>
           </a:xfrm>
         </p:spPr>
         <p:txBody>
           <a:bodyPr/>
           <a:lstStyle/>
           <a:p>
+            <a:r>
+              <a:rPr lang="en-CA" dirty="0"/>
+              <a:t>110</a:t>
+            </a:r>
+            <a:r>
+              <a:rPr lang="en-CA" baseline="30000" dirty="0"/>
+              <a:t>th</a:t>
+            </a:r>
+            <a:r>
+              <a:rPr lang="en-CA" dirty="0"/>
+              <a:t> IETF Online</a:t>
+            </a:r>
+          </a:p>
+        </p:txBody>
+      </p:sp>
+      <p:sp>
+        <p:nvSpPr>
+          <p:cNvPr id="6" name="Content Placeholder 2"/>
+          <p:cNvSpPr>
+            <a:spLocks noGrp="1"/>
+          </p:cNvSpPr>
+          <p:nvPr>
+            <p:ph idx="1"/>
+          </p:nvPr>
+        </p:nvSpPr>
+        <p:spPr>
+          <a:xfrm>
+            <a:off x="457200" y="1009650"/>
+            <a:ext cx="8319052" cy="3390900"/>
+          </a:xfrm>
+        </p:spPr>
+        <p:txBody>
+          <a:bodyPr/>
+          <a:lstStyle/>
+          <a:p>
             <a:pPr>
               <a:lnSpc>
-                <a:spcPts val="2280"/>
+                <a:spcPts val="2360"/>
               </a:lnSpc>
               <a:spcBef>
-                <a:spcPts val="0"/>
+                <a:spcPts val="600"/>
               </a:spcBef>
             </a:pPr>
             <a:r>
               <a:rPr lang="en-US" sz="1600" dirty="0"/>
-              <a:t>SR Path can have ECMP between the ingress and transit nodes, between transit nodes and between transit and egress nodes.</a:t>
+              <a:t>One-way Delay Measurement Mode</a:t>
+            </a:r>
+          </a:p>
+          <a:p>
+            <a:pPr lvl="1">
+              <a:lnSpc>
+                <a:spcPts val="2360"/>
+              </a:lnSpc>
+              <a:spcBef>
+                <a:spcPts val="600"/>
+              </a:spcBef>
+            </a:pPr>
+            <a:r>
+              <a:rPr lang="en-US" sz="1600" dirty="0"/>
+              <a:t>Existing (default) behavior</a:t>
             </a:r>
           </a:p>
           <a:p>
             <a:pPr>
               <a:lnSpc>
-                <a:spcPts val="2280"/>
+                <a:spcPts val="2360"/>
               </a:lnSpc>
               <a:spcBef>
-                <a:spcPts val="0"/>
+                <a:spcPts val="600"/>
               </a:spcBef>
             </a:pPr>
             <a:r>
               <a:rPr lang="en-US" sz="1600" dirty="0"/>
-              <a:t>Sending STAMP test packets that can take advantage of the hashing function in forwarding plane.</a:t>
-            </a:r>
-          </a:p>
-          <a:p>
-            <a:pPr>
+              <a:t>Two-way Delay Measurement Mode</a:t>
+            </a:r>
+          </a:p>
+          <a:p>
+            <a:pPr lvl="1">
               <a:lnSpc>
-                <a:spcPts val="2280"/>
+                <a:spcPts val="2360"/>
               </a:lnSpc>
               <a:spcBef>
-                <a:spcPts val="0"/>
+                <a:spcPts val="600"/>
               </a:spcBef>
             </a:pPr>
             <a:r>
               <a:rPr lang="en-US" sz="1600" dirty="0"/>
-              <a:t>Existing forwarding mechanisms are applicable to test packets. Examples are:</a:t>
-            </a:r>
-          </a:p>
-          <a:p>
-            <a:pPr lvl="1">
-              <a:lnSpc>
-                <a:spcPts val="2280"/>
-              </a:lnSpc>
-              <a:spcBef>
-                <a:spcPts val="0"/>
-              </a:spcBef>
-            </a:pPr>
-            <a:r>
-              <a:rPr lang="en-US" sz="1600" dirty="0"/>
-              <a:t>For IPv4</a:t>
-            </a:r>
-          </a:p>
-          <a:p>
-            <a:pPr lvl="2">
-              <a:lnSpc>
-                <a:spcPts val="2280"/>
-              </a:lnSpc>
-              <a:spcBef>
-                <a:spcPts val="0"/>
-              </a:spcBef>
-            </a:pPr>
-            <a:r>
-              <a:rPr lang="en-US" sz="1600" dirty="0"/>
-              <a:t>Sweeping destination address in IPv4 header (e.g. 127/8)</a:t>
-            </a:r>
-          </a:p>
-          <a:p>
-            <a:pPr lvl="2">
-              <a:lnSpc>
-                <a:spcPts val="2280"/>
-              </a:lnSpc>
-              <a:spcBef>
-                <a:spcPts val="0"/>
-              </a:spcBef>
-            </a:pPr>
+              <a:t>STAMP Session-Reflector test packet sent “in-band” on reverse path</a:t>
+            </a:r>
+          </a:p>
+          <a:p>
+            <a:pPr lvl="1"/>
             <a:r>
               <a:rPr lang="en-US" sz="1600" dirty="0">
                 <a:solidFill>
                   <a:srgbClr val="0070C0"/>
                 </a:solidFill>
               </a:rPr>
-              <a:t>Identify intended actual destination node in “Destination Node Address TLV”</a:t>
+              <a:t>Link: Use Control Code Sub-TLV in the Return Path TLV from the received test packet.</a:t>
+            </a:r>
+          </a:p>
+          <a:p>
+            <a:pPr lvl="1"/>
+            <a:r>
+              <a:rPr lang="en-US" sz="1600" dirty="0">
+                <a:solidFill>
+                  <a:srgbClr val="0070C0"/>
+                </a:solidFill>
+              </a:rPr>
+              <a:t>E2E SR path: Use Segment List Sub-TLV in the Return Path TLV from the received test packet.</a:t>
+            </a:r>
+          </a:p>
+          <a:p>
+            <a:pPr>
+              <a:lnSpc>
+                <a:spcPts val="2360"/>
+              </a:lnSpc>
+              <a:spcBef>
+                <a:spcPts val="600"/>
+              </a:spcBef>
+            </a:pPr>
+            <a:r>
+              <a:rPr lang="en-US" sz="1600" dirty="0"/>
+              <a:t>Loopback Measurement Mode</a:t>
             </a:r>
           </a:p>
           <a:p>
             <a:pPr lvl="1">
               <a:lnSpc>
-                <a:spcPts val="2280"/>
+                <a:spcPts val="2360"/>
               </a:lnSpc>
               <a:spcBef>
-                <a:spcPts val="0"/>
+                <a:spcPts val="600"/>
               </a:spcBef>
             </a:pPr>
             <a:r>
               <a:rPr lang="en-US" sz="1600" dirty="0"/>
-              <a:t>For IPv6</a:t>
-            </a:r>
-          </a:p>
-          <a:p>
-            <a:pPr lvl="2">
+              <a:t>  STAMP Session-Sender test packet carries the return path in the packet header</a:t>
+            </a:r>
+            <a:endParaRPr lang="en-US" sz="1600" b="1" dirty="0"/>
+          </a:p>
+          <a:p>
+            <a:pPr>
               <a:lnSpc>
-                <a:spcPts val="2280"/>
+                <a:spcPts val="2360"/>
               </a:lnSpc>
               <a:spcBef>
-                <a:spcPts val="0"/>
+                <a:spcPts val="600"/>
               </a:spcBef>
             </a:pPr>
-            <a:r>
-              <a:rPr lang="en-US" sz="1600" dirty="0"/>
-              <a:t>Sweeping flow label in IPv6 header</a:t>
-            </a:r>
-          </a:p>
-        </p:txBody>
-      </p:sp>
-      <p:sp>
-        <p:nvSpPr>
-          <p:cNvPr id="4" name="Footer Placeholder 3"/>
+            <a:endParaRPr lang="en-US" sz="1600" dirty="0"/>
+          </a:p>
+        </p:txBody>
+      </p:sp>
+      <p:sp>
+        <p:nvSpPr>
+          <p:cNvPr id="5" name="Slide Number Placeholder 4">
+            <a:extLst>
+              <a:ext uri="{FF2B5EF4-FFF2-40B4-BE49-F238E27FC236}">
+                <a16:creationId xmlns:a16="http://schemas.microsoft.com/office/drawing/2014/main" id="{DB7171B5-76A8-7648-8775-D1C8FBA7C22C}"/>
+              </a:ext>
+            </a:extLst>
+          </p:cNvPr>
           <p:cNvSpPr>
             <a:spLocks noGrp="1"/>
           </p:cNvSpPr>
           <p:nvPr>
-            <p:ph type="ftr" sz="quarter" idx="11"/>
+            <p:ph type="sldNum" sz="quarter" idx="12"/>
           </p:nvPr>
         </p:nvSpPr>
         <p:spPr>
           <a:xfrm>
-            <a:off x="3124200" y="4781550"/>
-            <a:ext cx="2895600" cy="357188"/>
+            <a:off x="6553200" y="4705350"/>
+            <a:ext cx="2133600" cy="357188"/>
           </a:xfrm>
         </p:spPr>
-        <p:txBody>
-          <a:bodyPr/>
-          <a:lstStyle/>
-          <a:p>
-            <a:r>
-              <a:rPr lang="en-CA" dirty="0"/>
-              <a:t>110</a:t>
-            </a:r>
-            <a:r>
-              <a:rPr lang="en-CA" baseline="30000" dirty="0"/>
-              <a:t>th</a:t>
-            </a:r>
-            <a:r>
-              <a:rPr lang="en-CA" dirty="0"/>
-              <a:t> IETF Online</a:t>
-            </a:r>
-          </a:p>
-        </p:txBody>
-      </p:sp>
-      <p:sp>
-        <p:nvSpPr>
-          <p:cNvPr id="5" name="Slide Number Placeholder 4"/>
-          <p:cNvSpPr>
-            <a:spLocks noGrp="1"/>
-          </p:cNvSpPr>
-          <p:nvPr>
-            <p:ph type="sldNum" sz="quarter" idx="12"/>
-          </p:nvPr>
-        </p:nvSpPr>
-        <p:spPr/>
         <p:txBody>
           <a:bodyPr/>
           <a:lstStyle/>
@@ -5325,14 +5429,14 @@
               </a:pPr>
               <a:t>10</a:t>
             </a:fld>
-            <a:endParaRPr lang="en-US" altLang="zh-CN"/>
+            <a:endParaRPr lang="en-US" altLang="zh-CN" dirty="0"/>
           </a:p>
         </p:txBody>
       </p:sp>
     </p:spTree>
     <p:extLst>
       <p:ext uri="{BB962C8B-B14F-4D97-AF65-F5344CB8AC3E}">
-        <p14:creationId xmlns:p14="http://schemas.microsoft.com/office/powerpoint/2010/main" val="1470821304"/>
+        <p14:creationId xmlns:p14="http://schemas.microsoft.com/office/powerpoint/2010/main" val="421663941"/>
       </p:ext>
     </p:extLst>
   </p:cSld>
@@ -5371,8 +5475,8 @@
         </p:nvSpPr>
         <p:spPr>
           <a:xfrm>
-            <a:off x="489857" y="80962"/>
-            <a:ext cx="8153400" cy="857250"/>
+            <a:off x="457200" y="0"/>
+            <a:ext cx="8229600" cy="857250"/>
           </a:xfrm>
         </p:spPr>
         <p:txBody>
@@ -5380,31 +5484,168 @@
           <a:lstStyle/>
           <a:p>
             <a:r>
-              <a:rPr lang="en-US" sz="3600" dirty="0">
+              <a:rPr lang="en-US" sz="3200" dirty="0">
                 <a:solidFill>
                   <a:srgbClr val="0070C0"/>
                 </a:solidFill>
                 <a:latin typeface="Calibri Light" panose="020F0302020204030204" pitchFamily="34" charset="0"/>
                 <a:cs typeface="Calibri Light" panose="020F0302020204030204" pitchFamily="34" charset="0"/>
               </a:rPr>
-              <a:t>Example PM Metrics</a:t>
-            </a:r>
-          </a:p>
-        </p:txBody>
-      </p:sp>
-      <p:sp>
-        <p:nvSpPr>
-          <p:cNvPr id="4" name="Footer Placeholder 3"/>
+              <a:t>ECMP Support for SR Path</a:t>
+            </a:r>
+          </a:p>
+        </p:txBody>
+      </p:sp>
+      <p:sp>
+        <p:nvSpPr>
+          <p:cNvPr id="3" name="Content Placeholder 2"/>
           <p:cNvSpPr>
             <a:spLocks noGrp="1"/>
           </p:cNvSpPr>
           <p:nvPr>
-            <p:ph type="ftr" sz="quarter" idx="11"/>
+            <p:ph idx="1"/>
           </p:nvPr>
         </p:nvSpPr>
         <p:spPr>
           <a:xfrm>
-            <a:off x="3124200" y="4800151"/>
+            <a:off x="457200" y="941875"/>
+            <a:ext cx="8305800" cy="3259750"/>
+          </a:xfrm>
+        </p:spPr>
+        <p:txBody>
+          <a:bodyPr/>
+          <a:lstStyle/>
+          <a:p>
+            <a:pPr>
+              <a:lnSpc>
+                <a:spcPts val="2280"/>
+              </a:lnSpc>
+              <a:spcBef>
+                <a:spcPts val="0"/>
+              </a:spcBef>
+            </a:pPr>
+            <a:r>
+              <a:rPr lang="en-US" sz="1600" dirty="0"/>
+              <a:t>SR Path can have ECMP between the ingress and transit nodes, between transit nodes and between transit and egress nodes.</a:t>
+            </a:r>
+          </a:p>
+          <a:p>
+            <a:pPr>
+              <a:lnSpc>
+                <a:spcPts val="2280"/>
+              </a:lnSpc>
+              <a:spcBef>
+                <a:spcPts val="0"/>
+              </a:spcBef>
+            </a:pPr>
+            <a:r>
+              <a:rPr lang="en-US" sz="1600" dirty="0"/>
+              <a:t>Sending STAMP test packets that can take advantage of the hashing function in forwarding plane.</a:t>
+            </a:r>
+          </a:p>
+          <a:p>
+            <a:pPr>
+              <a:lnSpc>
+                <a:spcPts val="2280"/>
+              </a:lnSpc>
+              <a:spcBef>
+                <a:spcPts val="0"/>
+              </a:spcBef>
+            </a:pPr>
+            <a:r>
+              <a:rPr lang="en-US" sz="1600" dirty="0"/>
+              <a:t>Existing forwarding mechanisms are applicable to test packets. Examples are:</a:t>
+            </a:r>
+          </a:p>
+          <a:p>
+            <a:pPr lvl="1">
+              <a:lnSpc>
+                <a:spcPts val="2280"/>
+              </a:lnSpc>
+              <a:spcBef>
+                <a:spcPts val="0"/>
+              </a:spcBef>
+            </a:pPr>
+            <a:r>
+              <a:rPr lang="en-US" sz="1600" dirty="0"/>
+              <a:t>For IPv4</a:t>
+            </a:r>
+          </a:p>
+          <a:p>
+            <a:pPr lvl="2">
+              <a:lnSpc>
+                <a:spcPts val="2280"/>
+              </a:lnSpc>
+              <a:spcBef>
+                <a:spcPts val="0"/>
+              </a:spcBef>
+            </a:pPr>
+            <a:r>
+              <a:rPr lang="en-US" sz="1600" dirty="0"/>
+              <a:t>Sweeping destination address in IPv4 header (e.g. 127/8)</a:t>
+            </a:r>
+          </a:p>
+          <a:p>
+            <a:pPr lvl="2">
+              <a:lnSpc>
+                <a:spcPts val="2280"/>
+              </a:lnSpc>
+              <a:spcBef>
+                <a:spcPts val="0"/>
+              </a:spcBef>
+            </a:pPr>
+            <a:r>
+              <a:rPr lang="en-US" sz="1600" dirty="0">
+                <a:solidFill>
+                  <a:srgbClr val="0070C0"/>
+                </a:solidFill>
+              </a:rPr>
+              <a:t>Identify intended actual destination node in “Destination Node Address TLV”</a:t>
+            </a:r>
+          </a:p>
+          <a:p>
+            <a:pPr lvl="1">
+              <a:lnSpc>
+                <a:spcPts val="2280"/>
+              </a:lnSpc>
+              <a:spcBef>
+                <a:spcPts val="0"/>
+              </a:spcBef>
+            </a:pPr>
+            <a:r>
+              <a:rPr lang="en-US" sz="1600" dirty="0"/>
+              <a:t>For IPv6</a:t>
+            </a:r>
+          </a:p>
+          <a:p>
+            <a:pPr lvl="2">
+              <a:lnSpc>
+                <a:spcPts val="2280"/>
+              </a:lnSpc>
+              <a:spcBef>
+                <a:spcPts val="0"/>
+              </a:spcBef>
+            </a:pPr>
+            <a:r>
+              <a:rPr lang="en-US" sz="1600" dirty="0"/>
+              <a:t>Sweeping flow label in IPv6 header</a:t>
+            </a:r>
+          </a:p>
+        </p:txBody>
+      </p:sp>
+      <p:sp>
+        <p:nvSpPr>
+          <p:cNvPr id="4" name="Footer Placeholder 3"/>
+          <p:cNvSpPr>
+            <a:spLocks noGrp="1"/>
+          </p:cNvSpPr>
+          <p:nvPr>
+            <p:ph type="ftr" sz="quarter" idx="11"/>
+          </p:nvPr>
+        </p:nvSpPr>
+        <p:spPr>
+          <a:xfrm>
+            <a:off x="3124200" y="4781550"/>
             <a:ext cx="2895600" cy="357188"/>
           </a:xfrm>
         </p:spPr>
@@ -5429,214 +5670,15 @@
       </p:sp>
       <p:sp>
         <p:nvSpPr>
-          <p:cNvPr id="6" name="Content Placeholder 2"/>
+          <p:cNvPr id="5" name="Slide Number Placeholder 4"/>
           <p:cNvSpPr>
             <a:spLocks noGrp="1"/>
           </p:cNvSpPr>
           <p:nvPr>
-            <p:ph idx="1"/>
-          </p:nvPr>
-        </p:nvSpPr>
-        <p:spPr>
-          <a:xfrm>
-            <a:off x="533400" y="1009650"/>
-            <a:ext cx="8077200" cy="3467100"/>
-          </a:xfrm>
-        </p:spPr>
-        <p:txBody>
-          <a:bodyPr/>
-          <a:lstStyle/>
-          <a:p>
-            <a:pPr>
-              <a:lnSpc>
-                <a:spcPts val="2060"/>
-              </a:lnSpc>
-              <a:spcBef>
-                <a:spcPts val="600"/>
-              </a:spcBef>
-            </a:pPr>
-            <a:r>
-              <a:rPr lang="en-US" sz="1600" dirty="0">
-                <a:latin typeface="Calibri" panose="020F0502020204030204" pitchFamily="34" charset="0"/>
-                <a:cs typeface="Calibri" panose="020F0502020204030204" pitchFamily="34" charset="0"/>
-              </a:rPr>
-              <a:t>Compute following example delay metrics:</a:t>
-            </a:r>
-          </a:p>
-          <a:p>
-            <a:pPr lvl="1">
-              <a:lnSpc>
-                <a:spcPts val="2060"/>
-              </a:lnSpc>
-              <a:spcBef>
-                <a:spcPts val="600"/>
-              </a:spcBef>
-            </a:pPr>
-            <a:r>
-              <a:rPr lang="en-US" sz="1600" dirty="0">
-                <a:latin typeface="Calibri" panose="020F0502020204030204" pitchFamily="34" charset="0"/>
-                <a:cs typeface="Calibri" panose="020F0502020204030204" pitchFamily="34" charset="0"/>
-              </a:rPr>
-              <a:t>Minimum delay</a:t>
-            </a:r>
-          </a:p>
-          <a:p>
-            <a:pPr lvl="1">
-              <a:lnSpc>
-                <a:spcPts val="2060"/>
-              </a:lnSpc>
-              <a:spcBef>
-                <a:spcPts val="600"/>
-              </a:spcBef>
-            </a:pPr>
-            <a:r>
-              <a:rPr lang="en-US" sz="1600" dirty="0">
-                <a:latin typeface="Calibri" panose="020F0502020204030204" pitchFamily="34" charset="0"/>
-                <a:cs typeface="Calibri" panose="020F0502020204030204" pitchFamily="34" charset="0"/>
-              </a:rPr>
-              <a:t>Maximum delay</a:t>
-            </a:r>
-          </a:p>
-          <a:p>
-            <a:pPr lvl="1">
-              <a:lnSpc>
-                <a:spcPts val="2060"/>
-              </a:lnSpc>
-              <a:spcBef>
-                <a:spcPts val="600"/>
-              </a:spcBef>
-            </a:pPr>
-            <a:r>
-              <a:rPr lang="en-US" sz="1600" dirty="0">
-                <a:latin typeface="Calibri" panose="020F0502020204030204" pitchFamily="34" charset="0"/>
-                <a:cs typeface="Calibri" panose="020F0502020204030204" pitchFamily="34" charset="0"/>
-              </a:rPr>
-              <a:t>Average delay</a:t>
-            </a:r>
-          </a:p>
-          <a:p>
-            <a:pPr lvl="1">
-              <a:lnSpc>
-                <a:spcPts val="2060"/>
-              </a:lnSpc>
-              <a:spcBef>
-                <a:spcPts val="600"/>
-              </a:spcBef>
-            </a:pPr>
-            <a:r>
-              <a:rPr lang="en-US" sz="1600" dirty="0">
-                <a:latin typeface="Calibri" panose="020F0502020204030204" pitchFamily="34" charset="0"/>
-                <a:cs typeface="Calibri" panose="020F0502020204030204" pitchFamily="34" charset="0"/>
-              </a:rPr>
-              <a:t>Delay variance</a:t>
-            </a:r>
-          </a:p>
-          <a:p>
-            <a:pPr>
-              <a:lnSpc>
-                <a:spcPts val="2060"/>
-              </a:lnSpc>
-              <a:spcBef>
-                <a:spcPts val="600"/>
-              </a:spcBef>
-            </a:pPr>
-            <a:r>
-              <a:rPr lang="en-US" sz="1600" dirty="0">
-                <a:latin typeface="Calibri" panose="020F0502020204030204" pitchFamily="34" charset="0"/>
-                <a:cs typeface="Calibri" panose="020F0502020204030204" pitchFamily="34" charset="0"/>
-              </a:rPr>
-              <a:t>Compute following example loss metrics:</a:t>
-            </a:r>
-          </a:p>
-          <a:p>
-            <a:pPr lvl="1">
-              <a:lnSpc>
-                <a:spcPts val="2060"/>
-              </a:lnSpc>
-              <a:spcBef>
-                <a:spcPts val="600"/>
-              </a:spcBef>
-            </a:pPr>
-            <a:r>
-              <a:rPr lang="en-US" sz="1600" dirty="0">
-                <a:latin typeface="Calibri" panose="020F0502020204030204" pitchFamily="34" charset="0"/>
-                <a:cs typeface="Calibri" panose="020F0502020204030204" pitchFamily="34" charset="0"/>
-              </a:rPr>
-              <a:t>Test packet loss (i.e. synthetic packet loss)</a:t>
-            </a:r>
-          </a:p>
-          <a:p>
-            <a:pPr lvl="1">
-              <a:lnSpc>
-                <a:spcPts val="2060"/>
-              </a:lnSpc>
-              <a:spcBef>
-                <a:spcPts val="600"/>
-              </a:spcBef>
-            </a:pPr>
-            <a:r>
-              <a:rPr lang="en-US" sz="1600" dirty="0">
-                <a:latin typeface="Calibri" panose="020F0502020204030204" pitchFamily="34" charset="0"/>
-                <a:cs typeface="Calibri" panose="020F0502020204030204" pitchFamily="34" charset="0"/>
-              </a:rPr>
-              <a:t>Data packet loss (i.e. direct measurement)</a:t>
-            </a:r>
-          </a:p>
-          <a:p>
-            <a:pPr lvl="1">
-              <a:lnSpc>
-                <a:spcPts val="2060"/>
-              </a:lnSpc>
-              <a:spcBef>
-                <a:spcPts val="600"/>
-              </a:spcBef>
-            </a:pPr>
-            <a:r>
-              <a:rPr lang="en-US" sz="1600" dirty="0">
-                <a:latin typeface="Calibri" panose="020F0502020204030204" pitchFamily="34" charset="0"/>
-                <a:cs typeface="Calibri" panose="020F0502020204030204" pitchFamily="34" charset="0"/>
-              </a:rPr>
-              <a:t>Session state succeeded/failed</a:t>
-            </a:r>
-          </a:p>
-          <a:p>
-            <a:pPr>
-              <a:lnSpc>
-                <a:spcPts val="2060"/>
-              </a:lnSpc>
-              <a:spcBef>
-                <a:spcPts val="600"/>
-              </a:spcBef>
-            </a:pPr>
-            <a:endParaRPr lang="en-US" sz="1600" dirty="0">
-              <a:latin typeface="Arial" panose="020B0604020202020204" pitchFamily="34" charset="0"/>
-              <a:cs typeface="Arial" panose="020B0604020202020204" pitchFamily="34" charset="0"/>
-            </a:endParaRPr>
-          </a:p>
-        </p:txBody>
-      </p:sp>
-      <p:sp>
-        <p:nvSpPr>
-          <p:cNvPr id="5" name="Slide Number Placeholder 4">
-            <a:extLst>
-              <a:ext uri="{FF2B5EF4-FFF2-40B4-BE49-F238E27FC236}">
-                <a16:creationId xmlns:a16="http://schemas.microsoft.com/office/drawing/2014/main" id="{DB7171B5-76A8-7648-8775-D1C8FBA7C22C}"/>
-              </a:ext>
-            </a:extLst>
-          </p:cNvPr>
-          <p:cNvSpPr>
-            <a:spLocks noGrp="1"/>
-          </p:cNvSpPr>
-          <p:nvPr>
             <p:ph type="sldNum" sz="quarter" idx="12"/>
           </p:nvPr>
         </p:nvSpPr>
-        <p:spPr>
-          <a:xfrm>
-            <a:off x="6553200" y="4705350"/>
-            <a:ext cx="2133600" cy="357188"/>
-          </a:xfrm>
-        </p:spPr>
+        <p:spPr/>
         <p:txBody>
           <a:bodyPr/>
           <a:lstStyle/>
@@ -5651,14 +5693,14 @@
               </a:pPr>
               <a:t>11</a:t>
             </a:fld>
-            <a:endParaRPr lang="en-US" altLang="zh-CN" dirty="0"/>
+            <a:endParaRPr lang="en-US" altLang="zh-CN"/>
           </a:p>
         </p:txBody>
       </p:sp>
     </p:spTree>
     <p:extLst>
       <p:ext uri="{BB962C8B-B14F-4D97-AF65-F5344CB8AC3E}">
-        <p14:creationId xmlns:p14="http://schemas.microsoft.com/office/powerpoint/2010/main" val="2422956264"/>
+        <p14:creationId xmlns:p14="http://schemas.microsoft.com/office/powerpoint/2010/main" val="1470821304"/>
       </p:ext>
     </p:extLst>
   </p:cSld>
@@ -5697,8 +5739,8 @@
         </p:nvSpPr>
         <p:spPr>
           <a:xfrm>
-            <a:off x="457200" y="0"/>
-            <a:ext cx="8229600" cy="857250"/>
+            <a:off x="489857" y="80962"/>
+            <a:ext cx="8153400" cy="857250"/>
           </a:xfrm>
         </p:spPr>
         <p:txBody>
@@ -5713,6 +5755,332 @@
                 <a:latin typeface="Calibri Light" panose="020F0302020204030204" pitchFamily="34" charset="0"/>
                 <a:cs typeface="Calibri Light" panose="020F0302020204030204" pitchFamily="34" charset="0"/>
               </a:rPr>
+              <a:t>Example PM Metrics</a:t>
+            </a:r>
+          </a:p>
+        </p:txBody>
+      </p:sp>
+      <p:sp>
+        <p:nvSpPr>
+          <p:cNvPr id="4" name="Footer Placeholder 3"/>
+          <p:cNvSpPr>
+            <a:spLocks noGrp="1"/>
+          </p:cNvSpPr>
+          <p:nvPr>
+            <p:ph type="ftr" sz="quarter" idx="11"/>
+          </p:nvPr>
+        </p:nvSpPr>
+        <p:spPr>
+          <a:xfrm>
+            <a:off x="3124200" y="4800151"/>
+            <a:ext cx="2895600" cy="357188"/>
+          </a:xfrm>
+        </p:spPr>
+        <p:txBody>
+          <a:bodyPr/>
+          <a:lstStyle/>
+          <a:p>
+            <a:r>
+              <a:rPr lang="en-CA" dirty="0"/>
+              <a:t>110</a:t>
+            </a:r>
+            <a:r>
+              <a:rPr lang="en-CA" baseline="30000" dirty="0"/>
+              <a:t>th</a:t>
+            </a:r>
+            <a:r>
+              <a:rPr lang="en-CA" dirty="0"/>
+              <a:t> IETF Online</a:t>
+            </a:r>
+          </a:p>
+        </p:txBody>
+      </p:sp>
+      <p:sp>
+        <p:nvSpPr>
+          <p:cNvPr id="6" name="Content Placeholder 2"/>
+          <p:cNvSpPr>
+            <a:spLocks noGrp="1"/>
+          </p:cNvSpPr>
+          <p:nvPr>
+            <p:ph idx="1"/>
+          </p:nvPr>
+        </p:nvSpPr>
+        <p:spPr>
+          <a:xfrm>
+            <a:off x="533400" y="1009650"/>
+            <a:ext cx="8077200" cy="3467100"/>
+          </a:xfrm>
+        </p:spPr>
+        <p:txBody>
+          <a:bodyPr/>
+          <a:lstStyle/>
+          <a:p>
+            <a:pPr>
+              <a:lnSpc>
+                <a:spcPts val="2060"/>
+              </a:lnSpc>
+              <a:spcBef>
+                <a:spcPts val="600"/>
+              </a:spcBef>
+            </a:pPr>
+            <a:r>
+              <a:rPr lang="en-US" sz="1600" dirty="0">
+                <a:latin typeface="Calibri" panose="020F0502020204030204" pitchFamily="34" charset="0"/>
+                <a:cs typeface="Calibri" panose="020F0502020204030204" pitchFamily="34" charset="0"/>
+              </a:rPr>
+              <a:t>Compute following example delay metrics:</a:t>
+            </a:r>
+          </a:p>
+          <a:p>
+            <a:pPr lvl="1">
+              <a:lnSpc>
+                <a:spcPts val="2060"/>
+              </a:lnSpc>
+              <a:spcBef>
+                <a:spcPts val="600"/>
+              </a:spcBef>
+            </a:pPr>
+            <a:r>
+              <a:rPr lang="en-US" sz="1600" dirty="0">
+                <a:latin typeface="Calibri" panose="020F0502020204030204" pitchFamily="34" charset="0"/>
+                <a:cs typeface="Calibri" panose="020F0502020204030204" pitchFamily="34" charset="0"/>
+              </a:rPr>
+              <a:t>Minimum delay</a:t>
+            </a:r>
+          </a:p>
+          <a:p>
+            <a:pPr lvl="1">
+              <a:lnSpc>
+                <a:spcPts val="2060"/>
+              </a:lnSpc>
+              <a:spcBef>
+                <a:spcPts val="600"/>
+              </a:spcBef>
+            </a:pPr>
+            <a:r>
+              <a:rPr lang="en-US" sz="1600" dirty="0">
+                <a:latin typeface="Calibri" panose="020F0502020204030204" pitchFamily="34" charset="0"/>
+                <a:cs typeface="Calibri" panose="020F0502020204030204" pitchFamily="34" charset="0"/>
+              </a:rPr>
+              <a:t>Maximum delay</a:t>
+            </a:r>
+          </a:p>
+          <a:p>
+            <a:pPr lvl="1">
+              <a:lnSpc>
+                <a:spcPts val="2060"/>
+              </a:lnSpc>
+              <a:spcBef>
+                <a:spcPts val="600"/>
+              </a:spcBef>
+            </a:pPr>
+            <a:r>
+              <a:rPr lang="en-US" sz="1600" dirty="0">
+                <a:latin typeface="Calibri" panose="020F0502020204030204" pitchFamily="34" charset="0"/>
+                <a:cs typeface="Calibri" panose="020F0502020204030204" pitchFamily="34" charset="0"/>
+              </a:rPr>
+              <a:t>Average delay</a:t>
+            </a:r>
+          </a:p>
+          <a:p>
+            <a:pPr lvl="1">
+              <a:lnSpc>
+                <a:spcPts val="2060"/>
+              </a:lnSpc>
+              <a:spcBef>
+                <a:spcPts val="600"/>
+              </a:spcBef>
+            </a:pPr>
+            <a:r>
+              <a:rPr lang="en-US" sz="1600" dirty="0">
+                <a:latin typeface="Calibri" panose="020F0502020204030204" pitchFamily="34" charset="0"/>
+                <a:cs typeface="Calibri" panose="020F0502020204030204" pitchFamily="34" charset="0"/>
+              </a:rPr>
+              <a:t>Delay variance</a:t>
+            </a:r>
+          </a:p>
+          <a:p>
+            <a:pPr>
+              <a:lnSpc>
+                <a:spcPts val="2060"/>
+              </a:lnSpc>
+              <a:spcBef>
+                <a:spcPts val="600"/>
+              </a:spcBef>
+            </a:pPr>
+            <a:r>
+              <a:rPr lang="en-US" sz="1600" dirty="0">
+                <a:latin typeface="Calibri" panose="020F0502020204030204" pitchFamily="34" charset="0"/>
+                <a:cs typeface="Calibri" panose="020F0502020204030204" pitchFamily="34" charset="0"/>
+              </a:rPr>
+              <a:t>Compute following example loss metrics:</a:t>
+            </a:r>
+          </a:p>
+          <a:p>
+            <a:pPr lvl="1">
+              <a:lnSpc>
+                <a:spcPts val="2060"/>
+              </a:lnSpc>
+              <a:spcBef>
+                <a:spcPts val="600"/>
+              </a:spcBef>
+            </a:pPr>
+            <a:r>
+              <a:rPr lang="en-US" sz="1600" dirty="0">
+                <a:latin typeface="Calibri" panose="020F0502020204030204" pitchFamily="34" charset="0"/>
+                <a:cs typeface="Calibri" panose="020F0502020204030204" pitchFamily="34" charset="0"/>
+              </a:rPr>
+              <a:t>Test packet loss (i.e. synthetic packet loss)</a:t>
+            </a:r>
+          </a:p>
+          <a:p>
+            <a:pPr lvl="1">
+              <a:lnSpc>
+                <a:spcPts val="2060"/>
+              </a:lnSpc>
+              <a:spcBef>
+                <a:spcPts val="600"/>
+              </a:spcBef>
+            </a:pPr>
+            <a:r>
+              <a:rPr lang="en-US" sz="1600" dirty="0">
+                <a:latin typeface="Calibri" panose="020F0502020204030204" pitchFamily="34" charset="0"/>
+                <a:cs typeface="Calibri" panose="020F0502020204030204" pitchFamily="34" charset="0"/>
+              </a:rPr>
+              <a:t>Data packet loss (i.e. direct measurement)</a:t>
+            </a:r>
+          </a:p>
+          <a:p>
+            <a:pPr lvl="1">
+              <a:lnSpc>
+                <a:spcPts val="2060"/>
+              </a:lnSpc>
+              <a:spcBef>
+                <a:spcPts val="600"/>
+              </a:spcBef>
+            </a:pPr>
+            <a:r>
+              <a:rPr lang="en-US" sz="1600" dirty="0">
+                <a:latin typeface="Calibri" panose="020F0502020204030204" pitchFamily="34" charset="0"/>
+                <a:cs typeface="Calibri" panose="020F0502020204030204" pitchFamily="34" charset="0"/>
+              </a:rPr>
+              <a:t>Session state succeeded/failed</a:t>
+            </a:r>
+          </a:p>
+          <a:p>
+            <a:pPr>
+              <a:lnSpc>
+                <a:spcPts val="2060"/>
+              </a:lnSpc>
+              <a:spcBef>
+                <a:spcPts val="600"/>
+              </a:spcBef>
+            </a:pPr>
+            <a:endParaRPr lang="en-US" sz="1600" dirty="0">
+              <a:latin typeface="Arial" panose="020B0604020202020204" pitchFamily="34" charset="0"/>
+              <a:cs typeface="Arial" panose="020B0604020202020204" pitchFamily="34" charset="0"/>
+            </a:endParaRPr>
+          </a:p>
+        </p:txBody>
+      </p:sp>
+      <p:sp>
+        <p:nvSpPr>
+          <p:cNvPr id="5" name="Slide Number Placeholder 4">
+            <a:extLst>
+              <a:ext uri="{FF2B5EF4-FFF2-40B4-BE49-F238E27FC236}">
+                <a16:creationId xmlns:a16="http://schemas.microsoft.com/office/drawing/2014/main" id="{DB7171B5-76A8-7648-8775-D1C8FBA7C22C}"/>
+              </a:ext>
+            </a:extLst>
+          </p:cNvPr>
+          <p:cNvSpPr>
+            <a:spLocks noGrp="1"/>
+          </p:cNvSpPr>
+          <p:nvPr>
+            <p:ph type="sldNum" sz="quarter" idx="12"/>
+          </p:nvPr>
+        </p:nvSpPr>
+        <p:spPr>
+          <a:xfrm>
+            <a:off x="6553200" y="4705350"/>
+            <a:ext cx="2133600" cy="357188"/>
+          </a:xfrm>
+        </p:spPr>
+        <p:txBody>
+          <a:bodyPr/>
+          <a:lstStyle/>
+          <a:p>
+            <a:pPr>
+              <a:defRPr/>
+            </a:pPr>
+            <a:fld id="{BD6E0F59-1DD8-40FC-9C92-B6295CBA6CCA}" type="slidenum">
+              <a:rPr lang="en-US" altLang="zh-CN" smtClean="0"/>
+              <a:pPr>
+                <a:defRPr/>
+              </a:pPr>
+              <a:t>12</a:t>
+            </a:fld>
+            <a:endParaRPr lang="en-US" altLang="zh-CN" dirty="0"/>
+          </a:p>
+        </p:txBody>
+      </p:sp>
+    </p:spTree>
+    <p:extLst>
+      <p:ext uri="{BB962C8B-B14F-4D97-AF65-F5344CB8AC3E}">
+        <p14:creationId xmlns:p14="http://schemas.microsoft.com/office/powerpoint/2010/main" val="2422956264"/>
+      </p:ext>
+    </p:extLst>
+  </p:cSld>
+  <p:clrMapOvr>
+    <a:masterClrMapping/>
+  </p:clrMapOvr>
+</p:sld>
+</file>
+
+<file path=ppt/slides/slide13.xml><?xml version="1.0" encoding="utf-8"?>
+<p:sld xmlns:a="http://schemas.openxmlformats.org/drawingml/2006/main" xmlns:r="http://schemas.openxmlformats.org/officeDocument/2006/relationships" xmlns:p="http://schemas.openxmlformats.org/presentationml/2006/main">
+  <p:cSld>
+    <p:spTree>
+      <p:nvGrpSpPr>
+        <p:cNvPr id="1" name=""/>
+        <p:cNvGrpSpPr/>
+        <p:nvPr/>
+      </p:nvGrpSpPr>
+      <p:grpSpPr>
+        <a:xfrm>
+          <a:off x="0" y="0"/>
+          <a:ext cx="0" cy="0"/>
+          <a:chOff x="0" y="0"/>
+          <a:chExt cx="0" cy="0"/>
+        </a:xfrm>
+      </p:grpSpPr>
+      <p:sp>
+        <p:nvSpPr>
+          <p:cNvPr id="2" name="Title 1"/>
+          <p:cNvSpPr>
+            <a:spLocks noGrp="1"/>
+          </p:cNvSpPr>
+          <p:nvPr>
+            <p:ph type="title"/>
+          </p:nvPr>
+        </p:nvSpPr>
+        <p:spPr>
+          <a:xfrm>
+            <a:off x="457200" y="0"/>
+            <a:ext cx="8229600" cy="857250"/>
+          </a:xfrm>
+        </p:spPr>
+        <p:txBody>
+          <a:bodyPr/>
+          <a:lstStyle/>
+          <a:p>
+            <a:r>
+              <a:rPr lang="en-US" sz="3600" dirty="0">
+                <a:solidFill>
+                  <a:srgbClr val="0070C0"/>
+                </a:solidFill>
+                <a:latin typeface="Calibri Light" panose="020F0302020204030204" pitchFamily="34" charset="0"/>
+                <a:cs typeface="Calibri Light" panose="020F0302020204030204" pitchFamily="34" charset="0"/>
+              </a:rPr>
               <a:t>Next Steps</a:t>
             </a:r>
           </a:p>
@@ -5830,7 +6198,7 @@
               <a:pPr>
                 <a:defRPr/>
               </a:pPr>
-              <a:t>12</a:t>
+              <a:t>13</a:t>
             </a:fld>
             <a:endParaRPr lang="en-US" altLang="zh-CN"/>
           </a:p>
@@ -5849,7 +6217,7 @@
 </p:sld>
 </file>
 
-<file path=ppt/slides/slide13.xml><?xml version="1.0" encoding="utf-8"?>
+<file path=ppt/slides/slide14.xml><?xml version="1.0" encoding="utf-8"?>
 <p:sld xmlns:a="http://schemas.openxmlformats.org/drawingml/2006/main" xmlns:r="http://schemas.openxmlformats.org/officeDocument/2006/relationships" xmlns:p="http://schemas.openxmlformats.org/presentationml/2006/main">
   <p:cSld>
     <p:spTree>
@@ -6113,7 +6481,7 @@
               <a:pPr>
                 <a:defRPr/>
               </a:pPr>
-              <a:t>13</a:t>
+              <a:t>14</a:t>
             </a:fld>
             <a:endParaRPr lang="en-US" altLang="zh-CN" dirty="0"/>
           </a:p>
@@ -6395,7 +6763,7 @@
             </a:pPr>
             <a:r>
               <a:rPr lang="en-US" sz="1200" dirty="0"/>
-              <a:t>Performance Delay and Loss Measurement </a:t>
+              <a:t>In-band Performance Delay and Loss Measurement </a:t>
             </a:r>
           </a:p>
           <a:p>
@@ -6503,12 +6871,8 @@
               <a:buChar char="§"/>
             </a:pPr>
             <a:r>
-              <a:rPr lang="en-US" sz="1200"/>
-              <a:t>High </a:t>
-            </a:r>
-            <a:r>
               <a:rPr lang="en-US" sz="1200" dirty="0"/>
-              <a:t>scale for number of test sessions and faster detection interval</a:t>
+              <a:t>High scale for number of test sessions and faster detection interval</a:t>
             </a:r>
           </a:p>
           <a:p>
@@ -6592,30 +6956,61 @@
               <a:buChar char="§"/>
             </a:pPr>
             <a:r>
-              <a:rPr lang="en-US" sz="1200" dirty="0"/>
-              <a:t>draft-</a:t>
-            </a:r>
-            <a:r>
-              <a:rPr lang="en-US" sz="1200" dirty="0" err="1"/>
+              <a:rPr lang="en-US" sz="1200" dirty="0">
+                <a:solidFill>
+                  <a:srgbClr val="0070C0"/>
+                </a:solidFill>
+              </a:rPr>
+              <a:t>STAMP Extensions for SR [draft-</a:t>
+            </a:r>
+            <a:r>
+              <a:rPr lang="en-US" sz="1200" dirty="0" err="1">
+                <a:solidFill>
+                  <a:srgbClr val="0070C0"/>
+                </a:solidFill>
+              </a:rPr>
               <a:t>gandhi</a:t>
             </a:r>
             <a:r>
-              <a:rPr lang="en-US" sz="1200" dirty="0"/>
+              <a:rPr lang="en-US" sz="1200" dirty="0">
+                <a:solidFill>
+                  <a:srgbClr val="0070C0"/>
+                </a:solidFill>
+              </a:rPr>
               <a:t>-</a:t>
             </a:r>
             <a:r>
-              <a:rPr lang="en-US" sz="1200" dirty="0" err="1"/>
+              <a:rPr lang="en-US" sz="1200" dirty="0" err="1">
+                <a:solidFill>
+                  <a:srgbClr val="0070C0"/>
+                </a:solidFill>
+              </a:rPr>
               <a:t>ippm</a:t>
             </a:r>
             <a:r>
-              <a:rPr lang="en-US" sz="1200" dirty="0"/>
+              <a:rPr lang="en-US" sz="1200" dirty="0">
+                <a:solidFill>
+                  <a:srgbClr val="0070C0"/>
+                </a:solidFill>
+              </a:rPr>
               <a:t>-stamp-</a:t>
             </a:r>
             <a:r>
-              <a:rPr lang="en-US" sz="1200" dirty="0" err="1"/>
+              <a:rPr lang="en-US" sz="1200" dirty="0" err="1">
+                <a:solidFill>
+                  <a:srgbClr val="0070C0"/>
+                </a:solidFill>
+              </a:rPr>
               <a:t>srpm</a:t>
             </a:r>
-            <a:endParaRPr lang="en-US" sz="1200" dirty="0"/>
+            <a:r>
+              <a:rPr lang="en-US" sz="1200" dirty="0">
+                <a:solidFill>
+                  <a:srgbClr val="0070C0"/>
+                </a:solidFill>
+              </a:rPr>
+              <a:t>]</a:t>
+            </a:r>
           </a:p>
         </p:txBody>
       </p:sp>
@@ -6715,13 +7110,7 @@
       </p:grpSpPr>
       <p:sp>
         <p:nvSpPr>
-          <p:cNvPr id="2" name="Title 1">
-            <a:extLst>
-              <a:ext uri="{FF2B5EF4-FFF2-40B4-BE49-F238E27FC236}">
-                <a16:creationId xmlns:a16="http://schemas.microsoft.com/office/drawing/2014/main" id="{9A6F4236-AC14-394A-A36C-F2BD8CED3237}"/>
-              </a:ext>
-            </a:extLst>
-          </p:cNvPr>
+          <p:cNvPr id="2" name="Title 1"/>
           <p:cNvSpPr>
             <a:spLocks noGrp="1"/>
           </p:cNvSpPr>
@@ -6731,7 +7120,7 @@
         </p:nvSpPr>
         <p:spPr>
           <a:xfrm>
-            <a:off x="457200" y="-19050"/>
+            <a:off x="457200" y="0"/>
             <a:ext cx="8229600" cy="857250"/>
           </a:xfrm>
         </p:spPr>
@@ -6739,16 +7128,6 @@
           <a:bodyPr/>
           <a:lstStyle/>
           <a:p>
-            <a:r>
-              <a:rPr lang="en-US" sz="3600">
-                <a:solidFill>
-                  <a:srgbClr val="0070C0"/>
-                </a:solidFill>
-                <a:latin typeface="Calibri Light" panose="020F0302020204030204" pitchFamily="34" charset="0"/>
-                <a:cs typeface="Calibri Light" panose="020F0302020204030204" pitchFamily="34" charset="0"/>
-              </a:rPr>
-              <a:t>Example STAMP Reference </a:t>
-            </a:r>
             <a:r>
               <a:rPr lang="en-US" sz="3600" dirty="0">
                 <a:solidFill>
@@ -6757,30 +7136,226 @@
                 <a:latin typeface="Calibri Light" panose="020F0302020204030204" pitchFamily="34" charset="0"/>
                 <a:cs typeface="Calibri Light" panose="020F0302020204030204" pitchFamily="34" charset="0"/>
               </a:rPr>
-              <a:t>Model</a:t>
-            </a:r>
-          </a:p>
-        </p:txBody>
-      </p:sp>
-      <p:sp>
-        <p:nvSpPr>
-          <p:cNvPr id="4" name="Footer Placeholder 3">
-            <a:extLst>
-              <a:ext uri="{FF2B5EF4-FFF2-40B4-BE49-F238E27FC236}">
-                <a16:creationId xmlns:a16="http://schemas.microsoft.com/office/drawing/2014/main" id="{643D160E-CC3C-EB46-A6F1-43B8E2996F46}"/>
-              </a:ext>
-            </a:extLst>
-          </p:cNvPr>
+              <a:t>Updates Since Version-02</a:t>
+            </a:r>
+          </a:p>
+        </p:txBody>
+      </p:sp>
+      <p:sp>
+        <p:nvSpPr>
+          <p:cNvPr id="3" name="Content Placeholder 2"/>
           <p:cNvSpPr>
             <a:spLocks noGrp="1"/>
           </p:cNvSpPr>
           <p:nvPr>
-            <p:ph type="ftr" sz="quarter" idx="11"/>
+            <p:ph idx="1"/>
           </p:nvPr>
         </p:nvSpPr>
         <p:spPr>
           <a:xfrm>
-            <a:off x="3124200" y="4805362"/>
+            <a:off x="685800" y="1047751"/>
+            <a:ext cx="7848600" cy="3352800"/>
+          </a:xfrm>
+        </p:spPr>
+        <p:txBody>
+          <a:bodyPr/>
+          <a:lstStyle/>
+          <a:p>
+            <a:pPr>
+              <a:lnSpc>
+                <a:spcPts val="2460"/>
+              </a:lnSpc>
+              <a:spcBef>
+                <a:spcPts val="600"/>
+              </a:spcBef>
+              <a:spcAft>
+                <a:spcPts val="0"/>
+              </a:spcAft>
+              <a:buFont typeface="Wingdings" pitchFamily="2" charset="2"/>
+              <a:buChar char="ü"/>
+            </a:pPr>
+            <a:r>
+              <a:rPr lang="en-US" sz="2000" dirty="0"/>
+              <a:t>STAMP Extensions for SR moved to </a:t>
+            </a:r>
+            <a:r>
+              <a:rPr lang="en-US" sz="2000" dirty="0">
+                <a:solidFill>
+                  <a:srgbClr val="0070C0"/>
+                </a:solidFill>
+              </a:rPr>
+              <a:t>draft-</a:t>
+            </a:r>
+            <a:r>
+              <a:rPr lang="en-US" sz="2000" dirty="0" err="1">
+                <a:solidFill>
+                  <a:srgbClr val="0070C0"/>
+                </a:solidFill>
+              </a:rPr>
+              <a:t>gandhi</a:t>
+            </a:r>
+            <a:r>
+              <a:rPr lang="en-US" sz="2000" dirty="0">
+                <a:solidFill>
+                  <a:srgbClr val="0070C0"/>
+                </a:solidFill>
+              </a:rPr>
+              <a:t>-</a:t>
+            </a:r>
+            <a:r>
+              <a:rPr lang="en-US" sz="2000" dirty="0" err="1">
+                <a:solidFill>
+                  <a:srgbClr val="0070C0"/>
+                </a:solidFill>
+              </a:rPr>
+              <a:t>ippm</a:t>
+            </a:r>
+            <a:r>
+              <a:rPr lang="en-US" sz="2000" dirty="0">
+                <a:solidFill>
+                  <a:srgbClr val="0070C0"/>
+                </a:solidFill>
+              </a:rPr>
+              <a:t>-stamp-</a:t>
+            </a:r>
+            <a:r>
+              <a:rPr lang="en-US" sz="2000" dirty="0" err="1">
+                <a:solidFill>
+                  <a:srgbClr val="0070C0"/>
+                </a:solidFill>
+              </a:rPr>
+              <a:t>srpm</a:t>
+            </a:r>
+            <a:endParaRPr lang="en-US" sz="2000" dirty="0">
+              <a:solidFill>
+                <a:srgbClr val="0070C0"/>
+              </a:solidFill>
+            </a:endParaRPr>
+          </a:p>
+          <a:p>
+            <a:pPr>
+              <a:lnSpc>
+                <a:spcPts val="2460"/>
+              </a:lnSpc>
+              <a:spcBef>
+                <a:spcPts val="600"/>
+              </a:spcBef>
+              <a:spcAft>
+                <a:spcPts val="0"/>
+              </a:spcAft>
+              <a:buFont typeface="Wingdings" pitchFamily="2" charset="2"/>
+              <a:buChar char="ü"/>
+            </a:pPr>
+            <a:r>
+              <a:rPr lang="en-US" sz="2000" dirty="0"/>
+              <a:t>Updated terminology to align with STAMP</a:t>
+            </a:r>
+          </a:p>
+          <a:p>
+            <a:pPr>
+              <a:lnSpc>
+                <a:spcPts val="2460"/>
+              </a:lnSpc>
+              <a:spcBef>
+                <a:spcPts val="600"/>
+              </a:spcBef>
+              <a:spcAft>
+                <a:spcPts val="0"/>
+              </a:spcAft>
+              <a:buFont typeface="Wingdings" pitchFamily="2" charset="2"/>
+              <a:buChar char="ü"/>
+            </a:pPr>
+            <a:r>
+              <a:rPr lang="en-US" sz="2000" dirty="0"/>
+              <a:t>Added (test) packet loss section</a:t>
+            </a:r>
+          </a:p>
+          <a:p>
+            <a:pPr>
+              <a:lnSpc>
+                <a:spcPts val="2460"/>
+              </a:lnSpc>
+              <a:spcBef>
+                <a:spcPts val="600"/>
+              </a:spcBef>
+              <a:spcAft>
+                <a:spcPts val="0"/>
+              </a:spcAft>
+              <a:buFont typeface="Wingdings" pitchFamily="2" charset="2"/>
+              <a:buChar char="ü"/>
+            </a:pPr>
+            <a:r>
+              <a:rPr lang="en-US" sz="2000" dirty="0"/>
+              <a:t>Removed STAMP direct measurement stand-alone messages</a:t>
+            </a:r>
+          </a:p>
+          <a:p>
+            <a:pPr>
+              <a:lnSpc>
+                <a:spcPts val="2460"/>
+              </a:lnSpc>
+              <a:spcBef>
+                <a:spcPts val="600"/>
+              </a:spcBef>
+              <a:spcAft>
+                <a:spcPts val="0"/>
+              </a:spcAft>
+              <a:buFont typeface="Wingdings" pitchFamily="2" charset="2"/>
+              <a:buChar char="ü"/>
+            </a:pPr>
+            <a:r>
+              <a:rPr lang="en-US" sz="2000" dirty="0"/>
+              <a:t>Removed text for using IPv6/UDP test packets with zero checksum</a:t>
+            </a:r>
+          </a:p>
+          <a:p>
+            <a:pPr>
+              <a:lnSpc>
+                <a:spcPts val="2460"/>
+              </a:lnSpc>
+              <a:spcBef>
+                <a:spcPts val="600"/>
+              </a:spcBef>
+              <a:spcAft>
+                <a:spcPts val="0"/>
+              </a:spcAft>
+              <a:buFont typeface="Wingdings" pitchFamily="2" charset="2"/>
+              <a:buChar char="ü"/>
+            </a:pPr>
+            <a:r>
+              <a:rPr lang="en-US" sz="2000" dirty="0"/>
+              <a:t>Various editorial changes to address review comments</a:t>
+            </a:r>
+          </a:p>
+          <a:p>
+            <a:pPr>
+              <a:lnSpc>
+                <a:spcPts val="2260"/>
+              </a:lnSpc>
+              <a:spcBef>
+                <a:spcPts val="600"/>
+              </a:spcBef>
+              <a:spcAft>
+                <a:spcPts val="0"/>
+              </a:spcAft>
+            </a:pPr>
+            <a:endParaRPr lang="en-US" sz="1800" dirty="0"/>
+          </a:p>
+        </p:txBody>
+      </p:sp>
+      <p:sp>
+        <p:nvSpPr>
+          <p:cNvPr id="4" name="Footer Placeholder 3"/>
+          <p:cNvSpPr>
+            <a:spLocks noGrp="1"/>
+          </p:cNvSpPr>
+          <p:nvPr>
+            <p:ph type="ftr" sz="quarter" idx="11"/>
+          </p:nvPr>
+        </p:nvSpPr>
+        <p:spPr>
+          <a:xfrm>
+            <a:off x="3124200" y="4786312"/>
             <a:ext cx="2895600" cy="357188"/>
           </a:xfrm>
         </p:spPr>
@@ -6805,13 +7380,7 @@
       </p:sp>
       <p:sp>
         <p:nvSpPr>
-          <p:cNvPr id="5" name="Slide Number Placeholder 4">
-            <a:extLst>
-              <a:ext uri="{FF2B5EF4-FFF2-40B4-BE49-F238E27FC236}">
-                <a16:creationId xmlns:a16="http://schemas.microsoft.com/office/drawing/2014/main" id="{A8B868AE-B105-7547-A646-14FCDF91C2DD}"/>
-              </a:ext>
-            </a:extLst>
-          </p:cNvPr>
+          <p:cNvPr id="5" name="Slide Number Placeholder 4"/>
           <p:cNvSpPr>
             <a:spLocks noGrp="1"/>
           </p:cNvSpPr>
@@ -6834,192 +7403,14 @@
               </a:pPr>
               <a:t>4</a:t>
             </a:fld>
-            <a:endParaRPr lang="en-US" altLang="zh-CN"/>
-          </a:p>
-        </p:txBody>
-      </p:sp>
-      <p:sp>
-        <p:nvSpPr>
-          <p:cNvPr id="7" name="Rectangle 6">
-            <a:extLst>
-              <a:ext uri="{FF2B5EF4-FFF2-40B4-BE49-F238E27FC236}">
-                <a16:creationId xmlns:a16="http://schemas.microsoft.com/office/drawing/2014/main" id="{AA6E66CA-28BC-2C4A-BC04-4600D8FEBF3B}"/>
-              </a:ext>
-            </a:extLst>
-          </p:cNvPr>
-          <p:cNvSpPr/>
-          <p:nvPr/>
-        </p:nvSpPr>
-        <p:spPr>
-          <a:xfrm>
-            <a:off x="1066800" y="983711"/>
-            <a:ext cx="7010400" cy="3416320"/>
-          </a:xfrm>
-          <a:prstGeom prst="rect">
-            <a:avLst/>
-          </a:prstGeom>
-          <a:solidFill>
-            <a:schemeClr val="accent6">
-              <a:lumMod val="20000"/>
-              <a:lumOff val="80000"/>
-            </a:schemeClr>
-          </a:solidFill>
-        </p:spPr>
-        <p:txBody>
-          <a:bodyPr wrap="square">
-            <a:spAutoFit/>
-          </a:bodyPr>
-          <a:lstStyle/>
-          <a:p>
-            <a:r>
-              <a:rPr lang="en-CA" sz="1200" dirty="0">
-                <a:latin typeface="Courier" pitchFamily="2" charset="0"/>
-              </a:rPr>
-              <a:t>                             +------------+</a:t>
-            </a:r>
-          </a:p>
-          <a:p>
-            <a:r>
-              <a:rPr lang="en-CA" sz="1200" dirty="0">
-                <a:latin typeface="Courier" pitchFamily="2" charset="0"/>
-              </a:rPr>
-              <a:t>                             | Controller |</a:t>
-            </a:r>
-          </a:p>
-          <a:p>
-            <a:r>
-              <a:rPr lang="en-CA" sz="1200" dirty="0">
-                <a:latin typeface="Courier" pitchFamily="2" charset="0"/>
-              </a:rPr>
-              <a:t>                             +------------+</a:t>
-            </a:r>
-          </a:p>
-          <a:p>
-            <a:r>
-              <a:rPr lang="en-CA" sz="1200" dirty="0">
-                <a:latin typeface="Courier" pitchFamily="2" charset="0"/>
-              </a:rPr>
-              <a:t>                                 /    \</a:t>
-            </a:r>
-          </a:p>
-          <a:p>
-            <a:r>
-              <a:rPr lang="en-CA" sz="1200" dirty="0">
-                <a:latin typeface="Courier" pitchFamily="2" charset="0"/>
-              </a:rPr>
-              <a:t>  Destination UDP Port          /      \       Destination UDP port</a:t>
-            </a:r>
-          </a:p>
-          <a:p>
-            <a:r>
-              <a:rPr lang="en-CA" sz="1200" dirty="0">
-                <a:latin typeface="Courier" pitchFamily="2" charset="0"/>
-              </a:rPr>
-              <a:t>  Authentication Mode &amp; Key    /        \      Authentication Mode &amp; Key</a:t>
-            </a:r>
-          </a:p>
-          <a:p>
-            <a:r>
-              <a:rPr lang="en-CA" sz="1200" dirty="0">
-                <a:latin typeface="Courier" pitchFamily="2" charset="0"/>
-              </a:rPr>
-              <a:t>  Delay Measurement Mode      /          \     Packet Loss Type</a:t>
-            </a:r>
-          </a:p>
-          <a:p>
-            <a:r>
-              <a:rPr lang="en-CA" sz="1200" dirty="0">
-                <a:latin typeface="Courier" pitchFamily="2" charset="0"/>
-              </a:rPr>
-              <a:t>      Timestamp Format       /            \</a:t>
-            </a:r>
-            <a:endParaRPr lang="en-CA" sz="1200" i="1" dirty="0">
-              <a:latin typeface="Courier" pitchFamily="2" charset="0"/>
-            </a:endParaRPr>
-          </a:p>
-          <a:p>
-            <a:r>
-              <a:rPr lang="en-CA" sz="1200" dirty="0">
-                <a:latin typeface="Courier" pitchFamily="2" charset="0"/>
-              </a:rPr>
-              <a:t>  Packet Loss Type          /              \</a:t>
-            </a:r>
-          </a:p>
-          <a:p>
-            <a:r>
-              <a:rPr lang="en-CA" sz="1200" dirty="0">
-                <a:latin typeface="Courier" pitchFamily="2" charset="0"/>
-              </a:rPr>
-              <a:t>                           /                \</a:t>
-            </a:r>
-          </a:p>
-          <a:p>
-            <a:r>
-              <a:rPr lang="en-CA" sz="1200" dirty="0">
-                <a:latin typeface="Courier" pitchFamily="2" charset="0"/>
-              </a:rPr>
-              <a:t>                          v                  v</a:t>
-            </a:r>
-          </a:p>
-          <a:p>
-            <a:r>
-              <a:rPr lang="en-CA" sz="1200" dirty="0">
-                <a:latin typeface="Courier" pitchFamily="2" charset="0"/>
-              </a:rPr>
-              <a:t>                     +-------+            +-------+</a:t>
-            </a:r>
-          </a:p>
-          <a:p>
-            <a:r>
-              <a:rPr lang="en-CA" sz="1200" dirty="0">
-                <a:latin typeface="Courier" pitchFamily="2" charset="0"/>
-              </a:rPr>
-              <a:t>                     |       |            |       |</a:t>
-            </a:r>
-          </a:p>
-          <a:p>
-            <a:r>
-              <a:rPr lang="en-CA" sz="1200" dirty="0">
-                <a:latin typeface="Courier" pitchFamily="2" charset="0"/>
-              </a:rPr>
-              <a:t>                     |   R1  |============|   R3  |</a:t>
-            </a:r>
-          </a:p>
-          <a:p>
-            <a:r>
-              <a:rPr lang="en-CA" sz="1200" dirty="0">
-                <a:latin typeface="Courier" pitchFamily="2" charset="0"/>
-              </a:rPr>
-              <a:t>                     |       |            |       |</a:t>
-            </a:r>
-          </a:p>
-          <a:p>
-            <a:r>
-              <a:rPr lang="en-CA" sz="1200" dirty="0">
-                <a:latin typeface="Courier" pitchFamily="2" charset="0"/>
-              </a:rPr>
-              <a:t>                     +-------+            +-------+</a:t>
-            </a:r>
-          </a:p>
-          <a:p>
-            <a:endParaRPr lang="en-CA" sz="1200" dirty="0">
-              <a:latin typeface="Courier" pitchFamily="2" charset="0"/>
-            </a:endParaRPr>
-          </a:p>
-          <a:p>
-            <a:r>
-              <a:rPr lang="en-CA" sz="1200" dirty="0">
-                <a:latin typeface="Courier" pitchFamily="2" charset="0"/>
-              </a:rPr>
-              <a:t>               STAMP Session-Sender   STAMP Session-Reflector</a:t>
-            </a:r>
+            <a:endParaRPr lang="en-US" altLang="zh-CN" dirty="0"/>
           </a:p>
         </p:txBody>
       </p:sp>
     </p:spTree>
     <p:extLst>
       <p:ext uri="{BB962C8B-B14F-4D97-AF65-F5344CB8AC3E}">
-        <p14:creationId xmlns:p14="http://schemas.microsoft.com/office/powerpoint/2010/main" val="674982456"/>
+        <p14:creationId xmlns:p14="http://schemas.microsoft.com/office/powerpoint/2010/main" val="3726766203"/>
       </p:ext>
     </p:extLst>
   </p:cSld>
@@ -7048,7 +7439,13 @@
       </p:grpSpPr>
       <p:sp>
         <p:nvSpPr>
-          <p:cNvPr id="2" name="Title 1"/>
+          <p:cNvPr id="2" name="Title 1">
+            <a:extLst>
+              <a:ext uri="{FF2B5EF4-FFF2-40B4-BE49-F238E27FC236}">
+                <a16:creationId xmlns:a16="http://schemas.microsoft.com/office/drawing/2014/main" id="{9A6F4236-AC14-394A-A36C-F2BD8CED3237}"/>
+              </a:ext>
+            </a:extLst>
+          </p:cNvPr>
           <p:cNvSpPr>
             <a:spLocks noGrp="1"/>
           </p:cNvSpPr>
@@ -7058,8 +7455,8 @@
         </p:nvSpPr>
         <p:spPr>
           <a:xfrm>
-            <a:off x="304800" y="0"/>
-            <a:ext cx="8686800" cy="857250"/>
+            <a:off x="457200" y="-19050"/>
+            <a:ext cx="8229600" cy="857250"/>
           </a:xfrm>
         </p:spPr>
         <p:txBody>
@@ -7067,21 +7464,27 @@
           <a:lstStyle/>
           <a:p>
             <a:r>
-              <a:rPr lang="en-US" sz="3200" dirty="0">
+              <a:rPr lang="en-US" sz="3600" dirty="0">
                 <a:solidFill>
                   <a:srgbClr val="0070C0"/>
                 </a:solidFill>
                 <a:latin typeface="Calibri Light" panose="020F0302020204030204" pitchFamily="34" charset="0"/>
                 <a:cs typeface="Calibri Light" panose="020F0302020204030204" pitchFamily="34" charset="0"/>
               </a:rPr>
-              <a:t>Session-Sender Test Packet for Links</a:t>
-            </a:r>
-          </a:p>
-        </p:txBody>
-      </p:sp>
-      <p:sp>
-        <p:nvSpPr>
-          <p:cNvPr id="4" name="Footer Placeholder 3"/>
+              <a:t>Example STAMP Reference Model</a:t>
+            </a:r>
+          </a:p>
+        </p:txBody>
+      </p:sp>
+      <p:sp>
+        <p:nvSpPr>
+          <p:cNvPr id="4" name="Footer Placeholder 3">
+            <a:extLst>
+              <a:ext uri="{FF2B5EF4-FFF2-40B4-BE49-F238E27FC236}">
+                <a16:creationId xmlns:a16="http://schemas.microsoft.com/office/drawing/2014/main" id="{643D160E-CC3C-EB46-A6F1-43B8E2996F46}"/>
+              </a:ext>
+            </a:extLst>
+          </p:cNvPr>
           <p:cNvSpPr>
             <a:spLocks noGrp="1"/>
           </p:cNvSpPr>
@@ -7091,7 +7494,7 @@
         </p:nvSpPr>
         <p:spPr>
           <a:xfrm>
-            <a:off x="3124200" y="4786312"/>
+            <a:off x="3124200" y="4805362"/>
             <a:ext cx="2895600" cy="357188"/>
           </a:xfrm>
         </p:spPr>
@@ -7116,59 +7519,55 @@
       </p:sp>
       <p:sp>
         <p:nvSpPr>
-          <p:cNvPr id="7" name="Content Placeholder 2"/>
+          <p:cNvPr id="5" name="Slide Number Placeholder 4">
+            <a:extLst>
+              <a:ext uri="{FF2B5EF4-FFF2-40B4-BE49-F238E27FC236}">
+                <a16:creationId xmlns:a16="http://schemas.microsoft.com/office/drawing/2014/main" id="{A8B868AE-B105-7547-A646-14FCDF91C2DD}"/>
+              </a:ext>
+            </a:extLst>
+          </p:cNvPr>
           <p:cNvSpPr>
             <a:spLocks noGrp="1"/>
           </p:cNvSpPr>
           <p:nvPr>
-            <p:ph idx="1"/>
-          </p:nvPr>
+            <p:ph type="sldNum" sz="quarter" idx="12"/>
+          </p:nvPr>
+        </p:nvSpPr>
+        <p:spPr/>
+        <p:txBody>
+          <a:bodyPr/>
+          <a:lstStyle/>
+          <a:p>
+            <a:pPr>
+              <a:defRPr/>
+            </a:pPr>
+            <a:fld id="{BD6E0F59-1DD8-40FC-9C92-B6295CBA6CCA}" type="slidenum">
+              <a:rPr lang="en-US" altLang="zh-CN" smtClean="0"/>
+              <a:pPr>
+                <a:defRPr/>
+              </a:pPr>
+              <a:t>5</a:t>
+            </a:fld>
+            <a:endParaRPr lang="en-US" altLang="zh-CN"/>
+          </a:p>
+        </p:txBody>
+      </p:sp>
+      <p:sp>
+        <p:nvSpPr>
+          <p:cNvPr id="7" name="Rectangle 6">
+            <a:extLst>
+              <a:ext uri="{FF2B5EF4-FFF2-40B4-BE49-F238E27FC236}">
+                <a16:creationId xmlns:a16="http://schemas.microsoft.com/office/drawing/2014/main" id="{AA6E66CA-28BC-2C4A-BC04-4600D8FEBF3B}"/>
+              </a:ext>
+            </a:extLst>
+          </p:cNvPr>
+          <p:cNvSpPr/>
+          <p:nvPr/>
         </p:nvSpPr>
         <p:spPr>
           <a:xfrm>
-            <a:off x="514350" y="804739"/>
-            <a:ext cx="8172450" cy="998845"/>
-          </a:xfrm>
-        </p:spPr>
-        <p:txBody>
-          <a:bodyPr/>
-          <a:lstStyle/>
-          <a:p>
-            <a:r>
-              <a:rPr lang="en-US" sz="1200" dirty="0"/>
-              <a:t>For links, the STAMP Session-Sender test packets are transmitted over the links using local and remote link addresses</a:t>
-            </a:r>
-          </a:p>
-          <a:p>
-            <a:r>
-              <a:rPr lang="en-US" sz="1200" dirty="0"/>
-              <a:t>User-configured destination UDP port is used for STAMP test packets (or port 862)</a:t>
-            </a:r>
-          </a:p>
-          <a:p>
-            <a:r>
-              <a:rPr lang="en-US" sz="1200" dirty="0"/>
-              <a:t>IPv4 TTL /IPv6 Hop-limit is set to 1</a:t>
-            </a:r>
-          </a:p>
-          <a:p>
-            <a:r>
-              <a:rPr lang="en-US" sz="1200" dirty="0"/>
-              <a:t>Applicable to physical, virtual, LAG, LAG member links</a:t>
-            </a:r>
-          </a:p>
-        </p:txBody>
-      </p:sp>
-      <p:sp>
-        <p:nvSpPr>
-          <p:cNvPr id="5" name="Rectangle 4"/>
-          <p:cNvSpPr/>
-          <p:nvPr/>
-        </p:nvSpPr>
-        <p:spPr>
-          <a:xfrm>
-            <a:off x="1752600" y="1940731"/>
-            <a:ext cx="5224463" cy="2708434"/>
+            <a:off x="1066800" y="983711"/>
+            <a:ext cx="7010400" cy="3416320"/>
           </a:xfrm>
           <a:prstGeom prst="rect">
             <a:avLst/>
@@ -7186,333 +7585,173 @@
           </a:bodyPr>
           <a:lstStyle/>
           <a:p>
-            <a:pPr>
-              <a:spcAft>
-                <a:spcPts val="0"/>
-              </a:spcAft>
-            </a:pPr>
-            <a:r>
-              <a:rPr lang="en-US" sz="1000" dirty="0">
+            <a:r>
+              <a:rPr lang="en-CA" sz="1200" dirty="0">
                 <a:latin typeface="Courier" pitchFamily="2" charset="0"/>
-                <a:ea typeface="Courier" charset="0"/>
-                <a:cs typeface="Courier" charset="0"/>
-              </a:rPr>
-              <a:t>+---------------------------------------------------------------+</a:t>
-            </a:r>
-          </a:p>
-          <a:p>
-            <a:pPr>
-              <a:spcAft>
-                <a:spcPts val="0"/>
-              </a:spcAft>
-            </a:pPr>
-            <a:r>
-              <a:rPr lang="en-US" sz="1000" dirty="0">
+              </a:rPr>
+              <a:t>                             +------------+</a:t>
+            </a:r>
+          </a:p>
+          <a:p>
+            <a:r>
+              <a:rPr lang="en-CA" sz="1200" dirty="0">
                 <a:latin typeface="Courier" pitchFamily="2" charset="0"/>
-                <a:ea typeface="Courier" charset="0"/>
-                <a:cs typeface="Courier" charset="0"/>
-              </a:rPr>
-              <a:t>| IP Header                                                     |</a:t>
-            </a:r>
-          </a:p>
-          <a:p>
-            <a:pPr>
-              <a:spcAft>
-                <a:spcPts val="0"/>
-              </a:spcAft>
-            </a:pPr>
-            <a:r>
-              <a:rPr lang="en-US" sz="1000" dirty="0">
+              </a:rPr>
+              <a:t>                             | Controller |</a:t>
+            </a:r>
+          </a:p>
+          <a:p>
+            <a:r>
+              <a:rPr lang="en-CA" sz="1200" dirty="0">
                 <a:latin typeface="Courier" pitchFamily="2" charset="0"/>
-                <a:ea typeface="Courier" charset="0"/>
-                <a:cs typeface="Courier" charset="0"/>
-              </a:rPr>
-              <a:t>.  Source IP Address = Session-Sender IPv4 or IPv6 Address      .</a:t>
-            </a:r>
-          </a:p>
-          <a:p>
-            <a:pPr>
-              <a:spcAft>
-                <a:spcPts val="0"/>
-              </a:spcAft>
-            </a:pPr>
-            <a:r>
-              <a:rPr lang="en-US" sz="1000" dirty="0">
+              </a:rPr>
+              <a:t>                             +------------+</a:t>
+            </a:r>
+          </a:p>
+          <a:p>
+            <a:r>
+              <a:rPr lang="en-CA" sz="1200" dirty="0">
                 <a:latin typeface="Courier" pitchFamily="2" charset="0"/>
-                <a:ea typeface="Courier" charset="0"/>
-                <a:cs typeface="Courier" charset="0"/>
-              </a:rPr>
-              <a:t>.  Destination IP Address = Session-Reflector IPv4 or IPv6 </a:t>
-            </a:r>
-            <a:r>
-              <a:rPr lang="en-US" sz="1000" dirty="0" err="1">
+              </a:rPr>
+              <a:t>                                 /    \</a:t>
+            </a:r>
+          </a:p>
+          <a:p>
+            <a:r>
+              <a:rPr lang="en-CA" sz="1200" dirty="0">
                 <a:latin typeface="Courier" pitchFamily="2" charset="0"/>
-                <a:ea typeface="Courier" charset="0"/>
-                <a:cs typeface="Courier" charset="0"/>
-              </a:rPr>
-              <a:t>Addr</a:t>
-            </a:r>
-            <a:r>
-              <a:rPr lang="en-US" sz="1000" dirty="0">
+              </a:rPr>
+              <a:t>  Destination UDP Port          /      \       Destination UDP port</a:t>
+            </a:r>
+          </a:p>
+          <a:p>
+            <a:r>
+              <a:rPr lang="en-CA" sz="1200" dirty="0">
                 <a:latin typeface="Courier" pitchFamily="2" charset="0"/>
-                <a:ea typeface="Courier" charset="0"/>
-                <a:cs typeface="Courier" charset="0"/>
-              </a:rPr>
-              <a:t> .</a:t>
-            </a:r>
-          </a:p>
-          <a:p>
-            <a:pPr>
-              <a:spcAft>
-                <a:spcPts val="0"/>
-              </a:spcAft>
-            </a:pPr>
-            <a:r>
-              <a:rPr lang="en-US" sz="1000" dirty="0">
+              </a:rPr>
+              <a:t>  Authentication Mode &amp; Key    /        \      Authentication Mode &amp; Key</a:t>
+            </a:r>
+          </a:p>
+          <a:p>
+            <a:r>
+              <a:rPr lang="en-CA" sz="1200" dirty="0">
+                <a:solidFill>
+                  <a:srgbClr val="002060"/>
+                </a:solidFill>
                 <a:latin typeface="Courier" pitchFamily="2" charset="0"/>
-                <a:ea typeface="Courier" charset="0"/>
-                <a:cs typeface="Courier" charset="0"/>
-              </a:rPr>
-              <a:t>.  Protocol = UDP                                               .</a:t>
-            </a:r>
-          </a:p>
-          <a:p>
-            <a:pPr>
-              <a:spcAft>
-                <a:spcPts val="0"/>
-              </a:spcAft>
-            </a:pPr>
-            <a:r>
-              <a:rPr lang="en-US" sz="1000" dirty="0">
+              </a:rPr>
+              <a:t>  </a:t>
+            </a:r>
+            <a:r>
+              <a:rPr lang="en-CA" sz="1200" dirty="0">
+                <a:solidFill>
+                  <a:srgbClr val="00B050"/>
+                </a:solidFill>
                 <a:latin typeface="Courier" pitchFamily="2" charset="0"/>
-                <a:ea typeface="Courier" charset="0"/>
-                <a:cs typeface="Courier" charset="0"/>
-              </a:rPr>
-              <a:t>.                                                               .</a:t>
-            </a:r>
-          </a:p>
-          <a:p>
-            <a:pPr>
-              <a:spcAft>
-                <a:spcPts val="0"/>
-              </a:spcAft>
-            </a:pPr>
-            <a:r>
-              <a:rPr lang="en-US" sz="1000" dirty="0">
+              </a:rPr>
+              <a:t>Delay Measurement Mode      </a:t>
+            </a:r>
+            <a:r>
+              <a:rPr lang="en-CA" sz="1200" dirty="0">
                 <a:latin typeface="Courier" pitchFamily="2" charset="0"/>
-                <a:ea typeface="Courier" charset="0"/>
-                <a:cs typeface="Courier" charset="0"/>
-              </a:rPr>
-              <a:t>+---------------------------------------------------------------+</a:t>
-            </a:r>
-          </a:p>
-          <a:p>
-            <a:pPr>
-              <a:spcAft>
-                <a:spcPts val="0"/>
-              </a:spcAft>
-            </a:pPr>
-            <a:r>
-              <a:rPr lang="en-US" sz="1000" dirty="0">
+              </a:rPr>
+              <a:t>/          \     Packet Loss Type</a:t>
+            </a:r>
+          </a:p>
+          <a:p>
+            <a:r>
+              <a:rPr lang="en-CA" sz="1200" dirty="0">
                 <a:latin typeface="Courier" pitchFamily="2" charset="0"/>
-                <a:ea typeface="Courier" charset="0"/>
-                <a:cs typeface="Courier" charset="0"/>
-              </a:rPr>
-              <a:t>| UDP Header                                                    |</a:t>
-            </a:r>
-          </a:p>
-          <a:p>
-            <a:pPr>
-              <a:spcAft>
-                <a:spcPts val="0"/>
-              </a:spcAft>
-            </a:pPr>
-            <a:r>
-              <a:rPr lang="en-US" sz="1000" dirty="0">
+              </a:rPr>
+              <a:t>      Timestamp Format       /            \</a:t>
+            </a:r>
+            <a:endParaRPr lang="en-CA" sz="1200" i="1" dirty="0">
+              <a:latin typeface="Courier" pitchFamily="2" charset="0"/>
+            </a:endParaRPr>
+          </a:p>
+          <a:p>
+            <a:r>
+              <a:rPr lang="en-CA" sz="1200" dirty="0">
                 <a:latin typeface="Courier" pitchFamily="2" charset="0"/>
-                <a:ea typeface="Courier" charset="0"/>
-                <a:cs typeface="Courier" charset="0"/>
-              </a:rPr>
-              <a:t>.  Source Port = As chosen by Session-Sender                    .</a:t>
-            </a:r>
-          </a:p>
-          <a:p>
-            <a:pPr>
-              <a:spcAft>
-                <a:spcPts val="0"/>
-              </a:spcAft>
-            </a:pPr>
-            <a:r>
-              <a:rPr lang="en-US" sz="1000" dirty="0">
+              </a:rPr>
+              <a:t>  Packet Loss Type          /              \</a:t>
+            </a:r>
+          </a:p>
+          <a:p>
+            <a:r>
+              <a:rPr lang="en-CA" sz="1200" dirty="0">
                 <a:latin typeface="Courier" pitchFamily="2" charset="0"/>
-                <a:ea typeface="Courier" charset="0"/>
-                <a:cs typeface="Courier" charset="0"/>
-              </a:rPr>
-              <a:t>.  Destination Port = User-configured Port | 862                .</a:t>
-            </a:r>
-          </a:p>
-          <a:p>
-            <a:pPr>
-              <a:spcAft>
-                <a:spcPts val="0"/>
-              </a:spcAft>
-            </a:pPr>
-            <a:r>
-              <a:rPr lang="en-US" sz="1000" dirty="0">
+              </a:rPr>
+              <a:t>                           /                \</a:t>
+            </a:r>
+          </a:p>
+          <a:p>
+            <a:r>
+              <a:rPr lang="en-CA" sz="1200" dirty="0">
                 <a:latin typeface="Courier" pitchFamily="2" charset="0"/>
-                <a:ea typeface="Courier" charset="0"/>
-                <a:cs typeface="Courier" charset="0"/>
-              </a:rPr>
-              <a:t>.                                                               .</a:t>
-            </a:r>
-          </a:p>
-          <a:p>
-            <a:pPr>
-              <a:spcAft>
-                <a:spcPts val="0"/>
-              </a:spcAft>
-            </a:pPr>
-            <a:r>
-              <a:rPr lang="en-US" sz="1000" dirty="0">
+              </a:rPr>
+              <a:t>                          v                  v</a:t>
+            </a:r>
+          </a:p>
+          <a:p>
+            <a:r>
+              <a:rPr lang="en-CA" sz="1200" dirty="0">
                 <a:latin typeface="Courier" pitchFamily="2" charset="0"/>
-                <a:ea typeface="Courier" charset="0"/>
-                <a:cs typeface="Courier" charset="0"/>
-              </a:rPr>
-              <a:t>+---------------------------------------------------------------+</a:t>
-            </a:r>
-          </a:p>
-          <a:p>
-            <a:pPr>
-              <a:spcAft>
-                <a:spcPts val="0"/>
-              </a:spcAft>
-            </a:pPr>
-            <a:r>
-              <a:rPr lang="en-US" sz="1000" dirty="0">
+              </a:rPr>
+              <a:t>                     +-------+            +-------+</a:t>
+            </a:r>
+          </a:p>
+          <a:p>
+            <a:r>
+              <a:rPr lang="en-CA" sz="1200" dirty="0">
                 <a:latin typeface="Courier" pitchFamily="2" charset="0"/>
-                <a:ea typeface="Courier" charset="0"/>
-                <a:cs typeface="Courier" charset="0"/>
-              </a:rPr>
-              <a:t>| Payload = </a:t>
-            </a:r>
-            <a:r>
-              <a:rPr lang="en-CA" sz="1000" dirty="0">
+              </a:rPr>
+              <a:t>                     |       |            |       |</a:t>
+            </a:r>
+          </a:p>
+          <a:p>
+            <a:r>
+              <a:rPr lang="en-CA" sz="1200" dirty="0">
                 <a:latin typeface="Courier" pitchFamily="2" charset="0"/>
               </a:rPr>
-              <a:t>Test Packet specified in Section 4.2 of RFC 8762</a:t>
-            </a:r>
-            <a:r>
-              <a:rPr lang="en-US" sz="1000" dirty="0">
+              <a:t>                     |   R1  |============|   R3  |</a:t>
+            </a:r>
+          </a:p>
+          <a:p>
+            <a:r>
+              <a:rPr lang="en-CA" sz="1200" dirty="0">
                 <a:latin typeface="Courier" pitchFamily="2" charset="0"/>
               </a:rPr>
-              <a:t>    </a:t>
-            </a:r>
-            <a:r>
-              <a:rPr lang="en-US" sz="1000" dirty="0">
+              <a:t>                     |       |            |       |</a:t>
+            </a:r>
+          </a:p>
+          <a:p>
+            <a:r>
+              <a:rPr lang="en-CA" sz="1200" dirty="0">
                 <a:latin typeface="Courier" pitchFamily="2" charset="0"/>
-                <a:ea typeface="Courier" charset="0"/>
-                <a:cs typeface="Courier" charset="0"/>
-              </a:rPr>
-              <a:t>|</a:t>
-            </a:r>
-          </a:p>
-          <a:p>
-            <a:pPr>
-              <a:spcAft>
-                <a:spcPts val="0"/>
-              </a:spcAft>
-            </a:pPr>
-            <a:r>
-              <a:rPr lang="en-US" sz="1000" dirty="0">
+              </a:rPr>
+              <a:t>                     +-------+            +-------+</a:t>
+            </a:r>
+          </a:p>
+          <a:p>
+            <a:endParaRPr lang="en-CA" sz="1200" dirty="0">
+              <a:latin typeface="Courier" pitchFamily="2" charset="0"/>
+            </a:endParaRPr>
+          </a:p>
+          <a:p>
+            <a:r>
+              <a:rPr lang="en-CA" sz="1200" dirty="0">
                 <a:latin typeface="Courier" pitchFamily="2" charset="0"/>
-                <a:ea typeface="Courier" charset="0"/>
-                <a:cs typeface="Courier" charset="0"/>
-              </a:rPr>
-              <a:t>.                                                               .</a:t>
-            </a:r>
-          </a:p>
-          <a:p>
-            <a:pPr>
-              <a:spcAft>
-                <a:spcPts val="0"/>
-              </a:spcAft>
-            </a:pPr>
-            <a:r>
-              <a:rPr lang="en-US" sz="1000" dirty="0">
-                <a:latin typeface="Courier" pitchFamily="2" charset="0"/>
-                <a:ea typeface="Courier" charset="0"/>
-                <a:cs typeface="Courier" charset="0"/>
-              </a:rPr>
-              <a:t>+---------------------------------------------------------------+</a:t>
-            </a:r>
-          </a:p>
-          <a:p>
-            <a:pPr>
-              <a:spcAft>
-                <a:spcPts val="0"/>
-              </a:spcAft>
-            </a:pPr>
-            <a:endParaRPr lang="en-US" sz="1000" dirty="0">
-              <a:latin typeface="Courier" pitchFamily="2" charset="0"/>
-              <a:ea typeface="Courier" charset="0"/>
-              <a:cs typeface="Courier" charset="0"/>
-            </a:endParaRPr>
-          </a:p>
-          <a:p>
-            <a:pPr>
-              <a:spcAft>
-                <a:spcPts val="0"/>
-              </a:spcAft>
-            </a:pPr>
-            <a:r>
-              <a:rPr lang="en-CA" sz="1000" dirty="0">
-                <a:latin typeface="Courier" pitchFamily="2" charset="0"/>
-                <a:ea typeface="Courier" charset="0"/>
-                <a:cs typeface="Courier" charset="0"/>
-              </a:rPr>
-              <a:t>          Figure 1: Session-Sender Test Packet for links</a:t>
-            </a:r>
-            <a:endParaRPr lang="en-US" sz="1000" dirty="0">
-              <a:latin typeface="Courier" pitchFamily="2" charset="0"/>
-              <a:ea typeface="Courier" charset="0"/>
-              <a:cs typeface="Courier" charset="0"/>
-            </a:endParaRPr>
-          </a:p>
-        </p:txBody>
-      </p:sp>
-      <p:sp>
-        <p:nvSpPr>
-          <p:cNvPr id="3" name="Slide Number Placeholder 2"/>
-          <p:cNvSpPr>
-            <a:spLocks noGrp="1"/>
-          </p:cNvSpPr>
-          <p:nvPr>
-            <p:ph type="sldNum" sz="quarter" idx="12"/>
-          </p:nvPr>
-        </p:nvSpPr>
-        <p:spPr/>
-        <p:txBody>
-          <a:bodyPr/>
-          <a:lstStyle/>
-          <a:p>
-            <a:pPr>
-              <a:defRPr/>
-            </a:pPr>
-            <a:fld id="{BD6E0F59-1DD8-40FC-9C92-B6295CBA6CCA}" type="slidenum">
-              <a:rPr lang="en-US" altLang="zh-CN" smtClean="0"/>
-              <a:pPr>
-                <a:defRPr/>
-              </a:pPr>
-              <a:t>5</a:t>
-            </a:fld>
-            <a:endParaRPr lang="en-US" altLang="zh-CN"/>
+              </a:rPr>
+              <a:t>               STAMP Session-Sender   STAMP Session-Reflector</a:t>
+            </a:r>
           </a:p>
         </p:txBody>
       </p:sp>
     </p:spTree>
     <p:extLst>
       <p:ext uri="{BB962C8B-B14F-4D97-AF65-F5344CB8AC3E}">
-        <p14:creationId xmlns:p14="http://schemas.microsoft.com/office/powerpoint/2010/main" val="2481930979"/>
+        <p14:creationId xmlns:p14="http://schemas.microsoft.com/office/powerpoint/2010/main" val="674982456"/>
       </p:ext>
     </p:extLst>
   </p:cSld>
@@ -7551,6 +7790,499 @@
         </p:nvSpPr>
         <p:spPr>
           <a:xfrm>
+            <a:off x="304800" y="0"/>
+            <a:ext cx="8686800" cy="857250"/>
+          </a:xfrm>
+        </p:spPr>
+        <p:txBody>
+          <a:bodyPr/>
+          <a:lstStyle/>
+          <a:p>
+            <a:r>
+              <a:rPr lang="en-US" sz="3200" dirty="0">
+                <a:solidFill>
+                  <a:srgbClr val="0070C0"/>
+                </a:solidFill>
+                <a:latin typeface="Calibri Light" panose="020F0302020204030204" pitchFamily="34" charset="0"/>
+                <a:cs typeface="Calibri Light" panose="020F0302020204030204" pitchFamily="34" charset="0"/>
+              </a:rPr>
+              <a:t>Session-Sender Test Packet for Links</a:t>
+            </a:r>
+          </a:p>
+        </p:txBody>
+      </p:sp>
+      <p:sp>
+        <p:nvSpPr>
+          <p:cNvPr id="4" name="Footer Placeholder 3"/>
+          <p:cNvSpPr>
+            <a:spLocks noGrp="1"/>
+          </p:cNvSpPr>
+          <p:nvPr>
+            <p:ph type="ftr" sz="quarter" idx="11"/>
+          </p:nvPr>
+        </p:nvSpPr>
+        <p:spPr>
+          <a:xfrm>
+            <a:off x="3124200" y="4786312"/>
+            <a:ext cx="2895600" cy="357188"/>
+          </a:xfrm>
+        </p:spPr>
+        <p:txBody>
+          <a:bodyPr/>
+          <a:lstStyle/>
+          <a:p>
+            <a:r>
+              <a:rPr lang="en-CA" dirty="0"/>
+              <a:t>110</a:t>
+            </a:r>
+            <a:r>
+              <a:rPr lang="en-CA" baseline="30000" dirty="0"/>
+              <a:t>th</a:t>
+            </a:r>
+            <a:r>
+              <a:rPr lang="en-CA" dirty="0"/>
+              <a:t> IETF Online</a:t>
+            </a:r>
+          </a:p>
+        </p:txBody>
+      </p:sp>
+      <p:sp>
+        <p:nvSpPr>
+          <p:cNvPr id="7" name="Content Placeholder 2"/>
+          <p:cNvSpPr>
+            <a:spLocks noGrp="1"/>
+          </p:cNvSpPr>
+          <p:nvPr>
+            <p:ph idx="1"/>
+          </p:nvPr>
+        </p:nvSpPr>
+        <p:spPr>
+          <a:xfrm>
+            <a:off x="514350" y="804739"/>
+            <a:ext cx="8172450" cy="998845"/>
+          </a:xfrm>
+        </p:spPr>
+        <p:txBody>
+          <a:bodyPr/>
+          <a:lstStyle/>
+          <a:p>
+            <a:r>
+              <a:rPr lang="en-US" sz="1200" dirty="0"/>
+              <a:t>For links, the STAMP Session-Sender test packets are transmitted over the links using local and remote link addresses</a:t>
+            </a:r>
+          </a:p>
+          <a:p>
+            <a:r>
+              <a:rPr lang="en-US" sz="1200" dirty="0"/>
+              <a:t>User-configured destination UDP port is used for STAMP test packets (or port 862)</a:t>
+            </a:r>
+          </a:p>
+          <a:p>
+            <a:r>
+              <a:rPr lang="en-US" sz="1200" dirty="0"/>
+              <a:t>IPv4 TTL /IPv6 Hop-limit is set to 1</a:t>
+            </a:r>
+          </a:p>
+          <a:p>
+            <a:r>
+              <a:rPr lang="en-US" sz="1200" dirty="0"/>
+              <a:t>Applicable to physical, virtual, LAG, LAG member links</a:t>
+            </a:r>
+          </a:p>
+        </p:txBody>
+      </p:sp>
+      <p:sp>
+        <p:nvSpPr>
+          <p:cNvPr id="5" name="Rectangle 4"/>
+          <p:cNvSpPr/>
+          <p:nvPr/>
+        </p:nvSpPr>
+        <p:spPr>
+          <a:xfrm>
+            <a:off x="1752600" y="1940731"/>
+            <a:ext cx="5224463" cy="2708434"/>
+          </a:xfrm>
+          <a:prstGeom prst="rect">
+            <a:avLst/>
+          </a:prstGeom>
+          <a:solidFill>
+            <a:schemeClr val="accent6">
+              <a:lumMod val="20000"/>
+              <a:lumOff val="80000"/>
+            </a:schemeClr>
+          </a:solidFill>
+        </p:spPr>
+        <p:txBody>
+          <a:bodyPr wrap="square">
+            <a:spAutoFit/>
+          </a:bodyPr>
+          <a:lstStyle/>
+          <a:p>
+            <a:pPr>
+              <a:spcAft>
+                <a:spcPts val="0"/>
+              </a:spcAft>
+            </a:pPr>
+            <a:r>
+              <a:rPr lang="en-US" sz="1000" dirty="0">
+                <a:latin typeface="Courier" pitchFamily="2" charset="0"/>
+                <a:ea typeface="Courier" charset="0"/>
+                <a:cs typeface="Courier" charset="0"/>
+              </a:rPr>
+              <a:t>+---------------------------------------------------------------+</a:t>
+            </a:r>
+          </a:p>
+          <a:p>
+            <a:pPr>
+              <a:spcAft>
+                <a:spcPts val="0"/>
+              </a:spcAft>
+            </a:pPr>
+            <a:r>
+              <a:rPr lang="en-US" sz="1000" dirty="0">
+                <a:latin typeface="Courier" pitchFamily="2" charset="0"/>
+                <a:ea typeface="Courier" charset="0"/>
+                <a:cs typeface="Courier" charset="0"/>
+              </a:rPr>
+              <a:t>| IP Header                                                     |</a:t>
+            </a:r>
+          </a:p>
+          <a:p>
+            <a:pPr>
+              <a:spcAft>
+                <a:spcPts val="0"/>
+              </a:spcAft>
+            </a:pPr>
+            <a:r>
+              <a:rPr lang="en-US" sz="1000" dirty="0">
+                <a:latin typeface="Courier" pitchFamily="2" charset="0"/>
+                <a:ea typeface="Courier" charset="0"/>
+                <a:cs typeface="Courier" charset="0"/>
+              </a:rPr>
+              <a:t>.  Source IP Address = Session-Sender IPv4 or IPv6 Address      .</a:t>
+            </a:r>
+          </a:p>
+          <a:p>
+            <a:pPr>
+              <a:spcAft>
+                <a:spcPts val="0"/>
+              </a:spcAft>
+            </a:pPr>
+            <a:r>
+              <a:rPr lang="en-US" sz="1000" dirty="0">
+                <a:latin typeface="Courier" pitchFamily="2" charset="0"/>
+                <a:ea typeface="Courier" charset="0"/>
+                <a:cs typeface="Courier" charset="0"/>
+              </a:rPr>
+              <a:t>.  Destination IP Address = Session-Reflector IPv4 or IPv6 </a:t>
+            </a:r>
+            <a:r>
+              <a:rPr lang="en-US" sz="1000" dirty="0" err="1">
+                <a:latin typeface="Courier" pitchFamily="2" charset="0"/>
+                <a:ea typeface="Courier" charset="0"/>
+                <a:cs typeface="Courier" charset="0"/>
+              </a:rPr>
+              <a:t>Addr</a:t>
+            </a:r>
+            <a:r>
+              <a:rPr lang="en-US" sz="1000" dirty="0">
+                <a:latin typeface="Courier" pitchFamily="2" charset="0"/>
+                <a:ea typeface="Courier" charset="0"/>
+                <a:cs typeface="Courier" charset="0"/>
+              </a:rPr>
+              <a:t> .</a:t>
+            </a:r>
+          </a:p>
+          <a:p>
+            <a:pPr>
+              <a:spcAft>
+                <a:spcPts val="0"/>
+              </a:spcAft>
+            </a:pPr>
+            <a:r>
+              <a:rPr lang="en-US" sz="1000" dirty="0">
+                <a:latin typeface="Courier" pitchFamily="2" charset="0"/>
+                <a:ea typeface="Courier" charset="0"/>
+                <a:cs typeface="Courier" charset="0"/>
+              </a:rPr>
+              <a:t>.  Protocol = UDP                                               .</a:t>
+            </a:r>
+          </a:p>
+          <a:p>
+            <a:pPr>
+              <a:spcAft>
+                <a:spcPts val="0"/>
+              </a:spcAft>
+            </a:pPr>
+            <a:r>
+              <a:rPr lang="en-US" sz="1000" dirty="0">
+                <a:latin typeface="Courier" pitchFamily="2" charset="0"/>
+                <a:ea typeface="Courier" charset="0"/>
+                <a:cs typeface="Courier" charset="0"/>
+              </a:rPr>
+              <a:t>.                                                               .</a:t>
+            </a:r>
+          </a:p>
+          <a:p>
+            <a:pPr>
+              <a:spcAft>
+                <a:spcPts val="0"/>
+              </a:spcAft>
+            </a:pPr>
+            <a:r>
+              <a:rPr lang="en-US" sz="1000" dirty="0">
+                <a:latin typeface="Courier" pitchFamily="2" charset="0"/>
+                <a:ea typeface="Courier" charset="0"/>
+                <a:cs typeface="Courier" charset="0"/>
+              </a:rPr>
+              <a:t>+---------------------------------------------------------------+</a:t>
+            </a:r>
+          </a:p>
+          <a:p>
+            <a:pPr>
+              <a:spcAft>
+                <a:spcPts val="0"/>
+              </a:spcAft>
+            </a:pPr>
+            <a:r>
+              <a:rPr lang="en-US" sz="1000" dirty="0">
+                <a:latin typeface="Courier" pitchFamily="2" charset="0"/>
+                <a:ea typeface="Courier" charset="0"/>
+                <a:cs typeface="Courier" charset="0"/>
+              </a:rPr>
+              <a:t>| UDP Header                                                    |</a:t>
+            </a:r>
+          </a:p>
+          <a:p>
+            <a:pPr>
+              <a:spcAft>
+                <a:spcPts val="0"/>
+              </a:spcAft>
+            </a:pPr>
+            <a:r>
+              <a:rPr lang="en-US" sz="1000" dirty="0">
+                <a:latin typeface="Courier" pitchFamily="2" charset="0"/>
+                <a:ea typeface="Courier" charset="0"/>
+                <a:cs typeface="Courier" charset="0"/>
+              </a:rPr>
+              <a:t>.  Source Port = As chosen by Session-Sender                    .</a:t>
+            </a:r>
+          </a:p>
+          <a:p>
+            <a:pPr>
+              <a:spcAft>
+                <a:spcPts val="0"/>
+              </a:spcAft>
+            </a:pPr>
+            <a:r>
+              <a:rPr lang="en-US" sz="1000" dirty="0">
+                <a:latin typeface="Courier" pitchFamily="2" charset="0"/>
+                <a:ea typeface="Courier" charset="0"/>
+                <a:cs typeface="Courier" charset="0"/>
+              </a:rPr>
+              <a:t>.  Destination Port = User-configured Port | 862                .</a:t>
+            </a:r>
+          </a:p>
+          <a:p>
+            <a:pPr>
+              <a:spcAft>
+                <a:spcPts val="0"/>
+              </a:spcAft>
+            </a:pPr>
+            <a:r>
+              <a:rPr lang="en-US" sz="1000" dirty="0">
+                <a:latin typeface="Courier" pitchFamily="2" charset="0"/>
+                <a:ea typeface="Courier" charset="0"/>
+                <a:cs typeface="Courier" charset="0"/>
+              </a:rPr>
+              <a:t>.                                                               .</a:t>
+            </a:r>
+          </a:p>
+          <a:p>
+            <a:pPr>
+              <a:spcAft>
+                <a:spcPts val="0"/>
+              </a:spcAft>
+            </a:pPr>
+            <a:r>
+              <a:rPr lang="en-US" sz="1000" dirty="0">
+                <a:latin typeface="Courier" pitchFamily="2" charset="0"/>
+                <a:ea typeface="Courier" charset="0"/>
+                <a:cs typeface="Courier" charset="0"/>
+              </a:rPr>
+              <a:t>+---------------------------------------------------------------+</a:t>
+            </a:r>
+          </a:p>
+          <a:p>
+            <a:pPr>
+              <a:spcAft>
+                <a:spcPts val="0"/>
+              </a:spcAft>
+            </a:pPr>
+            <a:r>
+              <a:rPr lang="en-US" sz="1000" dirty="0">
+                <a:latin typeface="Courier" pitchFamily="2" charset="0"/>
+                <a:ea typeface="Courier" charset="0"/>
+                <a:cs typeface="Courier" charset="0"/>
+              </a:rPr>
+              <a:t>| Payload = </a:t>
+            </a:r>
+            <a:r>
+              <a:rPr lang="en-CA" sz="1000" dirty="0">
+                <a:latin typeface="Courier" pitchFamily="2" charset="0"/>
+              </a:rPr>
+              <a:t>Test Packet specified in Section 4.2 of RFC 8762</a:t>
+            </a:r>
+            <a:r>
+              <a:rPr lang="en-US" sz="1000" dirty="0">
+                <a:latin typeface="Courier" pitchFamily="2" charset="0"/>
+              </a:rPr>
+              <a:t>    </a:t>
+            </a:r>
+            <a:r>
+              <a:rPr lang="en-US" sz="1000" dirty="0">
+                <a:latin typeface="Courier" pitchFamily="2" charset="0"/>
+                <a:ea typeface="Courier" charset="0"/>
+                <a:cs typeface="Courier" charset="0"/>
+              </a:rPr>
+              <a:t>|</a:t>
+            </a:r>
+          </a:p>
+          <a:p>
+            <a:pPr>
+              <a:spcAft>
+                <a:spcPts val="0"/>
+              </a:spcAft>
+            </a:pPr>
+            <a:r>
+              <a:rPr lang="en-US" sz="1000" dirty="0">
+                <a:latin typeface="Courier" pitchFamily="2" charset="0"/>
+                <a:ea typeface="Courier" charset="0"/>
+                <a:cs typeface="Courier" charset="0"/>
+              </a:rPr>
+              <a:t>.                                                               .</a:t>
+            </a:r>
+          </a:p>
+          <a:p>
+            <a:pPr>
+              <a:spcAft>
+                <a:spcPts val="0"/>
+              </a:spcAft>
+            </a:pPr>
+            <a:r>
+              <a:rPr lang="en-US" sz="1000" dirty="0">
+                <a:latin typeface="Courier" pitchFamily="2" charset="0"/>
+                <a:ea typeface="Courier" charset="0"/>
+                <a:cs typeface="Courier" charset="0"/>
+              </a:rPr>
+              <a:t>+---------------------------------------------------------------+</a:t>
+            </a:r>
+          </a:p>
+          <a:p>
+            <a:pPr>
+              <a:spcAft>
+                <a:spcPts val="0"/>
+              </a:spcAft>
+            </a:pPr>
+            <a:endParaRPr lang="en-US" sz="1000" dirty="0">
+              <a:latin typeface="Courier" pitchFamily="2" charset="0"/>
+              <a:ea typeface="Courier" charset="0"/>
+              <a:cs typeface="Courier" charset="0"/>
+            </a:endParaRPr>
+          </a:p>
+          <a:p>
+            <a:pPr>
+              <a:spcAft>
+                <a:spcPts val="0"/>
+              </a:spcAft>
+            </a:pPr>
+            <a:r>
+              <a:rPr lang="en-CA" sz="1000" dirty="0">
+                <a:latin typeface="Courier" pitchFamily="2" charset="0"/>
+                <a:ea typeface="Courier" charset="0"/>
+                <a:cs typeface="Courier" charset="0"/>
+              </a:rPr>
+              <a:t>          Figure 1: Session-Sender Test Packet for links</a:t>
+            </a:r>
+            <a:endParaRPr lang="en-US" sz="1000" dirty="0">
+              <a:latin typeface="Courier" pitchFamily="2" charset="0"/>
+              <a:ea typeface="Courier" charset="0"/>
+              <a:cs typeface="Courier" charset="0"/>
+            </a:endParaRPr>
+          </a:p>
+        </p:txBody>
+      </p:sp>
+      <p:sp>
+        <p:nvSpPr>
+          <p:cNvPr id="3" name="Slide Number Placeholder 2"/>
+          <p:cNvSpPr>
+            <a:spLocks noGrp="1"/>
+          </p:cNvSpPr>
+          <p:nvPr>
+            <p:ph type="sldNum" sz="quarter" idx="12"/>
+          </p:nvPr>
+        </p:nvSpPr>
+        <p:spPr/>
+        <p:txBody>
+          <a:bodyPr/>
+          <a:lstStyle/>
+          <a:p>
+            <a:pPr>
+              <a:defRPr/>
+            </a:pPr>
+            <a:fld id="{BD6E0F59-1DD8-40FC-9C92-B6295CBA6CCA}" type="slidenum">
+              <a:rPr lang="en-US" altLang="zh-CN" smtClean="0"/>
+              <a:pPr>
+                <a:defRPr/>
+              </a:pPr>
+              <a:t>6</a:t>
+            </a:fld>
+            <a:endParaRPr lang="en-US" altLang="zh-CN"/>
+          </a:p>
+        </p:txBody>
+      </p:sp>
+    </p:spTree>
+    <p:extLst>
+      <p:ext uri="{BB962C8B-B14F-4D97-AF65-F5344CB8AC3E}">
+        <p14:creationId xmlns:p14="http://schemas.microsoft.com/office/powerpoint/2010/main" val="2481930979"/>
+      </p:ext>
+    </p:extLst>
+  </p:cSld>
+  <p:clrMapOvr>
+    <a:masterClrMapping/>
+  </p:clrMapOvr>
+</p:sld>
+</file>
+
+<file path=ppt/slides/slide7.xml><?xml version="1.0" encoding="utf-8"?>
+<p:sld xmlns:a="http://schemas.openxmlformats.org/drawingml/2006/main" xmlns:r="http://schemas.openxmlformats.org/officeDocument/2006/relationships" xmlns:p="http://schemas.openxmlformats.org/presentationml/2006/main">
+  <p:cSld>
+    <p:spTree>
+      <p:nvGrpSpPr>
+        <p:cNvPr id="1" name=""/>
+        <p:cNvGrpSpPr/>
+        <p:nvPr/>
+      </p:nvGrpSpPr>
+      <p:grpSpPr>
+        <a:xfrm>
+          <a:off x="0" y="0"/>
+          <a:ext cx="0" cy="0"/>
+          <a:chOff x="0" y="0"/>
+          <a:chExt cx="0" cy="0"/>
+        </a:xfrm>
+      </p:grpSpPr>
+      <p:sp>
+        <p:nvSpPr>
+          <p:cNvPr id="2" name="Title 1"/>
+          <p:cNvSpPr>
+            <a:spLocks noGrp="1"/>
+          </p:cNvSpPr>
+          <p:nvPr>
+            <p:ph type="title"/>
+          </p:nvPr>
+        </p:nvSpPr>
+        <p:spPr>
+          <a:xfrm>
             <a:off x="228600" y="117739"/>
             <a:ext cx="4478154" cy="845539"/>
           </a:xfrm>
@@ -7796,8 +8528,8 @@
         </p:nvSpPr>
         <p:spPr bwMode="auto">
           <a:xfrm>
-            <a:off x="304800" y="1047750"/>
-            <a:ext cx="4478154" cy="3743066"/>
+            <a:off x="304800" y="1276350"/>
+            <a:ext cx="4478154" cy="3514466"/>
           </a:xfrm>
           <a:prstGeom prst="rect">
             <a:avLst/>
@@ -8075,7 +8807,7 @@
               <a:pPr>
                 <a:defRPr/>
               </a:pPr>
-              <a:t>6</a:t>
+              <a:t>7</a:t>
             </a:fld>
             <a:endParaRPr lang="en-US" altLang="zh-CN"/>
           </a:p>
@@ -8493,7 +9225,7 @@
 </p:sld>
 </file>
 
-<file path=ppt/slides/slide7.xml><?xml version="1.0" encoding="utf-8"?>
+<file path=ppt/slides/slide8.xml><?xml version="1.0" encoding="utf-8"?>
 <p:sld xmlns:a="http://schemas.openxmlformats.org/drawingml/2006/main" xmlns:r="http://schemas.openxmlformats.org/officeDocument/2006/relationships" xmlns:p="http://schemas.openxmlformats.org/presentationml/2006/main">
   <p:cSld>
     <p:spTree>
@@ -8996,7 +9728,7 @@
               <a:pPr>
                 <a:defRPr/>
               </a:pPr>
-              <a:t>7</a:t>
+              <a:t>8</a:t>
             </a:fld>
             <a:endParaRPr lang="en-US" altLang="zh-CN"/>
           </a:p>
@@ -9006,390 +9738,6 @@
     <p:extLst>
       <p:ext uri="{BB962C8B-B14F-4D97-AF65-F5344CB8AC3E}">
         <p14:creationId xmlns:p14="http://schemas.microsoft.com/office/powerpoint/2010/main" val="686235019"/>
-      </p:ext>
-    </p:extLst>
-  </p:cSld>
-  <p:clrMapOvr>
-    <a:masterClrMapping/>
-  </p:clrMapOvr>
-</p:sld>
-</file>
-
-<file path=ppt/slides/slide8.xml><?xml version="1.0" encoding="utf-8"?>
-<p:sld xmlns:a="http://schemas.openxmlformats.org/drawingml/2006/main" xmlns:r="http://schemas.openxmlformats.org/officeDocument/2006/relationships" xmlns:p="http://schemas.openxmlformats.org/presentationml/2006/main">
-  <p:cSld>
-    <p:spTree>
-      <p:nvGrpSpPr>
-        <p:cNvPr id="1" name=""/>
-        <p:cNvGrpSpPr/>
-        <p:nvPr/>
-      </p:nvGrpSpPr>
-      <p:grpSpPr>
-        <a:xfrm>
-          <a:off x="0" y="0"/>
-          <a:ext cx="0" cy="0"/>
-          <a:chOff x="0" y="0"/>
-          <a:chExt cx="0" cy="0"/>
-        </a:xfrm>
-      </p:grpSpPr>
-      <p:sp>
-        <p:nvSpPr>
-          <p:cNvPr id="2" name="Title 1"/>
-          <p:cNvSpPr>
-            <a:spLocks noGrp="1"/>
-          </p:cNvSpPr>
-          <p:nvPr>
-            <p:ph type="title"/>
-          </p:nvPr>
-        </p:nvSpPr>
-        <p:spPr>
-          <a:xfrm>
-            <a:off x="457200" y="0"/>
-            <a:ext cx="8229600" cy="857250"/>
-          </a:xfrm>
-        </p:spPr>
-        <p:txBody>
-          <a:bodyPr/>
-          <a:lstStyle/>
-          <a:p>
-            <a:r>
-              <a:rPr lang="en-US" sz="3200" dirty="0">
-                <a:solidFill>
-                  <a:srgbClr val="0070C0"/>
-                </a:solidFill>
-                <a:latin typeface="Calibri Light" panose="020F0302020204030204" pitchFamily="34" charset="0"/>
-                <a:cs typeface="Calibri Light" panose="020F0302020204030204" pitchFamily="34" charset="0"/>
-              </a:rPr>
-              <a:t>  STAMP Session-Reflector Test Packet</a:t>
-            </a:r>
-          </a:p>
-        </p:txBody>
-      </p:sp>
-      <p:sp>
-        <p:nvSpPr>
-          <p:cNvPr id="3" name="Content Placeholder 2"/>
-          <p:cNvSpPr>
-            <a:spLocks noGrp="1"/>
-          </p:cNvSpPr>
-          <p:nvPr>
-            <p:ph idx="1"/>
-          </p:nvPr>
-        </p:nvSpPr>
-        <p:spPr>
-          <a:xfrm>
-            <a:off x="304800" y="857250"/>
-            <a:ext cx="8686800" cy="607159"/>
-          </a:xfrm>
-        </p:spPr>
-        <p:txBody>
-          <a:bodyPr/>
-          <a:lstStyle/>
-          <a:p>
-            <a:r>
-              <a:rPr lang="en-US" sz="1600" dirty="0"/>
-              <a:t>The STAMP reply test packet is sent using the IP/UDP information from the received test packet. </a:t>
-            </a:r>
-          </a:p>
-          <a:p>
-            <a:pPr marL="0" indent="0">
-              <a:buNone/>
-            </a:pPr>
-            <a:endParaRPr lang="en-US" sz="1600" dirty="0">
-              <a:solidFill>
-                <a:srgbClr val="0070C0"/>
-              </a:solidFill>
-            </a:endParaRPr>
-          </a:p>
-        </p:txBody>
-      </p:sp>
-      <p:sp>
-        <p:nvSpPr>
-          <p:cNvPr id="4" name="Footer Placeholder 3"/>
-          <p:cNvSpPr>
-            <a:spLocks noGrp="1"/>
-          </p:cNvSpPr>
-          <p:nvPr>
-            <p:ph type="ftr" sz="quarter" idx="11"/>
-          </p:nvPr>
-        </p:nvSpPr>
-        <p:spPr>
-          <a:xfrm>
-            <a:off x="3124200" y="4786312"/>
-            <a:ext cx="2895600" cy="357188"/>
-          </a:xfrm>
-        </p:spPr>
-        <p:txBody>
-          <a:bodyPr/>
-          <a:lstStyle/>
-          <a:p>
-            <a:r>
-              <a:rPr lang="en-CA" dirty="0"/>
-              <a:t>110</a:t>
-            </a:r>
-            <a:r>
-              <a:rPr lang="en-CA" baseline="30000" dirty="0"/>
-              <a:t>th</a:t>
-            </a:r>
-            <a:r>
-              <a:rPr lang="en-CA" dirty="0"/>
-              <a:t> IETF Online</a:t>
-            </a:r>
-          </a:p>
-        </p:txBody>
-      </p:sp>
-      <p:sp>
-        <p:nvSpPr>
-          <p:cNvPr id="5" name="Rectangle 4"/>
-          <p:cNvSpPr/>
-          <p:nvPr/>
-        </p:nvSpPr>
-        <p:spPr>
-          <a:xfrm>
-            <a:off x="1828800" y="1454068"/>
-            <a:ext cx="5257800" cy="2862322"/>
-          </a:xfrm>
-          <a:prstGeom prst="rect">
-            <a:avLst/>
-          </a:prstGeom>
-          <a:solidFill>
-            <a:schemeClr val="accent6">
-              <a:lumMod val="20000"/>
-              <a:lumOff val="80000"/>
-            </a:schemeClr>
-          </a:solidFill>
-        </p:spPr>
-        <p:txBody>
-          <a:bodyPr wrap="square">
-            <a:spAutoFit/>
-          </a:bodyPr>
-          <a:lstStyle/>
-          <a:p>
-            <a:r>
-              <a:rPr lang="en-CA" sz="1000" dirty="0">
-                <a:latin typeface="Courier" pitchFamily="2" charset="0"/>
-                <a:cs typeface="Courier New" panose="02070309020205020404" pitchFamily="49" charset="0"/>
-              </a:rPr>
-              <a:t>+---------------------------------------------------------------+</a:t>
-            </a:r>
-          </a:p>
-          <a:p>
-            <a:r>
-              <a:rPr lang="en-CA" sz="1000" dirty="0">
-                <a:latin typeface="Courier" pitchFamily="2" charset="0"/>
-                <a:cs typeface="Courier New" panose="02070309020205020404" pitchFamily="49" charset="0"/>
-              </a:rPr>
-              <a:t>| IP Header                                                     |</a:t>
-            </a:r>
-          </a:p>
-          <a:p>
-            <a:r>
-              <a:rPr lang="en-CA" sz="1000" dirty="0">
-                <a:latin typeface="Courier" pitchFamily="2" charset="0"/>
-                <a:cs typeface="Courier New" panose="02070309020205020404" pitchFamily="49" charset="0"/>
-              </a:rPr>
-              <a:t>.  Source IP Address = Session-Reflector IPv4 or IPv6 Address   .</a:t>
-            </a:r>
-          </a:p>
-          <a:p>
-            <a:r>
-              <a:rPr lang="en-CA" sz="1000" dirty="0">
-                <a:latin typeface="Courier" pitchFamily="2" charset="0"/>
-                <a:cs typeface="Courier New" panose="02070309020205020404" pitchFamily="49" charset="0"/>
-              </a:rPr>
-              <a:t>.  Destination IP Address =                                     .</a:t>
-            </a:r>
-          </a:p>
-          <a:p>
-            <a:r>
-              <a:rPr lang="en-CA" sz="1000" dirty="0">
-                <a:latin typeface="Courier" pitchFamily="2" charset="0"/>
-                <a:cs typeface="Courier New" panose="02070309020205020404" pitchFamily="49" charset="0"/>
-              </a:rPr>
-              <a:t>.             Source IP Address from Received Test Packet       .</a:t>
-            </a:r>
-          </a:p>
-          <a:p>
-            <a:r>
-              <a:rPr lang="en-CA" sz="1000" dirty="0">
-                <a:latin typeface="Courier" pitchFamily="2" charset="0"/>
-                <a:cs typeface="Courier New" panose="02070309020205020404" pitchFamily="49" charset="0"/>
-              </a:rPr>
-              <a:t>.  Protocol = UDP                                               .</a:t>
-            </a:r>
-          </a:p>
-          <a:p>
-            <a:r>
-              <a:rPr lang="en-CA" sz="1000" dirty="0">
-                <a:latin typeface="Courier" pitchFamily="2" charset="0"/>
-                <a:cs typeface="Courier New" panose="02070309020205020404" pitchFamily="49" charset="0"/>
-              </a:rPr>
-              <a:t>.                                                               .</a:t>
-            </a:r>
-          </a:p>
-          <a:p>
-            <a:r>
-              <a:rPr lang="en-CA" sz="1000" dirty="0">
-                <a:latin typeface="Courier" pitchFamily="2" charset="0"/>
-                <a:cs typeface="Courier New" panose="02070309020205020404" pitchFamily="49" charset="0"/>
-              </a:rPr>
-              <a:t>+---------------------------------------------------------------+</a:t>
-            </a:r>
-          </a:p>
-          <a:p>
-            <a:r>
-              <a:rPr lang="en-CA" sz="1000" dirty="0">
-                <a:latin typeface="Courier" pitchFamily="2" charset="0"/>
-                <a:cs typeface="Courier New" panose="02070309020205020404" pitchFamily="49" charset="0"/>
-              </a:rPr>
-              <a:t>| UDP Header                                                    |</a:t>
-            </a:r>
-          </a:p>
-          <a:p>
-            <a:r>
-              <a:rPr lang="en-CA" sz="1000" dirty="0">
-                <a:latin typeface="Courier" pitchFamily="2" charset="0"/>
-                <a:cs typeface="Courier New" panose="02070309020205020404" pitchFamily="49" charset="0"/>
-              </a:rPr>
-              <a:t>.  Source Port = As chosen by Session-Reflector                 .</a:t>
-            </a:r>
-          </a:p>
-          <a:p>
-            <a:r>
-              <a:rPr lang="en-CA" sz="1000" dirty="0">
-                <a:latin typeface="Courier" pitchFamily="2" charset="0"/>
-                <a:cs typeface="Courier New" panose="02070309020205020404" pitchFamily="49" charset="0"/>
-              </a:rPr>
-              <a:t>.  Destination Port = Source Port from Received Test Packet     .</a:t>
-            </a:r>
-          </a:p>
-          <a:p>
-            <a:r>
-              <a:rPr lang="en-CA" sz="1000" dirty="0">
-                <a:latin typeface="Courier" pitchFamily="2" charset="0"/>
-                <a:cs typeface="Courier New" panose="02070309020205020404" pitchFamily="49" charset="0"/>
-              </a:rPr>
-              <a:t>.                                                               .</a:t>
-            </a:r>
-          </a:p>
-          <a:p>
-            <a:r>
-              <a:rPr lang="en-CA" sz="1000" dirty="0">
-                <a:latin typeface="Courier" pitchFamily="2" charset="0"/>
-                <a:cs typeface="Courier New" panose="02070309020205020404" pitchFamily="49" charset="0"/>
-              </a:rPr>
-              <a:t>+---------------------------------------------------------------+</a:t>
-            </a:r>
-          </a:p>
-          <a:p>
-            <a:r>
-              <a:rPr lang="en-US" sz="1000" dirty="0">
-                <a:latin typeface="Courier" pitchFamily="2" charset="0"/>
-                <a:ea typeface="Courier" charset="0"/>
-                <a:cs typeface="Courier" charset="0"/>
-              </a:rPr>
-              <a:t>| Payload = </a:t>
-            </a:r>
-            <a:r>
-              <a:rPr lang="en-CA" sz="1000" dirty="0">
-                <a:latin typeface="Courier" pitchFamily="2" charset="0"/>
-              </a:rPr>
-              <a:t>Test Packet specified in Section 4.3 of RFC 8762</a:t>
-            </a:r>
-            <a:r>
-              <a:rPr lang="en-US" sz="1000" dirty="0">
-                <a:latin typeface="Courier" pitchFamily="2" charset="0"/>
-              </a:rPr>
-              <a:t>    </a:t>
-            </a:r>
-            <a:r>
-              <a:rPr lang="en-US" sz="1000" dirty="0">
-                <a:latin typeface="Courier" pitchFamily="2" charset="0"/>
-                <a:ea typeface="Courier" charset="0"/>
-                <a:cs typeface="Courier" charset="0"/>
-              </a:rPr>
-              <a:t>|</a:t>
-            </a:r>
-            <a:endParaRPr lang="en-CA" sz="1000" dirty="0">
-              <a:latin typeface="Courier" pitchFamily="2" charset="0"/>
-              <a:cs typeface="Courier New" panose="02070309020205020404" pitchFamily="49" charset="0"/>
-            </a:endParaRPr>
-          </a:p>
-          <a:p>
-            <a:r>
-              <a:rPr lang="en-CA" sz="1000" dirty="0">
-                <a:latin typeface="Courier" pitchFamily="2" charset="0"/>
-                <a:cs typeface="Courier New" panose="02070309020205020404" pitchFamily="49" charset="0"/>
-              </a:rPr>
-              <a:t>.                                                               .</a:t>
-            </a:r>
-          </a:p>
-          <a:p>
-            <a:r>
-              <a:rPr lang="en-CA" sz="1000" dirty="0">
-                <a:latin typeface="Courier" pitchFamily="2" charset="0"/>
-                <a:cs typeface="Courier New" panose="02070309020205020404" pitchFamily="49" charset="0"/>
-              </a:rPr>
-              <a:t>+---------------------------------------------------------------+</a:t>
-            </a:r>
-          </a:p>
-          <a:p>
-            <a:r>
-              <a:rPr lang="en-CA" sz="1000" dirty="0">
-                <a:latin typeface="Courier" pitchFamily="2" charset="0"/>
-                <a:cs typeface="Courier New" panose="02070309020205020404" pitchFamily="49" charset="0"/>
-              </a:rPr>
-              <a:t> </a:t>
-            </a:r>
-          </a:p>
-          <a:p>
-            <a:r>
-              <a:rPr lang="en-CA" sz="1000" dirty="0">
-                <a:latin typeface="Courier" pitchFamily="2" charset="0"/>
-                <a:cs typeface="Courier New" panose="02070309020205020404" pitchFamily="49" charset="0"/>
-              </a:rPr>
-              <a:t>            Figure 5: STAMP Session-Reflector Test Packet</a:t>
-            </a:r>
-            <a:endParaRPr lang="en-US" sz="1000" dirty="0">
-              <a:latin typeface="Courier" pitchFamily="2" charset="0"/>
-              <a:ea typeface="Courier" charset="0"/>
-              <a:cs typeface="Courier New" panose="02070309020205020404" pitchFamily="49" charset="0"/>
-            </a:endParaRPr>
-          </a:p>
-        </p:txBody>
-      </p:sp>
-      <p:sp>
-        <p:nvSpPr>
-          <p:cNvPr id="6" name="Slide Number Placeholder 5"/>
-          <p:cNvSpPr>
-            <a:spLocks noGrp="1"/>
-          </p:cNvSpPr>
-          <p:nvPr>
-            <p:ph type="sldNum" sz="quarter" idx="12"/>
-          </p:nvPr>
-        </p:nvSpPr>
-        <p:spPr/>
-        <p:txBody>
-          <a:bodyPr/>
-          <a:lstStyle/>
-          <a:p>
-            <a:pPr>
-              <a:defRPr/>
-            </a:pPr>
-            <a:fld id="{BD6E0F59-1DD8-40FC-9C92-B6295CBA6CCA}" type="slidenum">
-              <a:rPr lang="en-US" altLang="zh-CN" smtClean="0"/>
-              <a:pPr>
-                <a:defRPr/>
-              </a:pPr>
-              <a:t>8</a:t>
-            </a:fld>
-            <a:endParaRPr lang="en-US" altLang="zh-CN"/>
-          </a:p>
-        </p:txBody>
-      </p:sp>
-    </p:spTree>
-    <p:extLst>
-      <p:ext uri="{BB962C8B-B14F-4D97-AF65-F5344CB8AC3E}">
-        <p14:creationId xmlns:p14="http://schemas.microsoft.com/office/powerpoint/2010/main" val="1694318788"/>
       </p:ext>
     </p:extLst>
   </p:cSld>
@@ -9437,31 +9785,68 @@
           <a:lstStyle/>
           <a:p>
             <a:r>
-              <a:rPr lang="en-US" sz="3600" dirty="0">
+              <a:rPr lang="en-US" sz="3200" dirty="0">
                 <a:solidFill>
                   <a:srgbClr val="0070C0"/>
                 </a:solidFill>
                 <a:latin typeface="Calibri Light" panose="020F0302020204030204" pitchFamily="34" charset="0"/>
                 <a:cs typeface="Calibri Light" panose="020F0302020204030204" pitchFamily="34" charset="0"/>
               </a:rPr>
-              <a:t>Performance Measurement Modes</a:t>
-            </a:r>
-          </a:p>
-        </p:txBody>
-      </p:sp>
-      <p:sp>
-        <p:nvSpPr>
-          <p:cNvPr id="4" name="Footer Placeholder 3"/>
+              <a:t>  STAMP Session-Reflector Test Packet</a:t>
+            </a:r>
+          </a:p>
+        </p:txBody>
+      </p:sp>
+      <p:sp>
+        <p:nvSpPr>
+          <p:cNvPr id="3" name="Content Placeholder 2"/>
           <p:cNvSpPr>
             <a:spLocks noGrp="1"/>
           </p:cNvSpPr>
           <p:nvPr>
-            <p:ph type="ftr" sz="quarter" idx="11"/>
+            <p:ph idx="1"/>
           </p:nvPr>
         </p:nvSpPr>
         <p:spPr>
           <a:xfrm>
-            <a:off x="3124200" y="4800151"/>
+            <a:off x="304800" y="857250"/>
+            <a:ext cx="8686800" cy="607159"/>
+          </a:xfrm>
+        </p:spPr>
+        <p:txBody>
+          <a:bodyPr/>
+          <a:lstStyle/>
+          <a:p>
+            <a:r>
+              <a:rPr lang="en-US" sz="1600" dirty="0"/>
+              <a:t>The STAMP reply test packet is sent using the IP/UDP information from the received test packet. </a:t>
+            </a:r>
+          </a:p>
+          <a:p>
+            <a:pPr marL="0" indent="0">
+              <a:buNone/>
+            </a:pPr>
+            <a:endParaRPr lang="en-US" sz="1600" dirty="0">
+              <a:solidFill>
+                <a:srgbClr val="0070C0"/>
+              </a:solidFill>
+            </a:endParaRPr>
+          </a:p>
+        </p:txBody>
+      </p:sp>
+      <p:sp>
+        <p:nvSpPr>
+          <p:cNvPr id="4" name="Footer Placeholder 3"/>
+          <p:cNvSpPr>
+            <a:spLocks noGrp="1"/>
+          </p:cNvSpPr>
+          <p:nvPr>
+            <p:ph type="ftr" sz="quarter" idx="11"/>
+          </p:nvPr>
+        </p:nvSpPr>
+        <p:spPr>
+          <a:xfrm>
+            <a:off x="3124200" y="4786312"/>
             <a:ext cx="2895600" cy="357188"/>
           </a:xfrm>
         </p:spPr>
@@ -9486,152 +9871,227 @@
       </p:sp>
       <p:sp>
         <p:nvSpPr>
-          <p:cNvPr id="6" name="Content Placeholder 2"/>
-          <p:cNvSpPr>
-            <a:spLocks noGrp="1"/>
-          </p:cNvSpPr>
-          <p:nvPr>
-            <p:ph idx="1"/>
-          </p:nvPr>
+          <p:cNvPr id="5" name="Rectangle 4"/>
+          <p:cNvSpPr/>
+          <p:nvPr/>
         </p:nvSpPr>
         <p:spPr>
           <a:xfrm>
-            <a:off x="457200" y="1009650"/>
-            <a:ext cx="8319052" cy="3390900"/>
+            <a:off x="1828800" y="1454068"/>
+            <a:ext cx="5257800" cy="2862322"/>
           </a:xfrm>
+          <a:prstGeom prst="rect">
+            <a:avLst/>
+          </a:prstGeom>
+          <a:solidFill>
+            <a:schemeClr val="accent6">
+              <a:lumMod val="20000"/>
+              <a:lumOff val="80000"/>
+            </a:schemeClr>
+          </a:solidFill>
         </p:spPr>
         <p:txBody>
-          <a:bodyPr/>
+          <a:bodyPr wrap="square">
+            <a:spAutoFit/>
+          </a:bodyPr>
           <a:lstStyle/>
           <a:p>
-            <a:pPr>
-              <a:lnSpc>
-                <a:spcPts val="2360"/>
-              </a:lnSpc>
-              <a:spcBef>
-                <a:spcPts val="600"/>
-              </a:spcBef>
-            </a:pPr>
-            <a:r>
-              <a:rPr lang="en-US" sz="1600" dirty="0"/>
-              <a:t>One-way Delay Measurement Mode</a:t>
-            </a:r>
-          </a:p>
-          <a:p>
-            <a:pPr lvl="1">
-              <a:lnSpc>
-                <a:spcPts val="2360"/>
-              </a:lnSpc>
-              <a:spcBef>
-                <a:spcPts val="600"/>
-              </a:spcBef>
-            </a:pPr>
-            <a:r>
-              <a:rPr lang="en-US" sz="1600" dirty="0"/>
-              <a:t>Existing (default) behavior</a:t>
-            </a:r>
-          </a:p>
-          <a:p>
-            <a:pPr>
-              <a:lnSpc>
-                <a:spcPts val="2360"/>
-              </a:lnSpc>
-              <a:spcBef>
-                <a:spcPts val="600"/>
-              </a:spcBef>
-            </a:pPr>
-            <a:r>
-              <a:rPr lang="en-US" sz="1600" dirty="0"/>
-              <a:t>Two-way Delay Measurement Mode</a:t>
-            </a:r>
-          </a:p>
-          <a:p>
-            <a:pPr lvl="1">
-              <a:lnSpc>
-                <a:spcPts val="2360"/>
-              </a:lnSpc>
-              <a:spcBef>
-                <a:spcPts val="600"/>
-              </a:spcBef>
-            </a:pPr>
-            <a:r>
-              <a:rPr lang="en-US" sz="1600" dirty="0"/>
-              <a:t>STAMP Session-Reflector test packet sent “in-band” on reverse path</a:t>
-            </a:r>
-          </a:p>
-          <a:p>
-            <a:pPr lvl="1"/>
-            <a:r>
-              <a:rPr lang="en-US" sz="1600" dirty="0">
-                <a:solidFill>
-                  <a:srgbClr val="0070C0"/>
-                </a:solidFill>
-              </a:rPr>
-              <a:t>Link: Use Control Code Sub-TLV in the Return Path TLV from the received test packet.</a:t>
-            </a:r>
-          </a:p>
-          <a:p>
-            <a:pPr lvl="1"/>
-            <a:r>
-              <a:rPr lang="en-US" sz="1600" dirty="0">
-                <a:solidFill>
-                  <a:srgbClr val="0070C0"/>
-                </a:solidFill>
-              </a:rPr>
-              <a:t>E2E SR path: Use Segment List Sub-TLV in the Return Path TLV from the received test packet.</a:t>
-            </a:r>
-          </a:p>
-          <a:p>
-            <a:pPr>
-              <a:lnSpc>
-                <a:spcPts val="2360"/>
-              </a:lnSpc>
-              <a:spcBef>
-                <a:spcPts val="600"/>
-              </a:spcBef>
-            </a:pPr>
-            <a:r>
-              <a:rPr lang="en-US" sz="1600" dirty="0"/>
-              <a:t>Loopback Measurement Mode</a:t>
-            </a:r>
-          </a:p>
-          <a:p>
-            <a:pPr lvl="1">
-              <a:lnSpc>
-                <a:spcPts val="2360"/>
-              </a:lnSpc>
-              <a:spcBef>
-                <a:spcPts val="600"/>
-              </a:spcBef>
-            </a:pPr>
-            <a:r>
-              <a:rPr lang="en-US" sz="1600" dirty="0"/>
-              <a:t>  STAMP Session-Sender test packet carries the return path in the packet header</a:t>
-            </a:r>
-            <a:endParaRPr lang="en-US" sz="1600" b="1" dirty="0"/>
-          </a:p>
-          <a:p>
-            <a:pPr>
-              <a:lnSpc>
-                <a:spcPts val="2360"/>
-              </a:lnSpc>
-              <a:spcBef>
-                <a:spcPts val="600"/>
-              </a:spcBef>
-            </a:pPr>
-            <a:endParaRPr lang="en-US" sz="1600" dirty="0"/>
-          </a:p>
-        </p:txBody>
-      </p:sp>
-      <p:sp>
-        <p:nvSpPr>
-          <p:cNvPr id="5" name="Slide Number Placeholder 4">
-            <a:extLst>
-              <a:ext uri="{FF2B5EF4-FFF2-40B4-BE49-F238E27FC236}">
-                <a16:creationId xmlns:a16="http://schemas.microsoft.com/office/drawing/2014/main" id="{DB7171B5-76A8-7648-8775-D1C8FBA7C22C}"/>
-              </a:ext>
-            </a:extLst>
-          </p:cNvPr>
+            <a:r>
+              <a:rPr lang="en-CA" sz="1000" dirty="0">
+                <a:latin typeface="Courier" pitchFamily="2" charset="0"/>
+                <a:cs typeface="Courier New" panose="02070309020205020404" pitchFamily="49" charset="0"/>
+              </a:rPr>
+              <a:t>+---------------------------------------------------------------+</a:t>
+            </a:r>
+          </a:p>
+          <a:p>
+            <a:r>
+              <a:rPr lang="en-CA" sz="1000" dirty="0">
+                <a:latin typeface="Courier" pitchFamily="2" charset="0"/>
+                <a:cs typeface="Courier New" panose="02070309020205020404" pitchFamily="49" charset="0"/>
+              </a:rPr>
+              <a:t>| IP Header                                                     |</a:t>
+            </a:r>
+          </a:p>
+          <a:p>
+            <a:r>
+              <a:rPr lang="en-CA" sz="1000" dirty="0">
+                <a:latin typeface="Courier" pitchFamily="2" charset="0"/>
+                <a:cs typeface="Courier New" panose="02070309020205020404" pitchFamily="49" charset="0"/>
+              </a:rPr>
+              <a:t>.  Source IP Address = Session-Reflector IPv4 or IPv6 Address   .</a:t>
+            </a:r>
+          </a:p>
+          <a:p>
+            <a:r>
+              <a:rPr lang="en-CA" sz="1000" dirty="0">
+                <a:latin typeface="Courier" pitchFamily="2" charset="0"/>
+                <a:cs typeface="Courier New" panose="02070309020205020404" pitchFamily="49" charset="0"/>
+              </a:rPr>
+              <a:t>.  Destination IP Address =                                     .</a:t>
+            </a:r>
+          </a:p>
+          <a:p>
+            <a:r>
+              <a:rPr lang="en-CA" sz="1000" dirty="0">
+                <a:latin typeface="Courier" pitchFamily="2" charset="0"/>
+                <a:cs typeface="Courier New" panose="02070309020205020404" pitchFamily="49" charset="0"/>
+              </a:rPr>
+              <a:t>.             Source IP Address from Received Test Packet       .</a:t>
+            </a:r>
+          </a:p>
+          <a:p>
+            <a:r>
+              <a:rPr lang="en-CA" sz="1000" dirty="0">
+                <a:latin typeface="Courier" pitchFamily="2" charset="0"/>
+                <a:cs typeface="Courier New" panose="02070309020205020404" pitchFamily="49" charset="0"/>
+              </a:rPr>
+              <a:t>.  Protocol = UDP                                               .</a:t>
+            </a:r>
+          </a:p>
+          <a:p>
+            <a:r>
+              <a:rPr lang="en-CA" sz="1000" dirty="0">
+                <a:latin typeface="Courier" pitchFamily="2" charset="0"/>
+                <a:cs typeface="Courier New" panose="02070309020205020404" pitchFamily="49" charset="0"/>
+              </a:rPr>
+              <a:t>.                                                               .</a:t>
+            </a:r>
+          </a:p>
+          <a:p>
+            <a:r>
+              <a:rPr lang="en-CA" sz="1000" dirty="0">
+                <a:latin typeface="Courier" pitchFamily="2" charset="0"/>
+                <a:cs typeface="Courier New" panose="02070309020205020404" pitchFamily="49" charset="0"/>
+              </a:rPr>
+              <a:t>+---------------------------------------------------------------+</a:t>
+            </a:r>
+          </a:p>
+          <a:p>
+            <a:r>
+              <a:rPr lang="en-CA" sz="1000" dirty="0">
+                <a:latin typeface="Courier" pitchFamily="2" charset="0"/>
+                <a:cs typeface="Courier New" panose="02070309020205020404" pitchFamily="49" charset="0"/>
+              </a:rPr>
+              <a:t>| UDP Header                                                    |</a:t>
+            </a:r>
+          </a:p>
+          <a:p>
+            <a:r>
+              <a:rPr lang="en-CA" sz="1000" dirty="0">
+                <a:latin typeface="Courier" pitchFamily="2" charset="0"/>
+                <a:cs typeface="Courier New" panose="02070309020205020404" pitchFamily="49" charset="0"/>
+              </a:rPr>
+              <a:t>.  Source Port = As chosen by Session-Reflector                 .</a:t>
+            </a:r>
+          </a:p>
+          <a:p>
+            <a:r>
+              <a:rPr lang="en-CA" sz="1000" dirty="0">
+                <a:latin typeface="Courier" pitchFamily="2" charset="0"/>
+                <a:cs typeface="Courier New" panose="02070309020205020404" pitchFamily="49" charset="0"/>
+              </a:rPr>
+              <a:t>.  Destination Port = Source Port from Received Test Packet     .</a:t>
+            </a:r>
+          </a:p>
+          <a:p>
+            <a:r>
+              <a:rPr lang="en-CA" sz="1000" dirty="0">
+                <a:latin typeface="Courier" pitchFamily="2" charset="0"/>
+                <a:cs typeface="Courier New" panose="02070309020205020404" pitchFamily="49" charset="0"/>
+              </a:rPr>
+              <a:t>.                                                               .</a:t>
+            </a:r>
+          </a:p>
+          <a:p>
+            <a:r>
+              <a:rPr lang="en-CA" sz="1000" dirty="0">
+                <a:latin typeface="Courier" pitchFamily="2" charset="0"/>
+                <a:cs typeface="Courier New" panose="02070309020205020404" pitchFamily="49" charset="0"/>
+              </a:rPr>
+              <a:t>+---------------------------------------------------------------+</a:t>
+            </a:r>
+          </a:p>
+          <a:p>
+            <a:r>
+              <a:rPr lang="en-US" sz="1000" dirty="0">
+                <a:latin typeface="Courier" pitchFamily="2" charset="0"/>
+                <a:ea typeface="Courier" charset="0"/>
+                <a:cs typeface="Courier" charset="0"/>
+              </a:rPr>
+              <a:t>| Payload = </a:t>
+            </a:r>
+            <a:r>
+              <a:rPr lang="en-CA" sz="1000" dirty="0">
+                <a:latin typeface="Courier" pitchFamily="2" charset="0"/>
+              </a:rPr>
+              <a:t>Test Packet specified in Section 4.3 of RFC 8762</a:t>
+            </a:r>
+            <a:r>
+              <a:rPr lang="en-US" sz="1000" dirty="0">
+                <a:latin typeface="Courier" pitchFamily="2" charset="0"/>
+              </a:rPr>
+              <a:t>    </a:t>
+            </a:r>
+            <a:r>
+              <a:rPr lang="en-US" sz="1000" dirty="0">
+                <a:latin typeface="Courier" pitchFamily="2" charset="0"/>
+                <a:ea typeface="Courier" charset="0"/>
+                <a:cs typeface="Courier" charset="0"/>
+              </a:rPr>
+              <a:t>|</a:t>
+            </a:r>
+            <a:endParaRPr lang="en-CA" sz="1000" dirty="0">
+              <a:latin typeface="Courier" pitchFamily="2" charset="0"/>
+              <a:cs typeface="Courier New" panose="02070309020205020404" pitchFamily="49" charset="0"/>
+            </a:endParaRPr>
+          </a:p>
+          <a:p>
+            <a:r>
+              <a:rPr lang="en-CA" sz="1000" dirty="0">
+                <a:latin typeface="Courier" pitchFamily="2" charset="0"/>
+                <a:cs typeface="Courier New" panose="02070309020205020404" pitchFamily="49" charset="0"/>
+              </a:rPr>
+              <a:t>.                                                               .</a:t>
+            </a:r>
+          </a:p>
+          <a:p>
+            <a:r>
+              <a:rPr lang="en-CA" sz="1000" dirty="0">
+                <a:latin typeface="Courier" pitchFamily="2" charset="0"/>
+                <a:cs typeface="Courier New" panose="02070309020205020404" pitchFamily="49" charset="0"/>
+              </a:rPr>
+              <a:t>+---------------------------------------------------------------+</a:t>
+            </a:r>
+          </a:p>
+          <a:p>
+            <a:r>
+              <a:rPr lang="en-CA" sz="1000" dirty="0">
+                <a:latin typeface="Courier" pitchFamily="2" charset="0"/>
+                <a:cs typeface="Courier New" panose="02070309020205020404" pitchFamily="49" charset="0"/>
+              </a:rPr>
+              <a:t> </a:t>
+            </a:r>
+          </a:p>
+          <a:p>
+            <a:r>
+              <a:rPr lang="en-CA" sz="1000" dirty="0">
+                <a:latin typeface="Courier" pitchFamily="2" charset="0"/>
+                <a:cs typeface="Courier New" panose="02070309020205020404" pitchFamily="49" charset="0"/>
+              </a:rPr>
+              <a:t>            Figure 5: STAMP Session-Reflector Test Packet</a:t>
+            </a:r>
+            <a:endParaRPr lang="en-US" sz="1000" dirty="0">
+              <a:latin typeface="Courier" pitchFamily="2" charset="0"/>
+              <a:ea typeface="Courier" charset="0"/>
+              <a:cs typeface="Courier New" panose="02070309020205020404" pitchFamily="49" charset="0"/>
+            </a:endParaRPr>
+          </a:p>
+        </p:txBody>
+      </p:sp>
+      <p:sp>
+        <p:nvSpPr>
+          <p:cNvPr id="6" name="Slide Number Placeholder 5"/>
           <p:cNvSpPr>
             <a:spLocks noGrp="1"/>
           </p:cNvSpPr>
@@ -9639,12 +10099,7 @@
             <p:ph type="sldNum" sz="quarter" idx="12"/>
           </p:nvPr>
         </p:nvSpPr>
-        <p:spPr>
-          <a:xfrm>
-            <a:off x="6553200" y="4705350"/>
-            <a:ext cx="2133600" cy="357188"/>
-          </a:xfrm>
-        </p:spPr>
+        <p:spPr/>
         <p:txBody>
           <a:bodyPr/>
           <a:lstStyle/>
@@ -9659,14 +10114,14 @@
               </a:pPr>
               <a:t>9</a:t>
             </a:fld>
-            <a:endParaRPr lang="en-US" altLang="zh-CN" dirty="0"/>
+            <a:endParaRPr lang="en-US" altLang="zh-CN"/>
           </a:p>
         </p:txBody>
       </p:sp>
     </p:spTree>
     <p:extLst>
       <p:ext uri="{BB962C8B-B14F-4D97-AF65-F5344CB8AC3E}">
-        <p14:creationId xmlns:p14="http://schemas.microsoft.com/office/powerpoint/2010/main" val="421663941"/>
+        <p14:creationId xmlns:p14="http://schemas.microsoft.com/office/powerpoint/2010/main" val="1694318788"/>
       </p:ext>
     </p:extLst>
   </p:cSld>

--- a/draft-gandhi-spring-stamp-srpm-05.pptx
+++ b/draft-gandhi-spring-stamp-srpm-05.pptx
@@ -7153,17 +7153,35 @@
         </p:nvSpPr>
         <p:spPr>
           <a:xfrm>
-            <a:off x="685800" y="1047751"/>
-            <a:ext cx="7848600" cy="3352800"/>
+            <a:off x="762000" y="895349"/>
+            <a:ext cx="7848600" cy="3788569"/>
           </a:xfrm>
         </p:spPr>
         <p:txBody>
           <a:bodyPr/>
           <a:lstStyle/>
           <a:p>
-            <a:pPr>
+            <a:pPr marL="0" indent="0">
               <a:lnSpc>
-                <a:spcPts val="2460"/>
+                <a:spcPts val="2100"/>
+              </a:lnSpc>
+              <a:spcBef>
+                <a:spcPts val="600"/>
+              </a:spcBef>
+              <a:spcAft>
+                <a:spcPts val="0"/>
+              </a:spcAft>
+              <a:buNone/>
+            </a:pPr>
+            <a:r>
+              <a:rPr lang="en-US" sz="1600" dirty="0"/>
+              <a:t>Updates:</a:t>
+            </a:r>
+          </a:p>
+          <a:p>
+            <a:pPr lvl="1">
+              <a:lnSpc>
+                <a:spcPts val="2100"/>
               </a:lnSpc>
               <a:spcBef>
                 <a:spcPts val="600"/>
@@ -7175,11 +7193,11 @@
               <a:buChar char="ü"/>
             </a:pPr>
             <a:r>
-              <a:rPr lang="en-US" sz="2000" dirty="0"/>
+              <a:rPr lang="en-US" sz="1600" dirty="0"/>
               <a:t>STAMP Extensions for SR moved to </a:t>
             </a:r>
             <a:r>
-              <a:rPr lang="en-US" sz="2000" dirty="0">
+              <a:rPr lang="en-US" sz="1600" dirty="0">
                 <a:solidFill>
                   <a:srgbClr val="0070C0"/>
                 </a:solidFill>
@@ -7187,7 +7205,7 @@
               <a:t>draft-</a:t>
             </a:r>
             <a:r>
-              <a:rPr lang="en-US" sz="2000" dirty="0" err="1">
+              <a:rPr lang="en-US" sz="1600" dirty="0" err="1">
                 <a:solidFill>
                   <a:srgbClr val="0070C0"/>
                 </a:solidFill>
@@ -7195,7 +7213,7 @@
               <a:t>gandhi</a:t>
             </a:r>
             <a:r>
-              <a:rPr lang="en-US" sz="2000" dirty="0">
+              <a:rPr lang="en-US" sz="1600" dirty="0">
                 <a:solidFill>
                   <a:srgbClr val="0070C0"/>
                 </a:solidFill>
@@ -7203,7 +7221,7 @@
               <a:t>-</a:t>
             </a:r>
             <a:r>
-              <a:rPr lang="en-US" sz="2000" dirty="0" err="1">
+              <a:rPr lang="en-US" sz="1600" dirty="0" err="1">
                 <a:solidFill>
                   <a:srgbClr val="0070C0"/>
                 </a:solidFill>
@@ -7211,7 +7229,7 @@
               <a:t>ippm</a:t>
             </a:r>
             <a:r>
-              <a:rPr lang="en-US" sz="2000" dirty="0">
+              <a:rPr lang="en-US" sz="1600" dirty="0">
                 <a:solidFill>
                   <a:srgbClr val="0070C0"/>
                 </a:solidFill>
@@ -7219,23 +7237,23 @@
               <a:t>-stamp-</a:t>
             </a:r>
             <a:r>
-              <a:rPr lang="en-US" sz="2000" dirty="0" err="1">
+              <a:rPr lang="en-US" sz="1600" dirty="0" err="1">
                 <a:solidFill>
                   <a:srgbClr val="0070C0"/>
                 </a:solidFill>
               </a:rPr>
               <a:t>srpm</a:t>
             </a:r>
-            <a:endParaRPr lang="en-US" sz="2000" dirty="0">
+            <a:endParaRPr lang="en-US" sz="1600" dirty="0">
               <a:solidFill>
                 <a:srgbClr val="0070C0"/>
               </a:solidFill>
             </a:endParaRPr>
           </a:p>
           <a:p>
-            <a:pPr>
+            <a:pPr lvl="1">
               <a:lnSpc>
-                <a:spcPts val="2460"/>
+                <a:spcPts val="2100"/>
               </a:lnSpc>
               <a:spcBef>
                 <a:spcPts val="600"/>
@@ -7247,14 +7265,14 @@
               <a:buChar char="ü"/>
             </a:pPr>
             <a:r>
-              <a:rPr lang="en-US" sz="2000" dirty="0"/>
-              <a:t>Updated terminology to align with STAMP</a:t>
-            </a:r>
-          </a:p>
-          <a:p>
-            <a:pPr>
+              <a:rPr lang="en-US" sz="1600" dirty="0"/>
+              <a:t>Replaced TWAMP Light with STAMP draft</a:t>
+            </a:r>
+          </a:p>
+          <a:p>
+            <a:pPr lvl="1">
               <a:lnSpc>
-                <a:spcPts val="2460"/>
+                <a:spcPts val="2100"/>
               </a:lnSpc>
               <a:spcBef>
                 <a:spcPts val="600"/>
@@ -7266,14 +7284,14 @@
               <a:buChar char="ü"/>
             </a:pPr>
             <a:r>
-              <a:rPr lang="en-US" sz="2000" dirty="0"/>
-              <a:t>Added (test) packet loss section</a:t>
-            </a:r>
-          </a:p>
-          <a:p>
-            <a:pPr>
+              <a:rPr lang="en-US" sz="1600" dirty="0"/>
+              <a:t>Updated terminology to align with STAMP</a:t>
+            </a:r>
+          </a:p>
+          <a:p>
+            <a:pPr lvl="1">
               <a:lnSpc>
-                <a:spcPts val="2460"/>
+                <a:spcPts val="2100"/>
               </a:lnSpc>
               <a:spcBef>
                 <a:spcPts val="600"/>
@@ -7285,14 +7303,14 @@
               <a:buChar char="ü"/>
             </a:pPr>
             <a:r>
-              <a:rPr lang="en-US" sz="2000" dirty="0"/>
-              <a:t>Removed STAMP direct measurement stand-alone messages</a:t>
-            </a:r>
-          </a:p>
-          <a:p>
-            <a:pPr>
+              <a:rPr lang="en-US" sz="1600" dirty="0"/>
+              <a:t>Added (test) packet loss section</a:t>
+            </a:r>
+          </a:p>
+          <a:p>
+            <a:pPr lvl="1">
               <a:lnSpc>
-                <a:spcPts val="2460"/>
+                <a:spcPts val="2100"/>
               </a:lnSpc>
               <a:spcBef>
                 <a:spcPts val="600"/>
@@ -7304,14 +7322,14 @@
               <a:buChar char="ü"/>
             </a:pPr>
             <a:r>
-              <a:rPr lang="en-US" sz="2000" dirty="0"/>
-              <a:t>Removed text for using IPv6/UDP test packets with zero checksum</a:t>
-            </a:r>
-          </a:p>
-          <a:p>
-            <a:pPr>
+              <a:rPr lang="en-US" sz="1600" dirty="0"/>
+              <a:t>Removed STAMP direct measurement stand-alone messages</a:t>
+            </a:r>
+          </a:p>
+          <a:p>
+            <a:pPr lvl="1">
               <a:lnSpc>
-                <a:spcPts val="2460"/>
+                <a:spcPts val="2100"/>
               </a:lnSpc>
               <a:spcBef>
                 <a:spcPts val="600"/>
@@ -7323,14 +7341,14 @@
               <a:buChar char="ü"/>
             </a:pPr>
             <a:r>
-              <a:rPr lang="en-US" sz="2000" dirty="0"/>
-              <a:t>Various editorial changes to address review comments</a:t>
-            </a:r>
-          </a:p>
-          <a:p>
-            <a:pPr>
+              <a:rPr lang="en-US" sz="1600" dirty="0"/>
+              <a:t>Removed text for using IPv6/UDP test packets with zero checksum</a:t>
+            </a:r>
+          </a:p>
+          <a:p>
+            <a:pPr lvl="1">
               <a:lnSpc>
-                <a:spcPts val="2260"/>
+                <a:spcPts val="2100"/>
               </a:lnSpc>
               <a:spcBef>
                 <a:spcPts val="600"/>
@@ -7338,8 +7356,50 @@
               <a:spcAft>
                 <a:spcPts val="0"/>
               </a:spcAft>
-            </a:pPr>
-            <a:endParaRPr lang="en-US" sz="1800" dirty="0"/>
+              <a:buFont typeface="Wingdings" pitchFamily="2" charset="2"/>
+              <a:buChar char="ü"/>
+            </a:pPr>
+            <a:r>
+              <a:rPr lang="en-US" sz="1600" dirty="0"/>
+              <a:t>Various editorial changes to address review comments</a:t>
+            </a:r>
+          </a:p>
+          <a:p>
+            <a:pPr marL="0" lvl="1" indent="0">
+              <a:lnSpc>
+                <a:spcPts val="2100"/>
+              </a:lnSpc>
+              <a:spcBef>
+                <a:spcPts val="600"/>
+              </a:spcBef>
+              <a:spcAft>
+                <a:spcPts val="0"/>
+              </a:spcAft>
+              <a:buNone/>
+            </a:pPr>
+            <a:r>
+              <a:rPr lang="en-US" sz="1600" dirty="0"/>
+              <a:t>Open Items:</a:t>
+            </a:r>
+          </a:p>
+          <a:p>
+            <a:pPr marL="742950" lvl="2" indent="-342900">
+              <a:lnSpc>
+                <a:spcPts val="2100"/>
+              </a:lnSpc>
+              <a:spcBef>
+                <a:spcPts val="600"/>
+              </a:spcBef>
+              <a:spcAft>
+                <a:spcPts val="0"/>
+              </a:spcAft>
+              <a:buFont typeface="Wingdings" pitchFamily="2" charset="2"/>
+              <a:buChar char="§"/>
+            </a:pPr>
+            <a:r>
+              <a:rPr lang="en-US" sz="1600" dirty="0"/>
+              <a:t>None</a:t>
+            </a:r>
           </a:p>
         </p:txBody>
       </p:sp>

--- a/draft-gandhi-spring-stamp-srpm-05.pptx
+++ b/draft-gandhi-spring-stamp-srpm-05.pptx
@@ -5266,8 +5266,8 @@
         </p:nvSpPr>
         <p:spPr>
           <a:xfrm>
-            <a:off x="457200" y="1009650"/>
-            <a:ext cx="8319052" cy="3390900"/>
+            <a:off x="457200" y="885497"/>
+            <a:ext cx="8319052" cy="3543300"/>
           </a:xfrm>
         </p:spPr>
         <p:txBody>
@@ -5284,6 +5284,20 @@
             </a:pPr>
             <a:r>
               <a:rPr lang="en-US" sz="1600" dirty="0"/>
+              <a:t>Need to measure one-way, two-way and round-trip delay metrics in SR networks</a:t>
+            </a:r>
+          </a:p>
+          <a:p>
+            <a:pPr>
+              <a:lnSpc>
+                <a:spcPts val="2360"/>
+              </a:lnSpc>
+              <a:spcBef>
+                <a:spcPts val="600"/>
+              </a:spcBef>
+            </a:pPr>
+            <a:r>
+              <a:rPr lang="en-US" sz="1600" dirty="0"/>
               <a:t>One-way Delay Measurement Mode</a:t>
             </a:r>
           </a:p>
@@ -5362,7 +5376,7 @@
             </a:pPr>
             <a:r>
               <a:rPr lang="en-US" sz="1600" dirty="0"/>
-              <a:t>Loopback Measurement Mode</a:t>
+              <a:t>Loopback Measurement Mode – Round-trip Delay Measurement Mode</a:t>
             </a:r>
           </a:p>
           <a:p>
@@ -5930,7 +5944,7 @@
                 <a:latin typeface="Calibri" panose="020F0502020204030204" pitchFamily="34" charset="0"/>
                 <a:cs typeface="Calibri" panose="020F0502020204030204" pitchFamily="34" charset="0"/>
               </a:rPr>
-              <a:t>Test packet loss (i.e. synthetic packet loss)</a:t>
+              <a:t>Test packet loss (i.e., synthetic packet loss)</a:t>
             </a:r>
           </a:p>
           <a:p>
@@ -5947,7 +5961,7 @@
                 <a:latin typeface="Calibri" panose="020F0502020204030204" pitchFamily="34" charset="0"/>
                 <a:cs typeface="Calibri" panose="020F0502020204030204" pitchFamily="34" charset="0"/>
               </a:rPr>
-              <a:t>Data packet loss (i.e. direct measurement)</a:t>
+              <a:t>Data packet loss (i.e., direct measurement)</a:t>
             </a:r>
           </a:p>
           <a:p>
@@ -5964,7 +5978,7 @@
                 <a:latin typeface="Calibri" panose="020F0502020204030204" pitchFamily="34" charset="0"/>
                 <a:cs typeface="Calibri" panose="020F0502020204030204" pitchFamily="34" charset="0"/>
               </a:rPr>
-              <a:t>Session state succeeded/failed</a:t>
+              <a:t>Session state succeeded/failed (i.e., measurement is active)</a:t>
             </a:r>
           </a:p>
           <a:p>
@@ -6827,6 +6841,22 @@
             </a:pPr>
             <a:r>
               <a:rPr lang="en-US" sz="1200" dirty="0"/>
+              <a:t>One-way, two-way, round-trip delay and packet loss metrics</a:t>
+            </a:r>
+          </a:p>
+          <a:p>
+            <a:pPr lvl="1">
+              <a:spcBef>
+                <a:spcPts val="0"/>
+              </a:spcBef>
+              <a:spcAft>
+                <a:spcPts val="300"/>
+              </a:spcAft>
+              <a:buFont typeface="Wingdings" charset="2"/>
+              <a:buChar char="§"/>
+            </a:pPr>
+            <a:r>
+              <a:rPr lang="en-US" sz="1200" dirty="0"/>
               <a:t>Handle ECMP for SR paths</a:t>
             </a:r>
           </a:p>
@@ -7267,6 +7297,25 @@
             <a:r>
               <a:rPr lang="en-US" sz="1600" dirty="0"/>
               <a:t>Replaced TWAMP Light with STAMP draft</a:t>
+            </a:r>
+          </a:p>
+          <a:p>
+            <a:pPr lvl="1">
+              <a:lnSpc>
+                <a:spcPts val="2100"/>
+              </a:lnSpc>
+              <a:spcBef>
+                <a:spcPts val="600"/>
+              </a:spcBef>
+              <a:spcAft>
+                <a:spcPts val="0"/>
+              </a:spcAft>
+              <a:buFont typeface="Wingdings" pitchFamily="2" charset="2"/>
+              <a:buChar char="ü"/>
+            </a:pPr>
+            <a:r>
+              <a:rPr lang="en-US" sz="1600" dirty="0"/>
+              <a:t>Draft status - Informational</a:t>
             </a:r>
           </a:p>
           <a:p>

--- a/draft-gandhi-spring-stamp-srpm-05.pptx
+++ b/draft-gandhi-spring-stamp-srpm-05.pptx
@@ -5376,7 +5376,7 @@
             </a:pPr>
             <a:r>
               <a:rPr lang="en-US" sz="1600" dirty="0"/>
-              <a:t>Loopback Measurement Mode – Round-trip Delay Measurement Mode</a:t>
+              <a:t>Loopback (Round-trip Delay) Measurement Mode</a:t>
             </a:r>
           </a:p>
           <a:p>
@@ -6725,7 +6725,7 @@
                 <a:latin typeface="Calibri Light" panose="020F0302020204030204" pitchFamily="34" charset="0"/>
                 <a:cs typeface="Calibri Light" panose="020F0302020204030204" pitchFamily="34" charset="0"/>
               </a:rPr>
-              <a:t>Requirements and Scope</a:t>
+              <a:t>Requirements, Goals and Scope</a:t>
             </a:r>
           </a:p>
         </p:txBody>
@@ -7224,7 +7224,7 @@
             </a:pPr>
             <a:r>
               <a:rPr lang="en-US" sz="1600" dirty="0"/>
-              <a:t>STAMP Extensions for SR moved to </a:t>
+              <a:t>STAMP Extensions for SR was moved to </a:t>
             </a:r>
             <a:r>
               <a:rPr lang="en-US" sz="1600" dirty="0">
@@ -7296,7 +7296,7 @@
             </a:pPr>
             <a:r>
               <a:rPr lang="en-US" sz="1600" dirty="0"/>
-              <a:t>Replaced TWAMP Light with STAMP draft</a:t>
+              <a:t>Replaced TWAMP Light draft with STAMP draft</a:t>
             </a:r>
           </a:p>
           <a:p>

--- a/draft-gandhi-spring-stamp-srpm-05.pptx
+++ b/draft-gandhi-spring-stamp-srpm-05.pptx
@@ -257,7 +257,7 @@
           <a:p>
             <a:fld id="{E8FA3DB5-7722-3F4F-947D-12B203669AD7}" type="datetimeFigureOut">
               <a:rPr lang="en-US" smtClean="0"/>
-              <a:t>2/9/21</a:t>
+              <a:t>2/10/21</a:t>
             </a:fld>
             <a:endParaRPr lang="en-US"/>
           </a:p>
@@ -5284,7 +5284,7 @@
             </a:pPr>
             <a:r>
               <a:rPr lang="en-US" sz="1600" dirty="0"/>
-              <a:t>Need to measure one-way, two-way and round-trip delay metrics in SR networks</a:t>
+              <a:t>Need to measure in-band one-way, two-way and round-trip delay metrics in SR networks</a:t>
             </a:r>
           </a:p>
           <a:p>
@@ -5376,7 +5376,7 @@
             </a:pPr>
             <a:r>
               <a:rPr lang="en-US" sz="1600" dirty="0"/>
-              <a:t>Loopback (Round-trip Delay) Measurement Mode</a:t>
+              <a:t>Round-trip Delay Measurement Mode</a:t>
             </a:r>
           </a:p>
           <a:p>
@@ -5390,7 +5390,7 @@
             </a:pPr>
             <a:r>
               <a:rPr lang="en-US" sz="1600" dirty="0"/>
-              <a:t>  STAMP Session-Sender test packet carries the return path in the packet header</a:t>
+              <a:t>  STAMP Session-Sender test packet sent in loopback mode, carries the return path in the packet header</a:t>
             </a:r>
             <a:endParaRPr lang="en-US" sz="1600" b="1" dirty="0"/>
           </a:p>
@@ -5842,7 +5842,7 @@
                 <a:latin typeface="Calibri" panose="020F0502020204030204" pitchFamily="34" charset="0"/>
                 <a:cs typeface="Calibri" panose="020F0502020204030204" pitchFamily="34" charset="0"/>
               </a:rPr>
-              <a:t>Compute following example delay metrics:</a:t>
+              <a:t>Compute following example (one-way, two-way, round-trip) delay metrics:</a:t>
             </a:r>
           </a:p>
           <a:p>
@@ -7193,7 +7193,7 @@
           <a:p>
             <a:pPr marL="0" indent="0">
               <a:lnSpc>
-                <a:spcPts val="2100"/>
+                <a:spcPts val="2000"/>
               </a:lnSpc>
               <a:spcBef>
                 <a:spcPts val="600"/>
@@ -7211,7 +7211,7 @@
           <a:p>
             <a:pPr lvl="1">
               <a:lnSpc>
-                <a:spcPts val="2100"/>
+                <a:spcPts val="2000"/>
               </a:lnSpc>
               <a:spcBef>
                 <a:spcPts val="600"/>
@@ -7283,7 +7283,7 @@
           <a:p>
             <a:pPr lvl="1">
               <a:lnSpc>
-                <a:spcPts val="2100"/>
+                <a:spcPts val="2000"/>
               </a:lnSpc>
               <a:spcBef>
                 <a:spcPts val="600"/>
@@ -7302,7 +7302,7 @@
           <a:p>
             <a:pPr lvl="1">
               <a:lnSpc>
-                <a:spcPts val="2100"/>
+                <a:spcPts val="2000"/>
               </a:lnSpc>
               <a:spcBef>
                 <a:spcPts val="600"/>
@@ -7321,7 +7321,7 @@
           <a:p>
             <a:pPr lvl="1">
               <a:lnSpc>
-                <a:spcPts val="2100"/>
+                <a:spcPts val="2000"/>
               </a:lnSpc>
               <a:spcBef>
                 <a:spcPts val="600"/>
@@ -7340,7 +7340,7 @@
           <a:p>
             <a:pPr lvl="1">
               <a:lnSpc>
-                <a:spcPts val="2100"/>
+                <a:spcPts val="2000"/>
               </a:lnSpc>
               <a:spcBef>
                 <a:spcPts val="600"/>
@@ -7359,7 +7359,7 @@
           <a:p>
             <a:pPr lvl="1">
               <a:lnSpc>
-                <a:spcPts val="2100"/>
+                <a:spcPts val="2000"/>
               </a:lnSpc>
               <a:spcBef>
                 <a:spcPts val="600"/>
@@ -7378,7 +7378,7 @@
           <a:p>
             <a:pPr lvl="1">
               <a:lnSpc>
-                <a:spcPts val="2100"/>
+                <a:spcPts val="2000"/>
               </a:lnSpc>
               <a:spcBef>
                 <a:spcPts val="600"/>
@@ -7397,7 +7397,7 @@
           <a:p>
             <a:pPr lvl="1">
               <a:lnSpc>
-                <a:spcPts val="2100"/>
+                <a:spcPts val="2000"/>
               </a:lnSpc>
               <a:spcBef>
                 <a:spcPts val="600"/>
@@ -7416,7 +7416,7 @@
           <a:p>
             <a:pPr marL="0" lvl="1" indent="0">
               <a:lnSpc>
-                <a:spcPts val="2100"/>
+                <a:spcPts val="2000"/>
               </a:lnSpc>
               <a:spcBef>
                 <a:spcPts val="600"/>
@@ -7434,7 +7434,7 @@
           <a:p>
             <a:pPr marL="742950" lvl="2" indent="-342900">
               <a:lnSpc>
-                <a:spcPts val="2100"/>
+                <a:spcPts val="2000"/>
               </a:lnSpc>
               <a:spcBef>
                 <a:spcPts val="600"/>
@@ -7852,7 +7852,7 @@
               <a:rPr lang="en-CA" sz="1200" dirty="0">
                 <a:latin typeface="Courier" pitchFamily="2" charset="0"/>
               </a:rPr>
-              <a:t>               STAMP Session-Sender   STAMP Session-Reflector</a:t>
+              <a:t>               STAMP Session-Sender  STAMP Session-Reflector</a:t>
             </a:r>
           </a:p>
         </p:txBody>

--- a/draft-gandhi-spring-stamp-srpm-05.pptx
+++ b/draft-gandhi-spring-stamp-srpm-05.pptx
@@ -8637,8 +8637,8 @@
         </p:nvSpPr>
         <p:spPr bwMode="auto">
           <a:xfrm>
-            <a:off x="304800" y="1276350"/>
-            <a:ext cx="4478154" cy="3514466"/>
+            <a:off x="304800" y="1071168"/>
+            <a:ext cx="4478154" cy="3879363"/>
           </a:xfrm>
           <a:prstGeom prst="rect">
             <a:avLst/>
@@ -8813,7 +8813,7 @@
               <a:buNone/>
             </a:pPr>
             <a:r>
-              <a:rPr lang="en-US" sz="1400" dirty="0"/>
+              <a:rPr lang="en-US" sz="1200" dirty="0"/>
               <a:t>For end-to-end SR Policy, the STAMP Session-Sender test packets are  transmitted on the SR Policy with:</a:t>
             </a:r>
           </a:p>
@@ -8823,7 +8823,7 @@
               <a:buAutoNum type="arabicPeriod"/>
             </a:pPr>
             <a:r>
-              <a:rPr lang="en-US" sz="1400" dirty="0"/>
+              <a:rPr lang="en-US" sz="1200" dirty="0"/>
               <a:t>MPLS label stack of SR-MPLS Policy</a:t>
             </a:r>
           </a:p>
@@ -8833,63 +8833,96 @@
               <a:buAutoNum type="arabicPeriod"/>
             </a:pPr>
             <a:r>
-              <a:rPr lang="en-US" sz="1400" dirty="0"/>
+              <a:rPr lang="en-US" sz="1200" dirty="0"/>
               <a:t>SRv6 SRH [</a:t>
             </a:r>
             <a:r>
-              <a:rPr lang="en-CA" sz="1400" dirty="0"/>
+              <a:rPr lang="en-CA" sz="1200" dirty="0"/>
               <a:t>RFC 8754</a:t>
             </a:r>
             <a:r>
-              <a:rPr lang="en-US" sz="1400" dirty="0"/>
+              <a:rPr lang="en-US" sz="1200" dirty="0"/>
               <a:t>] with Segment List of SRv6 Policy</a:t>
             </a:r>
           </a:p>
           <a:p>
             <a:pPr lvl="2"/>
             <a:r>
-              <a:rPr lang="en-US" sz="1400" dirty="0"/>
+              <a:rPr lang="en-US" sz="1200" dirty="0"/>
               <a:t>Using upper-layer processing defined in SRv6 network programming</a:t>
             </a:r>
           </a:p>
           <a:p>
             <a:r>
-              <a:rPr lang="en-US" sz="1400" dirty="0"/>
+              <a:rPr lang="en-US" sz="1200" dirty="0"/>
               <a:t>User-configured destination UDP port is used for STAMP test packets (or port 862)</a:t>
             </a:r>
           </a:p>
           <a:p>
             <a:r>
-              <a:rPr lang="en-US" sz="1400" dirty="0"/>
+              <a:rPr lang="en-US" sz="1200" dirty="0"/>
               <a:t>IPv4 TTL/IPv6 Hop-limit is set to 255</a:t>
             </a:r>
           </a:p>
           <a:p>
             <a:r>
-              <a:rPr lang="en-US" sz="1400" dirty="0"/>
-              <a:t>Color only SR-MPLS Policy:</a:t>
+              <a:rPr lang="en-US" sz="1200" dirty="0"/>
+              <a:t>Color-Only Destination Steering:</a:t>
             </a:r>
           </a:p>
           <a:p>
             <a:pPr lvl="1"/>
             <a:r>
-              <a:rPr lang="en-US" sz="1400" dirty="0"/>
-              <a:t>Destination Address in 127/8 address</a:t>
+              <a:rPr lang="en-US" sz="1200" dirty="0"/>
+              <a:t>IPv4 </a:t>
+            </a:r>
+          </a:p>
+          <a:p>
+            <a:pPr lvl="2"/>
+            <a:r>
+              <a:rPr lang="en-US" sz="1200" dirty="0"/>
+              <a:t>Destination Address in 127/8 range</a:t>
+            </a:r>
+          </a:p>
+          <a:p>
+            <a:pPr lvl="2"/>
+            <a:r>
+              <a:rPr lang="en-US" sz="1200" dirty="0"/>
+              <a:t>TTL is set to 1</a:t>
             </a:r>
           </a:p>
           <a:p>
             <a:pPr lvl="1"/>
             <a:r>
-              <a:rPr lang="en-US" sz="1400" dirty="0"/>
-              <a:t>IPv4 TTL is set to 1</a:t>
-            </a:r>
+              <a:rPr lang="en-US" sz="1200" dirty="0"/>
+              <a:t>IPv6 </a:t>
+            </a:r>
+          </a:p>
+          <a:p>
+            <a:pPr lvl="2"/>
+            <a:r>
+              <a:rPr lang="en-US" sz="1200" dirty="0"/>
+              <a:t>Destination Address set to </a:t>
+            </a:r>
+            <a:r>
+              <a:rPr lang="en-CA" sz="1200" dirty="0"/>
+              <a:t>::1/128</a:t>
+            </a:r>
+          </a:p>
+          <a:p>
+            <a:pPr lvl="2"/>
+            <a:r>
+              <a:rPr lang="en-CA" sz="1200" dirty="0"/>
+              <a:t>Hop Limit is set to 1</a:t>
+            </a:r>
+            <a:endParaRPr lang="en-US" sz="1200" dirty="0"/>
           </a:p>
           <a:p>
             <a:pPr>
               <a:buFont typeface="+mj-lt"/>
               <a:buAutoNum type="arabicPeriod"/>
             </a:pPr>
-            <a:endParaRPr lang="en-US" sz="1400" dirty="0"/>
+            <a:endParaRPr lang="en-US" sz="1200" dirty="0"/>
           </a:p>
         </p:txBody>
       </p:sp>
@@ -9363,7 +9396,7 @@
         </p:nvSpPr>
         <p:spPr>
           <a:xfrm>
-            <a:off x="114300" y="104643"/>
+            <a:off x="114300" y="102393"/>
             <a:ext cx="8915400" cy="845539"/>
           </a:xfrm>
         </p:spPr>
@@ -9767,7 +9800,7 @@
             </a:pPr>
             <a:r>
               <a:rPr lang="en-US" sz="1600" dirty="0"/>
-              <a:t>For end-to-end P2MP SR-MPLS Policy, the STAMP Session-Sender test packet is sent with:</a:t>
+              <a:t>For end-to-end P2MP SR-MPLS Policy, an example STAMP Session-Sender test packet is sent with:</a:t>
             </a:r>
           </a:p>
           <a:p>

--- a/draft-gandhi-spring-stamp-srpm-05.pptx
+++ b/draft-gandhi-spring-stamp-srpm-05.pptx
@@ -6742,7 +6742,7 @@
         </p:nvSpPr>
         <p:spPr>
           <a:xfrm>
-            <a:off x="457200" y="857251"/>
+            <a:off x="457200" y="806054"/>
             <a:ext cx="8229600" cy="3826668"/>
           </a:xfrm>
         </p:spPr>
@@ -6760,7 +6760,7 @@
               <a:buNone/>
             </a:pPr>
             <a:r>
-              <a:rPr lang="en-US" sz="1200" dirty="0"/>
+              <a:rPr lang="en-US" sz="1400" dirty="0"/>
               <a:t>Requirements:</a:t>
             </a:r>
           </a:p>
@@ -6776,7 +6776,7 @@
               <a:buChar char="§"/>
             </a:pPr>
             <a:r>
-              <a:rPr lang="en-US" sz="1200" dirty="0"/>
+              <a:rPr lang="en-US" sz="1400" dirty="0"/>
               <a:t>In-band Performance Delay and Loss Measurement </a:t>
             </a:r>
           </a:p>
@@ -6792,7 +6792,7 @@
               <a:buChar char="ü"/>
             </a:pPr>
             <a:r>
-              <a:rPr lang="en-US" sz="1200" dirty="0"/>
+              <a:rPr lang="en-US" sz="1400" dirty="0"/>
               <a:t>Links and end-to-end P2P/P2MP SR paths</a:t>
             </a:r>
           </a:p>
@@ -6808,7 +6808,7 @@
               <a:buChar char="ü"/>
             </a:pPr>
             <a:r>
-              <a:rPr lang="en-US" sz="1200" dirty="0"/>
+              <a:rPr lang="en-US" sz="1400" dirty="0"/>
               <a:t>Links include physical, virtual, LAG, LAG member links</a:t>
             </a:r>
           </a:p>
@@ -6824,7 +6824,7 @@
               <a:buChar char="ü"/>
             </a:pPr>
             <a:r>
-              <a:rPr lang="en-US" sz="1200" dirty="0"/>
+              <a:rPr lang="en-US" sz="1400" dirty="0"/>
               <a:t>Applicable to SR-MPLS/SRv6 data planes</a:t>
             </a:r>
           </a:p>
@@ -6840,8 +6840,102 @@
               <a:buChar char="§"/>
             </a:pPr>
             <a:r>
-              <a:rPr lang="en-US" sz="1200" dirty="0"/>
+              <a:rPr lang="en-US" sz="1400" dirty="0"/>
               <a:t>One-way, two-way, round-trip delay and packet loss metrics</a:t>
+            </a:r>
+          </a:p>
+          <a:p>
+            <a:pPr marL="0" indent="0">
+              <a:spcBef>
+                <a:spcPts val="0"/>
+              </a:spcBef>
+              <a:spcAft>
+                <a:spcPts val="300"/>
+              </a:spcAft>
+              <a:buNone/>
+            </a:pPr>
+            <a:r>
+              <a:rPr lang="en-US" sz="1400" dirty="0"/>
+              <a:t>Goals:</a:t>
+            </a:r>
+          </a:p>
+          <a:p>
+            <a:pPr lvl="1">
+              <a:buFont typeface="Wingdings" charset="2"/>
+              <a:buChar char="§"/>
+            </a:pPr>
+            <a:r>
+              <a:rPr lang="en-US" sz="1400" dirty="0"/>
+              <a:t>Avoid provisioning and maintaining test sessions on Session-Reflector - Stateless mode</a:t>
+            </a:r>
+          </a:p>
+          <a:p>
+            <a:pPr lvl="1">
+              <a:buFont typeface="Wingdings" charset="2"/>
+              <a:buChar char="§"/>
+            </a:pPr>
+            <a:r>
+              <a:rPr lang="en-US" sz="1400" dirty="0"/>
+              <a:t>Avoid control protocol for signaling dynamic parameters</a:t>
+            </a:r>
+          </a:p>
+          <a:p>
+            <a:pPr lvl="1">
+              <a:buFont typeface="Wingdings" charset="2"/>
+              <a:buChar char="§"/>
+            </a:pPr>
+            <a:r>
+              <a:rPr lang="en-US" sz="1400" dirty="0"/>
+              <a:t>High scale for number of test sessions and faster detection interval</a:t>
+            </a:r>
+          </a:p>
+          <a:p>
+            <a:pPr lvl="2">
+              <a:buFont typeface="Wingdings" charset="2"/>
+              <a:buChar char="§"/>
+            </a:pPr>
+            <a:r>
+              <a:rPr lang="en-US" sz="1400" dirty="0"/>
+              <a:t>Support hardware implementation </a:t>
+            </a:r>
+          </a:p>
+          <a:p>
+            <a:pPr marL="0" lvl="1" indent="0">
+              <a:spcBef>
+                <a:spcPts val="0"/>
+              </a:spcBef>
+              <a:spcAft>
+                <a:spcPts val="300"/>
+              </a:spcAft>
+              <a:buNone/>
+            </a:pPr>
+            <a:r>
+              <a:rPr lang="en-US" sz="1400" dirty="0"/>
+              <a:t>Scope:</a:t>
+            </a:r>
+          </a:p>
+          <a:p>
+            <a:pPr lvl="1">
+              <a:spcBef>
+                <a:spcPts val="0"/>
+              </a:spcBef>
+              <a:spcAft>
+                <a:spcPts val="300"/>
+              </a:spcAft>
+              <a:buFont typeface="Wingdings" pitchFamily="2" charset="2"/>
+              <a:buChar char="§"/>
+            </a:pPr>
+            <a:r>
+              <a:rPr lang="en-US" sz="1400" dirty="0"/>
+              <a:t>STAMP [</a:t>
+            </a:r>
+            <a:r>
+              <a:rPr lang="en-CA" sz="1400" dirty="0"/>
+              <a:t>RFC 8762</a:t>
+            </a:r>
+            <a:r>
+              <a:rPr lang="en-US" sz="1400" dirty="0"/>
+              <a:t>]</a:t>
             </a:r>
           </a:p>
           <a:p>
@@ -6856,78 +6950,12 @@
               <a:buChar char="§"/>
             </a:pPr>
             <a:r>
-              <a:rPr lang="en-US" sz="1200" dirty="0"/>
-              <a:t>Handle ECMP for SR paths</a:t>
-            </a:r>
-          </a:p>
-          <a:p>
-            <a:pPr marL="0" indent="0">
-              <a:spcBef>
-                <a:spcPts val="0"/>
-              </a:spcBef>
-              <a:spcAft>
-                <a:spcPts val="300"/>
-              </a:spcAft>
-              <a:buNone/>
-            </a:pPr>
-            <a:r>
-              <a:rPr lang="en-US" sz="1200" dirty="0"/>
-              <a:t>Goals:</a:t>
-            </a:r>
-          </a:p>
-          <a:p>
-            <a:pPr lvl="1">
-              <a:buFont typeface="Wingdings" charset="2"/>
-              <a:buChar char="§"/>
-            </a:pPr>
-            <a:r>
-              <a:rPr lang="en-US" sz="1200" dirty="0"/>
-              <a:t>Avoid provisioning and maintaining test sessions on Session-Reflector - Stateless mode</a:t>
-            </a:r>
-          </a:p>
-          <a:p>
-            <a:pPr lvl="1">
-              <a:buFont typeface="Wingdings" charset="2"/>
-              <a:buChar char="§"/>
-            </a:pPr>
-            <a:r>
-              <a:rPr lang="en-US" sz="1200" dirty="0"/>
-              <a:t>Avoid control protocol for signaling dynamic parameters</a:t>
-            </a:r>
-          </a:p>
-          <a:p>
-            <a:pPr lvl="1">
-              <a:buFont typeface="Wingdings" charset="2"/>
-              <a:buChar char="§"/>
-            </a:pPr>
-            <a:r>
-              <a:rPr lang="en-US" sz="1200" dirty="0"/>
-              <a:t>High scale for number of test sessions and faster detection interval</a:t>
-            </a:r>
-          </a:p>
-          <a:p>
-            <a:pPr lvl="2">
-              <a:buFont typeface="Wingdings" charset="2"/>
-              <a:buChar char="§"/>
-            </a:pPr>
-            <a:r>
-              <a:rPr lang="en-US" sz="1200" dirty="0"/>
-              <a:t>Support hardware implementation </a:t>
-            </a:r>
-          </a:p>
-          <a:p>
-            <a:pPr marL="0" lvl="1" indent="0">
-              <a:spcBef>
-                <a:spcPts val="0"/>
-              </a:spcBef>
-              <a:spcAft>
-                <a:spcPts val="300"/>
-              </a:spcAft>
-              <a:buNone/>
-            </a:pPr>
-            <a:r>
-              <a:rPr lang="en-US" sz="1200" dirty="0"/>
-              <a:t>Scope:</a:t>
+              <a:rPr lang="en-US" sz="1400" dirty="0"/>
+              <a:t>STAMP Extensions [</a:t>
+            </a:r>
+            <a:r>
+              <a:rPr lang="en-CA" sz="1400" dirty="0"/>
+              <a:t>RFC 8972]</a:t>
             </a:r>
           </a:p>
           <a:p>
@@ -6942,51 +6970,7 @@
               <a:buChar char="§"/>
             </a:pPr>
             <a:r>
-              <a:rPr lang="en-US" sz="1200" dirty="0"/>
-              <a:t>STAMP [</a:t>
-            </a:r>
-            <a:r>
-              <a:rPr lang="en-CA" sz="1200" dirty="0"/>
-              <a:t>RFC 8762</a:t>
-            </a:r>
-            <a:r>
-              <a:rPr lang="en-US" sz="1200" dirty="0"/>
-              <a:t>]</a:t>
-            </a:r>
-          </a:p>
-          <a:p>
-            <a:pPr lvl="1">
-              <a:spcBef>
-                <a:spcPts val="0"/>
-              </a:spcBef>
-              <a:spcAft>
-                <a:spcPts val="300"/>
-              </a:spcAft>
-              <a:buFont typeface="Wingdings" charset="2"/>
-              <a:buChar char="§"/>
-            </a:pPr>
-            <a:r>
-              <a:rPr lang="en-US" sz="1200" dirty="0"/>
-              <a:t>STAMP Extensions [</a:t>
-            </a:r>
-            <a:r>
-              <a:rPr lang="en-CA" sz="1200" dirty="0"/>
-              <a:t>RFC 8972]</a:t>
-            </a:r>
-          </a:p>
-          <a:p>
-            <a:pPr lvl="1">
-              <a:spcBef>
-                <a:spcPts val="0"/>
-              </a:spcBef>
-              <a:spcAft>
-                <a:spcPts val="300"/>
-              </a:spcAft>
-              <a:buFont typeface="Wingdings" pitchFamily="2" charset="2"/>
-              <a:buChar char="§"/>
-            </a:pPr>
-            <a:r>
-              <a:rPr lang="en-US" sz="1200" dirty="0">
+              <a:rPr lang="en-US" sz="1400" dirty="0">
                 <a:solidFill>
                   <a:srgbClr val="0070C0"/>
                 </a:solidFill>
@@ -6994,7 +6978,7 @@
               <a:t>STAMP Extensions for SR [draft-</a:t>
             </a:r>
             <a:r>
-              <a:rPr lang="en-US" sz="1200" dirty="0" err="1">
+              <a:rPr lang="en-US" sz="1400" dirty="0" err="1">
                 <a:solidFill>
                   <a:srgbClr val="0070C0"/>
                 </a:solidFill>
@@ -7002,7 +6986,7 @@
               <a:t>gandhi</a:t>
             </a:r>
             <a:r>
-              <a:rPr lang="en-US" sz="1200" dirty="0">
+              <a:rPr lang="en-US" sz="1400" dirty="0">
                 <a:solidFill>
                   <a:srgbClr val="0070C0"/>
                 </a:solidFill>
@@ -7010,7 +6994,7 @@
               <a:t>-</a:t>
             </a:r>
             <a:r>
-              <a:rPr lang="en-US" sz="1200" dirty="0" err="1">
+              <a:rPr lang="en-US" sz="1400" dirty="0" err="1">
                 <a:solidFill>
                   <a:srgbClr val="0070C0"/>
                 </a:solidFill>
@@ -7018,7 +7002,7 @@
               <a:t>ippm</a:t>
             </a:r>
             <a:r>
-              <a:rPr lang="en-US" sz="1200" dirty="0">
+              <a:rPr lang="en-US" sz="1400" dirty="0">
                 <a:solidFill>
                   <a:srgbClr val="0070C0"/>
                 </a:solidFill>
@@ -7026,7 +7010,7 @@
               <a:t>-stamp-</a:t>
             </a:r>
             <a:r>
-              <a:rPr lang="en-US" sz="1200" dirty="0" err="1">
+              <a:rPr lang="en-US" sz="1400" dirty="0" err="1">
                 <a:solidFill>
                   <a:srgbClr val="0070C0"/>
                 </a:solidFill>
@@ -7034,7 +7018,7 @@
               <a:t>srpm</a:t>
             </a:r>
             <a:r>
-              <a:rPr lang="en-US" sz="1200" dirty="0">
+              <a:rPr lang="en-US" sz="1400" dirty="0">
                 <a:solidFill>
                   <a:srgbClr val="0070C0"/>
                 </a:solidFill>
@@ -7391,7 +7375,7 @@
             </a:pPr>
             <a:r>
               <a:rPr lang="en-US" sz="1600" dirty="0"/>
-              <a:t>Removed text for using IPv6/UDP test packets with zero checksum</a:t>
+              <a:t>Removed text for using IPv6/UDP test packet with zero checksum</a:t>
             </a:r>
           </a:p>
           <a:p>
@@ -7744,18 +7728,12 @@
           <a:p>
             <a:r>
               <a:rPr lang="en-CA" sz="1200" dirty="0">
-                <a:solidFill>
-                  <a:srgbClr val="002060"/>
-                </a:solidFill>
                 <a:latin typeface="Courier" pitchFamily="2" charset="0"/>
               </a:rPr>
               <a:t>  </a:t>
             </a:r>
             <a:r>
-              <a:rPr lang="en-CA" sz="1200" dirty="0">
-                <a:solidFill>
-                  <a:srgbClr val="00B050"/>
-                </a:solidFill>
+              <a:rPr lang="en-CA" sz="1200" b="1" dirty="0">
                 <a:latin typeface="Courier" pitchFamily="2" charset="0"/>
               </a:rPr>
               <a:t>Delay Measurement Mode      </a:t>
@@ -7764,7 +7742,7 @@
               <a:rPr lang="en-CA" sz="1200" dirty="0">
                 <a:latin typeface="Courier" pitchFamily="2" charset="0"/>
               </a:rPr>
-              <a:t>/          \     Packet Loss Type</a:t>
+              <a:t>/          \</a:t>
             </a:r>
           </a:p>
           <a:p>
@@ -7772,7 +7750,7 @@
               <a:rPr lang="en-CA" sz="1200" dirty="0">
                 <a:latin typeface="Courier" pitchFamily="2" charset="0"/>
               </a:rPr>
-              <a:t>      Timestamp Format       /            \</a:t>
+              <a:t>  Timestamp Format           /            \</a:t>
             </a:r>
             <a:endParaRPr lang="en-CA" sz="1200" i="1" dirty="0">
               <a:latin typeface="Courier" pitchFamily="2" charset="0"/>

--- a/draft-gandhi-spring-stamp-srpm-05.pptx
+++ b/draft-gandhi-spring-stamp-srpm-05.pptx
@@ -5390,7 +5390,7 @@
             </a:pPr>
             <a:r>
               <a:rPr lang="en-US" sz="1600" dirty="0"/>
-              <a:t>  STAMP Session-Sender test packet sent in loopback mode, carries the return path in the packet header</a:t>
+              <a:t>STAMP Session-Sender test packet sent in loopback mode, carries the return path in the packet header</a:t>
             </a:r>
             <a:endParaRPr lang="en-US" sz="1600" b="1" dirty="0"/>
           </a:p>
@@ -6742,8 +6742,8 @@
         </p:nvSpPr>
         <p:spPr>
           <a:xfrm>
-            <a:off x="457200" y="806054"/>
-            <a:ext cx="8229600" cy="3826668"/>
+            <a:off x="457200" y="971550"/>
+            <a:ext cx="8229600" cy="3661172"/>
           </a:xfrm>
         </p:spPr>
         <p:txBody>
@@ -6877,26 +6877,6 @@
             <a:r>
               <a:rPr lang="en-US" sz="1400" dirty="0"/>
               <a:t>Avoid control protocol for signaling dynamic parameters</a:t>
-            </a:r>
-          </a:p>
-          <a:p>
-            <a:pPr lvl="1">
-              <a:buFont typeface="Wingdings" charset="2"/>
-              <a:buChar char="§"/>
-            </a:pPr>
-            <a:r>
-              <a:rPr lang="en-US" sz="1400" dirty="0"/>
-              <a:t>High scale for number of test sessions and faster detection interval</a:t>
-            </a:r>
-          </a:p>
-          <a:p>
-            <a:pPr lvl="2">
-              <a:buFont typeface="Wingdings" charset="2"/>
-              <a:buChar char="§"/>
-            </a:pPr>
-            <a:r>
-              <a:rPr lang="en-US" sz="1400" dirty="0"/>
-              <a:t>Support hardware implementation </a:t>
             </a:r>
           </a:p>
           <a:p>
@@ -7878,7 +7858,7 @@
         <p:spPr>
           <a:xfrm>
             <a:off x="304800" y="0"/>
-            <a:ext cx="8686800" cy="857250"/>
+            <a:ext cx="8686800" cy="775227"/>
           </a:xfrm>
         </p:spPr>
         <p:txBody>
@@ -7945,8 +7925,8 @@
         </p:nvSpPr>
         <p:spPr>
           <a:xfrm>
-            <a:off x="514350" y="804739"/>
-            <a:ext cx="8172450" cy="998845"/>
+            <a:off x="384348" y="666750"/>
+            <a:ext cx="8375301" cy="1302651"/>
           </a:xfrm>
         </p:spPr>
         <p:txBody>
@@ -7954,25 +7934,25 @@
           <a:lstStyle/>
           <a:p>
             <a:r>
-              <a:rPr lang="en-US" sz="1200" dirty="0"/>
+              <a:rPr lang="en-US" sz="1400" dirty="0"/>
               <a:t>For links, the STAMP Session-Sender test packets are transmitted over the links using local and remote link addresses</a:t>
             </a:r>
           </a:p>
           <a:p>
             <a:r>
-              <a:rPr lang="en-US" sz="1200" dirty="0"/>
+              <a:rPr lang="en-US" sz="1400" dirty="0"/>
               <a:t>User-configured destination UDP port is used for STAMP test packets (or port 862)</a:t>
             </a:r>
           </a:p>
           <a:p>
             <a:r>
-              <a:rPr lang="en-US" sz="1200" dirty="0"/>
+              <a:rPr lang="en-US" sz="1400" dirty="0"/>
               <a:t>IPv4 TTL /IPv6 Hop-limit is set to 1</a:t>
             </a:r>
           </a:p>
           <a:p>
             <a:r>
-              <a:rPr lang="en-US" sz="1200" dirty="0"/>
+              <a:rPr lang="en-US" sz="1400" dirty="0"/>
               <a:t>Applicable to physical, virtual, LAG, LAG member links</a:t>
             </a:r>
           </a:p>
@@ -7986,7 +7966,7 @@
         </p:nvSpPr>
         <p:spPr>
           <a:xfrm>
-            <a:off x="1752600" y="1940731"/>
+            <a:off x="1959768" y="2109074"/>
             <a:ext cx="5224463" cy="2708434"/>
           </a:xfrm>
           <a:prstGeom prst="rect">
@@ -9438,7 +9418,7 @@
         </p:nvSpPr>
         <p:spPr>
           <a:xfrm>
-            <a:off x="3733801" y="2600597"/>
+            <a:off x="3962400" y="2647950"/>
             <a:ext cx="4724400" cy="1892826"/>
           </a:xfrm>
           <a:prstGeom prst="rect">
@@ -9770,15 +9750,14 @@
             </a:lvl9pPr>
           </a:lstStyle>
           <a:p>
-            <a:pPr marL="0" indent="0">
+            <a:pPr>
               <a:spcBef>
                 <a:spcPts val="600"/>
               </a:spcBef>
-              <a:buNone/>
             </a:pPr>
             <a:r>
               <a:rPr lang="en-US" sz="1600" dirty="0"/>
-              <a:t>For end-to-end P2MP SR-MPLS Policy, an example STAMP Session-Sender test packet is sent with:</a:t>
+              <a:t>For end-to-end P2MP SR-MPLS Policy, STAMP Session-Sender test packets are transmitted with:</a:t>
             </a:r>
           </a:p>
           <a:p>
@@ -9789,7 +9768,7 @@
             </a:pPr>
             <a:r>
               <a:rPr lang="en-US" sz="1600" dirty="0"/>
-              <a:t>Tree-SID of the SR-MPLS Policy</a:t>
+              <a:t>Tree-SID of the P2MP SR-MPLS Policy</a:t>
             </a:r>
           </a:p>
           <a:p>
@@ -9929,8 +9908,8 @@
         </p:nvSpPr>
         <p:spPr>
           <a:xfrm>
-            <a:off x="304800" y="857250"/>
-            <a:ext cx="8686800" cy="607159"/>
+            <a:off x="457200" y="857250"/>
+            <a:ext cx="8305800" cy="607159"/>
           </a:xfrm>
         </p:spPr>
         <p:txBody>
@@ -9939,7 +9918,7 @@
           <a:p>
             <a:r>
               <a:rPr lang="en-US" sz="1600" dirty="0"/>
-              <a:t>The STAMP reply test packet is sent using the IP/UDP information from the received test packet. </a:t>
+              <a:t>STAMP Session-Reflector reply test packet is sent using the IP/UDP information from the received test packet. </a:t>
             </a:r>
           </a:p>
           <a:p>
@@ -9997,7 +9976,7 @@
         </p:nvSpPr>
         <p:spPr>
           <a:xfrm>
-            <a:off x="1828800" y="1454068"/>
+            <a:off x="1828800" y="1694199"/>
             <a:ext cx="5257800" cy="2862322"/>
           </a:xfrm>
           <a:prstGeom prst="rect">

--- a/draft-gandhi-spring-stamp-srpm-05.pptx
+++ b/draft-gandhi-spring-stamp-srpm-05.pptx
@@ -5944,7 +5944,7 @@
                 <a:latin typeface="Calibri" panose="020F0502020204030204" pitchFamily="34" charset="0"/>
                 <a:cs typeface="Calibri" panose="020F0502020204030204" pitchFamily="34" charset="0"/>
               </a:rPr>
-              <a:t>Test packet loss (i.e., synthetic packet loss)</a:t>
+              <a:t>Packet loss (i.e., synthetic packet loss)</a:t>
             </a:r>
           </a:p>
           <a:p>
@@ -5961,7 +5961,7 @@
                 <a:latin typeface="Calibri" panose="020F0502020204030204" pitchFamily="34" charset="0"/>
                 <a:cs typeface="Calibri" panose="020F0502020204030204" pitchFamily="34" charset="0"/>
               </a:rPr>
-              <a:t>Data packet loss (i.e., direct measurement)</a:t>
+              <a:t>Direct measurement packet counters</a:t>
             </a:r>
           </a:p>
           <a:p>
@@ -5978,7 +5978,7 @@
                 <a:latin typeface="Calibri" panose="020F0502020204030204" pitchFamily="34" charset="0"/>
                 <a:cs typeface="Calibri" panose="020F0502020204030204" pitchFamily="34" charset="0"/>
               </a:rPr>
-              <a:t>Session state succeeded/failed (i.e., measurement is active)</a:t>
+              <a:t>Session status succeeded/failed (i.e., measurement is active)</a:t>
             </a:r>
           </a:p>
           <a:p>
@@ -7336,7 +7336,7 @@
             </a:pPr>
             <a:r>
               <a:rPr lang="en-US" sz="1600" dirty="0"/>
-              <a:t>Removed STAMP direct measurement stand-alone messages</a:t>
+              <a:t>Removed STAMP direct measurement messages</a:t>
             </a:r>
           </a:p>
           <a:p>
@@ -7355,7 +7355,7 @@
             </a:pPr>
             <a:r>
               <a:rPr lang="en-US" sz="1600" dirty="0"/>
-              <a:t>Removed text for using IPv6/UDP test packet with zero checksum</a:t>
+              <a:t>Removed text for IPv6/UDP test packet with zero checksum</a:t>
             </a:r>
           </a:p>
           <a:p>
@@ -7966,7 +7966,7 @@
         </p:nvSpPr>
         <p:spPr>
           <a:xfrm>
-            <a:off x="1959768" y="2109074"/>
+            <a:off x="1959766" y="2023639"/>
             <a:ext cx="5224463" cy="2708434"/>
           </a:xfrm>
           <a:prstGeom prst="rect">

--- a/draft-gandhi-spring-stamp-srpm-05.pptx
+++ b/draft-gandhi-spring-stamp-srpm-05.pptx
@@ -7188,61 +7188,8 @@
             </a:pPr>
             <a:r>
               <a:rPr lang="en-US" sz="1600" dirty="0"/>
-              <a:t>STAMP Extensions for SR was moved to </a:t>
-            </a:r>
-            <a:r>
-              <a:rPr lang="en-US" sz="1600" dirty="0">
-                <a:solidFill>
-                  <a:srgbClr val="0070C0"/>
-                </a:solidFill>
-              </a:rPr>
-              <a:t>draft-</a:t>
-            </a:r>
-            <a:r>
-              <a:rPr lang="en-US" sz="1600" dirty="0" err="1">
-                <a:solidFill>
-                  <a:srgbClr val="0070C0"/>
-                </a:solidFill>
-              </a:rPr>
-              <a:t>gandhi</a:t>
-            </a:r>
-            <a:r>
-              <a:rPr lang="en-US" sz="1600" dirty="0">
-                <a:solidFill>
-                  <a:srgbClr val="0070C0"/>
-                </a:solidFill>
-              </a:rPr>
-              <a:t>-</a:t>
-            </a:r>
-            <a:r>
-              <a:rPr lang="en-US" sz="1600" dirty="0" err="1">
-                <a:solidFill>
-                  <a:srgbClr val="0070C0"/>
-                </a:solidFill>
-              </a:rPr>
-              <a:t>ippm</a:t>
-            </a:r>
-            <a:r>
-              <a:rPr lang="en-US" sz="1600" dirty="0">
-                <a:solidFill>
-                  <a:srgbClr val="0070C0"/>
-                </a:solidFill>
-              </a:rPr>
-              <a:t>-stamp-</a:t>
-            </a:r>
-            <a:r>
-              <a:rPr lang="en-US" sz="1600" dirty="0" err="1">
-                <a:solidFill>
-                  <a:srgbClr val="0070C0"/>
-                </a:solidFill>
-              </a:rPr>
-              <a:t>srpm</a:t>
-            </a:r>
-            <a:endParaRPr lang="en-US" sz="1600" dirty="0">
-              <a:solidFill>
-                <a:srgbClr val="0070C0"/>
-              </a:solidFill>
-            </a:endParaRPr>
+              <a:t>Replaced TWAMP Light draft with STAMP draft</a:t>
+            </a:r>
           </a:p>
           <a:p>
             <a:pPr lvl="1">
@@ -7260,7 +7207,7 @@
             </a:pPr>
             <a:r>
               <a:rPr lang="en-US" sz="1600" dirty="0"/>
-              <a:t>Replaced TWAMP Light draft with STAMP draft</a:t>
+              <a:t>Draft status - Informational</a:t>
             </a:r>
           </a:p>
           <a:p>
@@ -7279,7 +7226,7 @@
             </a:pPr>
             <a:r>
               <a:rPr lang="en-US" sz="1600" dirty="0"/>
-              <a:t>Draft status - Informational</a:t>
+              <a:t>Updated terminology to align with STAMP</a:t>
             </a:r>
           </a:p>
           <a:p>
@@ -7298,7 +7245,7 @@
             </a:pPr>
             <a:r>
               <a:rPr lang="en-US" sz="1600" dirty="0"/>
-              <a:t>Updated terminology to align with STAMP</a:t>
+              <a:t>Added (test) packet loss section</a:t>
             </a:r>
           </a:p>
           <a:p>
@@ -7317,26 +7264,7 @@
             </a:pPr>
             <a:r>
               <a:rPr lang="en-US" sz="1600" dirty="0"/>
-              <a:t>Added (test) packet loss section</a:t>
-            </a:r>
-          </a:p>
-          <a:p>
-            <a:pPr lvl="1">
-              <a:lnSpc>
-                <a:spcPts val="2000"/>
-              </a:lnSpc>
-              <a:spcBef>
-                <a:spcPts val="600"/>
-              </a:spcBef>
-              <a:spcAft>
-                <a:spcPts val="0"/>
-              </a:spcAft>
-              <a:buFont typeface="Wingdings" pitchFamily="2" charset="2"/>
-              <a:buChar char="ü"/>
-            </a:pPr>
-            <a:r>
-              <a:rPr lang="en-US" sz="1600" dirty="0"/>
-              <a:t>Removed STAMP direct measurement messages</a:t>
+              <a:t>Removed stand-alone direct measurement messages</a:t>
             </a:r>
           </a:p>
           <a:p>

--- a/draft-gandhi-spring-stamp-srpm-05.pptx
+++ b/draft-gandhi-spring-stamp-srpm-05.pptx
@@ -257,7 +257,7 @@
           <a:p>
             <a:fld id="{E8FA3DB5-7722-3F4F-947D-12B203669AD7}" type="datetimeFigureOut">
               <a:rPr lang="en-US" smtClean="0"/>
-              <a:t>2/10/21</a:t>
+              <a:t>2/17/21</a:t>
             </a:fld>
             <a:endParaRPr lang="en-US"/>
           </a:p>
@@ -7245,7 +7245,7 @@
             </a:pPr>
             <a:r>
               <a:rPr lang="en-US" sz="1600" dirty="0"/>
-              <a:t>Added (test) packet loss section</a:t>
+              <a:t>Added (synthetic) packet loss section</a:t>
             </a:r>
           </a:p>
           <a:p>

--- a/draft-gandhi-spring-stamp-srpm-05.pptx
+++ b/draft-gandhi-spring-stamp-srpm-05.pptx
@@ -257,7 +257,7 @@
           <a:p>
             <a:fld id="{E8FA3DB5-7722-3F4F-947D-12B203669AD7}" type="datetimeFigureOut">
               <a:rPr lang="en-US" smtClean="0"/>
-              <a:t>2/17/21</a:t>
+              <a:t>2/22/21</a:t>
             </a:fld>
             <a:endParaRPr lang="en-US"/>
           </a:p>
@@ -5266,8 +5266,8 @@
         </p:nvSpPr>
         <p:spPr>
           <a:xfrm>
-            <a:off x="457200" y="885497"/>
-            <a:ext cx="8319052" cy="3543300"/>
+            <a:off x="457200" y="885496"/>
+            <a:ext cx="8319052" cy="3819853"/>
           </a:xfrm>
         </p:spPr>
         <p:txBody>
@@ -5283,7 +5283,7 @@
               </a:spcBef>
             </a:pPr>
             <a:r>
-              <a:rPr lang="en-US" sz="1600" dirty="0"/>
+              <a:rPr lang="en-US" sz="1400" dirty="0"/>
               <a:t>Need to measure in-band one-way, two-way and round-trip delay metrics in SR networks</a:t>
             </a:r>
           </a:p>
@@ -5297,7 +5297,7 @@
               </a:spcBef>
             </a:pPr>
             <a:r>
-              <a:rPr lang="en-US" sz="1600" dirty="0"/>
+              <a:rPr lang="en-US" sz="1400" dirty="0"/>
               <a:t>One-way Delay Measurement Mode</a:t>
             </a:r>
           </a:p>
@@ -5311,7 +5311,7 @@
               </a:spcBef>
             </a:pPr>
             <a:r>
-              <a:rPr lang="en-US" sz="1600" dirty="0"/>
+              <a:rPr lang="en-US" sz="1400" dirty="0"/>
               <a:t>Existing (default) behavior</a:t>
             </a:r>
           </a:p>
@@ -5325,8 +5325,74 @@
               </a:spcBef>
             </a:pPr>
             <a:r>
-              <a:rPr lang="en-US" sz="1600" dirty="0"/>
+              <a:rPr lang="en-US" sz="1400" dirty="0"/>
               <a:t>Two-way Delay Measurement Mode</a:t>
+            </a:r>
+          </a:p>
+          <a:p>
+            <a:pPr lvl="1">
+              <a:spcBef>
+                <a:spcPts val="600"/>
+              </a:spcBef>
+            </a:pPr>
+            <a:r>
+              <a:rPr lang="en-US" sz="1400" dirty="0"/>
+              <a:t>STAMP Session-Reflector test packet sent “in-band” on reverse path</a:t>
+            </a:r>
+          </a:p>
+          <a:p>
+            <a:pPr lvl="1">
+              <a:spcBef>
+                <a:spcPts val="600"/>
+              </a:spcBef>
+            </a:pPr>
+            <a:r>
+              <a:rPr lang="en-US" sz="1400" dirty="0"/>
+              <a:t>Stateless mode of Session-Reflector</a:t>
+            </a:r>
+          </a:p>
+          <a:p>
+            <a:pPr lvl="1">
+              <a:spcBef>
+                <a:spcPts val="600"/>
+              </a:spcBef>
+            </a:pPr>
+            <a:r>
+              <a:rPr lang="en-US" sz="1400" dirty="0">
+                <a:solidFill>
+                  <a:srgbClr val="0070C0"/>
+                </a:solidFill>
+              </a:rPr>
+              <a:t>Link: Use Control Code Sub-TLV in the Return Path TLV from the received test packet.</a:t>
+            </a:r>
+          </a:p>
+          <a:p>
+            <a:pPr lvl="1">
+              <a:spcBef>
+                <a:spcPts val="600"/>
+              </a:spcBef>
+            </a:pPr>
+            <a:r>
+              <a:rPr lang="en-US" sz="1400" dirty="0">
+                <a:solidFill>
+                  <a:srgbClr val="0070C0"/>
+                </a:solidFill>
+              </a:rPr>
+              <a:t>E2E SR path: Use Segment List Sub-TLV in the Return Path TLV from the received test packet.</a:t>
+            </a:r>
+          </a:p>
+          <a:p>
+            <a:pPr>
+              <a:lnSpc>
+                <a:spcPts val="2360"/>
+              </a:lnSpc>
+              <a:spcBef>
+                <a:spcPts val="600"/>
+              </a:spcBef>
+            </a:pPr>
+            <a:r>
+              <a:rPr lang="en-US" sz="1400" dirty="0"/>
+              <a:t>Round-trip Delay Measurement Mode</a:t>
             </a:r>
           </a:p>
           <a:p>
@@ -5339,31 +5405,10 @@
               </a:spcBef>
             </a:pPr>
             <a:r>
-              <a:rPr lang="en-US" sz="1600" dirty="0"/>
-              <a:t>STAMP Session-Reflector test packet sent “in-band” on reverse path</a:t>
-            </a:r>
-          </a:p>
-          <a:p>
-            <a:pPr lvl="1"/>
-            <a:r>
-              <a:rPr lang="en-US" sz="1600" dirty="0">
-                <a:solidFill>
-                  <a:srgbClr val="0070C0"/>
-                </a:solidFill>
-              </a:rPr>
-              <a:t>Link: Use Control Code Sub-TLV in the Return Path TLV from the received test packet.</a:t>
-            </a:r>
-          </a:p>
-          <a:p>
-            <a:pPr lvl="1"/>
-            <a:r>
-              <a:rPr lang="en-US" sz="1600" dirty="0">
-                <a:solidFill>
-                  <a:srgbClr val="0070C0"/>
-                </a:solidFill>
-              </a:rPr>
-              <a:t>E2E SR path: Use Segment List Sub-TLV in the Return Path TLV from the received test packet.</a:t>
-            </a:r>
+              <a:rPr lang="en-US" sz="1400" dirty="0"/>
+              <a:t>STAMP Session-Sender test packet sent in loopback mode, carries the return path in the packet header</a:t>
+            </a:r>
+            <a:endParaRPr lang="en-US" sz="1400" b="1" dirty="0"/>
           </a:p>
           <a:p>
             <a:pPr>
@@ -5374,36 +5419,7 @@
                 <a:spcPts val="600"/>
               </a:spcBef>
             </a:pPr>
-            <a:r>
-              <a:rPr lang="en-US" sz="1600" dirty="0"/>
-              <a:t>Round-trip Delay Measurement Mode</a:t>
-            </a:r>
-          </a:p>
-          <a:p>
-            <a:pPr lvl="1">
-              <a:lnSpc>
-                <a:spcPts val="2360"/>
-              </a:lnSpc>
-              <a:spcBef>
-                <a:spcPts val="600"/>
-              </a:spcBef>
-            </a:pPr>
-            <a:r>
-              <a:rPr lang="en-US" sz="1600" dirty="0"/>
-              <a:t>STAMP Session-Sender test packet sent in loopback mode, carries the return path in the packet header</a:t>
-            </a:r>
-            <a:endParaRPr lang="en-US" sz="1600" b="1" dirty="0"/>
-          </a:p>
-          <a:p>
-            <a:pPr>
-              <a:lnSpc>
-                <a:spcPts val="2360"/>
-              </a:lnSpc>
-              <a:spcBef>
-                <a:spcPts val="600"/>
-              </a:spcBef>
-            </a:pPr>
-            <a:endParaRPr lang="en-US" sz="1600" dirty="0"/>
+            <a:endParaRPr lang="en-US" sz="1400" dirty="0"/>
           </a:p>
         </p:txBody>
       </p:sp>

--- a/draft-gandhi-spring-stamp-srpm-05.pptx
+++ b/draft-gandhi-spring-stamp-srpm-05.pptx
@@ -257,7 +257,7 @@
           <a:p>
             <a:fld id="{E8FA3DB5-7722-3F4F-947D-12B203669AD7}" type="datetimeFigureOut">
               <a:rPr lang="en-US" smtClean="0"/>
-              <a:t>2/22/21</a:t>
+              <a:t>2/23/21</a:t>
             </a:fld>
             <a:endParaRPr lang="en-US"/>
           </a:p>
@@ -5276,7 +5276,7 @@
           <a:p>
             <a:pPr>
               <a:lnSpc>
-                <a:spcPts val="2360"/>
+                <a:spcPts val="1980"/>
               </a:lnSpc>
               <a:spcBef>
                 <a:spcPts val="600"/>
@@ -5290,7 +5290,7 @@
           <a:p>
             <a:pPr>
               <a:lnSpc>
-                <a:spcPts val="2360"/>
+                <a:spcPts val="1980"/>
               </a:lnSpc>
               <a:spcBef>
                 <a:spcPts val="600"/>
@@ -5304,7 +5304,7 @@
           <a:p>
             <a:pPr lvl="1">
               <a:lnSpc>
-                <a:spcPts val="2360"/>
+                <a:spcPts val="1980"/>
               </a:lnSpc>
               <a:spcBef>
                 <a:spcPts val="600"/>
@@ -5318,7 +5318,7 @@
           <a:p>
             <a:pPr>
               <a:lnSpc>
-                <a:spcPts val="2360"/>
+                <a:spcPts val="1980"/>
               </a:lnSpc>
               <a:spcBef>
                 <a:spcPts val="600"/>
@@ -5331,6 +5331,9 @@
           </a:p>
           <a:p>
             <a:pPr lvl="1">
+              <a:lnSpc>
+                <a:spcPts val="1980"/>
+              </a:lnSpc>
               <a:spcBef>
                 <a:spcPts val="600"/>
               </a:spcBef>
@@ -5342,6 +5345,9 @@
           </a:p>
           <a:p>
             <a:pPr lvl="1">
+              <a:lnSpc>
+                <a:spcPts val="1980"/>
+              </a:lnSpc>
               <a:spcBef>
                 <a:spcPts val="600"/>
               </a:spcBef>
@@ -5353,6 +5359,9 @@
           </a:p>
           <a:p>
             <a:pPr lvl="1">
+              <a:lnSpc>
+                <a:spcPts val="1980"/>
+              </a:lnSpc>
               <a:spcBef>
                 <a:spcPts val="600"/>
               </a:spcBef>
@@ -5368,6 +5377,9 @@
           </a:p>
           <a:p>
             <a:pPr lvl="1">
+              <a:lnSpc>
+                <a:spcPts val="1980"/>
+              </a:lnSpc>
               <a:spcBef>
                 <a:spcPts val="600"/>
               </a:spcBef>
@@ -5384,7 +5396,7 @@
           <a:p>
             <a:pPr>
               <a:lnSpc>
-                <a:spcPts val="2360"/>
+                <a:spcPts val="1980"/>
               </a:lnSpc>
               <a:spcBef>
                 <a:spcPts val="600"/>
@@ -5398,7 +5410,7 @@
           <a:p>
             <a:pPr lvl="1">
               <a:lnSpc>
-                <a:spcPts val="2360"/>
+                <a:spcPts val="1980"/>
               </a:lnSpc>
               <a:spcBef>
                 <a:spcPts val="600"/>
@@ -5556,7 +5568,7 @@
             </a:pPr>
             <a:r>
               <a:rPr lang="en-US" sz="1600" dirty="0"/>
-              <a:t>SR Path can have ECMP between the ingress and transit nodes, between transit nodes and between transit and egress nodes.</a:t>
+              <a:t>SR Path can have ECMP between the ingress and transit nodes, between transit nodes and between transit and egress nodes</a:t>
             </a:r>
           </a:p>
           <a:p>
@@ -5570,7 +5582,7 @@
             </a:pPr>
             <a:r>
               <a:rPr lang="en-US" sz="1600" dirty="0"/>
-              <a:t>Sending STAMP test packets that can take advantage of the hashing function in forwarding plane.</a:t>
+              <a:t>Sending STAMP test packets that can take advantage of the hashing function in forwarding plane</a:t>
             </a:r>
           </a:p>
           <a:p>
@@ -7879,7 +7891,7 @@
           <a:p>
             <a:r>
               <a:rPr lang="en-US" sz="1400" dirty="0"/>
-              <a:t>For links, the STAMP Session-Sender test packets are transmitted over the links using local and remote link addresses</a:t>
+              <a:t>For links, STAMP Session-Sender test packets are transmitted over the links using local and remote link addresses</a:t>
             </a:r>
           </a:p>
           <a:p>
@@ -8711,12 +8723,9 @@
             </a:lvl9pPr>
           </a:lstStyle>
           <a:p>
-            <a:pPr marL="0" indent="0">
-              <a:buNone/>
-            </a:pPr>
             <a:r>
               <a:rPr lang="en-US" sz="1200" dirty="0"/>
-              <a:t>For end-to-end SR Policy, the STAMP Session-Sender test packets are  transmitted on the SR Policy with:</a:t>
+              <a:t>For end-to-end SR Policy, STAMP Session-Sender test packets are  transmitted with:</a:t>
             </a:r>
           </a:p>
           <a:p>
@@ -9362,7 +9371,7 @@
         </p:nvSpPr>
         <p:spPr>
           <a:xfrm>
-            <a:off x="3962400" y="2647950"/>
+            <a:off x="4114800" y="2571750"/>
             <a:ext cx="4724400" cy="1892826"/>
           </a:xfrm>
           <a:prstGeom prst="rect">
@@ -9523,7 +9532,7 @@
         <p:spPr bwMode="auto">
           <a:xfrm>
             <a:off x="304800" y="950726"/>
-            <a:ext cx="4429897" cy="2743200"/>
+            <a:ext cx="4429897" cy="2230624"/>
           </a:xfrm>
           <a:prstGeom prst="rect">
             <a:avLst/>
@@ -9736,15 +9745,6 @@
               <a:rPr lang="en-US" sz="1600" dirty="0"/>
               <a:t>IPv4 TTL is set to 1</a:t>
             </a:r>
-          </a:p>
-          <a:p>
-            <a:pPr marL="0" indent="0">
-              <a:spcBef>
-                <a:spcPts val="600"/>
-              </a:spcBef>
-              <a:buNone/>
-            </a:pPr>
-            <a:endParaRPr lang="en-US" sz="1600" dirty="0"/>
           </a:p>
         </p:txBody>
       </p:sp>

--- a/draft-gandhi-spring-stamp-srpm-05.pptx
+++ b/draft-gandhi-spring-stamp-srpm-05.pptx
@@ -257,7 +257,7 @@
           <a:p>
             <a:fld id="{E8FA3DB5-7722-3F4F-947D-12B203669AD7}" type="datetimeFigureOut">
               <a:rPr lang="en-US" smtClean="0"/>
-              <a:t>2/23/21</a:t>
+              <a:t>2/24/21</a:t>
             </a:fld>
             <a:endParaRPr lang="en-US"/>
           </a:p>
@@ -7829,7 +7829,7 @@
                 <a:latin typeface="Calibri Light" panose="020F0302020204030204" pitchFamily="34" charset="0"/>
                 <a:cs typeface="Calibri Light" panose="020F0302020204030204" pitchFamily="34" charset="0"/>
               </a:rPr>
-              <a:t>Session-Sender Test Packet for Links</a:t>
+              <a:t>STAMP Session-Sender Test Packet for Links</a:t>
             </a:r>
           </a:p>
         </p:txBody>
@@ -8225,7 +8225,7 @@
                 <a:ea typeface="Courier" charset="0"/>
                 <a:cs typeface="Courier" charset="0"/>
               </a:rPr>
-              <a:t>          Figure 1: Session-Sender Test Packet for links</a:t>
+              <a:t>       Figure 1: STAMP Session-Sender Test Packet for links</a:t>
             </a:r>
             <a:endParaRPr lang="en-US" sz="1000" dirty="0">
               <a:latin typeface="Courier" pitchFamily="2" charset="0"/>

--- a/draft-gandhi-spring-stamp-srpm-05.pptx
+++ b/draft-gandhi-spring-stamp-srpm-05.pptx
@@ -257,7 +257,7 @@
           <a:p>
             <a:fld id="{E8FA3DB5-7722-3F4F-947D-12B203669AD7}" type="datetimeFigureOut">
               <a:rPr lang="en-US" smtClean="0"/>
-              <a:t>2/24/21</a:t>
+              <a:t>2/28/21</a:t>
             </a:fld>
             <a:endParaRPr lang="en-US"/>
           </a:p>
@@ -5354,7 +5354,7 @@
             </a:pPr>
             <a:r>
               <a:rPr lang="en-US" sz="1400" dirty="0"/>
-              <a:t>Stateless mode of Session-Reflector</a:t>
+              <a:t>Stateless mode of Session-Reflector – per each test session</a:t>
             </a:r>
           </a:p>
           <a:p>
@@ -6894,7 +6894,7 @@
             </a:pPr>
             <a:r>
               <a:rPr lang="en-US" sz="1400" dirty="0"/>
-              <a:t>Avoid provisioning and maintaining test sessions on Session-Reflector - Stateless mode</a:t>
+              <a:t>Avoid provisioning and maintaining each test session on Session-Reflector - Stateless mode</a:t>
             </a:r>
           </a:p>
           <a:p>

--- a/draft-gandhi-spring-stamp-srpm-05.pptx
+++ b/draft-gandhi-spring-stamp-srpm-05.pptx
@@ -257,7 +257,7 @@
           <a:p>
             <a:fld id="{E8FA3DB5-7722-3F4F-947D-12B203669AD7}" type="datetimeFigureOut">
               <a:rPr lang="en-US" smtClean="0"/>
-              <a:t>2/28/21</a:t>
+              <a:t>3/2/21</a:t>
             </a:fld>
             <a:endParaRPr lang="en-US"/>
           </a:p>
@@ -7198,25 +7198,6 @@
             <a:r>
               <a:rPr lang="en-US" sz="1600" dirty="0"/>
               <a:t>Updates:</a:t>
-            </a:r>
-          </a:p>
-          <a:p>
-            <a:pPr lvl="1">
-              <a:lnSpc>
-                <a:spcPts val="2000"/>
-              </a:lnSpc>
-              <a:spcBef>
-                <a:spcPts val="600"/>
-              </a:spcBef>
-              <a:spcAft>
-                <a:spcPts val="0"/>
-              </a:spcAft>
-              <a:buFont typeface="Wingdings" pitchFamily="2" charset="2"/>
-              <a:buChar char="ü"/>
-            </a:pPr>
-            <a:r>
-              <a:rPr lang="en-US" sz="1600" dirty="0"/>
-              <a:t>Replaced TWAMP Light draft with STAMP draft</a:t>
             </a:r>
           </a:p>
           <a:p>

--- a/draft-gandhi-spring-stamp-srpm-05.pptx
+++ b/draft-gandhi-spring-stamp-srpm-05.pptx
@@ -5354,7 +5354,7 @@
             </a:pPr>
             <a:r>
               <a:rPr lang="en-US" sz="1400" dirty="0"/>
-              <a:t>Stateless mode of Session-Reflector – per each test session</a:t>
+              <a:t>Avoid per test session state on Session-Reflector</a:t>
             </a:r>
           </a:p>
           <a:p>
@@ -6894,7 +6894,7 @@
             </a:pPr>
             <a:r>
               <a:rPr lang="en-US" sz="1400" dirty="0"/>
-              <a:t>Avoid provisioning and maintaining each test session on Session-Reflector - Stateless mode</a:t>
+              <a:t>Avoid provisioning and maintaining each test session on Session-Reflector</a:t>
             </a:r>
           </a:p>
           <a:p>

--- a/draft-gandhi-spring-stamp-srpm-05.pptx
+++ b/draft-gandhi-spring-stamp-srpm-05.pptx
@@ -8741,7 +8741,7 @@
             <a:pPr lvl="2"/>
             <a:r>
               <a:rPr lang="en-US" sz="1200" dirty="0"/>
-              <a:t>Using upper-layer processing defined in SRv6 network programming</a:t>
+              <a:t>Using upper-layer processing (for UDP header) defined in SRv6 network programming</a:t>
             </a:r>
           </a:p>
           <a:p>
@@ -9843,7 +9843,7 @@
           <a:p>
             <a:r>
               <a:rPr lang="en-US" sz="1600" dirty="0"/>
-              <a:t>STAMP Session-Reflector reply test packet is sent using the IP/UDP information from the received test packet. </a:t>
+              <a:t>STAMP Session-Reflector reply test packet is transmitted using the IP/UDP information from the received test packet. </a:t>
             </a:r>
           </a:p>
           <a:p>
